--- a/Progress/3D_Calcs.pptx
+++ b/Progress/3D_Calcs.pptx
@@ -5,15 +5,28 @@
     <p:sldMasterId id="2147483648" r:id="rId1"/>
   </p:sldMasterIdLst>
   <p:sldIdLst>
-    <p:sldId id="257" r:id="rId2"/>
-    <p:sldId id="258" r:id="rId3"/>
-    <p:sldId id="259" r:id="rId4"/>
-    <p:sldId id="260" r:id="rId5"/>
-    <p:sldId id="264" r:id="rId6"/>
-    <p:sldId id="261" r:id="rId7"/>
-    <p:sldId id="262" r:id="rId8"/>
-    <p:sldId id="263" r:id="rId9"/>
-    <p:sldId id="256" r:id="rId10"/>
+    <p:sldId id="265" r:id="rId2"/>
+    <p:sldId id="266" r:id="rId3"/>
+    <p:sldId id="267" r:id="rId4"/>
+    <p:sldId id="257" r:id="rId5"/>
+    <p:sldId id="258" r:id="rId6"/>
+    <p:sldId id="259" r:id="rId7"/>
+    <p:sldId id="260" r:id="rId8"/>
+    <p:sldId id="264" r:id="rId9"/>
+    <p:sldId id="261" r:id="rId10"/>
+    <p:sldId id="262" r:id="rId11"/>
+    <p:sldId id="263" r:id="rId12"/>
+    <p:sldId id="256" r:id="rId13"/>
+    <p:sldId id="268" r:id="rId14"/>
+    <p:sldId id="269" r:id="rId15"/>
+    <p:sldId id="270" r:id="rId16"/>
+    <p:sldId id="271" r:id="rId17"/>
+    <p:sldId id="272" r:id="rId18"/>
+    <p:sldId id="275" r:id="rId19"/>
+    <p:sldId id="276" r:id="rId20"/>
+    <p:sldId id="274" r:id="rId21"/>
+    <p:sldId id="273" r:id="rId22"/>
+    <p:sldId id="277" r:id="rId23"/>
   </p:sldIdLst>
   <p:sldSz cx="12192000" cy="6858000"/>
   <p:notesSz cx="6858000" cy="9144000"/>
@@ -267,7 +280,7 @@
           <a:p>
             <a:fld id="{6BD5D3B6-5CA1-4C9B-8367-FA96701F1B34}" type="datetimeFigureOut">
               <a:rPr lang="en-US" smtClean="0"/>
-              <a:t>9/30/2023</a:t>
+              <a:t>10/25/2023</a:t>
             </a:fld>
             <a:endParaRPr lang="en-US"/>
           </a:p>
@@ -465,7 +478,7 @@
           <a:p>
             <a:fld id="{6BD5D3B6-5CA1-4C9B-8367-FA96701F1B34}" type="datetimeFigureOut">
               <a:rPr lang="en-US" smtClean="0"/>
-              <a:t>9/30/2023</a:t>
+              <a:t>10/25/2023</a:t>
             </a:fld>
             <a:endParaRPr lang="en-US"/>
           </a:p>
@@ -673,7 +686,7 @@
           <a:p>
             <a:fld id="{6BD5D3B6-5CA1-4C9B-8367-FA96701F1B34}" type="datetimeFigureOut">
               <a:rPr lang="en-US" smtClean="0"/>
-              <a:t>9/30/2023</a:t>
+              <a:t>10/25/2023</a:t>
             </a:fld>
             <a:endParaRPr lang="en-US"/>
           </a:p>
@@ -871,7 +884,7 @@
           <a:p>
             <a:fld id="{6BD5D3B6-5CA1-4C9B-8367-FA96701F1B34}" type="datetimeFigureOut">
               <a:rPr lang="en-US" smtClean="0"/>
-              <a:t>9/30/2023</a:t>
+              <a:t>10/25/2023</a:t>
             </a:fld>
             <a:endParaRPr lang="en-US"/>
           </a:p>
@@ -1146,7 +1159,7 @@
           <a:p>
             <a:fld id="{6BD5D3B6-5CA1-4C9B-8367-FA96701F1B34}" type="datetimeFigureOut">
               <a:rPr lang="en-US" smtClean="0"/>
-              <a:t>9/30/2023</a:t>
+              <a:t>10/25/2023</a:t>
             </a:fld>
             <a:endParaRPr lang="en-US"/>
           </a:p>
@@ -1411,7 +1424,7 @@
           <a:p>
             <a:fld id="{6BD5D3B6-5CA1-4C9B-8367-FA96701F1B34}" type="datetimeFigureOut">
               <a:rPr lang="en-US" smtClean="0"/>
-              <a:t>9/30/2023</a:t>
+              <a:t>10/25/2023</a:t>
             </a:fld>
             <a:endParaRPr lang="en-US"/>
           </a:p>
@@ -1823,7 +1836,7 @@
           <a:p>
             <a:fld id="{6BD5D3B6-5CA1-4C9B-8367-FA96701F1B34}" type="datetimeFigureOut">
               <a:rPr lang="en-US" smtClean="0"/>
-              <a:t>9/30/2023</a:t>
+              <a:t>10/25/2023</a:t>
             </a:fld>
             <a:endParaRPr lang="en-US"/>
           </a:p>
@@ -1964,7 +1977,7 @@
           <a:p>
             <a:fld id="{6BD5D3B6-5CA1-4C9B-8367-FA96701F1B34}" type="datetimeFigureOut">
               <a:rPr lang="en-US" smtClean="0"/>
-              <a:t>9/30/2023</a:t>
+              <a:t>10/25/2023</a:t>
             </a:fld>
             <a:endParaRPr lang="en-US"/>
           </a:p>
@@ -2077,7 +2090,7 @@
           <a:p>
             <a:fld id="{6BD5D3B6-5CA1-4C9B-8367-FA96701F1B34}" type="datetimeFigureOut">
               <a:rPr lang="en-US" smtClean="0"/>
-              <a:t>9/30/2023</a:t>
+              <a:t>10/25/2023</a:t>
             </a:fld>
             <a:endParaRPr lang="en-US"/>
           </a:p>
@@ -2388,7 +2401,7 @@
           <a:p>
             <a:fld id="{6BD5D3B6-5CA1-4C9B-8367-FA96701F1B34}" type="datetimeFigureOut">
               <a:rPr lang="en-US" smtClean="0"/>
-              <a:t>9/30/2023</a:t>
+              <a:t>10/25/2023</a:t>
             </a:fld>
             <a:endParaRPr lang="en-US"/>
           </a:p>
@@ -2676,7 +2689,7 @@
           <a:p>
             <a:fld id="{6BD5D3B6-5CA1-4C9B-8367-FA96701F1B34}" type="datetimeFigureOut">
               <a:rPr lang="en-US" smtClean="0"/>
-              <a:t>9/30/2023</a:t>
+              <a:t>10/25/2023</a:t>
             </a:fld>
             <a:endParaRPr lang="en-US"/>
           </a:p>
@@ -2917,7 +2930,7 @@
           <a:p>
             <a:fld id="{6BD5D3B6-5CA1-4C9B-8367-FA96701F1B34}" type="datetimeFigureOut">
               <a:rPr lang="en-US" smtClean="0"/>
-              <a:t>9/30/2023</a:t>
+              <a:t>10/25/2023</a:t>
             </a:fld>
             <a:endParaRPr lang="en-US"/>
           </a:p>
@@ -3336,6 +3349,6321 @@
       </p:grpSpPr>
       <p:sp>
         <p:nvSpPr>
+          <p:cNvPr id="2" name="Title 1">
+            <a:extLst>
+              <a:ext uri="{FF2B5EF4-FFF2-40B4-BE49-F238E27FC236}">
+                <a16:creationId xmlns:a16="http://schemas.microsoft.com/office/drawing/2014/main" id="{8A1D6ED6-A24F-6505-2507-4FE8D4B445B9}"/>
+              </a:ext>
+            </a:extLst>
+          </p:cNvPr>
+          <p:cNvSpPr>
+            <a:spLocks noGrp="1"/>
+          </p:cNvSpPr>
+          <p:nvPr>
+            <p:ph type="ctrTitle"/>
+          </p:nvPr>
+        </p:nvSpPr>
+        <p:spPr/>
+        <p:txBody>
+          <a:bodyPr/>
+          <a:lstStyle/>
+          <a:p>
+            <a:r>
+              <a:rPr lang="en-US" dirty="0"/>
+              <a:t> WRF Cloud Water Content</a:t>
+            </a:r>
+          </a:p>
+        </p:txBody>
+      </p:sp>
+      <p:sp>
+        <p:nvSpPr>
+          <p:cNvPr id="3" name="Subtitle 2">
+            <a:extLst>
+              <a:ext uri="{FF2B5EF4-FFF2-40B4-BE49-F238E27FC236}">
+                <a16:creationId xmlns:a16="http://schemas.microsoft.com/office/drawing/2014/main" id="{05172ED2-9C92-0A6D-CCC7-96EC77B34B1C}"/>
+              </a:ext>
+            </a:extLst>
+          </p:cNvPr>
+          <p:cNvSpPr>
+            <a:spLocks noGrp="1"/>
+          </p:cNvSpPr>
+          <p:nvPr>
+            <p:ph type="subTitle" idx="1"/>
+          </p:nvPr>
+        </p:nvSpPr>
+        <p:spPr/>
+        <p:txBody>
+          <a:bodyPr/>
+          <a:lstStyle/>
+          <a:p>
+            <a:endParaRPr lang="en-US"/>
+          </a:p>
+        </p:txBody>
+      </p:sp>
+    </p:spTree>
+    <p:extLst>
+      <p:ext uri="{BB962C8B-B14F-4D97-AF65-F5344CB8AC3E}">
+        <p14:creationId xmlns:p14="http://schemas.microsoft.com/office/powerpoint/2010/main" val="1480668827"/>
+      </p:ext>
+    </p:extLst>
+  </p:cSld>
+  <p:clrMapOvr>
+    <a:masterClrMapping/>
+  </p:clrMapOvr>
+</p:sld>
+</file>
+
+<file path=ppt/slides/slide10.xml><?xml version="1.0" encoding="utf-8"?>
+<p:sld xmlns:a="http://schemas.openxmlformats.org/drawingml/2006/main" xmlns:r="http://schemas.openxmlformats.org/officeDocument/2006/relationships" xmlns:p="http://schemas.openxmlformats.org/presentationml/2006/main">
+  <p:cSld>
+    <p:spTree>
+      <p:nvGrpSpPr>
+        <p:cNvPr id="1" name=""/>
+        <p:cNvGrpSpPr/>
+        <p:nvPr/>
+      </p:nvGrpSpPr>
+      <p:grpSpPr>
+        <a:xfrm>
+          <a:off x="0" y="0"/>
+          <a:ext cx="0" cy="0"/>
+          <a:chOff x="0" y="0"/>
+          <a:chExt cx="0" cy="0"/>
+        </a:xfrm>
+      </p:grpSpPr>
+      <p:sp>
+        <p:nvSpPr>
+          <p:cNvPr id="2" name="Title 1">
+            <a:extLst>
+              <a:ext uri="{FF2B5EF4-FFF2-40B4-BE49-F238E27FC236}">
+                <a16:creationId xmlns:a16="http://schemas.microsoft.com/office/drawing/2014/main" id="{52C45DCF-829A-A304-971C-C54AD16CABE1}"/>
+              </a:ext>
+            </a:extLst>
+          </p:cNvPr>
+          <p:cNvSpPr>
+            <a:spLocks noGrp="1"/>
+          </p:cNvSpPr>
+          <p:nvPr>
+            <p:ph type="title"/>
+          </p:nvPr>
+        </p:nvSpPr>
+        <p:spPr/>
+        <p:txBody>
+          <a:bodyPr/>
+          <a:lstStyle/>
+          <a:p>
+            <a:r>
+              <a:rPr lang="en-US" dirty="0"/>
+              <a:t>Worked Example</a:t>
+            </a:r>
+          </a:p>
+        </p:txBody>
+      </p:sp>
+      <mc:AlternateContent xmlns:mc="http://schemas.openxmlformats.org/markup-compatibility/2006" xmlns:a14="http://schemas.microsoft.com/office/drawing/2010/main">
+        <mc:Choice Requires="a14">
+          <p:sp>
+            <p:nvSpPr>
+              <p:cNvPr id="3" name="Content Placeholder 2">
+                <a:extLst>
+                  <a:ext uri="{FF2B5EF4-FFF2-40B4-BE49-F238E27FC236}">
+                    <a16:creationId xmlns:a16="http://schemas.microsoft.com/office/drawing/2014/main" id="{3AF31AA9-3FFF-9F4D-E500-C190A43B3925}"/>
+                  </a:ext>
+                </a:extLst>
+              </p:cNvPr>
+              <p:cNvSpPr>
+                <a:spLocks noGrp="1"/>
+              </p:cNvSpPr>
+              <p:nvPr>
+                <p:ph idx="1"/>
+              </p:nvPr>
+            </p:nvSpPr>
+            <p:spPr/>
+            <p:txBody>
+              <a:bodyPr>
+                <a:normAutofit fontScale="92500" lnSpcReduction="20000"/>
+              </a:bodyPr>
+              <a:lstStyle/>
+              <a:p>
+                <a:r>
+                  <a:rPr lang="en-US" dirty="0"/>
+                  <a:t>Qcloud = 0.0003359161 </a:t>
+                </a:r>
+                <a14:m>
+                  <m:oMath xmlns:m="http://schemas.openxmlformats.org/officeDocument/2006/math">
+                    <m:f>
+                      <m:fPr>
+                        <m:ctrlPr>
+                          <a:rPr lang="en-US" i="1" smtClean="0">
+                            <a:latin typeface="Cambria Math" panose="02040503050406030204" pitchFamily="18" charset="0"/>
+                          </a:rPr>
+                        </m:ctrlPr>
+                      </m:fPr>
+                      <m:num>
+                        <m:r>
+                          <a:rPr lang="en-US" b="0" i="1" smtClean="0">
+                            <a:latin typeface="Cambria Math" panose="02040503050406030204" pitchFamily="18" charset="0"/>
+                          </a:rPr>
+                          <m:t>𝑘𝑔</m:t>
+                        </m:r>
+                      </m:num>
+                      <m:den>
+                        <m:r>
+                          <a:rPr lang="en-US" b="0" i="1" smtClean="0">
+                            <a:latin typeface="Cambria Math" panose="02040503050406030204" pitchFamily="18" charset="0"/>
+                          </a:rPr>
+                          <m:t>𝑘𝑔</m:t>
+                        </m:r>
+                      </m:den>
+                    </m:f>
+                  </m:oMath>
+                </a14:m>
+                <a:endParaRPr lang="en-US" dirty="0"/>
+              </a:p>
+              <a:p>
+                <a:r>
+                  <a:rPr lang="en-US" dirty="0"/>
+                  <a:t>PSFC = 84566.53 </a:t>
+                </a:r>
+                <a14:m>
+                  <m:oMath xmlns:m="http://schemas.openxmlformats.org/officeDocument/2006/math">
+                    <m:r>
+                      <a:rPr lang="en-US" b="0" i="1" smtClean="0">
+                        <a:latin typeface="Cambria Math" panose="02040503050406030204" pitchFamily="18" charset="0"/>
+                      </a:rPr>
+                      <m:t>𝑃𝑎</m:t>
+                    </m:r>
+                  </m:oMath>
+                </a14:m>
+                <a:endParaRPr lang="en-US" dirty="0"/>
+              </a:p>
+              <a:p>
+                <a:r>
+                  <a:rPr lang="en-US" dirty="0"/>
+                  <a:t>T2 = 287.6883 </a:t>
+                </a:r>
+                <a:r>
+                  <a:rPr lang="en-US" i="1" dirty="0"/>
+                  <a:t>K</a:t>
+                </a:r>
+              </a:p>
+              <a:p>
+                <a:r>
+                  <a:rPr lang="en-US" dirty="0"/>
+                  <a:t>R</a:t>
+                </a:r>
+                <a:r>
+                  <a:rPr lang="en-US" i="1" dirty="0"/>
+                  <a:t> = </a:t>
+                </a:r>
+                <a14:m>
+                  <m:oMath xmlns:m="http://schemas.openxmlformats.org/officeDocument/2006/math">
+                    <m:r>
+                      <a:rPr lang="en-US" b="0" i="1" smtClean="0">
+                        <a:latin typeface="Cambria Math" panose="02040503050406030204" pitchFamily="18" charset="0"/>
+                      </a:rPr>
+                      <m:t>287 </m:t>
+                    </m:r>
+                    <m:f>
+                      <m:fPr>
+                        <m:ctrlPr>
+                          <a:rPr lang="en-US" b="0" i="1" smtClean="0">
+                            <a:latin typeface="Cambria Math" panose="02040503050406030204" pitchFamily="18" charset="0"/>
+                          </a:rPr>
+                        </m:ctrlPr>
+                      </m:fPr>
+                      <m:num>
+                        <m:sSup>
+                          <m:sSupPr>
+                            <m:ctrlPr>
+                              <a:rPr lang="en-US" b="0" i="1" smtClean="0">
+                                <a:latin typeface="Cambria Math" panose="02040503050406030204" pitchFamily="18" charset="0"/>
+                              </a:rPr>
+                            </m:ctrlPr>
+                          </m:sSupPr>
+                          <m:e>
+                            <m:r>
+                              <a:rPr lang="en-US" b="0" i="1" smtClean="0">
+                                <a:latin typeface="Cambria Math" panose="02040503050406030204" pitchFamily="18" charset="0"/>
+                              </a:rPr>
+                              <m:t>𝑚</m:t>
+                            </m:r>
+                          </m:e>
+                          <m:sup>
+                            <m:r>
+                              <a:rPr lang="en-US" b="0" i="1" smtClean="0">
+                                <a:latin typeface="Cambria Math" panose="02040503050406030204" pitchFamily="18" charset="0"/>
+                              </a:rPr>
+                              <m:t>2</m:t>
+                            </m:r>
+                          </m:sup>
+                        </m:sSup>
+                      </m:num>
+                      <m:den>
+                        <m:r>
+                          <a:rPr lang="en-US" b="0" i="1" smtClean="0">
+                            <a:latin typeface="Cambria Math" panose="02040503050406030204" pitchFamily="18" charset="0"/>
+                          </a:rPr>
+                          <m:t>𝐾</m:t>
+                        </m:r>
+                        <m:r>
+                          <a:rPr lang="en-US" b="0" i="1" smtClean="0">
+                            <a:latin typeface="Cambria Math" panose="02040503050406030204" pitchFamily="18" charset="0"/>
+                          </a:rPr>
+                          <m:t> ∗</m:t>
+                        </m:r>
+                        <m:sSup>
+                          <m:sSupPr>
+                            <m:ctrlPr>
+                              <a:rPr lang="en-US" b="0" i="1" smtClean="0">
+                                <a:latin typeface="Cambria Math" panose="02040503050406030204" pitchFamily="18" charset="0"/>
+                              </a:rPr>
+                            </m:ctrlPr>
+                          </m:sSupPr>
+                          <m:e>
+                            <m:r>
+                              <a:rPr lang="en-US" b="0" i="1" smtClean="0">
+                                <a:latin typeface="Cambria Math" panose="02040503050406030204" pitchFamily="18" charset="0"/>
+                              </a:rPr>
+                              <m:t>𝑠</m:t>
+                            </m:r>
+                          </m:e>
+                          <m:sup>
+                            <m:r>
+                              <a:rPr lang="en-US" b="0" i="1" smtClean="0">
+                                <a:latin typeface="Cambria Math" panose="02040503050406030204" pitchFamily="18" charset="0"/>
+                              </a:rPr>
+                              <m:t>2</m:t>
+                            </m:r>
+                          </m:sup>
+                        </m:sSup>
+                      </m:den>
+                    </m:f>
+                  </m:oMath>
+                </a14:m>
+                <a:endParaRPr lang="en-US" i="1" dirty="0"/>
+              </a:p>
+              <a:p>
+                <a14:m>
+                  <m:oMath xmlns:m="http://schemas.openxmlformats.org/officeDocument/2006/math">
+                    <m:sSub>
+                      <m:sSubPr>
+                        <m:ctrlPr>
+                          <a:rPr lang="en-US" b="0" i="1" smtClean="0">
+                            <a:latin typeface="Cambria Math" panose="02040503050406030204" pitchFamily="18" charset="0"/>
+                            <a:ea typeface="Cambria Math" panose="02040503050406030204" pitchFamily="18" charset="0"/>
+                          </a:rPr>
+                        </m:ctrlPr>
+                      </m:sSubPr>
+                      <m:e>
+                        <m:r>
+                          <a:rPr lang="en-US" b="0" i="1" smtClean="0">
+                            <a:latin typeface="Cambria Math" panose="02040503050406030204" pitchFamily="18" charset="0"/>
+                            <a:ea typeface="Cambria Math" panose="02040503050406030204" pitchFamily="18" charset="0"/>
+                          </a:rPr>
+                          <m:t>𝜌</m:t>
+                        </m:r>
+                      </m:e>
+                      <m:sub>
+                        <m:r>
+                          <a:rPr lang="en-US" b="0" i="1" smtClean="0">
+                            <a:latin typeface="Cambria Math" panose="02040503050406030204" pitchFamily="18" charset="0"/>
+                            <a:ea typeface="Cambria Math" panose="02040503050406030204" pitchFamily="18" charset="0"/>
+                          </a:rPr>
+                          <m:t>𝑎𝑖𝑟</m:t>
+                        </m:r>
+                      </m:sub>
+                    </m:sSub>
+                    <m:r>
+                      <a:rPr lang="en-US" b="0" i="1" smtClean="0">
+                        <a:latin typeface="Cambria Math" panose="02040503050406030204" pitchFamily="18" charset="0"/>
+                        <a:ea typeface="Cambria Math" panose="02040503050406030204" pitchFamily="18" charset="0"/>
+                      </a:rPr>
+                      <m:t>= </m:t>
+                    </m:r>
+                    <m:f>
+                      <m:fPr>
+                        <m:ctrlPr>
+                          <a:rPr lang="en-US" b="0" i="1" smtClean="0">
+                            <a:latin typeface="Cambria Math" panose="02040503050406030204" pitchFamily="18" charset="0"/>
+                            <a:ea typeface="Cambria Math" panose="02040503050406030204" pitchFamily="18" charset="0"/>
+                          </a:rPr>
+                        </m:ctrlPr>
+                      </m:fPr>
+                      <m:num>
+                        <m:r>
+                          <a:rPr lang="en-US" b="0" i="1" smtClean="0">
+                            <a:latin typeface="Cambria Math" panose="02040503050406030204" pitchFamily="18" charset="0"/>
+                            <a:ea typeface="Cambria Math" panose="02040503050406030204" pitchFamily="18" charset="0"/>
+                          </a:rPr>
+                          <m:t>𝑃𝑆𝐹𝐶</m:t>
+                        </m:r>
+                      </m:num>
+                      <m:den>
+                        <m:r>
+                          <a:rPr lang="en-US" b="0" i="1" smtClean="0">
+                            <a:latin typeface="Cambria Math" panose="02040503050406030204" pitchFamily="18" charset="0"/>
+                            <a:ea typeface="Cambria Math" panose="02040503050406030204" pitchFamily="18" charset="0"/>
+                          </a:rPr>
+                          <m:t>𝑇</m:t>
+                        </m:r>
+                        <m:r>
+                          <a:rPr lang="en-US" b="0" i="1" smtClean="0">
+                            <a:latin typeface="Cambria Math" panose="02040503050406030204" pitchFamily="18" charset="0"/>
+                            <a:ea typeface="Cambria Math" panose="02040503050406030204" pitchFamily="18" charset="0"/>
+                          </a:rPr>
+                          <m:t>2 ∗</m:t>
+                        </m:r>
+                        <m:r>
+                          <a:rPr lang="en-US" b="0" i="1" smtClean="0">
+                            <a:latin typeface="Cambria Math" panose="02040503050406030204" pitchFamily="18" charset="0"/>
+                            <a:ea typeface="Cambria Math" panose="02040503050406030204" pitchFamily="18" charset="0"/>
+                          </a:rPr>
+                          <m:t>𝑅</m:t>
+                        </m:r>
+                      </m:den>
+                    </m:f>
+                  </m:oMath>
+                </a14:m>
+                <a:endParaRPr lang="en-US" b="0" i="1" dirty="0">
+                  <a:latin typeface="Cambria Math" panose="02040503050406030204" pitchFamily="18" charset="0"/>
+                  <a:ea typeface="Cambria Math" panose="02040503050406030204" pitchFamily="18" charset="0"/>
+                </a:endParaRPr>
+              </a:p>
+              <a:p>
+                <a14:m>
+                  <m:oMath xmlns:m="http://schemas.openxmlformats.org/officeDocument/2006/math">
+                    <m:sSub>
+                      <m:sSubPr>
+                        <m:ctrlPr>
+                          <a:rPr lang="en-US" b="0" i="1" smtClean="0">
+                            <a:latin typeface="Cambria Math" panose="02040503050406030204" pitchFamily="18" charset="0"/>
+                            <a:ea typeface="Cambria Math" panose="02040503050406030204" pitchFamily="18" charset="0"/>
+                          </a:rPr>
+                        </m:ctrlPr>
+                      </m:sSubPr>
+                      <m:e>
+                        <m:r>
+                          <a:rPr lang="en-US" b="0" i="1" smtClean="0">
+                            <a:latin typeface="Cambria Math" panose="02040503050406030204" pitchFamily="18" charset="0"/>
+                            <a:ea typeface="Cambria Math" panose="02040503050406030204" pitchFamily="18" charset="0"/>
+                          </a:rPr>
+                          <m:t>𝜌</m:t>
+                        </m:r>
+                      </m:e>
+                      <m:sub>
+                        <m:r>
+                          <a:rPr lang="en-US" b="0" i="1" smtClean="0">
+                            <a:latin typeface="Cambria Math" panose="02040503050406030204" pitchFamily="18" charset="0"/>
+                            <a:ea typeface="Cambria Math" panose="02040503050406030204" pitchFamily="18" charset="0"/>
+                          </a:rPr>
+                          <m:t>𝑎𝑖𝑟</m:t>
+                        </m:r>
+                      </m:sub>
+                    </m:sSub>
+                  </m:oMath>
+                </a14:m>
+                <a:r>
+                  <a:rPr lang="en-US" i="1" dirty="0"/>
+                  <a:t> = </a:t>
+                </a:r>
+                <a:r>
+                  <a:rPr lang="en-US" dirty="0"/>
+                  <a:t>1.024223</a:t>
+                </a:r>
+              </a:p>
+              <a:p>
+                <a:r>
+                  <a:rPr lang="en-US" dirty="0"/>
+                  <a:t>Liquid cloud water = </a:t>
+                </a:r>
+                <a14:m>
+                  <m:oMath xmlns:m="http://schemas.openxmlformats.org/officeDocument/2006/math">
+                    <m:sSub>
+                      <m:sSubPr>
+                        <m:ctrlPr>
+                          <a:rPr lang="en-US" b="0" i="1" smtClean="0">
+                            <a:latin typeface="Cambria Math" panose="02040503050406030204" pitchFamily="18" charset="0"/>
+                            <a:ea typeface="Cambria Math" panose="02040503050406030204" pitchFamily="18" charset="0"/>
+                          </a:rPr>
+                        </m:ctrlPr>
+                      </m:sSubPr>
+                      <m:e>
+                        <m:r>
+                          <a:rPr lang="en-US" b="0" i="1" smtClean="0">
+                            <a:latin typeface="Cambria Math" panose="02040503050406030204" pitchFamily="18" charset="0"/>
+                            <a:ea typeface="Cambria Math" panose="02040503050406030204" pitchFamily="18" charset="0"/>
+                          </a:rPr>
+                          <m:t>𝜌</m:t>
+                        </m:r>
+                      </m:e>
+                      <m:sub>
+                        <m:r>
+                          <a:rPr lang="en-US" b="0" i="1" smtClean="0">
+                            <a:latin typeface="Cambria Math" panose="02040503050406030204" pitchFamily="18" charset="0"/>
+                            <a:ea typeface="Cambria Math" panose="02040503050406030204" pitchFamily="18" charset="0"/>
+                          </a:rPr>
+                          <m:t>𝑎𝑖𝑟</m:t>
+                        </m:r>
+                      </m:sub>
+                    </m:sSub>
+                    <m:r>
+                      <a:rPr lang="en-US" b="0" i="1" smtClean="0">
+                        <a:latin typeface="Cambria Math" panose="02040503050406030204" pitchFamily="18" charset="0"/>
+                        <a:ea typeface="Cambria Math" panose="02040503050406030204" pitchFamily="18" charset="0"/>
+                      </a:rPr>
+                      <m:t> ∗</m:t>
+                    </m:r>
+                    <m:r>
+                      <a:rPr lang="en-US" b="0" i="1" smtClean="0">
+                        <a:latin typeface="Cambria Math" panose="02040503050406030204" pitchFamily="18" charset="0"/>
+                        <a:ea typeface="Cambria Math" panose="02040503050406030204" pitchFamily="18" charset="0"/>
+                      </a:rPr>
+                      <m:t>𝑄𝑐𝑙𝑜𝑢𝑑</m:t>
+                    </m:r>
+                    <m:r>
+                      <a:rPr lang="en-US" b="0" i="1" smtClean="0">
+                        <a:latin typeface="Cambria Math" panose="02040503050406030204" pitchFamily="18" charset="0"/>
+                        <a:ea typeface="Cambria Math" panose="02040503050406030204" pitchFamily="18" charset="0"/>
+                      </a:rPr>
+                      <m:t> ∗1000</m:t>
+                    </m:r>
+                  </m:oMath>
+                </a14:m>
+                <a:endParaRPr lang="en-US" b="0" dirty="0">
+                  <a:ea typeface="Cambria Math" panose="02040503050406030204" pitchFamily="18" charset="0"/>
+                </a:endParaRPr>
+              </a:p>
+              <a:p>
+                <a:r>
+                  <a:rPr lang="en-US" dirty="0"/>
+                  <a:t>Liquid cloud water = 1.024223 * 0.003359161 * 1000</a:t>
+                </a:r>
+              </a:p>
+              <a:p>
+                <a:r>
+                  <a:rPr lang="en-US" dirty="0"/>
+                  <a:t>Liquid cloud water = 0.3440529 </a:t>
+                </a:r>
+                <a14:m>
+                  <m:oMath xmlns:m="http://schemas.openxmlformats.org/officeDocument/2006/math">
+                    <m:f>
+                      <m:fPr>
+                        <m:ctrlPr>
+                          <a:rPr lang="en-US" i="1" smtClean="0">
+                            <a:latin typeface="Cambria Math" panose="02040503050406030204" pitchFamily="18" charset="0"/>
+                          </a:rPr>
+                        </m:ctrlPr>
+                      </m:fPr>
+                      <m:num>
+                        <m:r>
+                          <a:rPr lang="en-US" b="0" i="1" smtClean="0">
+                            <a:latin typeface="Cambria Math" panose="02040503050406030204" pitchFamily="18" charset="0"/>
+                          </a:rPr>
+                          <m:t>𝑔</m:t>
+                        </m:r>
+                      </m:num>
+                      <m:den>
+                        <m:sSup>
+                          <m:sSupPr>
+                            <m:ctrlPr>
+                              <a:rPr lang="en-US" b="0" i="1" smtClean="0">
+                                <a:latin typeface="Cambria Math" panose="02040503050406030204" pitchFamily="18" charset="0"/>
+                              </a:rPr>
+                            </m:ctrlPr>
+                          </m:sSupPr>
+                          <m:e>
+                            <m:r>
+                              <a:rPr lang="en-US" b="0" i="1" smtClean="0">
+                                <a:latin typeface="Cambria Math" panose="02040503050406030204" pitchFamily="18" charset="0"/>
+                              </a:rPr>
+                              <m:t>𝑚</m:t>
+                            </m:r>
+                          </m:e>
+                          <m:sup>
+                            <m:r>
+                              <a:rPr lang="en-US" b="0" i="1" smtClean="0">
+                                <a:latin typeface="Cambria Math" panose="02040503050406030204" pitchFamily="18" charset="0"/>
+                              </a:rPr>
+                              <m:t>3</m:t>
+                            </m:r>
+                          </m:sup>
+                        </m:sSup>
+                      </m:den>
+                    </m:f>
+                  </m:oMath>
+                </a14:m>
+                <a:endParaRPr lang="en-US" dirty="0"/>
+              </a:p>
+            </p:txBody>
+          </p:sp>
+        </mc:Choice>
+        <mc:Fallback xmlns="">
+          <p:sp>
+            <p:nvSpPr>
+              <p:cNvPr id="3" name="Content Placeholder 2">
+                <a:extLst>
+                  <a:ext uri="{FF2B5EF4-FFF2-40B4-BE49-F238E27FC236}">
+                    <a16:creationId xmlns:a16="http://schemas.microsoft.com/office/drawing/2014/main" id="{3AF31AA9-3FFF-9F4D-E500-C190A43B3925}"/>
+                  </a:ext>
+                </a:extLst>
+              </p:cNvPr>
+              <p:cNvSpPr>
+                <a:spLocks noGrp="1" noRot="1" noChangeAspect="1" noMove="1" noResize="1" noEditPoints="1" noAdjustHandles="1" noChangeArrowheads="1" noChangeShapeType="1" noTextEdit="1"/>
+              </p:cNvSpPr>
+              <p:nvPr>
+                <p:ph idx="1"/>
+              </p:nvPr>
+            </p:nvSpPr>
+            <p:spPr>
+              <a:blipFill>
+                <a:blip r:embed="rId2"/>
+                <a:stretch>
+                  <a:fillRect l="-928" t="-2241" b="-140"/>
+                </a:stretch>
+              </a:blipFill>
+            </p:spPr>
+            <p:txBody>
+              <a:bodyPr/>
+              <a:lstStyle/>
+              <a:p>
+                <a:r>
+                  <a:rPr lang="en-US">
+                    <a:noFill/>
+                  </a:rPr>
+                  <a:t> </a:t>
+                </a:r>
+              </a:p>
+            </p:txBody>
+          </p:sp>
+        </mc:Fallback>
+      </mc:AlternateContent>
+    </p:spTree>
+    <p:extLst>
+      <p:ext uri="{BB962C8B-B14F-4D97-AF65-F5344CB8AC3E}">
+        <p14:creationId xmlns:p14="http://schemas.microsoft.com/office/powerpoint/2010/main" val="2993514802"/>
+      </p:ext>
+    </p:extLst>
+  </p:cSld>
+  <p:clrMapOvr>
+    <a:masterClrMapping/>
+  </p:clrMapOvr>
+</p:sld>
+</file>
+
+<file path=ppt/slides/slide11.xml><?xml version="1.0" encoding="utf-8"?>
+<p:sld xmlns:a="http://schemas.openxmlformats.org/drawingml/2006/main" xmlns:r="http://schemas.openxmlformats.org/officeDocument/2006/relationships" xmlns:p="http://schemas.openxmlformats.org/presentationml/2006/main">
+  <p:cSld>
+    <p:spTree>
+      <p:nvGrpSpPr>
+        <p:cNvPr id="1" name=""/>
+        <p:cNvGrpSpPr/>
+        <p:nvPr/>
+      </p:nvGrpSpPr>
+      <p:grpSpPr>
+        <a:xfrm>
+          <a:off x="0" y="0"/>
+          <a:ext cx="0" cy="0"/>
+          <a:chOff x="0" y="0"/>
+          <a:chExt cx="0" cy="0"/>
+        </a:xfrm>
+      </p:grpSpPr>
+      <p:sp>
+        <p:nvSpPr>
+          <p:cNvPr id="2" name="Title 1">
+            <a:extLst>
+              <a:ext uri="{FF2B5EF4-FFF2-40B4-BE49-F238E27FC236}">
+                <a16:creationId xmlns:a16="http://schemas.microsoft.com/office/drawing/2014/main" id="{959A4DC6-2447-00E5-5323-E48D7B4961B5}"/>
+              </a:ext>
+            </a:extLst>
+          </p:cNvPr>
+          <p:cNvSpPr>
+            <a:spLocks noGrp="1"/>
+          </p:cNvSpPr>
+          <p:nvPr>
+            <p:ph type="title"/>
+          </p:nvPr>
+        </p:nvSpPr>
+        <p:spPr/>
+        <p:txBody>
+          <a:bodyPr/>
+          <a:lstStyle/>
+          <a:p>
+            <a:r>
+              <a:rPr lang="en-US" dirty="0"/>
+              <a:t>Considerations</a:t>
+            </a:r>
+          </a:p>
+        </p:txBody>
+      </p:sp>
+      <p:sp>
+        <p:nvSpPr>
+          <p:cNvPr id="3" name="Content Placeholder 2">
+            <a:extLst>
+              <a:ext uri="{FF2B5EF4-FFF2-40B4-BE49-F238E27FC236}">
+                <a16:creationId xmlns:a16="http://schemas.microsoft.com/office/drawing/2014/main" id="{68F96895-B4E0-1AE5-2302-920724CB7532}"/>
+              </a:ext>
+            </a:extLst>
+          </p:cNvPr>
+          <p:cNvSpPr>
+            <a:spLocks noGrp="1"/>
+          </p:cNvSpPr>
+          <p:nvPr>
+            <p:ph idx="1"/>
+          </p:nvPr>
+        </p:nvSpPr>
+        <p:spPr/>
+        <p:txBody>
+          <a:bodyPr/>
+          <a:lstStyle/>
+          <a:p>
+            <a:r>
+              <a:rPr lang="en-US" dirty="0"/>
+              <a:t>This calculation does not include an integral over the thickness of the layer</a:t>
+            </a:r>
+          </a:p>
+        </p:txBody>
+      </p:sp>
+    </p:spTree>
+    <p:extLst>
+      <p:ext uri="{BB962C8B-B14F-4D97-AF65-F5344CB8AC3E}">
+        <p14:creationId xmlns:p14="http://schemas.microsoft.com/office/powerpoint/2010/main" val="2621776082"/>
+      </p:ext>
+    </p:extLst>
+  </p:cSld>
+  <p:clrMapOvr>
+    <a:masterClrMapping/>
+  </p:clrMapOvr>
+</p:sld>
+</file>
+
+<file path=ppt/slides/slide12.xml><?xml version="1.0" encoding="utf-8"?>
+<p:sld xmlns:a="http://schemas.openxmlformats.org/drawingml/2006/main" xmlns:r="http://schemas.openxmlformats.org/officeDocument/2006/relationships" xmlns:p="http://schemas.openxmlformats.org/presentationml/2006/main">
+  <p:cSld>
+    <p:spTree>
+      <p:nvGrpSpPr>
+        <p:cNvPr id="1" name=""/>
+        <p:cNvGrpSpPr/>
+        <p:nvPr/>
+      </p:nvGrpSpPr>
+      <p:grpSpPr>
+        <a:xfrm>
+          <a:off x="0" y="0"/>
+          <a:ext cx="0" cy="0"/>
+          <a:chOff x="0" y="0"/>
+          <a:chExt cx="0" cy="0"/>
+        </a:xfrm>
+      </p:grpSpPr>
+      <p:pic>
+        <p:nvPicPr>
+          <p:cNvPr id="9" name="Picture 8" descr="A person writing on a whiteboard&#10;&#10;Description automatically generated">
+            <a:extLst>
+              <a:ext uri="{FF2B5EF4-FFF2-40B4-BE49-F238E27FC236}">
+                <a16:creationId xmlns:a16="http://schemas.microsoft.com/office/drawing/2014/main" id="{EDF9175F-2832-1623-ACA4-26B78FDEBC0A}"/>
+              </a:ext>
+            </a:extLst>
+          </p:cNvPr>
+          <p:cNvPicPr>
+            <a:picLocks noChangeAspect="1"/>
+          </p:cNvPicPr>
+          <p:nvPr/>
+        </p:nvPicPr>
+        <p:blipFill>
+          <a:blip r:embed="rId2">
+            <a:extLst>
+              <a:ext uri="{28A0092B-C50C-407E-A947-70E740481C1C}">
+                <a14:useLocalDpi xmlns:a14="http://schemas.microsoft.com/office/drawing/2010/main" val="0"/>
+              </a:ext>
+            </a:extLst>
+          </a:blip>
+          <a:stretch>
+            <a:fillRect/>
+          </a:stretch>
+        </p:blipFill>
+        <p:spPr>
+          <a:xfrm>
+            <a:off x="0" y="0"/>
+            <a:ext cx="12192000" cy="6858000"/>
+          </a:xfrm>
+          <a:prstGeom prst="rect">
+            <a:avLst/>
+          </a:prstGeom>
+        </p:spPr>
+      </p:pic>
+    </p:spTree>
+    <p:extLst>
+      <p:ext uri="{BB962C8B-B14F-4D97-AF65-F5344CB8AC3E}">
+        <p14:creationId xmlns:p14="http://schemas.microsoft.com/office/powerpoint/2010/main" val="1919006133"/>
+      </p:ext>
+    </p:extLst>
+  </p:cSld>
+  <p:clrMapOvr>
+    <a:masterClrMapping/>
+  </p:clrMapOvr>
+</p:sld>
+</file>
+
+<file path=ppt/slides/slide13.xml><?xml version="1.0" encoding="utf-8"?>
+<p:sld xmlns:a="http://schemas.openxmlformats.org/drawingml/2006/main" xmlns:r="http://schemas.openxmlformats.org/officeDocument/2006/relationships" xmlns:p="http://schemas.openxmlformats.org/presentationml/2006/main">
+  <p:cSld>
+    <p:spTree>
+      <p:nvGrpSpPr>
+        <p:cNvPr id="1" name=""/>
+        <p:cNvGrpSpPr/>
+        <p:nvPr/>
+      </p:nvGrpSpPr>
+      <p:grpSpPr>
+        <a:xfrm>
+          <a:off x="0" y="0"/>
+          <a:ext cx="0" cy="0"/>
+          <a:chOff x="0" y="0"/>
+          <a:chExt cx="0" cy="0"/>
+        </a:xfrm>
+      </p:grpSpPr>
+      <p:sp>
+        <p:nvSpPr>
+          <p:cNvPr id="2" name="Title 1">
+            <a:extLst>
+              <a:ext uri="{FF2B5EF4-FFF2-40B4-BE49-F238E27FC236}">
+                <a16:creationId xmlns:a16="http://schemas.microsoft.com/office/drawing/2014/main" id="{AF4AE562-1F71-8540-B546-BC94A08B3854}"/>
+              </a:ext>
+            </a:extLst>
+          </p:cNvPr>
+          <p:cNvSpPr>
+            <a:spLocks noGrp="1"/>
+          </p:cNvSpPr>
+          <p:nvPr>
+            <p:ph type="title"/>
+          </p:nvPr>
+        </p:nvSpPr>
+        <p:spPr/>
+        <p:txBody>
+          <a:bodyPr/>
+          <a:lstStyle/>
+          <a:p>
+            <a:r>
+              <a:rPr lang="en-US" dirty="0"/>
+              <a:t>Part 2: Calculate CWF</a:t>
+            </a:r>
+          </a:p>
+        </p:txBody>
+      </p:sp>
+      <p:sp>
+        <p:nvSpPr>
+          <p:cNvPr id="3" name="Content Placeholder 2">
+            <a:extLst>
+              <a:ext uri="{FF2B5EF4-FFF2-40B4-BE49-F238E27FC236}">
+                <a16:creationId xmlns:a16="http://schemas.microsoft.com/office/drawing/2014/main" id="{A385A757-F938-05C0-9109-C84B665AFAE5}"/>
+              </a:ext>
+            </a:extLst>
+          </p:cNvPr>
+          <p:cNvSpPr>
+            <a:spLocks noGrp="1"/>
+          </p:cNvSpPr>
+          <p:nvPr>
+            <p:ph idx="1"/>
+          </p:nvPr>
+        </p:nvSpPr>
+        <p:spPr/>
+        <p:txBody>
+          <a:bodyPr/>
+          <a:lstStyle/>
+          <a:p>
+            <a:endParaRPr lang="en-US"/>
+          </a:p>
+        </p:txBody>
+      </p:sp>
+    </p:spTree>
+    <p:extLst>
+      <p:ext uri="{BB962C8B-B14F-4D97-AF65-F5344CB8AC3E}">
+        <p14:creationId xmlns:p14="http://schemas.microsoft.com/office/powerpoint/2010/main" val="1958709175"/>
+      </p:ext>
+    </p:extLst>
+  </p:cSld>
+  <p:clrMapOvr>
+    <a:masterClrMapping/>
+  </p:clrMapOvr>
+</p:sld>
+</file>
+
+<file path=ppt/slides/slide14.xml><?xml version="1.0" encoding="utf-8"?>
+<p:sld xmlns:a="http://schemas.openxmlformats.org/drawingml/2006/main" xmlns:r="http://schemas.openxmlformats.org/officeDocument/2006/relationships" xmlns:p="http://schemas.openxmlformats.org/presentationml/2006/main">
+  <p:cSld>
+    <p:spTree>
+      <p:nvGrpSpPr>
+        <p:cNvPr id="1" name=""/>
+        <p:cNvGrpSpPr/>
+        <p:nvPr/>
+      </p:nvGrpSpPr>
+      <p:grpSpPr>
+        <a:xfrm>
+          <a:off x="0" y="0"/>
+          <a:ext cx="0" cy="0"/>
+          <a:chOff x="0" y="0"/>
+          <a:chExt cx="0" cy="0"/>
+        </a:xfrm>
+      </p:grpSpPr>
+      <p:sp>
+        <p:nvSpPr>
+          <p:cNvPr id="2" name="Title 1">
+            <a:extLst>
+              <a:ext uri="{FF2B5EF4-FFF2-40B4-BE49-F238E27FC236}">
+                <a16:creationId xmlns:a16="http://schemas.microsoft.com/office/drawing/2014/main" id="{B26A034C-7A53-86F7-D250-A157836FF6DA}"/>
+              </a:ext>
+            </a:extLst>
+          </p:cNvPr>
+          <p:cNvSpPr>
+            <a:spLocks noGrp="1"/>
+          </p:cNvSpPr>
+          <p:nvPr>
+            <p:ph type="title"/>
+          </p:nvPr>
+        </p:nvSpPr>
+        <p:spPr/>
+        <p:txBody>
+          <a:bodyPr/>
+          <a:lstStyle/>
+          <a:p>
+            <a:r>
+              <a:rPr lang="en-US" dirty="0">
+                <a:solidFill>
+                  <a:srgbClr val="FF0000"/>
+                </a:solidFill>
+              </a:rPr>
+              <a:t>CURRENT PROBLEMS!!!</a:t>
+            </a:r>
+          </a:p>
+        </p:txBody>
+      </p:sp>
+      <p:sp>
+        <p:nvSpPr>
+          <p:cNvPr id="3" name="Content Placeholder 2">
+            <a:extLst>
+              <a:ext uri="{FF2B5EF4-FFF2-40B4-BE49-F238E27FC236}">
+                <a16:creationId xmlns:a16="http://schemas.microsoft.com/office/drawing/2014/main" id="{D144C6DB-D6CB-CF04-CA8B-B349B12F369C}"/>
+              </a:ext>
+            </a:extLst>
+          </p:cNvPr>
+          <p:cNvSpPr>
+            <a:spLocks noGrp="1"/>
+          </p:cNvSpPr>
+          <p:nvPr>
+            <p:ph idx="1"/>
+          </p:nvPr>
+        </p:nvSpPr>
+        <p:spPr/>
+        <p:txBody>
+          <a:bodyPr/>
+          <a:lstStyle/>
+          <a:p>
+            <a:r>
+              <a:rPr lang="en-US" dirty="0"/>
+              <a:t>The current version of the calculations require surface roughness and canopy height.</a:t>
+            </a:r>
+          </a:p>
+          <a:p>
+            <a:pPr lvl="1"/>
+            <a:r>
+              <a:rPr lang="en-US" dirty="0"/>
+              <a:t>BUT the current version is not giving the right relationship, so there is a bug somewhere.</a:t>
+            </a:r>
+          </a:p>
+          <a:p>
+            <a:r>
+              <a:rPr lang="en-US" dirty="0"/>
+              <a:t>These should be inputs to the WRF model, and therefore should already be defined, but I can’t find them.</a:t>
+            </a:r>
+          </a:p>
+          <a:p>
+            <a:r>
+              <a:rPr lang="en-US" dirty="0"/>
+              <a:t>For the worked example, I used placeholder values</a:t>
+            </a:r>
+          </a:p>
+        </p:txBody>
+      </p:sp>
+    </p:spTree>
+    <p:extLst>
+      <p:ext uri="{BB962C8B-B14F-4D97-AF65-F5344CB8AC3E}">
+        <p14:creationId xmlns:p14="http://schemas.microsoft.com/office/powerpoint/2010/main" val="949815788"/>
+      </p:ext>
+    </p:extLst>
+  </p:cSld>
+  <p:clrMapOvr>
+    <a:masterClrMapping/>
+  </p:clrMapOvr>
+</p:sld>
+</file>
+
+<file path=ppt/slides/slide15.xml><?xml version="1.0" encoding="utf-8"?>
+<p:sld xmlns:a="http://schemas.openxmlformats.org/drawingml/2006/main" xmlns:r="http://schemas.openxmlformats.org/officeDocument/2006/relationships" xmlns:p="http://schemas.openxmlformats.org/presentationml/2006/main">
+  <p:cSld>
+    <p:spTree>
+      <p:nvGrpSpPr>
+        <p:cNvPr id="1" name=""/>
+        <p:cNvGrpSpPr/>
+        <p:nvPr/>
+      </p:nvGrpSpPr>
+      <p:grpSpPr>
+        <a:xfrm>
+          <a:off x="0" y="0"/>
+          <a:ext cx="0" cy="0"/>
+          <a:chOff x="0" y="0"/>
+          <a:chExt cx="0" cy="0"/>
+        </a:xfrm>
+      </p:grpSpPr>
+      <p:sp>
+        <p:nvSpPr>
+          <p:cNvPr id="2" name="Title 1">
+            <a:extLst>
+              <a:ext uri="{FF2B5EF4-FFF2-40B4-BE49-F238E27FC236}">
+                <a16:creationId xmlns:a16="http://schemas.microsoft.com/office/drawing/2014/main" id="{FD1909C7-8842-B57D-EB76-48C4A030747E}"/>
+              </a:ext>
+            </a:extLst>
+          </p:cNvPr>
+          <p:cNvSpPr>
+            <a:spLocks noGrp="1"/>
+          </p:cNvSpPr>
+          <p:nvPr>
+            <p:ph type="title"/>
+          </p:nvPr>
+        </p:nvSpPr>
+        <p:spPr/>
+        <p:txBody>
+          <a:bodyPr/>
+          <a:lstStyle/>
+          <a:p>
+            <a:endParaRPr lang="en-US" dirty="0"/>
+          </a:p>
+        </p:txBody>
+      </p:sp>
+      <mc:AlternateContent xmlns:mc="http://schemas.openxmlformats.org/markup-compatibility/2006">
+        <mc:Choice xmlns:a14="http://schemas.microsoft.com/office/drawing/2010/main" Requires="a14">
+          <p:sp>
+            <p:nvSpPr>
+              <p:cNvPr id="5" name="TextBox 4">
+                <a:extLst>
+                  <a:ext uri="{FF2B5EF4-FFF2-40B4-BE49-F238E27FC236}">
+                    <a16:creationId xmlns:a16="http://schemas.microsoft.com/office/drawing/2014/main" id="{36E03555-E436-74E7-9C62-03F5EE5693D4}"/>
+                  </a:ext>
+                </a:extLst>
+              </p:cNvPr>
+              <p:cNvSpPr txBox="1"/>
+              <p:nvPr/>
+            </p:nvSpPr>
+            <p:spPr>
+              <a:xfrm>
+                <a:off x="2599764" y="1882588"/>
+                <a:ext cx="5742534" cy="965264"/>
+              </a:xfrm>
+              <a:prstGeom prst="rect">
+                <a:avLst/>
+              </a:prstGeom>
+              <a:noFill/>
+            </p:spPr>
+            <p:txBody>
+              <a:bodyPr wrap="none" rtlCol="0">
+                <a:spAutoFit/>
+              </a:bodyPr>
+              <a:lstStyle/>
+              <a:p>
+                <a14:m>
+                  <m:oMathPara xmlns:m="http://schemas.openxmlformats.org/officeDocument/2006/math">
+                    <m:oMathParaPr>
+                      <m:jc m:val="centerGroup"/>
+                    </m:oMathParaPr>
+                    <m:oMath xmlns:m="http://schemas.openxmlformats.org/officeDocument/2006/math">
+                      <m:r>
+                        <a:rPr lang="en-US" b="0" i="1" smtClean="0">
+                          <a:latin typeface="Cambria Math" panose="02040503050406030204" pitchFamily="18" charset="0"/>
+                        </a:rPr>
+                        <m:t>𝐶𝑊𝐹</m:t>
+                      </m:r>
+                      <m:f>
+                        <m:fPr>
+                          <m:ctrlPr>
+                            <a:rPr lang="en-US" b="0" i="1" smtClean="0">
+                              <a:latin typeface="Cambria Math" panose="02040503050406030204" pitchFamily="18" charset="0"/>
+                            </a:rPr>
+                          </m:ctrlPr>
+                        </m:fPr>
+                        <m:num>
+                          <m:r>
+                            <a:rPr lang="en-US" b="0" i="1" smtClean="0">
+                              <a:latin typeface="Cambria Math" panose="02040503050406030204" pitchFamily="18" charset="0"/>
+                            </a:rPr>
+                            <m:t>𝑚𝑚</m:t>
+                          </m:r>
+                        </m:num>
+                        <m:den>
+                          <m:r>
+                            <a:rPr lang="en-US" b="0" i="1" smtClean="0">
+                              <a:latin typeface="Cambria Math" panose="02040503050406030204" pitchFamily="18" charset="0"/>
+                            </a:rPr>
+                            <m:t>h𝑟</m:t>
+                          </m:r>
+                        </m:den>
+                      </m:f>
+                      <m:r>
+                        <a:rPr lang="en-US" b="0" i="1" smtClean="0">
+                          <a:latin typeface="Cambria Math" panose="02040503050406030204" pitchFamily="18" charset="0"/>
+                        </a:rPr>
+                        <m:t>=</m:t>
+                      </m:r>
+                      <m:f>
+                        <m:fPr>
+                          <m:ctrlPr>
+                            <a:rPr lang="en-US" b="0" i="1" smtClean="0">
+                              <a:latin typeface="Cambria Math" panose="02040503050406030204" pitchFamily="18" charset="0"/>
+                            </a:rPr>
+                          </m:ctrlPr>
+                        </m:fPr>
+                        <m:num>
+                          <m:r>
+                            <a:rPr lang="en-US" i="1">
+                              <a:latin typeface="Cambria Math" panose="02040503050406030204" pitchFamily="18" charset="0"/>
+                            </a:rPr>
+                            <m:t>𝐿</m:t>
+                          </m:r>
+                          <m:r>
+                            <a:rPr lang="en-US" b="0" i="1" smtClean="0">
+                              <a:latin typeface="Cambria Math" panose="02040503050406030204" pitchFamily="18" charset="0"/>
+                            </a:rPr>
+                            <m:t>𝐶𝑊</m:t>
+                          </m:r>
+                          <m:f>
+                            <m:fPr>
+                              <m:ctrlPr>
+                                <a:rPr lang="en-US" i="1">
+                                  <a:latin typeface="Cambria Math" panose="02040503050406030204" pitchFamily="18" charset="0"/>
+                                </a:rPr>
+                              </m:ctrlPr>
+                            </m:fPr>
+                            <m:num>
+                              <m:r>
+                                <a:rPr lang="en-US" i="1">
+                                  <a:latin typeface="Cambria Math" panose="02040503050406030204" pitchFamily="18" charset="0"/>
+                                </a:rPr>
+                                <m:t>𝑔</m:t>
+                              </m:r>
+                            </m:num>
+                            <m:den>
+                              <m:sSup>
+                                <m:sSupPr>
+                                  <m:ctrlPr>
+                                    <a:rPr lang="en-US" i="1">
+                                      <a:latin typeface="Cambria Math" panose="02040503050406030204" pitchFamily="18" charset="0"/>
+                                    </a:rPr>
+                                  </m:ctrlPr>
+                                </m:sSupPr>
+                                <m:e>
+                                  <m:r>
+                                    <a:rPr lang="en-US" i="1">
+                                      <a:latin typeface="Cambria Math" panose="02040503050406030204" pitchFamily="18" charset="0"/>
+                                    </a:rPr>
+                                    <m:t>𝑚</m:t>
+                                  </m:r>
+                                </m:e>
+                                <m:sup>
+                                  <m:r>
+                                    <a:rPr lang="en-US" i="1">
+                                      <a:latin typeface="Cambria Math" panose="02040503050406030204" pitchFamily="18" charset="0"/>
+                                    </a:rPr>
+                                    <m:t>3</m:t>
+                                  </m:r>
+                                </m:sup>
+                              </m:sSup>
+                            </m:den>
+                          </m:f>
+                        </m:num>
+                        <m:den>
+                          <m:sSub>
+                            <m:sSubPr>
+                              <m:ctrlPr>
+                                <a:rPr lang="en-US" b="0" i="1" smtClean="0">
+                                  <a:latin typeface="Cambria Math" panose="02040503050406030204" pitchFamily="18" charset="0"/>
+                                </a:rPr>
+                              </m:ctrlPr>
+                            </m:sSubPr>
+                            <m:e>
+                              <m:r>
+                                <m:rPr>
+                                  <m:sty m:val="p"/>
+                                </m:rPr>
+                                <a:rPr lang="el-GR" i="1">
+                                  <a:latin typeface="Cambria Math" panose="02040503050406030204" pitchFamily="18" charset="0"/>
+                                </a:rPr>
+                                <m:t>ρ</m:t>
+                              </m:r>
+                            </m:e>
+                            <m:sub>
+                              <m:r>
+                                <a:rPr lang="en-US" b="0" i="1" smtClean="0">
+                                  <a:latin typeface="Cambria Math" panose="02040503050406030204" pitchFamily="18" charset="0"/>
+                                </a:rPr>
+                                <m:t>𝑤𝑎𝑡𝑒𝑟</m:t>
+                              </m:r>
+                            </m:sub>
+                          </m:sSub>
+                          <m:f>
+                            <m:fPr>
+                              <m:ctrlPr>
+                                <a:rPr lang="en-US" b="0" i="1" smtClean="0">
+                                  <a:latin typeface="Cambria Math" panose="02040503050406030204" pitchFamily="18" charset="0"/>
+                                </a:rPr>
+                              </m:ctrlPr>
+                            </m:fPr>
+                            <m:num>
+                              <m:r>
+                                <a:rPr lang="en-US" b="0" i="1" smtClean="0">
+                                  <a:latin typeface="Cambria Math" panose="02040503050406030204" pitchFamily="18" charset="0"/>
+                                </a:rPr>
+                                <m:t>𝑔</m:t>
+                              </m:r>
+                            </m:num>
+                            <m:den>
+                              <m:sSup>
+                                <m:sSupPr>
+                                  <m:ctrlPr>
+                                    <a:rPr lang="en-US" b="0" i="1" smtClean="0">
+                                      <a:latin typeface="Cambria Math" panose="02040503050406030204" pitchFamily="18" charset="0"/>
+                                    </a:rPr>
+                                  </m:ctrlPr>
+                                </m:sSupPr>
+                                <m:e>
+                                  <m:r>
+                                    <a:rPr lang="en-US" b="0" i="1" smtClean="0">
+                                      <a:latin typeface="Cambria Math" panose="02040503050406030204" pitchFamily="18" charset="0"/>
+                                    </a:rPr>
+                                    <m:t>𝑐𝑚</m:t>
+                                  </m:r>
+                                </m:e>
+                                <m:sup>
+                                  <m:r>
+                                    <a:rPr lang="en-US" b="0" i="1" smtClean="0">
+                                      <a:latin typeface="Cambria Math" panose="02040503050406030204" pitchFamily="18" charset="0"/>
+                                    </a:rPr>
+                                    <m:t>3</m:t>
+                                  </m:r>
+                                </m:sup>
+                              </m:sSup>
+                            </m:den>
+                          </m:f>
+                        </m:den>
+                      </m:f>
+                      <m:r>
+                        <a:rPr lang="en-US" b="0" i="1" smtClean="0">
+                          <a:latin typeface="Cambria Math" panose="02040503050406030204" pitchFamily="18" charset="0"/>
+                        </a:rPr>
+                        <m:t> ∗</m:t>
+                      </m:r>
+                      <m:r>
+                        <a:rPr lang="en-US" b="0" i="1" smtClean="0">
+                          <a:latin typeface="Cambria Math" panose="02040503050406030204" pitchFamily="18" charset="0"/>
+                        </a:rPr>
+                        <m:t>𝑊𝑆</m:t>
+                      </m:r>
+                      <m:f>
+                        <m:fPr>
+                          <m:ctrlPr>
+                            <a:rPr lang="en-US" b="0" i="1" smtClean="0">
+                              <a:latin typeface="Cambria Math" panose="02040503050406030204" pitchFamily="18" charset="0"/>
+                            </a:rPr>
+                          </m:ctrlPr>
+                        </m:fPr>
+                        <m:num>
+                          <m:r>
+                            <a:rPr lang="en-US" b="0" i="1" smtClean="0">
+                              <a:latin typeface="Cambria Math" panose="02040503050406030204" pitchFamily="18" charset="0"/>
+                            </a:rPr>
+                            <m:t>𝑚</m:t>
+                          </m:r>
+                        </m:num>
+                        <m:den>
+                          <m:r>
+                            <a:rPr lang="en-US" b="0" i="1" smtClean="0">
+                              <a:latin typeface="Cambria Math" panose="02040503050406030204" pitchFamily="18" charset="0"/>
+                            </a:rPr>
+                            <m:t>𝑠</m:t>
+                          </m:r>
+                        </m:den>
+                      </m:f>
+                      <m:r>
+                        <a:rPr lang="en-US" b="0" i="1" smtClean="0">
+                          <a:latin typeface="Cambria Math" panose="02040503050406030204" pitchFamily="18" charset="0"/>
+                        </a:rPr>
+                        <m:t> ∗3.6 </m:t>
+                      </m:r>
+                      <m:f>
+                        <m:fPr>
+                          <m:ctrlPr>
+                            <a:rPr lang="en-US" b="0" i="1" smtClean="0">
+                              <a:latin typeface="Cambria Math" panose="02040503050406030204" pitchFamily="18" charset="0"/>
+                            </a:rPr>
+                          </m:ctrlPr>
+                        </m:fPr>
+                        <m:num>
+                          <m:sSup>
+                            <m:sSupPr>
+                              <m:ctrlPr>
+                                <a:rPr lang="en-US" b="0" i="1" smtClean="0">
+                                  <a:latin typeface="Cambria Math" panose="02040503050406030204" pitchFamily="18" charset="0"/>
+                                </a:rPr>
+                              </m:ctrlPr>
+                            </m:sSupPr>
+                            <m:e>
+                              <m:r>
+                                <a:rPr lang="en-US" b="0" i="1" smtClean="0">
+                                  <a:latin typeface="Cambria Math" panose="02040503050406030204" pitchFamily="18" charset="0"/>
+                                </a:rPr>
+                                <m:t>𝑚𝑚</m:t>
+                              </m:r>
+                            </m:e>
+                            <m:sup>
+                              <m:r>
+                                <a:rPr lang="en-US" b="0" i="1" smtClean="0">
+                                  <a:latin typeface="Cambria Math" panose="02040503050406030204" pitchFamily="18" charset="0"/>
+                                </a:rPr>
+                                <m:t>3</m:t>
+                              </m:r>
+                            </m:sup>
+                          </m:sSup>
+                        </m:num>
+                        <m:den>
+                          <m:sSup>
+                            <m:sSupPr>
+                              <m:ctrlPr>
+                                <a:rPr lang="en-US" b="0" i="1" smtClean="0">
+                                  <a:latin typeface="Cambria Math" panose="02040503050406030204" pitchFamily="18" charset="0"/>
+                                </a:rPr>
+                              </m:ctrlPr>
+                            </m:sSupPr>
+                            <m:e>
+                              <m:r>
+                                <a:rPr lang="en-US" b="0" i="1" smtClean="0">
+                                  <a:latin typeface="Cambria Math" panose="02040503050406030204" pitchFamily="18" charset="0"/>
+                                </a:rPr>
+                                <m:t>𝑐𝑚</m:t>
+                              </m:r>
+                            </m:e>
+                            <m:sup>
+                              <m:r>
+                                <a:rPr lang="en-US" b="0" i="1" smtClean="0">
+                                  <a:latin typeface="Cambria Math" panose="02040503050406030204" pitchFamily="18" charset="0"/>
+                                </a:rPr>
+                                <m:t>3</m:t>
+                              </m:r>
+                            </m:sup>
+                          </m:sSup>
+                        </m:den>
+                      </m:f>
+                      <m:r>
+                        <a:rPr lang="en-US" b="0" i="1" smtClean="0">
+                          <a:latin typeface="Cambria Math" panose="02040503050406030204" pitchFamily="18" charset="0"/>
+                        </a:rPr>
+                        <m:t>∗</m:t>
+                      </m:r>
+                      <m:f>
+                        <m:fPr>
+                          <m:ctrlPr>
+                            <a:rPr lang="en-US" b="0" i="1" smtClean="0">
+                              <a:latin typeface="Cambria Math" panose="02040503050406030204" pitchFamily="18" charset="0"/>
+                            </a:rPr>
+                          </m:ctrlPr>
+                        </m:fPr>
+                        <m:num>
+                          <m:sSup>
+                            <m:sSupPr>
+                              <m:ctrlPr>
+                                <a:rPr lang="en-US" b="0" i="1" smtClean="0">
+                                  <a:latin typeface="Cambria Math" panose="02040503050406030204" pitchFamily="18" charset="0"/>
+                                </a:rPr>
+                              </m:ctrlPr>
+                            </m:sSupPr>
+                            <m:e>
+                              <m:r>
+                                <a:rPr lang="en-US" b="0" i="1" smtClean="0">
+                                  <a:latin typeface="Cambria Math" panose="02040503050406030204" pitchFamily="18" charset="0"/>
+                                </a:rPr>
+                                <m:t>𝑚</m:t>
+                              </m:r>
+                            </m:e>
+                            <m:sup>
+                              <m:r>
+                                <a:rPr lang="en-US" b="0" i="1" smtClean="0">
+                                  <a:latin typeface="Cambria Math" panose="02040503050406030204" pitchFamily="18" charset="0"/>
+                                </a:rPr>
+                                <m:t>2</m:t>
+                              </m:r>
+                            </m:sup>
+                          </m:sSup>
+                        </m:num>
+                        <m:den>
+                          <m:sSup>
+                            <m:sSupPr>
+                              <m:ctrlPr>
+                                <a:rPr lang="en-US" b="0" i="1" smtClean="0">
+                                  <a:latin typeface="Cambria Math" panose="02040503050406030204" pitchFamily="18" charset="0"/>
+                                </a:rPr>
+                              </m:ctrlPr>
+                            </m:sSupPr>
+                            <m:e>
+                              <m:r>
+                                <a:rPr lang="en-US" b="0" i="1" smtClean="0">
+                                  <a:latin typeface="Cambria Math" panose="02040503050406030204" pitchFamily="18" charset="0"/>
+                                </a:rPr>
+                                <m:t>𝑚𝑚</m:t>
+                              </m:r>
+                            </m:e>
+                            <m:sup>
+                              <m:r>
+                                <a:rPr lang="en-US" b="0" i="1" smtClean="0">
+                                  <a:latin typeface="Cambria Math" panose="02040503050406030204" pitchFamily="18" charset="0"/>
+                                </a:rPr>
+                                <m:t>2</m:t>
+                              </m:r>
+                            </m:sup>
+                          </m:sSup>
+                        </m:den>
+                      </m:f>
+                      <m:r>
+                        <a:rPr lang="en-US" b="0" i="1" smtClean="0">
+                          <a:latin typeface="Cambria Math" panose="02040503050406030204" pitchFamily="18" charset="0"/>
+                        </a:rPr>
+                        <m:t>∗</m:t>
+                      </m:r>
+                      <m:f>
+                        <m:fPr>
+                          <m:ctrlPr>
+                            <a:rPr lang="en-US" b="0" i="1" smtClean="0">
+                              <a:latin typeface="Cambria Math" panose="02040503050406030204" pitchFamily="18" charset="0"/>
+                            </a:rPr>
+                          </m:ctrlPr>
+                        </m:fPr>
+                        <m:num>
+                          <m:r>
+                            <a:rPr lang="en-US" b="0" i="1" smtClean="0">
+                              <a:latin typeface="Cambria Math" panose="02040503050406030204" pitchFamily="18" charset="0"/>
+                            </a:rPr>
+                            <m:t>𝑠</m:t>
+                          </m:r>
+                        </m:num>
+                        <m:den>
+                          <m:r>
+                            <a:rPr lang="en-US" b="0" i="1" smtClean="0">
+                              <a:latin typeface="Cambria Math" panose="02040503050406030204" pitchFamily="18" charset="0"/>
+                            </a:rPr>
+                            <m:t>h𝑟</m:t>
+                          </m:r>
+                        </m:den>
+                      </m:f>
+                    </m:oMath>
+                  </m:oMathPara>
+                </a14:m>
+                <a:endParaRPr lang="en-US" dirty="0"/>
+              </a:p>
+            </p:txBody>
+          </p:sp>
+        </mc:Choice>
+        <mc:Fallback>
+          <p:sp>
+            <p:nvSpPr>
+              <p:cNvPr id="5" name="TextBox 4">
+                <a:extLst>
+                  <a:ext uri="{FF2B5EF4-FFF2-40B4-BE49-F238E27FC236}">
+                    <a16:creationId xmlns:a16="http://schemas.microsoft.com/office/drawing/2014/main" id="{36E03555-E436-74E7-9C62-03F5EE5693D4}"/>
+                  </a:ext>
+                </a:extLst>
+              </p:cNvPr>
+              <p:cNvSpPr txBox="1">
+                <a:spLocks noRot="1" noChangeAspect="1" noMove="1" noResize="1" noEditPoints="1" noAdjustHandles="1" noChangeArrowheads="1" noChangeShapeType="1" noTextEdit="1"/>
+              </p:cNvSpPr>
+              <p:nvPr/>
+            </p:nvSpPr>
+            <p:spPr>
+              <a:xfrm>
+                <a:off x="2599764" y="1882588"/>
+                <a:ext cx="5742534" cy="965264"/>
+              </a:xfrm>
+              <a:prstGeom prst="rect">
+                <a:avLst/>
+              </a:prstGeom>
+              <a:blipFill>
+                <a:blip r:embed="rId2"/>
+                <a:stretch>
+                  <a:fillRect/>
+                </a:stretch>
+              </a:blipFill>
+            </p:spPr>
+            <p:txBody>
+              <a:bodyPr/>
+              <a:lstStyle/>
+              <a:p>
+                <a:r>
+                  <a:rPr lang="en-US">
+                    <a:noFill/>
+                  </a:rPr>
+                  <a:t> </a:t>
+                </a:r>
+              </a:p>
+            </p:txBody>
+          </p:sp>
+        </mc:Fallback>
+      </mc:AlternateContent>
+      <mc:AlternateContent xmlns:mc="http://schemas.openxmlformats.org/markup-compatibility/2006">
+        <mc:Choice xmlns:a14="http://schemas.microsoft.com/office/drawing/2010/main" Requires="a14">
+          <p:sp>
+            <p:nvSpPr>
+              <p:cNvPr id="6" name="TextBox 5">
+                <a:extLst>
+                  <a:ext uri="{FF2B5EF4-FFF2-40B4-BE49-F238E27FC236}">
+                    <a16:creationId xmlns:a16="http://schemas.microsoft.com/office/drawing/2014/main" id="{FC5B1F62-7984-839E-C21C-2A935A403815}"/>
+                  </a:ext>
+                </a:extLst>
+              </p:cNvPr>
+              <p:cNvSpPr txBox="1"/>
+              <p:nvPr/>
+            </p:nvSpPr>
+            <p:spPr>
+              <a:xfrm>
+                <a:off x="2626656" y="2886638"/>
+                <a:ext cx="4569007" cy="719556"/>
+              </a:xfrm>
+              <a:prstGeom prst="rect">
+                <a:avLst/>
+              </a:prstGeom>
+              <a:noFill/>
+            </p:spPr>
+            <p:txBody>
+              <a:bodyPr wrap="none" rtlCol="0">
+                <a:spAutoFit/>
+              </a:bodyPr>
+              <a:lstStyle/>
+              <a:p>
+                <a14:m>
+                  <m:oMathPara xmlns:m="http://schemas.openxmlformats.org/officeDocument/2006/math">
+                    <m:oMathParaPr>
+                      <m:jc m:val="centerGroup"/>
+                    </m:oMathParaPr>
+                    <m:oMath xmlns:m="http://schemas.openxmlformats.org/officeDocument/2006/math">
+                      <m:r>
+                        <a:rPr lang="en-US" b="0" i="1" smtClean="0">
+                          <a:latin typeface="Cambria Math" panose="02040503050406030204" pitchFamily="18" charset="0"/>
+                        </a:rPr>
+                        <m:t>𝐶𝑊𝐹</m:t>
+                      </m:r>
+                      <m:f>
+                        <m:fPr>
+                          <m:ctrlPr>
+                            <a:rPr lang="en-US" b="0" i="1" smtClean="0">
+                              <a:latin typeface="Cambria Math" panose="02040503050406030204" pitchFamily="18" charset="0"/>
+                            </a:rPr>
+                          </m:ctrlPr>
+                        </m:fPr>
+                        <m:num>
+                          <m:r>
+                            <a:rPr lang="en-US" b="0" i="1" smtClean="0">
+                              <a:latin typeface="Cambria Math" panose="02040503050406030204" pitchFamily="18" charset="0"/>
+                            </a:rPr>
+                            <m:t>𝑚𝑚</m:t>
+                          </m:r>
+                        </m:num>
+                        <m:den>
+                          <m:r>
+                            <a:rPr lang="en-US" b="0" i="1" smtClean="0">
+                              <a:latin typeface="Cambria Math" panose="02040503050406030204" pitchFamily="18" charset="0"/>
+                            </a:rPr>
+                            <m:t>h𝑟</m:t>
+                          </m:r>
+                        </m:den>
+                      </m:f>
+                      <m:r>
+                        <a:rPr lang="en-US" b="0" i="1" smtClean="0">
+                          <a:latin typeface="Cambria Math" panose="02040503050406030204" pitchFamily="18" charset="0"/>
+                        </a:rPr>
+                        <m:t>=</m:t>
+                      </m:r>
+                      <m:f>
+                        <m:fPr>
+                          <m:ctrlPr>
+                            <a:rPr lang="en-US" b="0" i="1" smtClean="0">
+                              <a:latin typeface="Cambria Math" panose="02040503050406030204" pitchFamily="18" charset="0"/>
+                            </a:rPr>
+                          </m:ctrlPr>
+                        </m:fPr>
+                        <m:num>
+                          <m:r>
+                            <a:rPr lang="en-US" i="1">
+                              <a:latin typeface="Cambria Math" panose="02040503050406030204" pitchFamily="18" charset="0"/>
+                            </a:rPr>
+                            <m:t>𝐿</m:t>
+                          </m:r>
+                          <m:r>
+                            <a:rPr lang="en-US" b="0" i="1" smtClean="0">
+                              <a:latin typeface="Cambria Math" panose="02040503050406030204" pitchFamily="18" charset="0"/>
+                            </a:rPr>
+                            <m:t>𝐶𝑊</m:t>
+                          </m:r>
+                        </m:num>
+                        <m:den>
+                          <m:sSub>
+                            <m:sSubPr>
+                              <m:ctrlPr>
+                                <a:rPr lang="en-US" b="0" i="1" smtClean="0">
+                                  <a:latin typeface="Cambria Math" panose="02040503050406030204" pitchFamily="18" charset="0"/>
+                                </a:rPr>
+                              </m:ctrlPr>
+                            </m:sSubPr>
+                            <m:e>
+                              <m:r>
+                                <m:rPr>
+                                  <m:sty m:val="p"/>
+                                </m:rPr>
+                                <a:rPr lang="el-GR" i="1">
+                                  <a:latin typeface="Cambria Math" panose="02040503050406030204" pitchFamily="18" charset="0"/>
+                                </a:rPr>
+                                <m:t>ρ</m:t>
+                              </m:r>
+                            </m:e>
+                            <m:sub>
+                              <m:r>
+                                <a:rPr lang="en-US" b="0" i="1" smtClean="0">
+                                  <a:latin typeface="Cambria Math" panose="02040503050406030204" pitchFamily="18" charset="0"/>
+                                </a:rPr>
+                                <m:t>𝑤𝑎𝑡𝑒𝑟</m:t>
+                              </m:r>
+                            </m:sub>
+                          </m:sSub>
+                        </m:den>
+                      </m:f>
+                      <m:r>
+                        <a:rPr lang="en-US" b="0" i="1" smtClean="0">
+                          <a:latin typeface="Cambria Math" panose="02040503050406030204" pitchFamily="18" charset="0"/>
+                        </a:rPr>
+                        <m:t> ∗</m:t>
+                      </m:r>
+                      <m:r>
+                        <a:rPr lang="en-US" b="0" i="1" smtClean="0">
+                          <a:latin typeface="Cambria Math" panose="02040503050406030204" pitchFamily="18" charset="0"/>
+                        </a:rPr>
+                        <m:t>𝑊𝑆</m:t>
+                      </m:r>
+                      <m:r>
+                        <a:rPr lang="en-US" b="0" i="1" smtClean="0">
+                          <a:latin typeface="Cambria Math" panose="02040503050406030204" pitchFamily="18" charset="0"/>
+                        </a:rPr>
+                        <m:t> ∗3.6 </m:t>
+                      </m:r>
+                      <m:f>
+                        <m:fPr>
+                          <m:ctrlPr>
+                            <a:rPr lang="en-US" b="0" i="1" smtClean="0">
+                              <a:latin typeface="Cambria Math" panose="02040503050406030204" pitchFamily="18" charset="0"/>
+                            </a:rPr>
+                          </m:ctrlPr>
+                        </m:fPr>
+                        <m:num>
+                          <m:sSup>
+                            <m:sSupPr>
+                              <m:ctrlPr>
+                                <a:rPr lang="en-US" b="0" i="1" smtClean="0">
+                                  <a:latin typeface="Cambria Math" panose="02040503050406030204" pitchFamily="18" charset="0"/>
+                                </a:rPr>
+                              </m:ctrlPr>
+                            </m:sSupPr>
+                            <m:e>
+                              <m:r>
+                                <a:rPr lang="en-US" b="0" i="1" smtClean="0">
+                                  <a:latin typeface="Cambria Math" panose="02040503050406030204" pitchFamily="18" charset="0"/>
+                                </a:rPr>
+                                <m:t>𝑚𝑚</m:t>
+                              </m:r>
+                            </m:e>
+                            <m:sup/>
+                          </m:sSup>
+                        </m:num>
+                        <m:den>
+                          <m:r>
+                            <a:rPr lang="en-US" b="0" i="1" smtClean="0">
+                              <a:latin typeface="Cambria Math" panose="02040503050406030204" pitchFamily="18" charset="0"/>
+                            </a:rPr>
+                            <m:t>h𝑟</m:t>
+                          </m:r>
+                        </m:den>
+                      </m:f>
+                      <m:r>
+                        <a:rPr lang="en-US" b="0" i="1" smtClean="0">
+                          <a:latin typeface="Cambria Math" panose="02040503050406030204" pitchFamily="18" charset="0"/>
+                        </a:rPr>
+                        <m:t>∗</m:t>
+                      </m:r>
+                      <m:f>
+                        <m:fPr>
+                          <m:ctrlPr>
+                            <a:rPr lang="en-US" b="0" i="1" smtClean="0">
+                              <a:latin typeface="Cambria Math" panose="02040503050406030204" pitchFamily="18" charset="0"/>
+                            </a:rPr>
+                          </m:ctrlPr>
+                        </m:fPr>
+                        <m:num>
+                          <m:sSup>
+                            <m:sSupPr>
+                              <m:ctrlPr>
+                                <a:rPr lang="en-US" b="0" i="1" smtClean="0">
+                                  <a:latin typeface="Cambria Math" panose="02040503050406030204" pitchFamily="18" charset="0"/>
+                                </a:rPr>
+                              </m:ctrlPr>
+                            </m:sSupPr>
+                            <m:e>
+                              <m:r>
+                                <a:rPr lang="en-US" b="0" i="1" smtClean="0">
+                                  <a:latin typeface="Cambria Math" panose="02040503050406030204" pitchFamily="18" charset="0"/>
+                                </a:rPr>
+                                <m:t>𝑚</m:t>
+                              </m:r>
+                            </m:e>
+                            <m:sup>
+                              <m:r>
+                                <a:rPr lang="en-US" b="0" i="1" smtClean="0">
+                                  <a:latin typeface="Cambria Math" panose="02040503050406030204" pitchFamily="18" charset="0"/>
+                                </a:rPr>
+                                <m:t>6</m:t>
+                              </m:r>
+                            </m:sup>
+                          </m:sSup>
+                        </m:num>
+                        <m:den>
+                          <m:sSup>
+                            <m:sSupPr>
+                              <m:ctrlPr>
+                                <a:rPr lang="en-US" i="1">
+                                  <a:latin typeface="Cambria Math" panose="02040503050406030204" pitchFamily="18" charset="0"/>
+                                </a:rPr>
+                              </m:ctrlPr>
+                            </m:sSupPr>
+                            <m:e>
+                              <m:r>
+                                <a:rPr lang="en-US" i="1">
+                                  <a:latin typeface="Cambria Math" panose="02040503050406030204" pitchFamily="18" charset="0"/>
+                                </a:rPr>
+                                <m:t>𝑐𝑚</m:t>
+                              </m:r>
+                            </m:e>
+                            <m:sup>
+                              <m:r>
+                                <a:rPr lang="en-US" b="0" i="1" smtClean="0">
+                                  <a:latin typeface="Cambria Math" panose="02040503050406030204" pitchFamily="18" charset="0"/>
+                                </a:rPr>
+                                <m:t>6</m:t>
+                              </m:r>
+                            </m:sup>
+                          </m:sSup>
+                        </m:den>
+                      </m:f>
+                    </m:oMath>
+                  </m:oMathPara>
+                </a14:m>
+                <a:endParaRPr lang="en-US" dirty="0"/>
+              </a:p>
+            </p:txBody>
+          </p:sp>
+        </mc:Choice>
+        <mc:Fallback>
+          <p:sp>
+            <p:nvSpPr>
+              <p:cNvPr id="6" name="TextBox 5">
+                <a:extLst>
+                  <a:ext uri="{FF2B5EF4-FFF2-40B4-BE49-F238E27FC236}">
+                    <a16:creationId xmlns:a16="http://schemas.microsoft.com/office/drawing/2014/main" id="{FC5B1F62-7984-839E-C21C-2A935A403815}"/>
+                  </a:ext>
+                </a:extLst>
+              </p:cNvPr>
+              <p:cNvSpPr txBox="1">
+                <a:spLocks noRot="1" noChangeAspect="1" noMove="1" noResize="1" noEditPoints="1" noAdjustHandles="1" noChangeArrowheads="1" noChangeShapeType="1" noTextEdit="1"/>
+              </p:cNvSpPr>
+              <p:nvPr/>
+            </p:nvSpPr>
+            <p:spPr>
+              <a:xfrm>
+                <a:off x="2626656" y="2886638"/>
+                <a:ext cx="4569007" cy="719556"/>
+              </a:xfrm>
+              <a:prstGeom prst="rect">
+                <a:avLst/>
+              </a:prstGeom>
+              <a:blipFill>
+                <a:blip r:embed="rId3"/>
+                <a:stretch>
+                  <a:fillRect/>
+                </a:stretch>
+              </a:blipFill>
+            </p:spPr>
+            <p:txBody>
+              <a:bodyPr/>
+              <a:lstStyle/>
+              <a:p>
+                <a:r>
+                  <a:rPr lang="en-US">
+                    <a:noFill/>
+                  </a:rPr>
+                  <a:t> </a:t>
+                </a:r>
+              </a:p>
+            </p:txBody>
+          </p:sp>
+        </mc:Fallback>
+      </mc:AlternateContent>
+      <p:sp>
+        <p:nvSpPr>
+          <p:cNvPr id="7" name="TextBox 6">
+            <a:extLst>
+              <a:ext uri="{FF2B5EF4-FFF2-40B4-BE49-F238E27FC236}">
+                <a16:creationId xmlns:a16="http://schemas.microsoft.com/office/drawing/2014/main" id="{7C2868D7-1946-EC7F-A132-CA9D68767678}"/>
+              </a:ext>
+            </a:extLst>
+          </p:cNvPr>
+          <p:cNvSpPr txBox="1"/>
+          <p:nvPr/>
+        </p:nvSpPr>
+        <p:spPr>
+          <a:xfrm>
+            <a:off x="7194695" y="3128682"/>
+            <a:ext cx="4909614" cy="369332"/>
+          </a:xfrm>
+          <a:prstGeom prst="rect">
+            <a:avLst/>
+          </a:prstGeom>
+          <a:noFill/>
+        </p:spPr>
+        <p:txBody>
+          <a:bodyPr wrap="none" rtlCol="0">
+            <a:spAutoFit/>
+          </a:bodyPr>
+          <a:lstStyle/>
+          <a:p>
+            <a:r>
+              <a:rPr lang="en-US" dirty="0">
+                <a:solidFill>
+                  <a:srgbClr val="FF0000"/>
+                </a:solidFill>
+              </a:rPr>
+              <a:t>* Looks like we need a conversion from m6 to cm6</a:t>
+            </a:r>
+          </a:p>
+        </p:txBody>
+      </p:sp>
+      <p:sp>
+        <p:nvSpPr>
+          <p:cNvPr id="8" name="TextBox 7">
+            <a:extLst>
+              <a:ext uri="{FF2B5EF4-FFF2-40B4-BE49-F238E27FC236}">
+                <a16:creationId xmlns:a16="http://schemas.microsoft.com/office/drawing/2014/main" id="{8E2B864E-613C-53A3-C6B3-554870D214C2}"/>
+              </a:ext>
+            </a:extLst>
+          </p:cNvPr>
+          <p:cNvSpPr txBox="1"/>
+          <p:nvPr/>
+        </p:nvSpPr>
+        <p:spPr>
+          <a:xfrm>
+            <a:off x="2420470" y="4347882"/>
+            <a:ext cx="4441280" cy="923330"/>
+          </a:xfrm>
+          <a:prstGeom prst="rect">
+            <a:avLst/>
+          </a:prstGeom>
+          <a:noFill/>
+        </p:spPr>
+        <p:txBody>
+          <a:bodyPr wrap="none" rtlCol="0">
+            <a:spAutoFit/>
+          </a:bodyPr>
+          <a:lstStyle/>
+          <a:p>
+            <a:r>
+              <a:rPr lang="en-US" dirty="0"/>
+              <a:t>LCW: Liquid Cloud Water(calculated in Part 1)</a:t>
+            </a:r>
+          </a:p>
+          <a:p>
+            <a:r>
+              <a:rPr lang="el-GR" dirty="0"/>
+              <a:t>ρ</a:t>
+            </a:r>
+            <a:r>
+              <a:rPr lang="en-US" baseline="-25000" dirty="0"/>
+              <a:t>water</a:t>
+            </a:r>
+            <a:r>
+              <a:rPr lang="en-US" dirty="0"/>
+              <a:t>: density of water, g/cm3, 0.997045</a:t>
+            </a:r>
+          </a:p>
+          <a:p>
+            <a:r>
+              <a:rPr lang="en-US" dirty="0"/>
+              <a:t>WS: Wind Speed (m/s)</a:t>
+            </a:r>
+          </a:p>
+        </p:txBody>
+      </p:sp>
+      <p:sp>
+        <p:nvSpPr>
+          <p:cNvPr id="9" name="TextBox 8">
+            <a:extLst>
+              <a:ext uri="{FF2B5EF4-FFF2-40B4-BE49-F238E27FC236}">
+                <a16:creationId xmlns:a16="http://schemas.microsoft.com/office/drawing/2014/main" id="{4D0AC284-B6EB-5747-46E9-BC6356C298A9}"/>
+              </a:ext>
+            </a:extLst>
+          </p:cNvPr>
+          <p:cNvSpPr txBox="1"/>
+          <p:nvPr/>
+        </p:nvSpPr>
+        <p:spPr>
+          <a:xfrm>
+            <a:off x="7033330" y="4612842"/>
+            <a:ext cx="4991030" cy="646331"/>
+          </a:xfrm>
+          <a:prstGeom prst="rect">
+            <a:avLst/>
+          </a:prstGeom>
+          <a:noFill/>
+        </p:spPr>
+        <p:txBody>
+          <a:bodyPr wrap="square" rtlCol="0">
+            <a:spAutoFit/>
+          </a:bodyPr>
+          <a:lstStyle/>
+          <a:p>
+            <a:pPr marL="285750" indent="-285750">
+              <a:buFont typeface="Arial" panose="020B0604020202020204" pitchFamily="34" charset="0"/>
+              <a:buChar char="•"/>
+            </a:pPr>
+            <a:r>
+              <a:rPr lang="en-US" dirty="0">
+                <a:solidFill>
+                  <a:srgbClr val="FF0000"/>
+                </a:solidFill>
+              </a:rPr>
+              <a:t>Do you want </a:t>
+            </a:r>
+            <a:r>
+              <a:rPr lang="el-GR" dirty="0">
+                <a:solidFill>
+                  <a:srgbClr val="FF0000"/>
+                </a:solidFill>
+              </a:rPr>
+              <a:t>ρ</a:t>
+            </a:r>
+            <a:r>
+              <a:rPr lang="en-US" baseline="-25000" dirty="0">
+                <a:solidFill>
+                  <a:srgbClr val="FF0000"/>
+                </a:solidFill>
+              </a:rPr>
+              <a:t>water</a:t>
+            </a:r>
+            <a:r>
+              <a:rPr lang="en-US" dirty="0">
+                <a:solidFill>
+                  <a:srgbClr val="FF0000"/>
+                </a:solidFill>
+              </a:rPr>
+              <a:t> to be calculated as a function of temperature and pressure?</a:t>
+            </a:r>
+          </a:p>
+        </p:txBody>
+      </p:sp>
+    </p:spTree>
+    <p:extLst>
+      <p:ext uri="{BB962C8B-B14F-4D97-AF65-F5344CB8AC3E}">
+        <p14:creationId xmlns:p14="http://schemas.microsoft.com/office/powerpoint/2010/main" val="3525629275"/>
+      </p:ext>
+    </p:extLst>
+  </p:cSld>
+  <p:clrMapOvr>
+    <a:masterClrMapping/>
+  </p:clrMapOvr>
+</p:sld>
+</file>
+
+<file path=ppt/slides/slide16.xml><?xml version="1.0" encoding="utf-8"?>
+<p:sld xmlns:a="http://schemas.openxmlformats.org/drawingml/2006/main" xmlns:r="http://schemas.openxmlformats.org/officeDocument/2006/relationships" xmlns:p="http://schemas.openxmlformats.org/presentationml/2006/main">
+  <p:cSld>
+    <p:spTree>
+      <p:nvGrpSpPr>
+        <p:cNvPr id="1" name=""/>
+        <p:cNvGrpSpPr/>
+        <p:nvPr/>
+      </p:nvGrpSpPr>
+      <p:grpSpPr>
+        <a:xfrm>
+          <a:off x="0" y="0"/>
+          <a:ext cx="0" cy="0"/>
+          <a:chOff x="0" y="0"/>
+          <a:chExt cx="0" cy="0"/>
+        </a:xfrm>
+      </p:grpSpPr>
+      <p:sp>
+        <p:nvSpPr>
+          <p:cNvPr id="2" name="Title 1">
+            <a:extLst>
+              <a:ext uri="{FF2B5EF4-FFF2-40B4-BE49-F238E27FC236}">
+                <a16:creationId xmlns:a16="http://schemas.microsoft.com/office/drawing/2014/main" id="{2A2129CA-668F-865A-39EA-527DD5535208}"/>
+              </a:ext>
+            </a:extLst>
+          </p:cNvPr>
+          <p:cNvSpPr>
+            <a:spLocks noGrp="1"/>
+          </p:cNvSpPr>
+          <p:nvPr>
+            <p:ph type="title"/>
+          </p:nvPr>
+        </p:nvSpPr>
+        <p:spPr/>
+        <p:txBody>
+          <a:bodyPr/>
+          <a:lstStyle/>
+          <a:p>
+            <a:r>
+              <a:rPr lang="en-US" dirty="0"/>
+              <a:t>Calculate Wind Speed</a:t>
+            </a:r>
+          </a:p>
+        </p:txBody>
+      </p:sp>
+      <p:sp>
+        <p:nvSpPr>
+          <p:cNvPr id="3" name="Content Placeholder 2">
+            <a:extLst>
+              <a:ext uri="{FF2B5EF4-FFF2-40B4-BE49-F238E27FC236}">
+                <a16:creationId xmlns:a16="http://schemas.microsoft.com/office/drawing/2014/main" id="{35DB0D8E-7CCD-6AEE-19A7-770AD01A8788}"/>
+              </a:ext>
+            </a:extLst>
+          </p:cNvPr>
+          <p:cNvSpPr>
+            <a:spLocks noGrp="1"/>
+          </p:cNvSpPr>
+          <p:nvPr>
+            <p:ph idx="1"/>
+          </p:nvPr>
+        </p:nvSpPr>
+        <p:spPr>
+          <a:xfrm>
+            <a:off x="838200" y="1825625"/>
+            <a:ext cx="10515600" cy="1195481"/>
+          </a:xfrm>
+        </p:spPr>
+        <p:txBody>
+          <a:bodyPr/>
+          <a:lstStyle/>
+          <a:p>
+            <a:r>
+              <a:rPr lang="en-US" dirty="0">
+                <a:solidFill>
+                  <a:srgbClr val="FF0000"/>
+                </a:solidFill>
+              </a:rPr>
+              <a:t>Is this the downscaling equation we want to use???</a:t>
+            </a:r>
+          </a:p>
+          <a:p>
+            <a:pPr lvl="1"/>
+            <a:r>
+              <a:rPr lang="en-US" dirty="0">
+                <a:solidFill>
+                  <a:srgbClr val="FF0000"/>
+                </a:solidFill>
+              </a:rPr>
+              <a:t>Source: Wikipedia!!! (via a ResearchGate answer)</a:t>
+            </a:r>
+          </a:p>
+        </p:txBody>
+      </p:sp>
+      <mc:AlternateContent xmlns:mc="http://schemas.openxmlformats.org/markup-compatibility/2006">
+        <mc:Choice xmlns:a14="http://schemas.microsoft.com/office/drawing/2010/main" Requires="a14">
+          <p:sp>
+            <p:nvSpPr>
+              <p:cNvPr id="4" name="TextBox 3">
+                <a:extLst>
+                  <a:ext uri="{FF2B5EF4-FFF2-40B4-BE49-F238E27FC236}">
+                    <a16:creationId xmlns:a16="http://schemas.microsoft.com/office/drawing/2014/main" id="{E4BDEB9C-7755-B4BE-2F53-D5C3AA9DCD54}"/>
+                  </a:ext>
+                </a:extLst>
+              </p:cNvPr>
+              <p:cNvSpPr txBox="1"/>
+              <p:nvPr/>
+            </p:nvSpPr>
+            <p:spPr>
+              <a:xfrm>
+                <a:off x="3182471" y="2809626"/>
+                <a:ext cx="2739211" cy="1027269"/>
+              </a:xfrm>
+              <a:prstGeom prst="rect">
+                <a:avLst/>
+              </a:prstGeom>
+              <a:noFill/>
+            </p:spPr>
+            <p:txBody>
+              <a:bodyPr wrap="none" rtlCol="0">
+                <a:spAutoFit/>
+              </a:bodyPr>
+              <a:lstStyle/>
+              <a:p>
+                <a14:m>
+                  <m:oMathPara xmlns:m="http://schemas.openxmlformats.org/officeDocument/2006/math">
+                    <m:oMathParaPr>
+                      <m:jc m:val="centerGroup"/>
+                    </m:oMathParaPr>
+                    <m:oMath xmlns:m="http://schemas.openxmlformats.org/officeDocument/2006/math">
+                      <m:sSub>
+                        <m:sSubPr>
+                          <m:ctrlPr>
+                            <a:rPr lang="pl-PL" i="1" smtClean="0">
+                              <a:latin typeface="Cambria Math" panose="02040503050406030204" pitchFamily="18" charset="0"/>
+                            </a:rPr>
+                          </m:ctrlPr>
+                        </m:sSubPr>
+                        <m:e>
+                          <m:r>
+                            <a:rPr lang="pl-PL" i="1">
+                              <a:latin typeface="Cambria Math" panose="02040503050406030204" pitchFamily="18" charset="0"/>
+                            </a:rPr>
+                            <m:t>𝑢𝑧</m:t>
+                          </m:r>
+                        </m:e>
+                        <m:sub>
+                          <m:r>
+                            <a:rPr lang="pl-PL" i="1">
+                              <a:latin typeface="Cambria Math" panose="02040503050406030204" pitchFamily="18" charset="0"/>
+                            </a:rPr>
+                            <m:t>2</m:t>
+                          </m:r>
+                        </m:sub>
+                      </m:sSub>
+                      <m:r>
+                        <a:rPr lang="pl-PL" i="1">
+                          <a:latin typeface="Cambria Math" panose="02040503050406030204" pitchFamily="18" charset="0"/>
+                        </a:rPr>
+                        <m:t> = </m:t>
+                      </m:r>
+                      <m:sSub>
+                        <m:sSubPr>
+                          <m:ctrlPr>
+                            <a:rPr lang="pl-PL" i="1" smtClean="0">
+                              <a:latin typeface="Cambria Math" panose="02040503050406030204" pitchFamily="18" charset="0"/>
+                            </a:rPr>
+                          </m:ctrlPr>
+                        </m:sSubPr>
+                        <m:e>
+                          <m:r>
+                            <a:rPr lang="pl-PL" i="1">
+                              <a:latin typeface="Cambria Math" panose="02040503050406030204" pitchFamily="18" charset="0"/>
+                            </a:rPr>
+                            <m:t>𝑢𝑧</m:t>
+                          </m:r>
+                        </m:e>
+                        <m:sub>
+                          <m:r>
+                            <a:rPr lang="pl-PL" i="1">
+                              <a:latin typeface="Cambria Math" panose="02040503050406030204" pitchFamily="18" charset="0"/>
+                            </a:rPr>
+                            <m:t>1</m:t>
+                          </m:r>
+                        </m:sub>
+                      </m:sSub>
+                      <m:r>
+                        <a:rPr lang="pl-PL" i="1">
+                          <a:latin typeface="Cambria Math" panose="02040503050406030204" pitchFamily="18" charset="0"/>
+                        </a:rPr>
+                        <m:t> * </m:t>
+                      </m:r>
+                      <m:f>
+                        <m:fPr>
+                          <m:ctrlPr>
+                            <a:rPr lang="pl-PL" i="1" smtClean="0">
+                              <a:latin typeface="Cambria Math" panose="02040503050406030204" pitchFamily="18" charset="0"/>
+                            </a:rPr>
+                          </m:ctrlPr>
+                        </m:fPr>
+                        <m:num>
+                          <m:r>
+                            <a:rPr lang="pl-PL" i="1">
+                              <a:latin typeface="Cambria Math" panose="02040503050406030204" pitchFamily="18" charset="0"/>
+                            </a:rPr>
+                            <m:t>𝑙𝑛</m:t>
+                          </m:r>
+                          <m:r>
+                            <a:rPr lang="pl-PL" i="1">
+                              <a:latin typeface="Cambria Math" panose="02040503050406030204" pitchFamily="18" charset="0"/>
+                            </a:rPr>
+                            <m:t>(</m:t>
+                          </m:r>
+                          <m:f>
+                            <m:fPr>
+                              <m:ctrlPr>
+                                <a:rPr lang="pl-PL" i="1" smtClean="0">
+                                  <a:latin typeface="Cambria Math" panose="02040503050406030204" pitchFamily="18" charset="0"/>
+                                </a:rPr>
+                              </m:ctrlPr>
+                            </m:fPr>
+                            <m:num>
+                              <m:r>
+                                <a:rPr lang="pl-PL" i="1">
+                                  <a:latin typeface="Cambria Math" panose="02040503050406030204" pitchFamily="18" charset="0"/>
+                                </a:rPr>
+                                <m:t>𝑧</m:t>
+                              </m:r>
+                              <m:r>
+                                <a:rPr lang="pl-PL" i="1" baseline="-25000">
+                                  <a:latin typeface="Cambria Math" panose="02040503050406030204" pitchFamily="18" charset="0"/>
+                                </a:rPr>
+                                <m:t>2</m:t>
+                              </m:r>
+                              <m:r>
+                                <a:rPr lang="pl-PL" i="1">
+                                  <a:latin typeface="Cambria Math" panose="02040503050406030204" pitchFamily="18" charset="0"/>
+                                </a:rPr>
+                                <m:t> − </m:t>
+                              </m:r>
+                              <m:r>
+                                <a:rPr lang="pl-PL" i="1">
+                                  <a:latin typeface="Cambria Math" panose="02040503050406030204" pitchFamily="18" charset="0"/>
+                                </a:rPr>
+                                <m:t>𝑑</m:t>
+                              </m:r>
+                            </m:num>
+                            <m:den>
+                              <m:r>
+                                <a:rPr lang="pl-PL" i="1">
+                                  <a:latin typeface="Cambria Math" panose="02040503050406030204" pitchFamily="18" charset="0"/>
+                                </a:rPr>
+                                <m:t>𝑧</m:t>
+                              </m:r>
+                              <m:r>
+                                <a:rPr lang="pl-PL" i="1" baseline="-25000">
+                                  <a:latin typeface="Cambria Math" panose="02040503050406030204" pitchFamily="18" charset="0"/>
+                                </a:rPr>
+                                <m:t>0</m:t>
+                              </m:r>
+                            </m:den>
+                          </m:f>
+                          <m:r>
+                            <a:rPr lang="pl-PL" i="1">
+                              <a:latin typeface="Cambria Math" panose="02040503050406030204" pitchFamily="18" charset="0"/>
+                            </a:rPr>
+                            <m:t>)</m:t>
+                          </m:r>
+                        </m:num>
+                        <m:den>
+                          <m:r>
+                            <a:rPr lang="pl-PL" i="1">
+                              <a:latin typeface="Cambria Math" panose="02040503050406030204" pitchFamily="18" charset="0"/>
+                            </a:rPr>
+                            <m:t>𝑙𝑛</m:t>
+                          </m:r>
+                          <m:r>
+                            <a:rPr lang="pl-PL" i="1">
+                              <a:latin typeface="Cambria Math" panose="02040503050406030204" pitchFamily="18" charset="0"/>
+                            </a:rPr>
+                            <m:t>(</m:t>
+                          </m:r>
+                          <m:f>
+                            <m:fPr>
+                              <m:ctrlPr>
+                                <a:rPr lang="pl-PL" i="1" smtClean="0">
+                                  <a:latin typeface="Cambria Math" panose="02040503050406030204" pitchFamily="18" charset="0"/>
+                                </a:rPr>
+                              </m:ctrlPr>
+                            </m:fPr>
+                            <m:num>
+                              <m:r>
+                                <a:rPr lang="pl-PL" i="1">
+                                  <a:latin typeface="Cambria Math" panose="02040503050406030204" pitchFamily="18" charset="0"/>
+                                </a:rPr>
+                                <m:t>𝑧</m:t>
+                              </m:r>
+                              <m:r>
+                                <a:rPr lang="pl-PL" i="1" baseline="-25000">
+                                  <a:latin typeface="Cambria Math" panose="02040503050406030204" pitchFamily="18" charset="0"/>
+                                </a:rPr>
+                                <m:t>1</m:t>
+                              </m:r>
+                              <m:r>
+                                <a:rPr lang="pl-PL" i="1">
+                                  <a:latin typeface="Cambria Math" panose="02040503050406030204" pitchFamily="18" charset="0"/>
+                                </a:rPr>
+                                <m:t> − </m:t>
+                              </m:r>
+                              <m:r>
+                                <a:rPr lang="pl-PL" i="1">
+                                  <a:latin typeface="Cambria Math" panose="02040503050406030204" pitchFamily="18" charset="0"/>
+                                </a:rPr>
+                                <m:t>𝑑</m:t>
+                              </m:r>
+                            </m:num>
+                            <m:den>
+                              <m:r>
+                                <a:rPr lang="pl-PL" i="1">
+                                  <a:latin typeface="Cambria Math" panose="02040503050406030204" pitchFamily="18" charset="0"/>
+                                </a:rPr>
+                                <m:t>𝑧</m:t>
+                              </m:r>
+                              <m:r>
+                                <a:rPr lang="pl-PL" i="1" baseline="-25000">
+                                  <a:latin typeface="Cambria Math" panose="02040503050406030204" pitchFamily="18" charset="0"/>
+                                </a:rPr>
+                                <m:t>0</m:t>
+                              </m:r>
+                            </m:den>
+                          </m:f>
+                          <m:r>
+                            <a:rPr lang="pl-PL" i="1">
+                              <a:latin typeface="Cambria Math" panose="02040503050406030204" pitchFamily="18" charset="0"/>
+                            </a:rPr>
+                            <m:t>) </m:t>
+                          </m:r>
+                        </m:den>
+                      </m:f>
+                    </m:oMath>
+                  </m:oMathPara>
+                </a14:m>
+                <a:endParaRPr lang="en-US" dirty="0"/>
+              </a:p>
+            </p:txBody>
+          </p:sp>
+        </mc:Choice>
+        <mc:Fallback>
+          <p:sp>
+            <p:nvSpPr>
+              <p:cNvPr id="4" name="TextBox 3">
+                <a:extLst>
+                  <a:ext uri="{FF2B5EF4-FFF2-40B4-BE49-F238E27FC236}">
+                    <a16:creationId xmlns:a16="http://schemas.microsoft.com/office/drawing/2014/main" id="{E4BDEB9C-7755-B4BE-2F53-D5C3AA9DCD54}"/>
+                  </a:ext>
+                </a:extLst>
+              </p:cNvPr>
+              <p:cNvSpPr txBox="1">
+                <a:spLocks noRot="1" noChangeAspect="1" noMove="1" noResize="1" noEditPoints="1" noAdjustHandles="1" noChangeArrowheads="1" noChangeShapeType="1" noTextEdit="1"/>
+              </p:cNvSpPr>
+              <p:nvPr/>
+            </p:nvSpPr>
+            <p:spPr>
+              <a:xfrm>
+                <a:off x="3182471" y="2809626"/>
+                <a:ext cx="2739211" cy="1027269"/>
+              </a:xfrm>
+              <a:prstGeom prst="rect">
+                <a:avLst/>
+              </a:prstGeom>
+              <a:blipFill>
+                <a:blip r:embed="rId2"/>
+                <a:stretch>
+                  <a:fillRect/>
+                </a:stretch>
+              </a:blipFill>
+            </p:spPr>
+            <p:txBody>
+              <a:bodyPr/>
+              <a:lstStyle/>
+              <a:p>
+                <a:r>
+                  <a:rPr lang="en-US">
+                    <a:noFill/>
+                  </a:rPr>
+                  <a:t> </a:t>
+                </a:r>
+              </a:p>
+            </p:txBody>
+          </p:sp>
+        </mc:Fallback>
+      </mc:AlternateContent>
+      <p:sp>
+        <p:nvSpPr>
+          <p:cNvPr id="5" name="TextBox 4">
+            <a:extLst>
+              <a:ext uri="{FF2B5EF4-FFF2-40B4-BE49-F238E27FC236}">
+                <a16:creationId xmlns:a16="http://schemas.microsoft.com/office/drawing/2014/main" id="{2B3613A3-4BAE-5B5F-178C-502CF95EAFB5}"/>
+              </a:ext>
+            </a:extLst>
+          </p:cNvPr>
+          <p:cNvSpPr txBox="1"/>
+          <p:nvPr/>
+        </p:nvSpPr>
+        <p:spPr>
+          <a:xfrm>
+            <a:off x="2716305" y="4078940"/>
+            <a:ext cx="7225553" cy="1754326"/>
+          </a:xfrm>
+          <a:prstGeom prst="rect">
+            <a:avLst/>
+          </a:prstGeom>
+          <a:noFill/>
+        </p:spPr>
+        <p:txBody>
+          <a:bodyPr wrap="square" rtlCol="0">
+            <a:spAutoFit/>
+          </a:bodyPr>
+          <a:lstStyle/>
+          <a:p>
+            <a:r>
+              <a:rPr lang="en-US" i="1" dirty="0"/>
+              <a:t>uz</a:t>
+            </a:r>
+            <a:r>
+              <a:rPr lang="en-US" i="1" baseline="-25000" dirty="0"/>
+              <a:t>1</a:t>
+            </a:r>
+            <a:r>
+              <a:rPr lang="en-US" dirty="0"/>
+              <a:t> = wind speed at height </a:t>
+            </a:r>
+            <a:r>
+              <a:rPr lang="en-US" i="1" dirty="0"/>
+              <a:t>z</a:t>
+            </a:r>
+            <a:r>
+              <a:rPr lang="en-US" i="1" baseline="-25000" dirty="0"/>
+              <a:t>1</a:t>
+            </a:r>
+          </a:p>
+          <a:p>
+            <a:r>
+              <a:rPr lang="en-US" i="1" dirty="0"/>
+              <a:t>uz</a:t>
+            </a:r>
+            <a:r>
+              <a:rPr lang="en-US" i="1" baseline="-25000" dirty="0"/>
+              <a:t>2</a:t>
+            </a:r>
+            <a:r>
+              <a:rPr lang="en-US" dirty="0"/>
+              <a:t> = wind speed at height </a:t>
+            </a:r>
+            <a:r>
+              <a:rPr lang="en-US" i="1" dirty="0"/>
+              <a:t>z</a:t>
+            </a:r>
+            <a:r>
+              <a:rPr lang="en-US" i="1" baseline="-25000" dirty="0"/>
+              <a:t>2</a:t>
+            </a:r>
+          </a:p>
+          <a:p>
+            <a:r>
+              <a:rPr lang="en-US" i="1" dirty="0"/>
+              <a:t>d</a:t>
+            </a:r>
+            <a:r>
+              <a:rPr lang="en-US" dirty="0"/>
+              <a:t> = zero plane displacement (height in meters above the ground at which zero mean speed is achieved, Wikipedia says it can be approximated as 2/3 to ¾ of the average height of the obstacles)</a:t>
+            </a:r>
+          </a:p>
+          <a:p>
+            <a:r>
+              <a:rPr lang="en-US" i="1" dirty="0"/>
+              <a:t>z</a:t>
+            </a:r>
+            <a:r>
+              <a:rPr lang="en-US" i="1" baseline="-25000" dirty="0"/>
+              <a:t>0</a:t>
+            </a:r>
+            <a:r>
+              <a:rPr lang="en-US" baseline="-25000" dirty="0"/>
+              <a:t> </a:t>
+            </a:r>
+            <a:r>
+              <a:rPr lang="en-US" dirty="0"/>
+              <a:t>= surface roughness </a:t>
+            </a:r>
+            <a:r>
+              <a:rPr lang="en-US" dirty="0">
+                <a:highlight>
+                  <a:srgbClr val="FFFF00"/>
+                </a:highlight>
+              </a:rPr>
+              <a:t>#**# ADD DETAILS</a:t>
+            </a:r>
+          </a:p>
+        </p:txBody>
+      </p:sp>
+    </p:spTree>
+    <p:extLst>
+      <p:ext uri="{BB962C8B-B14F-4D97-AF65-F5344CB8AC3E}">
+        <p14:creationId xmlns:p14="http://schemas.microsoft.com/office/powerpoint/2010/main" val="1688207463"/>
+      </p:ext>
+    </p:extLst>
+  </p:cSld>
+  <p:clrMapOvr>
+    <a:masterClrMapping/>
+  </p:clrMapOvr>
+</p:sld>
+</file>
+
+<file path=ppt/slides/slide17.xml><?xml version="1.0" encoding="utf-8"?>
+<p:sld xmlns:a="http://schemas.openxmlformats.org/drawingml/2006/main" xmlns:r="http://schemas.openxmlformats.org/officeDocument/2006/relationships" xmlns:p="http://schemas.openxmlformats.org/presentationml/2006/main">
+  <p:cSld>
+    <p:spTree>
+      <p:nvGrpSpPr>
+        <p:cNvPr id="1" name=""/>
+        <p:cNvGrpSpPr/>
+        <p:nvPr/>
+      </p:nvGrpSpPr>
+      <p:grpSpPr>
+        <a:xfrm>
+          <a:off x="0" y="0"/>
+          <a:ext cx="0" cy="0"/>
+          <a:chOff x="0" y="0"/>
+          <a:chExt cx="0" cy="0"/>
+        </a:xfrm>
+      </p:grpSpPr>
+      <p:sp>
+        <p:nvSpPr>
+          <p:cNvPr id="2" name="Title 1">
+            <a:extLst>
+              <a:ext uri="{FF2B5EF4-FFF2-40B4-BE49-F238E27FC236}">
+                <a16:creationId xmlns:a16="http://schemas.microsoft.com/office/drawing/2014/main" id="{D6631690-1ACD-B782-6F88-D09503E8BA05}"/>
+              </a:ext>
+            </a:extLst>
+          </p:cNvPr>
+          <p:cNvSpPr>
+            <a:spLocks noGrp="1"/>
+          </p:cNvSpPr>
+          <p:nvPr>
+            <p:ph type="title"/>
+          </p:nvPr>
+        </p:nvSpPr>
+        <p:spPr/>
+        <p:txBody>
+          <a:bodyPr/>
+          <a:lstStyle/>
+          <a:p>
+            <a:endParaRPr lang="en-US"/>
+          </a:p>
+        </p:txBody>
+      </p:sp>
+      <p:sp>
+        <p:nvSpPr>
+          <p:cNvPr id="3" name="Content Placeholder 2">
+            <a:extLst>
+              <a:ext uri="{FF2B5EF4-FFF2-40B4-BE49-F238E27FC236}">
+                <a16:creationId xmlns:a16="http://schemas.microsoft.com/office/drawing/2014/main" id="{8DEA4C47-D858-56E7-AB96-610A1EC9614C}"/>
+              </a:ext>
+            </a:extLst>
+          </p:cNvPr>
+          <p:cNvSpPr>
+            <a:spLocks noGrp="1"/>
+          </p:cNvSpPr>
+          <p:nvPr>
+            <p:ph idx="1"/>
+          </p:nvPr>
+        </p:nvSpPr>
+        <p:spPr>
+          <a:xfrm>
+            <a:off x="838200" y="1825624"/>
+            <a:ext cx="10515600" cy="3468751"/>
+          </a:xfrm>
+        </p:spPr>
+        <p:txBody>
+          <a:bodyPr>
+            <a:normAutofit fontScale="85000" lnSpcReduction="20000"/>
+          </a:bodyPr>
+          <a:lstStyle/>
+          <a:p>
+            <a:r>
+              <a:rPr lang="en-US" dirty="0"/>
+              <a:t>z</a:t>
+            </a:r>
+            <a:r>
+              <a:rPr lang="en-US" baseline="-25000" dirty="0"/>
+              <a:t>1</a:t>
+            </a:r>
+            <a:r>
+              <a:rPr lang="en-US" dirty="0"/>
+              <a:t> = 10 m</a:t>
+            </a:r>
+          </a:p>
+          <a:p>
+            <a:r>
+              <a:rPr lang="en-US" dirty="0"/>
+              <a:t>z</a:t>
+            </a:r>
+            <a:r>
+              <a:rPr lang="en-US" baseline="-25000" dirty="0"/>
+              <a:t>2</a:t>
+            </a:r>
+            <a:r>
+              <a:rPr lang="en-US" dirty="0"/>
+              <a:t> = 2 m</a:t>
+            </a:r>
+          </a:p>
+          <a:p>
+            <a:r>
+              <a:rPr lang="en-US" i="1" dirty="0"/>
+              <a:t>uz</a:t>
+            </a:r>
+            <a:r>
+              <a:rPr lang="en-US" i="1" baseline="-25000" dirty="0"/>
+              <a:t>1</a:t>
+            </a:r>
+            <a:r>
+              <a:rPr lang="en-US" baseline="-25000" dirty="0"/>
+              <a:t> </a:t>
+            </a:r>
+            <a:r>
+              <a:rPr lang="en-US" dirty="0"/>
+              <a:t>= mean(sqrt(U</a:t>
+            </a:r>
+            <a:r>
+              <a:rPr lang="en-US" baseline="-25000" dirty="0"/>
+              <a:t>10</a:t>
+            </a:r>
+            <a:r>
+              <a:rPr lang="en-US" baseline="30000" dirty="0"/>
+              <a:t>2</a:t>
+            </a:r>
+            <a:r>
+              <a:rPr lang="en-US" dirty="0"/>
+              <a:t> + V</a:t>
+            </a:r>
+            <a:r>
+              <a:rPr lang="en-US" baseline="-25000" dirty="0"/>
+              <a:t>10</a:t>
+            </a:r>
+            <a:r>
+              <a:rPr lang="en-US" baseline="30000" dirty="0"/>
+              <a:t>2</a:t>
+            </a:r>
+            <a:r>
+              <a:rPr lang="en-US" dirty="0"/>
+              <a:t>)) # Convert to a daily mean wind speed</a:t>
+            </a:r>
+          </a:p>
+          <a:p>
+            <a:r>
+              <a:rPr lang="en-US" i="1" dirty="0"/>
+              <a:t>uz</a:t>
+            </a:r>
+            <a:r>
+              <a:rPr lang="en-US" baseline="-25000" dirty="0"/>
+              <a:t>1 </a:t>
+            </a:r>
+            <a:r>
+              <a:rPr lang="en-US" dirty="0"/>
+              <a:t>= </a:t>
+            </a:r>
+            <a:endParaRPr lang="en-US" baseline="-25000" dirty="0"/>
+          </a:p>
+          <a:p>
+            <a:endParaRPr lang="en-US" dirty="0"/>
+          </a:p>
+          <a:p>
+            <a:endParaRPr lang="en-US" dirty="0"/>
+          </a:p>
+          <a:p>
+            <a:r>
+              <a:rPr lang="en-US" dirty="0"/>
+              <a:t>Vegetation category: 13 # not currently linked to anything</a:t>
+            </a:r>
+          </a:p>
+          <a:p>
+            <a:r>
+              <a:rPr lang="en-US" dirty="0"/>
+              <a:t>d = 2/3 * 1    # </a:t>
+            </a:r>
+            <a:r>
+              <a:rPr lang="en-US" dirty="0">
+                <a:solidFill>
+                  <a:srgbClr val="FF0000"/>
+                </a:solidFill>
+              </a:rPr>
+              <a:t>Placeholder – assume 2/3 and 1 m height.</a:t>
+            </a:r>
+          </a:p>
+          <a:p>
+            <a:r>
+              <a:rPr lang="en-US" dirty="0"/>
+              <a:t>roughness = 0.75</a:t>
+            </a:r>
+            <a:r>
+              <a:rPr lang="en-US" dirty="0">
+                <a:solidFill>
+                  <a:srgbClr val="FF0000"/>
+                </a:solidFill>
+              </a:rPr>
+              <a:t> # Placeholder.</a:t>
+            </a:r>
+          </a:p>
+        </p:txBody>
+      </p:sp>
+      <p:sp>
+        <p:nvSpPr>
+          <p:cNvPr id="5" name="TextBox 4">
+            <a:extLst>
+              <a:ext uri="{FF2B5EF4-FFF2-40B4-BE49-F238E27FC236}">
+                <a16:creationId xmlns:a16="http://schemas.microsoft.com/office/drawing/2014/main" id="{596C5886-CC73-0E10-4AA1-AA524ABDC44A}"/>
+              </a:ext>
+            </a:extLst>
+          </p:cNvPr>
+          <p:cNvSpPr txBox="1"/>
+          <p:nvPr/>
+        </p:nvSpPr>
+        <p:spPr>
+          <a:xfrm>
+            <a:off x="5475284" y="3334465"/>
+            <a:ext cx="5534092" cy="646331"/>
+          </a:xfrm>
+          <a:prstGeom prst="rect">
+            <a:avLst/>
+          </a:prstGeom>
+          <a:noFill/>
+        </p:spPr>
+        <p:txBody>
+          <a:bodyPr wrap="square" rtlCol="0">
+            <a:spAutoFit/>
+          </a:bodyPr>
+          <a:lstStyle/>
+          <a:p>
+            <a:r>
+              <a:rPr lang="en-US" dirty="0">
+                <a:highlight>
+                  <a:srgbClr val="FFFF00"/>
+                </a:highlight>
+              </a:rPr>
+              <a:t>Why daily here??? </a:t>
+            </a:r>
+            <a:r>
+              <a:rPr lang="en-US" dirty="0"/>
+              <a:t>(Artifact – calculated daily </a:t>
+            </a:r>
+            <a:r>
+              <a:rPr lang="en-US" dirty="0" err="1"/>
+              <a:t>lcw</a:t>
+            </a:r>
+            <a:r>
+              <a:rPr lang="en-US" dirty="0"/>
+              <a:t> earlier, but that was the last step at that point.</a:t>
+            </a:r>
+          </a:p>
+        </p:txBody>
+      </p:sp>
+      <p:sp>
+        <p:nvSpPr>
+          <p:cNvPr id="7" name="TextBox 6">
+            <a:extLst>
+              <a:ext uri="{FF2B5EF4-FFF2-40B4-BE49-F238E27FC236}">
+                <a16:creationId xmlns:a16="http://schemas.microsoft.com/office/drawing/2014/main" id="{DAB30B77-CB4D-CC7B-95FC-DA0AB9356FA9}"/>
+              </a:ext>
+            </a:extLst>
+          </p:cNvPr>
+          <p:cNvSpPr txBox="1"/>
+          <p:nvPr/>
+        </p:nvSpPr>
+        <p:spPr>
+          <a:xfrm>
+            <a:off x="8242330" y="3964109"/>
+            <a:ext cx="4567518" cy="646331"/>
+          </a:xfrm>
+          <a:prstGeom prst="rect">
+            <a:avLst/>
+          </a:prstGeom>
+          <a:noFill/>
+        </p:spPr>
+        <p:txBody>
+          <a:bodyPr wrap="square" rtlCol="0">
+            <a:spAutoFit/>
+          </a:bodyPr>
+          <a:lstStyle/>
+          <a:p>
+            <a:pPr marL="285750" indent="-285750">
+              <a:buFont typeface="Arial" panose="020B0604020202020204" pitchFamily="34" charset="0"/>
+              <a:buChar char="•"/>
+            </a:pPr>
+            <a:r>
+              <a:rPr lang="en-US" dirty="0">
+                <a:solidFill>
+                  <a:srgbClr val="FF0000"/>
+                </a:solidFill>
+              </a:rPr>
+              <a:t>There is a vegetation category for every hour – does this parameter change?</a:t>
+            </a:r>
+          </a:p>
+        </p:txBody>
+      </p:sp>
+      <p:sp>
+        <p:nvSpPr>
+          <p:cNvPr id="9" name="TextBox 8">
+            <a:extLst>
+              <a:ext uri="{FF2B5EF4-FFF2-40B4-BE49-F238E27FC236}">
+                <a16:creationId xmlns:a16="http://schemas.microsoft.com/office/drawing/2014/main" id="{66C2D00B-A2A2-62F1-11F3-A89909671A73}"/>
+              </a:ext>
+            </a:extLst>
+          </p:cNvPr>
+          <p:cNvSpPr txBox="1"/>
+          <p:nvPr/>
+        </p:nvSpPr>
+        <p:spPr>
+          <a:xfrm>
+            <a:off x="7185696" y="5607886"/>
+            <a:ext cx="5052024" cy="646331"/>
+          </a:xfrm>
+          <a:prstGeom prst="rect">
+            <a:avLst/>
+          </a:prstGeom>
+          <a:noFill/>
+        </p:spPr>
+        <p:txBody>
+          <a:bodyPr wrap="none" rtlCol="0">
+            <a:spAutoFit/>
+          </a:bodyPr>
+          <a:lstStyle/>
+          <a:p>
+            <a:r>
+              <a:rPr lang="en-US" dirty="0">
+                <a:solidFill>
+                  <a:srgbClr val="FF0000"/>
+                </a:solidFill>
+                <a:highlight>
+                  <a:srgbClr val="FFFF00"/>
+                </a:highlight>
+              </a:rPr>
+              <a:t>10 m canopy height for 0 wind speed does not work</a:t>
+            </a:r>
+          </a:p>
+          <a:p>
+            <a:r>
+              <a:rPr lang="en-US" dirty="0">
+                <a:solidFill>
+                  <a:srgbClr val="FF0000"/>
+                </a:solidFill>
+                <a:highlight>
+                  <a:srgbClr val="FFFF00"/>
+                </a:highlight>
+              </a:rPr>
+              <a:t>2 m wind speed would be below the 0 wind height!</a:t>
+            </a:r>
+          </a:p>
+        </p:txBody>
+      </p:sp>
+    </p:spTree>
+    <p:extLst>
+      <p:ext uri="{BB962C8B-B14F-4D97-AF65-F5344CB8AC3E}">
+        <p14:creationId xmlns:p14="http://schemas.microsoft.com/office/powerpoint/2010/main" val="4116117019"/>
+      </p:ext>
+    </p:extLst>
+  </p:cSld>
+  <p:clrMapOvr>
+    <a:masterClrMapping/>
+  </p:clrMapOvr>
+</p:sld>
+</file>
+
+<file path=ppt/slides/slide18.xml><?xml version="1.0" encoding="utf-8"?>
+<p:sld xmlns:a="http://schemas.openxmlformats.org/drawingml/2006/main" xmlns:r="http://schemas.openxmlformats.org/officeDocument/2006/relationships" xmlns:p="http://schemas.openxmlformats.org/presentationml/2006/main">
+  <p:cSld>
+    <p:spTree>
+      <p:nvGrpSpPr>
+        <p:cNvPr id="1" name=""/>
+        <p:cNvGrpSpPr/>
+        <p:nvPr/>
+      </p:nvGrpSpPr>
+      <p:grpSpPr>
+        <a:xfrm>
+          <a:off x="0" y="0"/>
+          <a:ext cx="0" cy="0"/>
+          <a:chOff x="0" y="0"/>
+          <a:chExt cx="0" cy="0"/>
+        </a:xfrm>
+      </p:grpSpPr>
+      <p:sp>
+        <p:nvSpPr>
+          <p:cNvPr id="2" name="Title 1">
+            <a:extLst>
+              <a:ext uri="{FF2B5EF4-FFF2-40B4-BE49-F238E27FC236}">
+                <a16:creationId xmlns:a16="http://schemas.microsoft.com/office/drawing/2014/main" id="{FF78B1D8-6C20-476C-E542-C9B50F217FF2}"/>
+              </a:ext>
+            </a:extLst>
+          </p:cNvPr>
+          <p:cNvSpPr>
+            <a:spLocks noGrp="1"/>
+          </p:cNvSpPr>
+          <p:nvPr>
+            <p:ph type="title"/>
+          </p:nvPr>
+        </p:nvSpPr>
+        <p:spPr/>
+        <p:txBody>
+          <a:bodyPr/>
+          <a:lstStyle/>
+          <a:p>
+            <a:endParaRPr lang="en-US"/>
+          </a:p>
+        </p:txBody>
+      </p:sp>
+      <mc:AlternateContent xmlns:mc="http://schemas.openxmlformats.org/markup-compatibility/2006">
+        <mc:Choice xmlns:a14="http://schemas.microsoft.com/office/drawing/2010/main" Requires="a14">
+          <p:sp>
+            <p:nvSpPr>
+              <p:cNvPr id="4" name="TextBox 3">
+                <a:extLst>
+                  <a:ext uri="{FF2B5EF4-FFF2-40B4-BE49-F238E27FC236}">
+                    <a16:creationId xmlns:a16="http://schemas.microsoft.com/office/drawing/2014/main" id="{34B2CBA8-2E3A-3504-6B99-89DB9032C63C}"/>
+                  </a:ext>
+                </a:extLst>
+              </p:cNvPr>
+              <p:cNvSpPr txBox="1"/>
+              <p:nvPr/>
+            </p:nvSpPr>
+            <p:spPr>
+              <a:xfrm>
+                <a:off x="1729091" y="2019097"/>
+                <a:ext cx="2739211" cy="1027269"/>
+              </a:xfrm>
+              <a:prstGeom prst="rect">
+                <a:avLst/>
+              </a:prstGeom>
+              <a:noFill/>
+            </p:spPr>
+            <p:txBody>
+              <a:bodyPr wrap="none" rtlCol="0">
+                <a:spAutoFit/>
+              </a:bodyPr>
+              <a:lstStyle/>
+              <a:p>
+                <a14:m>
+                  <m:oMathPara xmlns:m="http://schemas.openxmlformats.org/officeDocument/2006/math">
+                    <m:oMathParaPr>
+                      <m:jc m:val="centerGroup"/>
+                    </m:oMathParaPr>
+                    <m:oMath xmlns:m="http://schemas.openxmlformats.org/officeDocument/2006/math">
+                      <m:sSub>
+                        <m:sSubPr>
+                          <m:ctrlPr>
+                            <a:rPr lang="pl-PL" i="1" smtClean="0">
+                              <a:latin typeface="Cambria Math" panose="02040503050406030204" pitchFamily="18" charset="0"/>
+                            </a:rPr>
+                          </m:ctrlPr>
+                        </m:sSubPr>
+                        <m:e>
+                          <m:r>
+                            <a:rPr lang="pl-PL" i="1">
+                              <a:latin typeface="Cambria Math" panose="02040503050406030204" pitchFamily="18" charset="0"/>
+                            </a:rPr>
+                            <m:t>𝑢𝑧</m:t>
+                          </m:r>
+                        </m:e>
+                        <m:sub>
+                          <m:r>
+                            <a:rPr lang="pl-PL" i="1">
+                              <a:latin typeface="Cambria Math" panose="02040503050406030204" pitchFamily="18" charset="0"/>
+                            </a:rPr>
+                            <m:t>2</m:t>
+                          </m:r>
+                        </m:sub>
+                      </m:sSub>
+                      <m:r>
+                        <a:rPr lang="pl-PL" i="1">
+                          <a:latin typeface="Cambria Math" panose="02040503050406030204" pitchFamily="18" charset="0"/>
+                        </a:rPr>
+                        <m:t> = </m:t>
+                      </m:r>
+                      <m:sSub>
+                        <m:sSubPr>
+                          <m:ctrlPr>
+                            <a:rPr lang="pl-PL" i="1" smtClean="0">
+                              <a:latin typeface="Cambria Math" panose="02040503050406030204" pitchFamily="18" charset="0"/>
+                            </a:rPr>
+                          </m:ctrlPr>
+                        </m:sSubPr>
+                        <m:e>
+                          <m:r>
+                            <a:rPr lang="pl-PL" i="1">
+                              <a:latin typeface="Cambria Math" panose="02040503050406030204" pitchFamily="18" charset="0"/>
+                            </a:rPr>
+                            <m:t>𝑢𝑧</m:t>
+                          </m:r>
+                        </m:e>
+                        <m:sub>
+                          <m:r>
+                            <a:rPr lang="pl-PL" i="1">
+                              <a:latin typeface="Cambria Math" panose="02040503050406030204" pitchFamily="18" charset="0"/>
+                            </a:rPr>
+                            <m:t>1</m:t>
+                          </m:r>
+                        </m:sub>
+                      </m:sSub>
+                      <m:r>
+                        <a:rPr lang="pl-PL" i="1">
+                          <a:latin typeface="Cambria Math" panose="02040503050406030204" pitchFamily="18" charset="0"/>
+                        </a:rPr>
+                        <m:t> * </m:t>
+                      </m:r>
+                      <m:f>
+                        <m:fPr>
+                          <m:ctrlPr>
+                            <a:rPr lang="pl-PL" i="1" smtClean="0">
+                              <a:latin typeface="Cambria Math" panose="02040503050406030204" pitchFamily="18" charset="0"/>
+                            </a:rPr>
+                          </m:ctrlPr>
+                        </m:fPr>
+                        <m:num>
+                          <m:r>
+                            <a:rPr lang="pl-PL" i="1">
+                              <a:latin typeface="Cambria Math" panose="02040503050406030204" pitchFamily="18" charset="0"/>
+                            </a:rPr>
+                            <m:t>𝑙𝑛</m:t>
+                          </m:r>
+                          <m:r>
+                            <a:rPr lang="pl-PL" i="1">
+                              <a:latin typeface="Cambria Math" panose="02040503050406030204" pitchFamily="18" charset="0"/>
+                            </a:rPr>
+                            <m:t>(</m:t>
+                          </m:r>
+                          <m:f>
+                            <m:fPr>
+                              <m:ctrlPr>
+                                <a:rPr lang="pl-PL" i="1" smtClean="0">
+                                  <a:latin typeface="Cambria Math" panose="02040503050406030204" pitchFamily="18" charset="0"/>
+                                </a:rPr>
+                              </m:ctrlPr>
+                            </m:fPr>
+                            <m:num>
+                              <m:r>
+                                <a:rPr lang="pl-PL" i="1" smtClean="0">
+                                  <a:latin typeface="Cambria Math" panose="02040503050406030204" pitchFamily="18" charset="0"/>
+                                </a:rPr>
+                                <m:t>𝑧</m:t>
+                              </m:r>
+                              <m:r>
+                                <a:rPr lang="pl-PL" i="1" baseline="-25000">
+                                  <a:latin typeface="Cambria Math" panose="02040503050406030204" pitchFamily="18" charset="0"/>
+                                </a:rPr>
+                                <m:t>2</m:t>
+                              </m:r>
+                              <m:r>
+                                <a:rPr lang="pl-PL" i="1">
+                                  <a:latin typeface="Cambria Math" panose="02040503050406030204" pitchFamily="18" charset="0"/>
+                                </a:rPr>
+                                <m:t> − </m:t>
+                              </m:r>
+                              <m:r>
+                                <a:rPr lang="pl-PL" i="1">
+                                  <a:latin typeface="Cambria Math" panose="02040503050406030204" pitchFamily="18" charset="0"/>
+                                </a:rPr>
+                                <m:t>𝑑</m:t>
+                              </m:r>
+                            </m:num>
+                            <m:den>
+                              <m:r>
+                                <a:rPr lang="pl-PL" i="1">
+                                  <a:latin typeface="Cambria Math" panose="02040503050406030204" pitchFamily="18" charset="0"/>
+                                </a:rPr>
+                                <m:t>𝑧</m:t>
+                              </m:r>
+                              <m:r>
+                                <a:rPr lang="pl-PL" i="1" baseline="-25000">
+                                  <a:latin typeface="Cambria Math" panose="02040503050406030204" pitchFamily="18" charset="0"/>
+                                </a:rPr>
+                                <m:t>0</m:t>
+                              </m:r>
+                            </m:den>
+                          </m:f>
+                          <m:r>
+                            <a:rPr lang="pl-PL" i="1">
+                              <a:latin typeface="Cambria Math" panose="02040503050406030204" pitchFamily="18" charset="0"/>
+                            </a:rPr>
+                            <m:t>)</m:t>
+                          </m:r>
+                        </m:num>
+                        <m:den>
+                          <m:r>
+                            <a:rPr lang="pl-PL" i="1">
+                              <a:latin typeface="Cambria Math" panose="02040503050406030204" pitchFamily="18" charset="0"/>
+                            </a:rPr>
+                            <m:t>𝑙𝑛</m:t>
+                          </m:r>
+                          <m:r>
+                            <a:rPr lang="pl-PL" i="1">
+                              <a:latin typeface="Cambria Math" panose="02040503050406030204" pitchFamily="18" charset="0"/>
+                            </a:rPr>
+                            <m:t>(</m:t>
+                          </m:r>
+                          <m:f>
+                            <m:fPr>
+                              <m:ctrlPr>
+                                <a:rPr lang="pl-PL" i="1" smtClean="0">
+                                  <a:latin typeface="Cambria Math" panose="02040503050406030204" pitchFamily="18" charset="0"/>
+                                </a:rPr>
+                              </m:ctrlPr>
+                            </m:fPr>
+                            <m:num>
+                              <m:r>
+                                <a:rPr lang="pl-PL" i="1">
+                                  <a:latin typeface="Cambria Math" panose="02040503050406030204" pitchFamily="18" charset="0"/>
+                                </a:rPr>
+                                <m:t>𝑧</m:t>
+                              </m:r>
+                              <m:r>
+                                <a:rPr lang="pl-PL" i="1" baseline="-25000">
+                                  <a:latin typeface="Cambria Math" panose="02040503050406030204" pitchFamily="18" charset="0"/>
+                                </a:rPr>
+                                <m:t>1</m:t>
+                              </m:r>
+                              <m:r>
+                                <a:rPr lang="pl-PL" i="1">
+                                  <a:latin typeface="Cambria Math" panose="02040503050406030204" pitchFamily="18" charset="0"/>
+                                </a:rPr>
+                                <m:t> − </m:t>
+                              </m:r>
+                              <m:r>
+                                <a:rPr lang="pl-PL" i="1">
+                                  <a:latin typeface="Cambria Math" panose="02040503050406030204" pitchFamily="18" charset="0"/>
+                                </a:rPr>
+                                <m:t>𝑑</m:t>
+                              </m:r>
+                            </m:num>
+                            <m:den>
+                              <m:r>
+                                <a:rPr lang="pl-PL" i="1">
+                                  <a:latin typeface="Cambria Math" panose="02040503050406030204" pitchFamily="18" charset="0"/>
+                                </a:rPr>
+                                <m:t>𝑧</m:t>
+                              </m:r>
+                              <m:r>
+                                <a:rPr lang="pl-PL" i="1" baseline="-25000">
+                                  <a:latin typeface="Cambria Math" panose="02040503050406030204" pitchFamily="18" charset="0"/>
+                                </a:rPr>
+                                <m:t>0</m:t>
+                              </m:r>
+                            </m:den>
+                          </m:f>
+                          <m:r>
+                            <a:rPr lang="pl-PL" i="1">
+                              <a:latin typeface="Cambria Math" panose="02040503050406030204" pitchFamily="18" charset="0"/>
+                            </a:rPr>
+                            <m:t>) </m:t>
+                          </m:r>
+                        </m:den>
+                      </m:f>
+                    </m:oMath>
+                  </m:oMathPara>
+                </a14:m>
+                <a:endParaRPr lang="en-US" dirty="0"/>
+              </a:p>
+            </p:txBody>
+          </p:sp>
+        </mc:Choice>
+        <mc:Fallback>
+          <p:sp>
+            <p:nvSpPr>
+              <p:cNvPr id="4" name="TextBox 3">
+                <a:extLst>
+                  <a:ext uri="{FF2B5EF4-FFF2-40B4-BE49-F238E27FC236}">
+                    <a16:creationId xmlns:a16="http://schemas.microsoft.com/office/drawing/2014/main" id="{34B2CBA8-2E3A-3504-6B99-89DB9032C63C}"/>
+                  </a:ext>
+                </a:extLst>
+              </p:cNvPr>
+              <p:cNvSpPr txBox="1">
+                <a:spLocks noRot="1" noChangeAspect="1" noMove="1" noResize="1" noEditPoints="1" noAdjustHandles="1" noChangeArrowheads="1" noChangeShapeType="1" noTextEdit="1"/>
+              </p:cNvSpPr>
+              <p:nvPr/>
+            </p:nvSpPr>
+            <p:spPr>
+              <a:xfrm>
+                <a:off x="1729091" y="2019097"/>
+                <a:ext cx="2739211" cy="1027269"/>
+              </a:xfrm>
+              <a:prstGeom prst="rect">
+                <a:avLst/>
+              </a:prstGeom>
+              <a:blipFill>
+                <a:blip r:embed="rId2"/>
+                <a:stretch>
+                  <a:fillRect/>
+                </a:stretch>
+              </a:blipFill>
+            </p:spPr>
+            <p:txBody>
+              <a:bodyPr/>
+              <a:lstStyle/>
+              <a:p>
+                <a:r>
+                  <a:rPr lang="en-US">
+                    <a:noFill/>
+                  </a:rPr>
+                  <a:t> </a:t>
+                </a:r>
+              </a:p>
+            </p:txBody>
+          </p:sp>
+        </mc:Fallback>
+      </mc:AlternateContent>
+      <mc:AlternateContent xmlns:mc="http://schemas.openxmlformats.org/markup-compatibility/2006">
+        <mc:Choice xmlns:a14="http://schemas.microsoft.com/office/drawing/2010/main" Requires="a14">
+          <p:sp>
+            <p:nvSpPr>
+              <p:cNvPr id="5" name="TextBox 4">
+                <a:extLst>
+                  <a:ext uri="{FF2B5EF4-FFF2-40B4-BE49-F238E27FC236}">
+                    <a16:creationId xmlns:a16="http://schemas.microsoft.com/office/drawing/2014/main" id="{A9638B03-C19E-C28A-6F57-612E79E5D951}"/>
+                  </a:ext>
+                </a:extLst>
+              </p:cNvPr>
+              <p:cNvSpPr txBox="1"/>
+              <p:nvPr/>
+            </p:nvSpPr>
+            <p:spPr>
+              <a:xfrm>
+                <a:off x="1386327" y="3303515"/>
+                <a:ext cx="3156505" cy="1016240"/>
+              </a:xfrm>
+              <a:prstGeom prst="rect">
+                <a:avLst/>
+              </a:prstGeom>
+              <a:noFill/>
+            </p:spPr>
+            <p:txBody>
+              <a:bodyPr wrap="none" rtlCol="0">
+                <a:spAutoFit/>
+              </a:bodyPr>
+              <a:lstStyle/>
+              <a:p>
+                <a14:m>
+                  <m:oMathPara xmlns:m="http://schemas.openxmlformats.org/officeDocument/2006/math">
+                    <m:oMathParaPr>
+                      <m:jc m:val="centerGroup"/>
+                    </m:oMathParaPr>
+                    <m:oMath xmlns:m="http://schemas.openxmlformats.org/officeDocument/2006/math">
+                      <m:sSub>
+                        <m:sSubPr>
+                          <m:ctrlPr>
+                            <a:rPr lang="pl-PL" i="1" smtClean="0">
+                              <a:latin typeface="Cambria Math" panose="02040503050406030204" pitchFamily="18" charset="0"/>
+                            </a:rPr>
+                          </m:ctrlPr>
+                        </m:sSubPr>
+                        <m:e>
+                          <m:r>
+                            <a:rPr lang="pl-PL" i="1">
+                              <a:latin typeface="Cambria Math" panose="02040503050406030204" pitchFamily="18" charset="0"/>
+                            </a:rPr>
+                            <m:t>𝑢𝑧</m:t>
+                          </m:r>
+                        </m:e>
+                        <m:sub>
+                          <m:r>
+                            <a:rPr lang="pl-PL" i="1">
+                              <a:latin typeface="Cambria Math" panose="02040503050406030204" pitchFamily="18" charset="0"/>
+                            </a:rPr>
+                            <m:t>2</m:t>
+                          </m:r>
+                        </m:sub>
+                      </m:sSub>
+                      <m:r>
+                        <a:rPr lang="pl-PL" i="1">
+                          <a:latin typeface="Cambria Math" panose="02040503050406030204" pitchFamily="18" charset="0"/>
+                        </a:rPr>
+                        <m:t> =</m:t>
+                      </m:r>
+                      <m:r>
+                        <a:rPr lang="en-US" b="0" i="1" smtClean="0">
+                          <a:latin typeface="Cambria Math" panose="02040503050406030204" pitchFamily="18" charset="0"/>
+                        </a:rPr>
+                        <m:t>1.755</m:t>
+                      </m:r>
+                      <m:r>
+                        <a:rPr lang="pl-PL" i="1">
+                          <a:latin typeface="Cambria Math" panose="02040503050406030204" pitchFamily="18" charset="0"/>
+                        </a:rPr>
+                        <m:t>* </m:t>
+                      </m:r>
+                      <m:f>
+                        <m:fPr>
+                          <m:ctrlPr>
+                            <a:rPr lang="pl-PL" i="1" smtClean="0">
+                              <a:latin typeface="Cambria Math" panose="02040503050406030204" pitchFamily="18" charset="0"/>
+                            </a:rPr>
+                          </m:ctrlPr>
+                        </m:fPr>
+                        <m:num>
+                          <m:r>
+                            <a:rPr lang="pl-PL" i="1">
+                              <a:latin typeface="Cambria Math" panose="02040503050406030204" pitchFamily="18" charset="0"/>
+                            </a:rPr>
+                            <m:t>𝑙𝑛</m:t>
+                          </m:r>
+                          <m:r>
+                            <a:rPr lang="pl-PL" i="1">
+                              <a:latin typeface="Cambria Math" panose="02040503050406030204" pitchFamily="18" charset="0"/>
+                            </a:rPr>
+                            <m:t>(</m:t>
+                          </m:r>
+                          <m:f>
+                            <m:fPr>
+                              <m:ctrlPr>
+                                <a:rPr lang="pl-PL" i="1" smtClean="0">
+                                  <a:latin typeface="Cambria Math" panose="02040503050406030204" pitchFamily="18" charset="0"/>
+                                </a:rPr>
+                              </m:ctrlPr>
+                            </m:fPr>
+                            <m:num>
+                              <m:r>
+                                <a:rPr lang="en-US" b="0" i="1" smtClean="0">
+                                  <a:latin typeface="Cambria Math" panose="02040503050406030204" pitchFamily="18" charset="0"/>
+                                </a:rPr>
+                                <m:t>2</m:t>
+                              </m:r>
+                              <m:r>
+                                <a:rPr lang="pl-PL" i="1">
+                                  <a:latin typeface="Cambria Math" panose="02040503050406030204" pitchFamily="18" charset="0"/>
+                                </a:rPr>
+                                <m:t> −</m:t>
+                              </m:r>
+                              <m:r>
+                                <a:rPr lang="en-US" b="0" i="1" smtClean="0">
+                                  <a:latin typeface="Cambria Math" panose="02040503050406030204" pitchFamily="18" charset="0"/>
+                                </a:rPr>
+                                <m:t>0.67</m:t>
+                              </m:r>
+                            </m:num>
+                            <m:den>
+                              <m:r>
+                                <a:rPr lang="en-US" b="0" i="1" smtClean="0">
+                                  <a:latin typeface="Cambria Math" panose="02040503050406030204" pitchFamily="18" charset="0"/>
+                                </a:rPr>
+                                <m:t>0.75</m:t>
+                              </m:r>
+                            </m:den>
+                          </m:f>
+                          <m:r>
+                            <a:rPr lang="pl-PL" i="1">
+                              <a:latin typeface="Cambria Math" panose="02040503050406030204" pitchFamily="18" charset="0"/>
+                            </a:rPr>
+                            <m:t>)</m:t>
+                          </m:r>
+                        </m:num>
+                        <m:den>
+                          <m:r>
+                            <a:rPr lang="pl-PL" i="1">
+                              <a:latin typeface="Cambria Math" panose="02040503050406030204" pitchFamily="18" charset="0"/>
+                            </a:rPr>
+                            <m:t>𝑙𝑛</m:t>
+                          </m:r>
+                          <m:r>
+                            <a:rPr lang="pl-PL" i="1">
+                              <a:latin typeface="Cambria Math" panose="02040503050406030204" pitchFamily="18" charset="0"/>
+                            </a:rPr>
+                            <m:t>(</m:t>
+                          </m:r>
+                          <m:f>
+                            <m:fPr>
+                              <m:ctrlPr>
+                                <a:rPr lang="pl-PL" i="1" smtClean="0">
+                                  <a:latin typeface="Cambria Math" panose="02040503050406030204" pitchFamily="18" charset="0"/>
+                                </a:rPr>
+                              </m:ctrlPr>
+                            </m:fPr>
+                            <m:num>
+                              <m:r>
+                                <a:rPr lang="en-US" b="0" i="1" smtClean="0">
+                                  <a:latin typeface="Cambria Math" panose="02040503050406030204" pitchFamily="18" charset="0"/>
+                                </a:rPr>
+                                <m:t>10</m:t>
+                              </m:r>
+                              <m:r>
+                                <a:rPr lang="pl-PL" i="1">
+                                  <a:latin typeface="Cambria Math" panose="02040503050406030204" pitchFamily="18" charset="0"/>
+                                </a:rPr>
+                                <m:t> −</m:t>
+                              </m:r>
+                              <m:r>
+                                <a:rPr lang="en-US" b="0" i="1" smtClean="0">
+                                  <a:latin typeface="Cambria Math" panose="02040503050406030204" pitchFamily="18" charset="0"/>
+                                </a:rPr>
+                                <m:t>0.67</m:t>
+                              </m:r>
+                            </m:num>
+                            <m:den>
+                              <m:r>
+                                <a:rPr lang="en-US" b="0" i="1" smtClean="0">
+                                  <a:latin typeface="Cambria Math" panose="02040503050406030204" pitchFamily="18" charset="0"/>
+                                </a:rPr>
+                                <m:t>0.75</m:t>
+                              </m:r>
+                            </m:den>
+                          </m:f>
+                          <m:r>
+                            <a:rPr lang="pl-PL" i="1">
+                              <a:latin typeface="Cambria Math" panose="02040503050406030204" pitchFamily="18" charset="0"/>
+                            </a:rPr>
+                            <m:t>) </m:t>
+                          </m:r>
+                        </m:den>
+                      </m:f>
+                    </m:oMath>
+                  </m:oMathPara>
+                </a14:m>
+                <a:endParaRPr lang="en-US" dirty="0"/>
+              </a:p>
+            </p:txBody>
+          </p:sp>
+        </mc:Choice>
+        <mc:Fallback>
+          <p:sp>
+            <p:nvSpPr>
+              <p:cNvPr id="5" name="TextBox 4">
+                <a:extLst>
+                  <a:ext uri="{FF2B5EF4-FFF2-40B4-BE49-F238E27FC236}">
+                    <a16:creationId xmlns:a16="http://schemas.microsoft.com/office/drawing/2014/main" id="{A9638B03-C19E-C28A-6F57-612E79E5D951}"/>
+                  </a:ext>
+                </a:extLst>
+              </p:cNvPr>
+              <p:cNvSpPr txBox="1">
+                <a:spLocks noRot="1" noChangeAspect="1" noMove="1" noResize="1" noEditPoints="1" noAdjustHandles="1" noChangeArrowheads="1" noChangeShapeType="1" noTextEdit="1"/>
+              </p:cNvSpPr>
+              <p:nvPr/>
+            </p:nvSpPr>
+            <p:spPr>
+              <a:xfrm>
+                <a:off x="1386327" y="3303515"/>
+                <a:ext cx="3156505" cy="1016240"/>
+              </a:xfrm>
+              <a:prstGeom prst="rect">
+                <a:avLst/>
+              </a:prstGeom>
+              <a:blipFill>
+                <a:blip r:embed="rId3"/>
+                <a:stretch>
+                  <a:fillRect/>
+                </a:stretch>
+              </a:blipFill>
+            </p:spPr>
+            <p:txBody>
+              <a:bodyPr/>
+              <a:lstStyle/>
+              <a:p>
+                <a:r>
+                  <a:rPr lang="en-US">
+                    <a:noFill/>
+                  </a:rPr>
+                  <a:t> </a:t>
+                </a:r>
+              </a:p>
+            </p:txBody>
+          </p:sp>
+        </mc:Fallback>
+      </mc:AlternateContent>
+      <mc:AlternateContent xmlns:mc="http://schemas.openxmlformats.org/markup-compatibility/2006">
+        <mc:Choice xmlns:a14="http://schemas.microsoft.com/office/drawing/2010/main" Requires="a14">
+          <p:sp>
+            <p:nvSpPr>
+              <p:cNvPr id="6" name="TextBox 5">
+                <a:extLst>
+                  <a:ext uri="{FF2B5EF4-FFF2-40B4-BE49-F238E27FC236}">
+                    <a16:creationId xmlns:a16="http://schemas.microsoft.com/office/drawing/2014/main" id="{9E728CE2-0788-0511-D23F-79FC2E9C8154}"/>
+                  </a:ext>
+                </a:extLst>
+              </p:cNvPr>
+              <p:cNvSpPr txBox="1"/>
+              <p:nvPr/>
+            </p:nvSpPr>
+            <p:spPr>
+              <a:xfrm>
+                <a:off x="1386327" y="4524256"/>
+                <a:ext cx="1369990" cy="369332"/>
+              </a:xfrm>
+              <a:prstGeom prst="rect">
+                <a:avLst/>
+              </a:prstGeom>
+              <a:noFill/>
+            </p:spPr>
+            <p:txBody>
+              <a:bodyPr wrap="none" rtlCol="0">
+                <a:spAutoFit/>
+              </a:bodyPr>
+              <a:lstStyle/>
+              <a:p>
+                <a14:m>
+                  <m:oMathPara xmlns:m="http://schemas.openxmlformats.org/officeDocument/2006/math">
+                    <m:oMathParaPr>
+                      <m:jc m:val="centerGroup"/>
+                    </m:oMathParaPr>
+                    <m:oMath xmlns:m="http://schemas.openxmlformats.org/officeDocument/2006/math">
+                      <m:sSub>
+                        <m:sSubPr>
+                          <m:ctrlPr>
+                            <a:rPr lang="pl-PL" i="1" smtClean="0">
+                              <a:latin typeface="Cambria Math" panose="02040503050406030204" pitchFamily="18" charset="0"/>
+                            </a:rPr>
+                          </m:ctrlPr>
+                        </m:sSubPr>
+                        <m:e>
+                          <m:r>
+                            <a:rPr lang="pl-PL" i="1">
+                              <a:latin typeface="Cambria Math" panose="02040503050406030204" pitchFamily="18" charset="0"/>
+                            </a:rPr>
+                            <m:t>𝑢𝑧</m:t>
+                          </m:r>
+                        </m:e>
+                        <m:sub>
+                          <m:r>
+                            <a:rPr lang="pl-PL" i="1">
+                              <a:latin typeface="Cambria Math" panose="02040503050406030204" pitchFamily="18" charset="0"/>
+                            </a:rPr>
+                            <m:t>2</m:t>
+                          </m:r>
+                        </m:sub>
+                      </m:sSub>
+                      <m:r>
+                        <a:rPr lang="pl-PL" i="1">
+                          <a:latin typeface="Cambria Math" panose="02040503050406030204" pitchFamily="18" charset="0"/>
+                        </a:rPr>
+                        <m:t> =</m:t>
+                      </m:r>
+                      <m:r>
+                        <a:rPr lang="en-US" b="0" i="1" smtClean="0">
+                          <a:latin typeface="Cambria Math" panose="02040503050406030204" pitchFamily="18" charset="0"/>
+                        </a:rPr>
+                        <m:t>7.69</m:t>
+                      </m:r>
+                    </m:oMath>
+                  </m:oMathPara>
+                </a14:m>
+                <a:endParaRPr lang="en-US" dirty="0"/>
+              </a:p>
+            </p:txBody>
+          </p:sp>
+        </mc:Choice>
+        <mc:Fallback>
+          <p:sp>
+            <p:nvSpPr>
+              <p:cNvPr id="6" name="TextBox 5">
+                <a:extLst>
+                  <a:ext uri="{FF2B5EF4-FFF2-40B4-BE49-F238E27FC236}">
+                    <a16:creationId xmlns:a16="http://schemas.microsoft.com/office/drawing/2014/main" id="{9E728CE2-0788-0511-D23F-79FC2E9C8154}"/>
+                  </a:ext>
+                </a:extLst>
+              </p:cNvPr>
+              <p:cNvSpPr txBox="1">
+                <a:spLocks noRot="1" noChangeAspect="1" noMove="1" noResize="1" noEditPoints="1" noAdjustHandles="1" noChangeArrowheads="1" noChangeShapeType="1" noTextEdit="1"/>
+              </p:cNvSpPr>
+              <p:nvPr/>
+            </p:nvSpPr>
+            <p:spPr>
+              <a:xfrm>
+                <a:off x="1386327" y="4524256"/>
+                <a:ext cx="1369990" cy="369332"/>
+              </a:xfrm>
+              <a:prstGeom prst="rect">
+                <a:avLst/>
+              </a:prstGeom>
+              <a:blipFill>
+                <a:blip r:embed="rId4"/>
+                <a:stretch>
+                  <a:fillRect/>
+                </a:stretch>
+              </a:blipFill>
+            </p:spPr>
+            <p:txBody>
+              <a:bodyPr/>
+              <a:lstStyle/>
+              <a:p>
+                <a:r>
+                  <a:rPr lang="en-US">
+                    <a:noFill/>
+                  </a:rPr>
+                  <a:t> </a:t>
+                </a:r>
+              </a:p>
+            </p:txBody>
+          </p:sp>
+        </mc:Fallback>
+      </mc:AlternateContent>
+      <p:sp>
+        <p:nvSpPr>
+          <p:cNvPr id="8" name="TextBox 7">
+            <a:extLst>
+              <a:ext uri="{FF2B5EF4-FFF2-40B4-BE49-F238E27FC236}">
+                <a16:creationId xmlns:a16="http://schemas.microsoft.com/office/drawing/2014/main" id="{B42B2CA4-C3F0-99E7-B4C3-DE7718E3DA81}"/>
+              </a:ext>
+            </a:extLst>
+          </p:cNvPr>
+          <p:cNvSpPr txBox="1"/>
+          <p:nvPr/>
+        </p:nvSpPr>
+        <p:spPr>
+          <a:xfrm>
+            <a:off x="3070098" y="4537353"/>
+            <a:ext cx="3180743" cy="369332"/>
+          </a:xfrm>
+          <a:prstGeom prst="rect">
+            <a:avLst/>
+          </a:prstGeom>
+          <a:noFill/>
+        </p:spPr>
+        <p:txBody>
+          <a:bodyPr wrap="none" rtlCol="0">
+            <a:spAutoFit/>
+          </a:bodyPr>
+          <a:lstStyle/>
+          <a:p>
+            <a:r>
+              <a:rPr lang="en-US" dirty="0">
+                <a:highlight>
+                  <a:srgbClr val="FFFF00"/>
+                </a:highlight>
+              </a:rPr>
+              <a:t>* Well, that’s most likely wrong!</a:t>
+            </a:r>
+          </a:p>
+        </p:txBody>
+      </p:sp>
+      <p:sp>
+        <p:nvSpPr>
+          <p:cNvPr id="9" name="TextBox 8">
+            <a:extLst>
+              <a:ext uri="{FF2B5EF4-FFF2-40B4-BE49-F238E27FC236}">
+                <a16:creationId xmlns:a16="http://schemas.microsoft.com/office/drawing/2014/main" id="{95E8B5AB-162C-FAC7-7A2A-EF2B591D2E09}"/>
+              </a:ext>
+            </a:extLst>
+          </p:cNvPr>
+          <p:cNvSpPr txBox="1"/>
+          <p:nvPr/>
+        </p:nvSpPr>
+        <p:spPr>
+          <a:xfrm>
+            <a:off x="6405123" y="4524256"/>
+            <a:ext cx="4857750" cy="646331"/>
+          </a:xfrm>
+          <a:prstGeom prst="rect">
+            <a:avLst/>
+          </a:prstGeom>
+          <a:noFill/>
+        </p:spPr>
+        <p:txBody>
+          <a:bodyPr wrap="square" rtlCol="0">
+            <a:spAutoFit/>
+          </a:bodyPr>
+          <a:lstStyle/>
+          <a:p>
+            <a:r>
+              <a:rPr lang="en-US" dirty="0">
+                <a:highlight>
+                  <a:srgbClr val="FFFF00"/>
+                </a:highlight>
+              </a:rPr>
+              <a:t>0.40 if Wikipedia transposed the numerator and denominator</a:t>
+            </a:r>
+          </a:p>
+        </p:txBody>
+      </p:sp>
+      <p:sp>
+        <p:nvSpPr>
+          <p:cNvPr id="10" name="TextBox 9">
+            <a:extLst>
+              <a:ext uri="{FF2B5EF4-FFF2-40B4-BE49-F238E27FC236}">
+                <a16:creationId xmlns:a16="http://schemas.microsoft.com/office/drawing/2014/main" id="{A82C56C2-15FC-6775-DC2F-9E7D43C8AF1E}"/>
+              </a:ext>
+            </a:extLst>
+          </p:cNvPr>
+          <p:cNvSpPr txBox="1"/>
+          <p:nvPr/>
+        </p:nvSpPr>
+        <p:spPr>
+          <a:xfrm>
+            <a:off x="1386327" y="5563250"/>
+            <a:ext cx="5764591" cy="369332"/>
+          </a:xfrm>
+          <a:prstGeom prst="rect">
+            <a:avLst/>
+          </a:prstGeom>
+          <a:noFill/>
+        </p:spPr>
+        <p:txBody>
+          <a:bodyPr wrap="none" rtlCol="0">
+            <a:spAutoFit/>
+          </a:bodyPr>
+          <a:lstStyle/>
+          <a:p>
+            <a:r>
+              <a:rPr lang="en-US" dirty="0"/>
+              <a:t>Changing roughness to 0.001 gives 2.23 (1.38 if transposed)</a:t>
+            </a:r>
+          </a:p>
+        </p:txBody>
+      </p:sp>
+      <p:sp>
+        <p:nvSpPr>
+          <p:cNvPr id="11" name="TextBox 10">
+            <a:extLst>
+              <a:ext uri="{FF2B5EF4-FFF2-40B4-BE49-F238E27FC236}">
+                <a16:creationId xmlns:a16="http://schemas.microsoft.com/office/drawing/2014/main" id="{B9467FA9-84F7-0A78-0C78-C22681C8EFBA}"/>
+              </a:ext>
+            </a:extLst>
+          </p:cNvPr>
+          <p:cNvSpPr txBox="1"/>
+          <p:nvPr/>
+        </p:nvSpPr>
+        <p:spPr>
+          <a:xfrm>
+            <a:off x="1261856" y="6408053"/>
+            <a:ext cx="9668288" cy="369332"/>
+          </a:xfrm>
+          <a:prstGeom prst="rect">
+            <a:avLst/>
+          </a:prstGeom>
+          <a:noFill/>
+        </p:spPr>
+        <p:txBody>
+          <a:bodyPr wrap="none" rtlCol="0">
+            <a:spAutoFit/>
+          </a:bodyPr>
+          <a:lstStyle/>
+          <a:p>
+            <a:r>
+              <a:rPr lang="en-US" dirty="0"/>
+              <a:t>Wikipedia cites: Holmes JD. Wind Loading of Structures. 3rd ed. Boca Raton, Florida: CRC Press; 2015.</a:t>
+            </a:r>
+          </a:p>
+        </p:txBody>
+      </p:sp>
+    </p:spTree>
+    <p:extLst>
+      <p:ext uri="{BB962C8B-B14F-4D97-AF65-F5344CB8AC3E}">
+        <p14:creationId xmlns:p14="http://schemas.microsoft.com/office/powerpoint/2010/main" val="3086359650"/>
+      </p:ext>
+    </p:extLst>
+  </p:cSld>
+  <p:clrMapOvr>
+    <a:masterClrMapping/>
+  </p:clrMapOvr>
+</p:sld>
+</file>
+
+<file path=ppt/slides/slide19.xml><?xml version="1.0" encoding="utf-8"?>
+<p:sld xmlns:a="http://schemas.openxmlformats.org/drawingml/2006/main" xmlns:r="http://schemas.openxmlformats.org/officeDocument/2006/relationships" xmlns:p="http://schemas.openxmlformats.org/presentationml/2006/main">
+  <p:cSld>
+    <p:spTree>
+      <p:nvGrpSpPr>
+        <p:cNvPr id="1" name=""/>
+        <p:cNvGrpSpPr/>
+        <p:nvPr/>
+      </p:nvGrpSpPr>
+      <p:grpSpPr>
+        <a:xfrm>
+          <a:off x="0" y="0"/>
+          <a:ext cx="0" cy="0"/>
+          <a:chOff x="0" y="0"/>
+          <a:chExt cx="0" cy="0"/>
+        </a:xfrm>
+      </p:grpSpPr>
+      <mc:AlternateContent xmlns:mc="http://schemas.openxmlformats.org/markup-compatibility/2006">
+        <mc:Choice xmlns:a14="http://schemas.microsoft.com/office/drawing/2010/main" Requires="a14">
+          <p:sp>
+            <p:nvSpPr>
+              <p:cNvPr id="4" name="TextBox 3">
+                <a:extLst>
+                  <a:ext uri="{FF2B5EF4-FFF2-40B4-BE49-F238E27FC236}">
+                    <a16:creationId xmlns:a16="http://schemas.microsoft.com/office/drawing/2014/main" id="{7C2E4665-5E0A-1C2A-14CF-D726179E7BA3}"/>
+                  </a:ext>
+                </a:extLst>
+              </p:cNvPr>
+              <p:cNvSpPr txBox="1"/>
+              <p:nvPr/>
+            </p:nvSpPr>
+            <p:spPr>
+              <a:xfrm>
+                <a:off x="2680444" y="1156450"/>
+                <a:ext cx="4569007" cy="719556"/>
+              </a:xfrm>
+              <a:prstGeom prst="rect">
+                <a:avLst/>
+              </a:prstGeom>
+              <a:noFill/>
+            </p:spPr>
+            <p:txBody>
+              <a:bodyPr wrap="none" rtlCol="0">
+                <a:spAutoFit/>
+              </a:bodyPr>
+              <a:lstStyle/>
+              <a:p>
+                <a14:m>
+                  <m:oMathPara xmlns:m="http://schemas.openxmlformats.org/officeDocument/2006/math">
+                    <m:oMathParaPr>
+                      <m:jc m:val="centerGroup"/>
+                    </m:oMathParaPr>
+                    <m:oMath xmlns:m="http://schemas.openxmlformats.org/officeDocument/2006/math">
+                      <m:r>
+                        <a:rPr lang="en-US" b="0" i="1" smtClean="0">
+                          <a:latin typeface="Cambria Math" panose="02040503050406030204" pitchFamily="18" charset="0"/>
+                        </a:rPr>
+                        <m:t>𝐶𝑊𝐹</m:t>
+                      </m:r>
+                      <m:f>
+                        <m:fPr>
+                          <m:ctrlPr>
+                            <a:rPr lang="en-US" b="0" i="1" smtClean="0">
+                              <a:latin typeface="Cambria Math" panose="02040503050406030204" pitchFamily="18" charset="0"/>
+                            </a:rPr>
+                          </m:ctrlPr>
+                        </m:fPr>
+                        <m:num>
+                          <m:r>
+                            <a:rPr lang="en-US" b="0" i="1" smtClean="0">
+                              <a:latin typeface="Cambria Math" panose="02040503050406030204" pitchFamily="18" charset="0"/>
+                            </a:rPr>
+                            <m:t>𝑚𝑚</m:t>
+                          </m:r>
+                        </m:num>
+                        <m:den>
+                          <m:r>
+                            <a:rPr lang="en-US" b="0" i="1" smtClean="0">
+                              <a:latin typeface="Cambria Math" panose="02040503050406030204" pitchFamily="18" charset="0"/>
+                            </a:rPr>
+                            <m:t>h𝑟</m:t>
+                          </m:r>
+                        </m:den>
+                      </m:f>
+                      <m:r>
+                        <a:rPr lang="en-US" b="0" i="1" smtClean="0">
+                          <a:latin typeface="Cambria Math" panose="02040503050406030204" pitchFamily="18" charset="0"/>
+                        </a:rPr>
+                        <m:t>=</m:t>
+                      </m:r>
+                      <m:f>
+                        <m:fPr>
+                          <m:ctrlPr>
+                            <a:rPr lang="en-US" b="0" i="1" smtClean="0">
+                              <a:latin typeface="Cambria Math" panose="02040503050406030204" pitchFamily="18" charset="0"/>
+                            </a:rPr>
+                          </m:ctrlPr>
+                        </m:fPr>
+                        <m:num>
+                          <m:r>
+                            <a:rPr lang="en-US" i="1">
+                              <a:latin typeface="Cambria Math" panose="02040503050406030204" pitchFamily="18" charset="0"/>
+                            </a:rPr>
+                            <m:t>𝐿</m:t>
+                          </m:r>
+                          <m:r>
+                            <a:rPr lang="en-US" b="0" i="1" smtClean="0">
+                              <a:latin typeface="Cambria Math" panose="02040503050406030204" pitchFamily="18" charset="0"/>
+                            </a:rPr>
+                            <m:t>𝐶𝑊</m:t>
+                          </m:r>
+                        </m:num>
+                        <m:den>
+                          <m:sSub>
+                            <m:sSubPr>
+                              <m:ctrlPr>
+                                <a:rPr lang="en-US" b="0" i="1" smtClean="0">
+                                  <a:latin typeface="Cambria Math" panose="02040503050406030204" pitchFamily="18" charset="0"/>
+                                </a:rPr>
+                              </m:ctrlPr>
+                            </m:sSubPr>
+                            <m:e>
+                              <m:r>
+                                <m:rPr>
+                                  <m:sty m:val="p"/>
+                                </m:rPr>
+                                <a:rPr lang="el-GR" i="1">
+                                  <a:latin typeface="Cambria Math" panose="02040503050406030204" pitchFamily="18" charset="0"/>
+                                </a:rPr>
+                                <m:t>ρ</m:t>
+                              </m:r>
+                            </m:e>
+                            <m:sub>
+                              <m:r>
+                                <a:rPr lang="en-US" b="0" i="1" smtClean="0">
+                                  <a:latin typeface="Cambria Math" panose="02040503050406030204" pitchFamily="18" charset="0"/>
+                                </a:rPr>
+                                <m:t>𝑤𝑎𝑡𝑒𝑟</m:t>
+                              </m:r>
+                            </m:sub>
+                          </m:sSub>
+                        </m:den>
+                      </m:f>
+                      <m:r>
+                        <a:rPr lang="en-US" b="0" i="1" smtClean="0">
+                          <a:latin typeface="Cambria Math" panose="02040503050406030204" pitchFamily="18" charset="0"/>
+                        </a:rPr>
+                        <m:t> ∗</m:t>
+                      </m:r>
+                      <m:r>
+                        <a:rPr lang="en-US" b="0" i="1" smtClean="0">
+                          <a:latin typeface="Cambria Math" panose="02040503050406030204" pitchFamily="18" charset="0"/>
+                        </a:rPr>
+                        <m:t>𝑊𝑆</m:t>
+                      </m:r>
+                      <m:r>
+                        <a:rPr lang="en-US" b="0" i="1" smtClean="0">
+                          <a:latin typeface="Cambria Math" panose="02040503050406030204" pitchFamily="18" charset="0"/>
+                        </a:rPr>
+                        <m:t> ∗3.6 </m:t>
+                      </m:r>
+                      <m:f>
+                        <m:fPr>
+                          <m:ctrlPr>
+                            <a:rPr lang="en-US" b="0" i="1" smtClean="0">
+                              <a:latin typeface="Cambria Math" panose="02040503050406030204" pitchFamily="18" charset="0"/>
+                            </a:rPr>
+                          </m:ctrlPr>
+                        </m:fPr>
+                        <m:num>
+                          <m:sSup>
+                            <m:sSupPr>
+                              <m:ctrlPr>
+                                <a:rPr lang="en-US" b="0" i="1" smtClean="0">
+                                  <a:latin typeface="Cambria Math" panose="02040503050406030204" pitchFamily="18" charset="0"/>
+                                </a:rPr>
+                              </m:ctrlPr>
+                            </m:sSupPr>
+                            <m:e>
+                              <m:r>
+                                <a:rPr lang="en-US" b="0" i="1" smtClean="0">
+                                  <a:latin typeface="Cambria Math" panose="02040503050406030204" pitchFamily="18" charset="0"/>
+                                </a:rPr>
+                                <m:t>𝑚𝑚</m:t>
+                              </m:r>
+                            </m:e>
+                            <m:sup/>
+                          </m:sSup>
+                        </m:num>
+                        <m:den>
+                          <m:r>
+                            <a:rPr lang="en-US" b="0" i="1" smtClean="0">
+                              <a:latin typeface="Cambria Math" panose="02040503050406030204" pitchFamily="18" charset="0"/>
+                            </a:rPr>
+                            <m:t>h𝑟</m:t>
+                          </m:r>
+                        </m:den>
+                      </m:f>
+                      <m:r>
+                        <a:rPr lang="en-US" b="0" i="1" smtClean="0">
+                          <a:latin typeface="Cambria Math" panose="02040503050406030204" pitchFamily="18" charset="0"/>
+                        </a:rPr>
+                        <m:t>∗</m:t>
+                      </m:r>
+                      <m:f>
+                        <m:fPr>
+                          <m:ctrlPr>
+                            <a:rPr lang="en-US" b="0" i="1" smtClean="0">
+                              <a:latin typeface="Cambria Math" panose="02040503050406030204" pitchFamily="18" charset="0"/>
+                            </a:rPr>
+                          </m:ctrlPr>
+                        </m:fPr>
+                        <m:num>
+                          <m:sSup>
+                            <m:sSupPr>
+                              <m:ctrlPr>
+                                <a:rPr lang="en-US" b="0" i="1" smtClean="0">
+                                  <a:latin typeface="Cambria Math" panose="02040503050406030204" pitchFamily="18" charset="0"/>
+                                </a:rPr>
+                              </m:ctrlPr>
+                            </m:sSupPr>
+                            <m:e>
+                              <m:r>
+                                <a:rPr lang="en-US" b="0" i="1" smtClean="0">
+                                  <a:latin typeface="Cambria Math" panose="02040503050406030204" pitchFamily="18" charset="0"/>
+                                </a:rPr>
+                                <m:t>𝑚</m:t>
+                              </m:r>
+                            </m:e>
+                            <m:sup>
+                              <m:r>
+                                <a:rPr lang="en-US" b="0" i="1" smtClean="0">
+                                  <a:latin typeface="Cambria Math" panose="02040503050406030204" pitchFamily="18" charset="0"/>
+                                </a:rPr>
+                                <m:t>6</m:t>
+                              </m:r>
+                            </m:sup>
+                          </m:sSup>
+                        </m:num>
+                        <m:den>
+                          <m:sSup>
+                            <m:sSupPr>
+                              <m:ctrlPr>
+                                <a:rPr lang="en-US" i="1">
+                                  <a:latin typeface="Cambria Math" panose="02040503050406030204" pitchFamily="18" charset="0"/>
+                                </a:rPr>
+                              </m:ctrlPr>
+                            </m:sSupPr>
+                            <m:e>
+                              <m:r>
+                                <a:rPr lang="en-US" i="1">
+                                  <a:latin typeface="Cambria Math" panose="02040503050406030204" pitchFamily="18" charset="0"/>
+                                </a:rPr>
+                                <m:t>𝑐𝑚</m:t>
+                              </m:r>
+                            </m:e>
+                            <m:sup>
+                              <m:r>
+                                <a:rPr lang="en-US" b="0" i="1" smtClean="0">
+                                  <a:latin typeface="Cambria Math" panose="02040503050406030204" pitchFamily="18" charset="0"/>
+                                </a:rPr>
+                                <m:t>6</m:t>
+                              </m:r>
+                            </m:sup>
+                          </m:sSup>
+                        </m:den>
+                      </m:f>
+                    </m:oMath>
+                  </m:oMathPara>
+                </a14:m>
+                <a:endParaRPr lang="en-US" dirty="0"/>
+              </a:p>
+            </p:txBody>
+          </p:sp>
+        </mc:Choice>
+        <mc:Fallback>
+          <p:sp>
+            <p:nvSpPr>
+              <p:cNvPr id="4" name="TextBox 3">
+                <a:extLst>
+                  <a:ext uri="{FF2B5EF4-FFF2-40B4-BE49-F238E27FC236}">
+                    <a16:creationId xmlns:a16="http://schemas.microsoft.com/office/drawing/2014/main" id="{7C2E4665-5E0A-1C2A-14CF-D726179E7BA3}"/>
+                  </a:ext>
+                </a:extLst>
+              </p:cNvPr>
+              <p:cNvSpPr txBox="1">
+                <a:spLocks noRot="1" noChangeAspect="1" noMove="1" noResize="1" noEditPoints="1" noAdjustHandles="1" noChangeArrowheads="1" noChangeShapeType="1" noTextEdit="1"/>
+              </p:cNvSpPr>
+              <p:nvPr/>
+            </p:nvSpPr>
+            <p:spPr>
+              <a:xfrm>
+                <a:off x="2680444" y="1156450"/>
+                <a:ext cx="4569007" cy="719556"/>
+              </a:xfrm>
+              <a:prstGeom prst="rect">
+                <a:avLst/>
+              </a:prstGeom>
+              <a:blipFill>
+                <a:blip r:embed="rId2"/>
+                <a:stretch>
+                  <a:fillRect/>
+                </a:stretch>
+              </a:blipFill>
+            </p:spPr>
+            <p:txBody>
+              <a:bodyPr/>
+              <a:lstStyle/>
+              <a:p>
+                <a:r>
+                  <a:rPr lang="en-US">
+                    <a:noFill/>
+                  </a:rPr>
+                  <a:t> </a:t>
+                </a:r>
+              </a:p>
+            </p:txBody>
+          </p:sp>
+        </mc:Fallback>
+      </mc:AlternateContent>
+      <mc:AlternateContent xmlns:mc="http://schemas.openxmlformats.org/markup-compatibility/2006">
+        <mc:Choice xmlns:a14="http://schemas.microsoft.com/office/drawing/2010/main" Requires="a14">
+          <p:sp>
+            <p:nvSpPr>
+              <p:cNvPr id="5" name="TextBox 4">
+                <a:extLst>
+                  <a:ext uri="{FF2B5EF4-FFF2-40B4-BE49-F238E27FC236}">
+                    <a16:creationId xmlns:a16="http://schemas.microsoft.com/office/drawing/2014/main" id="{E52B25FE-7676-86CC-A3C4-D53F52BB1EE0}"/>
+                  </a:ext>
+                </a:extLst>
+              </p:cNvPr>
+              <p:cNvSpPr txBox="1"/>
+              <p:nvPr/>
+            </p:nvSpPr>
+            <p:spPr>
+              <a:xfrm>
+                <a:off x="2680443" y="2070850"/>
+                <a:ext cx="4569007" cy="719556"/>
+              </a:xfrm>
+              <a:prstGeom prst="rect">
+                <a:avLst/>
+              </a:prstGeom>
+              <a:noFill/>
+            </p:spPr>
+            <p:txBody>
+              <a:bodyPr wrap="none" rtlCol="0">
+                <a:spAutoFit/>
+              </a:bodyPr>
+              <a:lstStyle/>
+              <a:p>
+                <a14:m>
+                  <m:oMathPara xmlns:m="http://schemas.openxmlformats.org/officeDocument/2006/math">
+                    <m:oMathParaPr>
+                      <m:jc m:val="centerGroup"/>
+                    </m:oMathParaPr>
+                    <m:oMath xmlns:m="http://schemas.openxmlformats.org/officeDocument/2006/math">
+                      <m:r>
+                        <a:rPr lang="en-US" b="0" i="1" smtClean="0">
+                          <a:latin typeface="Cambria Math" panose="02040503050406030204" pitchFamily="18" charset="0"/>
+                        </a:rPr>
+                        <m:t>𝐶𝑊𝐹</m:t>
+                      </m:r>
+                      <m:f>
+                        <m:fPr>
+                          <m:ctrlPr>
+                            <a:rPr lang="en-US" b="0" i="1" smtClean="0">
+                              <a:latin typeface="Cambria Math" panose="02040503050406030204" pitchFamily="18" charset="0"/>
+                            </a:rPr>
+                          </m:ctrlPr>
+                        </m:fPr>
+                        <m:num>
+                          <m:r>
+                            <a:rPr lang="en-US" b="0" i="1" smtClean="0">
+                              <a:latin typeface="Cambria Math" panose="02040503050406030204" pitchFamily="18" charset="0"/>
+                            </a:rPr>
+                            <m:t>𝑚𝑚</m:t>
+                          </m:r>
+                        </m:num>
+                        <m:den>
+                          <m:r>
+                            <a:rPr lang="en-US" b="0" i="1" smtClean="0">
+                              <a:latin typeface="Cambria Math" panose="02040503050406030204" pitchFamily="18" charset="0"/>
+                            </a:rPr>
+                            <m:t>h𝑟</m:t>
+                          </m:r>
+                        </m:den>
+                      </m:f>
+                      <m:r>
+                        <a:rPr lang="en-US" b="0" i="1" smtClean="0">
+                          <a:latin typeface="Cambria Math" panose="02040503050406030204" pitchFamily="18" charset="0"/>
+                        </a:rPr>
+                        <m:t>=</m:t>
+                      </m:r>
+                      <m:f>
+                        <m:fPr>
+                          <m:ctrlPr>
+                            <a:rPr lang="en-US" b="0" i="1" smtClean="0">
+                              <a:latin typeface="Cambria Math" panose="02040503050406030204" pitchFamily="18" charset="0"/>
+                            </a:rPr>
+                          </m:ctrlPr>
+                        </m:fPr>
+                        <m:num>
+                          <m:r>
+                            <a:rPr lang="en-US" i="1">
+                              <a:latin typeface="Cambria Math" panose="02040503050406030204" pitchFamily="18" charset="0"/>
+                            </a:rPr>
+                            <m:t>𝐿</m:t>
+                          </m:r>
+                          <m:r>
+                            <a:rPr lang="en-US" b="0" i="1" smtClean="0">
+                              <a:latin typeface="Cambria Math" panose="02040503050406030204" pitchFamily="18" charset="0"/>
+                            </a:rPr>
+                            <m:t>𝐶𝑊</m:t>
+                          </m:r>
+                        </m:num>
+                        <m:den>
+                          <m:sSub>
+                            <m:sSubPr>
+                              <m:ctrlPr>
+                                <a:rPr lang="en-US" b="0" i="1" smtClean="0">
+                                  <a:latin typeface="Cambria Math" panose="02040503050406030204" pitchFamily="18" charset="0"/>
+                                </a:rPr>
+                              </m:ctrlPr>
+                            </m:sSubPr>
+                            <m:e>
+                              <m:r>
+                                <m:rPr>
+                                  <m:sty m:val="p"/>
+                                </m:rPr>
+                                <a:rPr lang="el-GR" i="1">
+                                  <a:latin typeface="Cambria Math" panose="02040503050406030204" pitchFamily="18" charset="0"/>
+                                </a:rPr>
+                                <m:t>ρ</m:t>
+                              </m:r>
+                            </m:e>
+                            <m:sub>
+                              <m:r>
+                                <a:rPr lang="en-US" b="0" i="1" smtClean="0">
+                                  <a:latin typeface="Cambria Math" panose="02040503050406030204" pitchFamily="18" charset="0"/>
+                                </a:rPr>
+                                <m:t>𝑤𝑎𝑡𝑒𝑟</m:t>
+                              </m:r>
+                            </m:sub>
+                          </m:sSub>
+                        </m:den>
+                      </m:f>
+                      <m:r>
+                        <a:rPr lang="en-US" b="0" i="1" smtClean="0">
+                          <a:latin typeface="Cambria Math" panose="02040503050406030204" pitchFamily="18" charset="0"/>
+                        </a:rPr>
+                        <m:t> ∗</m:t>
+                      </m:r>
+                      <m:r>
+                        <a:rPr lang="en-US" b="0" i="1" smtClean="0">
+                          <a:latin typeface="Cambria Math" panose="02040503050406030204" pitchFamily="18" charset="0"/>
+                        </a:rPr>
+                        <m:t>𝑊𝑆</m:t>
+                      </m:r>
+                      <m:r>
+                        <a:rPr lang="en-US" b="0" i="1" smtClean="0">
+                          <a:latin typeface="Cambria Math" panose="02040503050406030204" pitchFamily="18" charset="0"/>
+                        </a:rPr>
+                        <m:t> ∗3.6 </m:t>
+                      </m:r>
+                      <m:f>
+                        <m:fPr>
+                          <m:ctrlPr>
+                            <a:rPr lang="en-US" b="0" i="1" smtClean="0">
+                              <a:latin typeface="Cambria Math" panose="02040503050406030204" pitchFamily="18" charset="0"/>
+                            </a:rPr>
+                          </m:ctrlPr>
+                        </m:fPr>
+                        <m:num>
+                          <m:sSup>
+                            <m:sSupPr>
+                              <m:ctrlPr>
+                                <a:rPr lang="en-US" b="0" i="1" smtClean="0">
+                                  <a:latin typeface="Cambria Math" panose="02040503050406030204" pitchFamily="18" charset="0"/>
+                                </a:rPr>
+                              </m:ctrlPr>
+                            </m:sSupPr>
+                            <m:e>
+                              <m:r>
+                                <a:rPr lang="en-US" b="0" i="1" smtClean="0">
+                                  <a:latin typeface="Cambria Math" panose="02040503050406030204" pitchFamily="18" charset="0"/>
+                                </a:rPr>
+                                <m:t>𝑚𝑚</m:t>
+                              </m:r>
+                            </m:e>
+                            <m:sup/>
+                          </m:sSup>
+                        </m:num>
+                        <m:den>
+                          <m:r>
+                            <a:rPr lang="en-US" b="0" i="1" smtClean="0">
+                              <a:latin typeface="Cambria Math" panose="02040503050406030204" pitchFamily="18" charset="0"/>
+                            </a:rPr>
+                            <m:t>h𝑟</m:t>
+                          </m:r>
+                        </m:den>
+                      </m:f>
+                      <m:r>
+                        <a:rPr lang="en-US" b="0" i="1" smtClean="0">
+                          <a:latin typeface="Cambria Math" panose="02040503050406030204" pitchFamily="18" charset="0"/>
+                        </a:rPr>
+                        <m:t>∗</m:t>
+                      </m:r>
+                      <m:f>
+                        <m:fPr>
+                          <m:ctrlPr>
+                            <a:rPr lang="en-US" b="0" i="1" smtClean="0">
+                              <a:latin typeface="Cambria Math" panose="02040503050406030204" pitchFamily="18" charset="0"/>
+                            </a:rPr>
+                          </m:ctrlPr>
+                        </m:fPr>
+                        <m:num>
+                          <m:sSup>
+                            <m:sSupPr>
+                              <m:ctrlPr>
+                                <a:rPr lang="en-US" b="0" i="1" smtClean="0">
+                                  <a:latin typeface="Cambria Math" panose="02040503050406030204" pitchFamily="18" charset="0"/>
+                                </a:rPr>
+                              </m:ctrlPr>
+                            </m:sSupPr>
+                            <m:e>
+                              <m:r>
+                                <a:rPr lang="en-US" b="0" i="1" smtClean="0">
+                                  <a:latin typeface="Cambria Math" panose="02040503050406030204" pitchFamily="18" charset="0"/>
+                                </a:rPr>
+                                <m:t>𝑚</m:t>
+                              </m:r>
+                            </m:e>
+                            <m:sup>
+                              <m:r>
+                                <a:rPr lang="en-US" b="0" i="1" smtClean="0">
+                                  <a:latin typeface="Cambria Math" panose="02040503050406030204" pitchFamily="18" charset="0"/>
+                                </a:rPr>
+                                <m:t>6</m:t>
+                              </m:r>
+                            </m:sup>
+                          </m:sSup>
+                        </m:num>
+                        <m:den>
+                          <m:sSup>
+                            <m:sSupPr>
+                              <m:ctrlPr>
+                                <a:rPr lang="en-US" i="1">
+                                  <a:latin typeface="Cambria Math" panose="02040503050406030204" pitchFamily="18" charset="0"/>
+                                </a:rPr>
+                              </m:ctrlPr>
+                            </m:sSupPr>
+                            <m:e>
+                              <m:r>
+                                <a:rPr lang="en-US" i="1">
+                                  <a:latin typeface="Cambria Math" panose="02040503050406030204" pitchFamily="18" charset="0"/>
+                                </a:rPr>
+                                <m:t>𝑐𝑚</m:t>
+                              </m:r>
+                            </m:e>
+                            <m:sup>
+                              <m:r>
+                                <a:rPr lang="en-US" b="0" i="1" smtClean="0">
+                                  <a:latin typeface="Cambria Math" panose="02040503050406030204" pitchFamily="18" charset="0"/>
+                                </a:rPr>
+                                <m:t>6</m:t>
+                              </m:r>
+                            </m:sup>
+                          </m:sSup>
+                        </m:den>
+                      </m:f>
+                    </m:oMath>
+                  </m:oMathPara>
+                </a14:m>
+                <a:endParaRPr lang="en-US" dirty="0"/>
+              </a:p>
+            </p:txBody>
+          </p:sp>
+        </mc:Choice>
+        <mc:Fallback>
+          <p:sp>
+            <p:nvSpPr>
+              <p:cNvPr id="5" name="TextBox 4">
+                <a:extLst>
+                  <a:ext uri="{FF2B5EF4-FFF2-40B4-BE49-F238E27FC236}">
+                    <a16:creationId xmlns:a16="http://schemas.microsoft.com/office/drawing/2014/main" id="{E52B25FE-7676-86CC-A3C4-D53F52BB1EE0}"/>
+                  </a:ext>
+                </a:extLst>
+              </p:cNvPr>
+              <p:cNvSpPr txBox="1">
+                <a:spLocks noRot="1" noChangeAspect="1" noMove="1" noResize="1" noEditPoints="1" noAdjustHandles="1" noChangeArrowheads="1" noChangeShapeType="1" noTextEdit="1"/>
+              </p:cNvSpPr>
+              <p:nvPr/>
+            </p:nvSpPr>
+            <p:spPr>
+              <a:xfrm>
+                <a:off x="2680443" y="2070850"/>
+                <a:ext cx="4569007" cy="719556"/>
+              </a:xfrm>
+              <a:prstGeom prst="rect">
+                <a:avLst/>
+              </a:prstGeom>
+              <a:blipFill>
+                <a:blip r:embed="rId2"/>
+                <a:stretch>
+                  <a:fillRect/>
+                </a:stretch>
+              </a:blipFill>
+            </p:spPr>
+            <p:txBody>
+              <a:bodyPr/>
+              <a:lstStyle/>
+              <a:p>
+                <a:r>
+                  <a:rPr lang="en-US">
+                    <a:noFill/>
+                  </a:rPr>
+                  <a:t> </a:t>
+                </a:r>
+              </a:p>
+            </p:txBody>
+          </p:sp>
+        </mc:Fallback>
+      </mc:AlternateContent>
+      <mc:AlternateContent xmlns:mc="http://schemas.openxmlformats.org/markup-compatibility/2006">
+        <mc:Choice xmlns:a14="http://schemas.microsoft.com/office/drawing/2010/main" Requires="a14">
+          <p:sp>
+            <p:nvSpPr>
+              <p:cNvPr id="6" name="TextBox 5">
+                <a:extLst>
+                  <a:ext uri="{FF2B5EF4-FFF2-40B4-BE49-F238E27FC236}">
+                    <a16:creationId xmlns:a16="http://schemas.microsoft.com/office/drawing/2014/main" id="{2625D275-5C75-360B-1CDD-C7A2D699B199}"/>
+                  </a:ext>
+                </a:extLst>
+              </p:cNvPr>
+              <p:cNvSpPr txBox="1"/>
+              <p:nvPr/>
+            </p:nvSpPr>
+            <p:spPr>
+              <a:xfrm>
+                <a:off x="2680443" y="2886638"/>
+                <a:ext cx="4964821" cy="672685"/>
+              </a:xfrm>
+              <a:prstGeom prst="rect">
+                <a:avLst/>
+              </a:prstGeom>
+              <a:noFill/>
+            </p:spPr>
+            <p:txBody>
+              <a:bodyPr wrap="none" rtlCol="0">
+                <a:spAutoFit/>
+              </a:bodyPr>
+              <a:lstStyle/>
+              <a:p>
+                <a14:m>
+                  <m:oMathPara xmlns:m="http://schemas.openxmlformats.org/officeDocument/2006/math">
+                    <m:oMathParaPr>
+                      <m:jc m:val="centerGroup"/>
+                    </m:oMathParaPr>
+                    <m:oMath xmlns:m="http://schemas.openxmlformats.org/officeDocument/2006/math">
+                      <m:r>
+                        <a:rPr lang="en-US" b="0" i="1" smtClean="0">
+                          <a:latin typeface="Cambria Math" panose="02040503050406030204" pitchFamily="18" charset="0"/>
+                        </a:rPr>
+                        <m:t>𝐶𝑊𝐹</m:t>
+                      </m:r>
+                      <m:f>
+                        <m:fPr>
+                          <m:ctrlPr>
+                            <a:rPr lang="en-US" b="0" i="1" smtClean="0">
+                              <a:latin typeface="Cambria Math" panose="02040503050406030204" pitchFamily="18" charset="0"/>
+                            </a:rPr>
+                          </m:ctrlPr>
+                        </m:fPr>
+                        <m:num>
+                          <m:r>
+                            <a:rPr lang="en-US" b="0" i="1" smtClean="0">
+                              <a:latin typeface="Cambria Math" panose="02040503050406030204" pitchFamily="18" charset="0"/>
+                            </a:rPr>
+                            <m:t>𝑚𝑚</m:t>
+                          </m:r>
+                        </m:num>
+                        <m:den>
+                          <m:r>
+                            <a:rPr lang="en-US" b="0" i="1" smtClean="0">
+                              <a:latin typeface="Cambria Math" panose="02040503050406030204" pitchFamily="18" charset="0"/>
+                            </a:rPr>
+                            <m:t>h𝑟</m:t>
+                          </m:r>
+                        </m:den>
+                      </m:f>
+                      <m:r>
+                        <a:rPr lang="en-US" b="0" i="1" smtClean="0">
+                          <a:latin typeface="Cambria Math" panose="02040503050406030204" pitchFamily="18" charset="0"/>
+                        </a:rPr>
+                        <m:t>=</m:t>
+                      </m:r>
+                      <m:f>
+                        <m:fPr>
+                          <m:ctrlPr>
+                            <a:rPr lang="en-US" b="0" i="1" smtClean="0">
+                              <a:latin typeface="Cambria Math" panose="02040503050406030204" pitchFamily="18" charset="0"/>
+                            </a:rPr>
+                          </m:ctrlPr>
+                        </m:fPr>
+                        <m:num>
+                          <m:r>
+                            <a:rPr lang="en-US" b="0" i="1" smtClean="0">
+                              <a:latin typeface="Cambria Math" panose="02040503050406030204" pitchFamily="18" charset="0"/>
+                            </a:rPr>
+                            <m:t>0.</m:t>
+                          </m:r>
+                          <m:r>
+                            <a:rPr lang="en-US" b="0" i="1" smtClean="0">
+                              <a:latin typeface="Cambria Math" panose="02040503050406030204" pitchFamily="18" charset="0"/>
+                            </a:rPr>
+                            <m:t>34405</m:t>
+                          </m:r>
+                        </m:num>
+                        <m:den>
+                          <m:r>
+                            <a:rPr lang="en-US" b="0" i="1" smtClean="0">
+                              <a:latin typeface="Cambria Math" panose="02040503050406030204" pitchFamily="18" charset="0"/>
+                            </a:rPr>
+                            <m:t>0.997045</m:t>
+                          </m:r>
+                        </m:den>
+                      </m:f>
+                      <m:r>
+                        <a:rPr lang="en-US" b="0" i="1" smtClean="0">
+                          <a:latin typeface="Cambria Math" panose="02040503050406030204" pitchFamily="18" charset="0"/>
+                        </a:rPr>
+                        <m:t> ∗3.85 ∗3.6 </m:t>
+                      </m:r>
+                      <m:f>
+                        <m:fPr>
+                          <m:ctrlPr>
+                            <a:rPr lang="en-US" b="0" i="1" smtClean="0">
+                              <a:latin typeface="Cambria Math" panose="02040503050406030204" pitchFamily="18" charset="0"/>
+                            </a:rPr>
+                          </m:ctrlPr>
+                        </m:fPr>
+                        <m:num>
+                          <m:sSup>
+                            <m:sSupPr>
+                              <m:ctrlPr>
+                                <a:rPr lang="en-US" b="0" i="1" smtClean="0">
+                                  <a:latin typeface="Cambria Math" panose="02040503050406030204" pitchFamily="18" charset="0"/>
+                                </a:rPr>
+                              </m:ctrlPr>
+                            </m:sSupPr>
+                            <m:e>
+                              <m:r>
+                                <a:rPr lang="en-US" b="0" i="1" smtClean="0">
+                                  <a:latin typeface="Cambria Math" panose="02040503050406030204" pitchFamily="18" charset="0"/>
+                                </a:rPr>
+                                <m:t>𝑚𝑚</m:t>
+                              </m:r>
+                            </m:e>
+                            <m:sup/>
+                          </m:sSup>
+                        </m:num>
+                        <m:den>
+                          <m:r>
+                            <a:rPr lang="en-US" b="0" i="1" smtClean="0">
+                              <a:latin typeface="Cambria Math" panose="02040503050406030204" pitchFamily="18" charset="0"/>
+                            </a:rPr>
+                            <m:t>h𝑟</m:t>
+                          </m:r>
+                        </m:den>
+                      </m:f>
+                      <m:r>
+                        <a:rPr lang="en-US" b="0" i="1" smtClean="0">
+                          <a:latin typeface="Cambria Math" panose="02040503050406030204" pitchFamily="18" charset="0"/>
+                        </a:rPr>
+                        <m:t>∗</m:t>
+                      </m:r>
+                      <m:f>
+                        <m:fPr>
+                          <m:ctrlPr>
+                            <a:rPr lang="en-US" b="0" i="1" smtClean="0">
+                              <a:latin typeface="Cambria Math" panose="02040503050406030204" pitchFamily="18" charset="0"/>
+                            </a:rPr>
+                          </m:ctrlPr>
+                        </m:fPr>
+                        <m:num>
+                          <m:sSup>
+                            <m:sSupPr>
+                              <m:ctrlPr>
+                                <a:rPr lang="en-US" b="0" i="1" smtClean="0">
+                                  <a:latin typeface="Cambria Math" panose="02040503050406030204" pitchFamily="18" charset="0"/>
+                                </a:rPr>
+                              </m:ctrlPr>
+                            </m:sSupPr>
+                            <m:e>
+                              <m:r>
+                                <a:rPr lang="en-US" b="0" i="1" smtClean="0">
+                                  <a:latin typeface="Cambria Math" panose="02040503050406030204" pitchFamily="18" charset="0"/>
+                                </a:rPr>
+                                <m:t>𝑚</m:t>
+                              </m:r>
+                            </m:e>
+                            <m:sup>
+                              <m:r>
+                                <a:rPr lang="en-US" b="0" i="1" smtClean="0">
+                                  <a:latin typeface="Cambria Math" panose="02040503050406030204" pitchFamily="18" charset="0"/>
+                                </a:rPr>
+                                <m:t>6</m:t>
+                              </m:r>
+                            </m:sup>
+                          </m:sSup>
+                        </m:num>
+                        <m:den>
+                          <m:sSup>
+                            <m:sSupPr>
+                              <m:ctrlPr>
+                                <a:rPr lang="en-US" i="1">
+                                  <a:latin typeface="Cambria Math" panose="02040503050406030204" pitchFamily="18" charset="0"/>
+                                </a:rPr>
+                              </m:ctrlPr>
+                            </m:sSupPr>
+                            <m:e>
+                              <m:r>
+                                <a:rPr lang="en-US" i="1">
+                                  <a:latin typeface="Cambria Math" panose="02040503050406030204" pitchFamily="18" charset="0"/>
+                                </a:rPr>
+                                <m:t>𝑐𝑚</m:t>
+                              </m:r>
+                            </m:e>
+                            <m:sup>
+                              <m:r>
+                                <a:rPr lang="en-US" b="0" i="1" smtClean="0">
+                                  <a:latin typeface="Cambria Math" panose="02040503050406030204" pitchFamily="18" charset="0"/>
+                                </a:rPr>
+                                <m:t>6</m:t>
+                              </m:r>
+                            </m:sup>
+                          </m:sSup>
+                        </m:den>
+                      </m:f>
+                    </m:oMath>
+                  </m:oMathPara>
+                </a14:m>
+                <a:endParaRPr lang="en-US" dirty="0"/>
+              </a:p>
+            </p:txBody>
+          </p:sp>
+        </mc:Choice>
+        <mc:Fallback>
+          <p:sp>
+            <p:nvSpPr>
+              <p:cNvPr id="6" name="TextBox 5">
+                <a:extLst>
+                  <a:ext uri="{FF2B5EF4-FFF2-40B4-BE49-F238E27FC236}">
+                    <a16:creationId xmlns:a16="http://schemas.microsoft.com/office/drawing/2014/main" id="{2625D275-5C75-360B-1CDD-C7A2D699B199}"/>
+                  </a:ext>
+                </a:extLst>
+              </p:cNvPr>
+              <p:cNvSpPr txBox="1">
+                <a:spLocks noRot="1" noChangeAspect="1" noMove="1" noResize="1" noEditPoints="1" noAdjustHandles="1" noChangeArrowheads="1" noChangeShapeType="1" noTextEdit="1"/>
+              </p:cNvSpPr>
+              <p:nvPr/>
+            </p:nvSpPr>
+            <p:spPr>
+              <a:xfrm>
+                <a:off x="2680443" y="2886638"/>
+                <a:ext cx="4964821" cy="672685"/>
+              </a:xfrm>
+              <a:prstGeom prst="rect">
+                <a:avLst/>
+              </a:prstGeom>
+              <a:blipFill>
+                <a:blip r:embed="rId3"/>
+                <a:stretch>
+                  <a:fillRect/>
+                </a:stretch>
+              </a:blipFill>
+            </p:spPr>
+            <p:txBody>
+              <a:bodyPr/>
+              <a:lstStyle/>
+              <a:p>
+                <a:r>
+                  <a:rPr lang="en-US">
+                    <a:noFill/>
+                  </a:rPr>
+                  <a:t> </a:t>
+                </a:r>
+              </a:p>
+            </p:txBody>
+          </p:sp>
+        </mc:Fallback>
+      </mc:AlternateContent>
+      <mc:AlternateContent xmlns:mc="http://schemas.openxmlformats.org/markup-compatibility/2006">
+        <mc:Choice xmlns:a14="http://schemas.microsoft.com/office/drawing/2010/main" Requires="a14">
+          <p:sp>
+            <p:nvSpPr>
+              <p:cNvPr id="8" name="TextBox 7">
+                <a:extLst>
+                  <a:ext uri="{FF2B5EF4-FFF2-40B4-BE49-F238E27FC236}">
+                    <a16:creationId xmlns:a16="http://schemas.microsoft.com/office/drawing/2014/main" id="{42CB7D5C-765C-AC72-EA1D-1B28ED957964}"/>
+                  </a:ext>
+                </a:extLst>
+              </p:cNvPr>
+              <p:cNvSpPr txBox="1"/>
+              <p:nvPr/>
+            </p:nvSpPr>
+            <p:spPr>
+              <a:xfrm>
+                <a:off x="2680443" y="3783111"/>
+                <a:ext cx="3310522" cy="672685"/>
+              </a:xfrm>
+              <a:prstGeom prst="rect">
+                <a:avLst/>
+              </a:prstGeom>
+              <a:noFill/>
+            </p:spPr>
+            <p:txBody>
+              <a:bodyPr wrap="none" rtlCol="0">
+                <a:spAutoFit/>
+              </a:bodyPr>
+              <a:lstStyle/>
+              <a:p>
+                <a14:m>
+                  <m:oMathPara xmlns:m="http://schemas.openxmlformats.org/officeDocument/2006/math">
+                    <m:oMathParaPr>
+                      <m:jc m:val="centerGroup"/>
+                    </m:oMathParaPr>
+                    <m:oMath xmlns:m="http://schemas.openxmlformats.org/officeDocument/2006/math">
+                      <m:r>
+                        <a:rPr lang="en-US" b="0" i="1" smtClean="0">
+                          <a:latin typeface="Cambria Math" panose="02040503050406030204" pitchFamily="18" charset="0"/>
+                        </a:rPr>
+                        <m:t>𝐶𝑊𝐹</m:t>
+                      </m:r>
+                      <m:f>
+                        <m:fPr>
+                          <m:ctrlPr>
+                            <a:rPr lang="en-US" b="0" i="1" smtClean="0">
+                              <a:latin typeface="Cambria Math" panose="02040503050406030204" pitchFamily="18" charset="0"/>
+                            </a:rPr>
+                          </m:ctrlPr>
+                        </m:fPr>
+                        <m:num>
+                          <m:r>
+                            <a:rPr lang="en-US" b="0" i="1" smtClean="0">
+                              <a:latin typeface="Cambria Math" panose="02040503050406030204" pitchFamily="18" charset="0"/>
+                            </a:rPr>
+                            <m:t>𝑚𝑚</m:t>
+                          </m:r>
+                        </m:num>
+                        <m:den>
+                          <m:r>
+                            <a:rPr lang="en-US" b="0" i="1" smtClean="0">
+                              <a:latin typeface="Cambria Math" panose="02040503050406030204" pitchFamily="18" charset="0"/>
+                            </a:rPr>
+                            <m:t>h𝑟</m:t>
+                          </m:r>
+                        </m:den>
+                      </m:f>
+                      <m:r>
+                        <a:rPr lang="en-US" b="0" i="1" smtClean="0">
+                          <a:latin typeface="Cambria Math" panose="02040503050406030204" pitchFamily="18" charset="0"/>
+                        </a:rPr>
+                        <m:t>=4.755 </m:t>
+                      </m:r>
+                      <m:f>
+                        <m:fPr>
+                          <m:ctrlPr>
+                            <a:rPr lang="en-US" b="0" i="1" smtClean="0">
+                              <a:latin typeface="Cambria Math" panose="02040503050406030204" pitchFamily="18" charset="0"/>
+                            </a:rPr>
+                          </m:ctrlPr>
+                        </m:fPr>
+                        <m:num>
+                          <m:sSup>
+                            <m:sSupPr>
+                              <m:ctrlPr>
+                                <a:rPr lang="en-US" b="0" i="1" smtClean="0">
+                                  <a:latin typeface="Cambria Math" panose="02040503050406030204" pitchFamily="18" charset="0"/>
+                                </a:rPr>
+                              </m:ctrlPr>
+                            </m:sSupPr>
+                            <m:e>
+                              <m:r>
+                                <a:rPr lang="en-US" b="0" i="1" smtClean="0">
+                                  <a:latin typeface="Cambria Math" panose="02040503050406030204" pitchFamily="18" charset="0"/>
+                                </a:rPr>
+                                <m:t>𝑚𝑚</m:t>
+                              </m:r>
+                            </m:e>
+                            <m:sup/>
+                          </m:sSup>
+                        </m:num>
+                        <m:den>
+                          <m:r>
+                            <a:rPr lang="en-US" b="0" i="1" smtClean="0">
+                              <a:latin typeface="Cambria Math" panose="02040503050406030204" pitchFamily="18" charset="0"/>
+                            </a:rPr>
+                            <m:t>h𝑟</m:t>
+                          </m:r>
+                        </m:den>
+                      </m:f>
+                      <m:r>
+                        <a:rPr lang="en-US" b="0" i="1" smtClean="0">
+                          <a:latin typeface="Cambria Math" panose="02040503050406030204" pitchFamily="18" charset="0"/>
+                        </a:rPr>
+                        <m:t>∗</m:t>
+                      </m:r>
+                      <m:f>
+                        <m:fPr>
+                          <m:ctrlPr>
+                            <a:rPr lang="en-US" b="0" i="1" smtClean="0">
+                              <a:latin typeface="Cambria Math" panose="02040503050406030204" pitchFamily="18" charset="0"/>
+                            </a:rPr>
+                          </m:ctrlPr>
+                        </m:fPr>
+                        <m:num>
+                          <m:sSup>
+                            <m:sSupPr>
+                              <m:ctrlPr>
+                                <a:rPr lang="en-US" b="0" i="1" smtClean="0">
+                                  <a:latin typeface="Cambria Math" panose="02040503050406030204" pitchFamily="18" charset="0"/>
+                                </a:rPr>
+                              </m:ctrlPr>
+                            </m:sSupPr>
+                            <m:e>
+                              <m:r>
+                                <a:rPr lang="en-US" b="0" i="1" smtClean="0">
+                                  <a:latin typeface="Cambria Math" panose="02040503050406030204" pitchFamily="18" charset="0"/>
+                                </a:rPr>
+                                <m:t>𝑚</m:t>
+                              </m:r>
+                            </m:e>
+                            <m:sup>
+                              <m:r>
+                                <a:rPr lang="en-US" b="0" i="1" smtClean="0">
+                                  <a:latin typeface="Cambria Math" panose="02040503050406030204" pitchFamily="18" charset="0"/>
+                                </a:rPr>
+                                <m:t>6</m:t>
+                              </m:r>
+                            </m:sup>
+                          </m:sSup>
+                        </m:num>
+                        <m:den>
+                          <m:sSup>
+                            <m:sSupPr>
+                              <m:ctrlPr>
+                                <a:rPr lang="en-US" i="1">
+                                  <a:latin typeface="Cambria Math" panose="02040503050406030204" pitchFamily="18" charset="0"/>
+                                </a:rPr>
+                              </m:ctrlPr>
+                            </m:sSupPr>
+                            <m:e>
+                              <m:r>
+                                <a:rPr lang="en-US" i="1">
+                                  <a:latin typeface="Cambria Math" panose="02040503050406030204" pitchFamily="18" charset="0"/>
+                                </a:rPr>
+                                <m:t>𝑐𝑚</m:t>
+                              </m:r>
+                            </m:e>
+                            <m:sup>
+                              <m:r>
+                                <a:rPr lang="en-US" b="0" i="1" smtClean="0">
+                                  <a:latin typeface="Cambria Math" panose="02040503050406030204" pitchFamily="18" charset="0"/>
+                                </a:rPr>
+                                <m:t>6</m:t>
+                              </m:r>
+                            </m:sup>
+                          </m:sSup>
+                        </m:den>
+                      </m:f>
+                    </m:oMath>
+                  </m:oMathPara>
+                </a14:m>
+                <a:endParaRPr lang="en-US" dirty="0"/>
+              </a:p>
+            </p:txBody>
+          </p:sp>
+        </mc:Choice>
+        <mc:Fallback>
+          <p:sp>
+            <p:nvSpPr>
+              <p:cNvPr id="8" name="TextBox 7">
+                <a:extLst>
+                  <a:ext uri="{FF2B5EF4-FFF2-40B4-BE49-F238E27FC236}">
+                    <a16:creationId xmlns:a16="http://schemas.microsoft.com/office/drawing/2014/main" id="{42CB7D5C-765C-AC72-EA1D-1B28ED957964}"/>
+                  </a:ext>
+                </a:extLst>
+              </p:cNvPr>
+              <p:cNvSpPr txBox="1">
+                <a:spLocks noRot="1" noChangeAspect="1" noMove="1" noResize="1" noEditPoints="1" noAdjustHandles="1" noChangeArrowheads="1" noChangeShapeType="1" noTextEdit="1"/>
+              </p:cNvSpPr>
+              <p:nvPr/>
+            </p:nvSpPr>
+            <p:spPr>
+              <a:xfrm>
+                <a:off x="2680443" y="3783111"/>
+                <a:ext cx="3310522" cy="672685"/>
+              </a:xfrm>
+              <a:prstGeom prst="rect">
+                <a:avLst/>
+              </a:prstGeom>
+              <a:blipFill>
+                <a:blip r:embed="rId4"/>
+                <a:stretch>
+                  <a:fillRect/>
+                </a:stretch>
+              </a:blipFill>
+            </p:spPr>
+            <p:txBody>
+              <a:bodyPr/>
+              <a:lstStyle/>
+              <a:p>
+                <a:r>
+                  <a:rPr lang="en-US">
+                    <a:noFill/>
+                  </a:rPr>
+                  <a:t> </a:t>
+                </a:r>
+              </a:p>
+            </p:txBody>
+          </p:sp>
+        </mc:Fallback>
+      </mc:AlternateContent>
+      <p:sp>
+        <p:nvSpPr>
+          <p:cNvPr id="10" name="TextBox 9">
+            <a:extLst>
+              <a:ext uri="{FF2B5EF4-FFF2-40B4-BE49-F238E27FC236}">
+                <a16:creationId xmlns:a16="http://schemas.microsoft.com/office/drawing/2014/main" id="{2458C052-3F6F-78FD-9462-C8528D170478}"/>
+              </a:ext>
+            </a:extLst>
+          </p:cNvPr>
+          <p:cNvSpPr txBox="1"/>
+          <p:nvPr/>
+        </p:nvSpPr>
+        <p:spPr>
+          <a:xfrm>
+            <a:off x="6096000" y="3783111"/>
+            <a:ext cx="4364736" cy="1200329"/>
+          </a:xfrm>
+          <a:prstGeom prst="rect">
+            <a:avLst/>
+          </a:prstGeom>
+          <a:noFill/>
+        </p:spPr>
+        <p:txBody>
+          <a:bodyPr wrap="square" rtlCol="0">
+            <a:spAutoFit/>
+          </a:bodyPr>
+          <a:lstStyle/>
+          <a:p>
+            <a:r>
+              <a:rPr lang="en-US" dirty="0">
+                <a:highlight>
+                  <a:srgbClr val="FFFF00"/>
+                </a:highlight>
+              </a:rPr>
+              <a:t>Is this times 100</a:t>
+            </a:r>
+            <a:r>
+              <a:rPr lang="en-US" baseline="30000" dirty="0">
+                <a:highlight>
+                  <a:srgbClr val="FFFF00"/>
+                </a:highlight>
+              </a:rPr>
+              <a:t>6 </a:t>
+            </a:r>
+            <a:r>
+              <a:rPr lang="en-US" dirty="0">
+                <a:highlight>
+                  <a:srgbClr val="FFFF00"/>
+                </a:highlight>
+              </a:rPr>
+              <a:t>to get the units correct?</a:t>
+            </a:r>
+          </a:p>
+          <a:p>
+            <a:r>
+              <a:rPr lang="en-US" dirty="0">
+                <a:highlight>
+                  <a:srgbClr val="FFFF00"/>
+                </a:highlight>
+              </a:rPr>
+              <a:t>The current value seems plausible, so I suspect there is a mistake somewhere in the units</a:t>
+            </a:r>
+          </a:p>
+        </p:txBody>
+      </p:sp>
+    </p:spTree>
+    <p:extLst>
+      <p:ext uri="{BB962C8B-B14F-4D97-AF65-F5344CB8AC3E}">
+        <p14:creationId xmlns:p14="http://schemas.microsoft.com/office/powerpoint/2010/main" val="3698457217"/>
+      </p:ext>
+    </p:extLst>
+  </p:cSld>
+  <p:clrMapOvr>
+    <a:masterClrMapping/>
+  </p:clrMapOvr>
+</p:sld>
+</file>
+
+<file path=ppt/slides/slide2.xml><?xml version="1.0" encoding="utf-8"?>
+<p:sld xmlns:a="http://schemas.openxmlformats.org/drawingml/2006/main" xmlns:r="http://schemas.openxmlformats.org/officeDocument/2006/relationships" xmlns:p="http://schemas.openxmlformats.org/presentationml/2006/main">
+  <p:cSld>
+    <p:spTree>
+      <p:nvGrpSpPr>
+        <p:cNvPr id="1" name=""/>
+        <p:cNvGrpSpPr/>
+        <p:nvPr/>
+      </p:nvGrpSpPr>
+      <p:grpSpPr>
+        <a:xfrm>
+          <a:off x="0" y="0"/>
+          <a:ext cx="0" cy="0"/>
+          <a:chOff x="0" y="0"/>
+          <a:chExt cx="0" cy="0"/>
+        </a:xfrm>
+      </p:grpSpPr>
+      <p:sp>
+        <p:nvSpPr>
+          <p:cNvPr id="2" name="Title 1">
+            <a:extLst>
+              <a:ext uri="{FF2B5EF4-FFF2-40B4-BE49-F238E27FC236}">
+                <a16:creationId xmlns:a16="http://schemas.microsoft.com/office/drawing/2014/main" id="{4ACBB878-B5CD-7077-F602-95FC63D676C1}"/>
+              </a:ext>
+            </a:extLst>
+          </p:cNvPr>
+          <p:cNvSpPr>
+            <a:spLocks noGrp="1"/>
+          </p:cNvSpPr>
+          <p:nvPr>
+            <p:ph type="title"/>
+          </p:nvPr>
+        </p:nvSpPr>
+        <p:spPr/>
+        <p:txBody>
+          <a:bodyPr/>
+          <a:lstStyle/>
+          <a:p>
+            <a:r>
+              <a:rPr lang="en-US" dirty="0"/>
+              <a:t>Index</a:t>
+            </a:r>
+          </a:p>
+        </p:txBody>
+      </p:sp>
+      <p:sp>
+        <p:nvSpPr>
+          <p:cNvPr id="3" name="Content Placeholder 2">
+            <a:extLst>
+              <a:ext uri="{FF2B5EF4-FFF2-40B4-BE49-F238E27FC236}">
+                <a16:creationId xmlns:a16="http://schemas.microsoft.com/office/drawing/2014/main" id="{5B0DCEC7-1147-C8F9-7146-5D6E2EBC3CD7}"/>
+              </a:ext>
+            </a:extLst>
+          </p:cNvPr>
+          <p:cNvSpPr>
+            <a:spLocks noGrp="1"/>
+          </p:cNvSpPr>
+          <p:nvPr>
+            <p:ph idx="1"/>
+          </p:nvPr>
+        </p:nvSpPr>
+        <p:spPr/>
+        <p:txBody>
+          <a:bodyPr/>
+          <a:lstStyle/>
+          <a:p>
+            <a:r>
+              <a:rPr lang="en-US" dirty="0"/>
+              <a:t>Part 1: Calculate Liquid Cloud Water (LCW)</a:t>
+            </a:r>
+          </a:p>
+          <a:p>
+            <a:r>
+              <a:rPr lang="en-US" dirty="0"/>
+              <a:t>Part 2: Calculate Cloud Water Flux (CWF)</a:t>
+            </a:r>
+          </a:p>
+          <a:p>
+            <a:r>
+              <a:rPr lang="en-US" dirty="0"/>
+              <a:t>Part 3: Calculate Cloud Water Content (CWI)</a:t>
+            </a:r>
+          </a:p>
+        </p:txBody>
+      </p:sp>
+    </p:spTree>
+    <p:extLst>
+      <p:ext uri="{BB962C8B-B14F-4D97-AF65-F5344CB8AC3E}">
+        <p14:creationId xmlns:p14="http://schemas.microsoft.com/office/powerpoint/2010/main" val="3216577497"/>
+      </p:ext>
+    </p:extLst>
+  </p:cSld>
+  <p:clrMapOvr>
+    <a:masterClrMapping/>
+  </p:clrMapOvr>
+</p:sld>
+</file>
+
+<file path=ppt/slides/slide20.xml><?xml version="1.0" encoding="utf-8"?>
+<p:sld xmlns:a="http://schemas.openxmlformats.org/drawingml/2006/main" xmlns:r="http://schemas.openxmlformats.org/officeDocument/2006/relationships" xmlns:p="http://schemas.openxmlformats.org/presentationml/2006/main">
+  <p:cSld>
+    <p:spTree>
+      <p:nvGrpSpPr>
+        <p:cNvPr id="1" name=""/>
+        <p:cNvGrpSpPr/>
+        <p:nvPr/>
+      </p:nvGrpSpPr>
+      <p:grpSpPr>
+        <a:xfrm>
+          <a:off x="0" y="0"/>
+          <a:ext cx="0" cy="0"/>
+          <a:chOff x="0" y="0"/>
+          <a:chExt cx="0" cy="0"/>
+        </a:xfrm>
+      </p:grpSpPr>
+      <p:sp>
+        <p:nvSpPr>
+          <p:cNvPr id="2" name="Title 1">
+            <a:extLst>
+              <a:ext uri="{FF2B5EF4-FFF2-40B4-BE49-F238E27FC236}">
+                <a16:creationId xmlns:a16="http://schemas.microsoft.com/office/drawing/2014/main" id="{7C9CFCF0-2887-EB8C-1B98-52D1716993A2}"/>
+              </a:ext>
+            </a:extLst>
+          </p:cNvPr>
+          <p:cNvSpPr>
+            <a:spLocks noGrp="1"/>
+          </p:cNvSpPr>
+          <p:nvPr>
+            <p:ph type="title"/>
+          </p:nvPr>
+        </p:nvSpPr>
+        <p:spPr/>
+        <p:txBody>
+          <a:bodyPr/>
+          <a:lstStyle/>
+          <a:p>
+            <a:endParaRPr lang="en-US"/>
+          </a:p>
+        </p:txBody>
+      </p:sp>
+      <p:sp>
+        <p:nvSpPr>
+          <p:cNvPr id="3" name="Content Placeholder 2">
+            <a:extLst>
+              <a:ext uri="{FF2B5EF4-FFF2-40B4-BE49-F238E27FC236}">
+                <a16:creationId xmlns:a16="http://schemas.microsoft.com/office/drawing/2014/main" id="{217145F7-01F9-4B7E-ED8B-738FAC5585F0}"/>
+              </a:ext>
+            </a:extLst>
+          </p:cNvPr>
+          <p:cNvSpPr>
+            <a:spLocks noGrp="1"/>
+          </p:cNvSpPr>
+          <p:nvPr>
+            <p:ph idx="1"/>
+          </p:nvPr>
+        </p:nvSpPr>
+        <p:spPr/>
+        <p:txBody>
+          <a:bodyPr/>
+          <a:lstStyle/>
+          <a:p>
+            <a:r>
+              <a:rPr lang="en-US" dirty="0"/>
+              <a:t>Is 2 m height correct? Does the height for cloud water interception need to be adjusted based on vegetation canopy height?</a:t>
+            </a:r>
+          </a:p>
+          <a:p>
+            <a:r>
+              <a:rPr lang="en-US" dirty="0"/>
+              <a:t>Tree height can be 30 m in Hawaii</a:t>
+            </a:r>
+          </a:p>
+        </p:txBody>
+      </p:sp>
+      <p:sp>
+        <p:nvSpPr>
+          <p:cNvPr id="4" name="TextBox 3">
+            <a:extLst>
+              <a:ext uri="{FF2B5EF4-FFF2-40B4-BE49-F238E27FC236}">
+                <a16:creationId xmlns:a16="http://schemas.microsoft.com/office/drawing/2014/main" id="{91C165BF-AD89-2B51-B54C-EEB9740E2886}"/>
+              </a:ext>
+            </a:extLst>
+          </p:cNvPr>
+          <p:cNvSpPr txBox="1"/>
+          <p:nvPr/>
+        </p:nvSpPr>
+        <p:spPr>
+          <a:xfrm>
+            <a:off x="914400" y="3063785"/>
+            <a:ext cx="10213848" cy="1200329"/>
+          </a:xfrm>
+          <a:prstGeom prst="rect">
+            <a:avLst/>
+          </a:prstGeom>
+          <a:noFill/>
+        </p:spPr>
+        <p:txBody>
+          <a:bodyPr wrap="square" rtlCol="0">
+            <a:spAutoFit/>
+          </a:bodyPr>
+          <a:lstStyle/>
+          <a:p>
+            <a:r>
+              <a:rPr lang="en-US" dirty="0"/>
+              <a:t>https://www.google.com/url?sa=t&amp;rct=j&amp;q=&amp;esrc=s&amp;source=web&amp;cd=&amp;ved=2ahUKEwjm-sbRyJKCAxUtFzQIHaDNBEcQFnoECBEQAw&amp;url=https%3A%2F%2Fwww.ctahr.hawaii.edu%2Fgsp%2Fdoc%2FForestry%2FLittle_Skolmen_CFT%2FCFT_Acacia_koa.pdf&amp;usg=AOvVaw2Td9d_est5q_LfzyyAB6XO&amp;opi=89978449</a:t>
+            </a:r>
+          </a:p>
+        </p:txBody>
+      </p:sp>
+    </p:spTree>
+    <p:extLst>
+      <p:ext uri="{BB962C8B-B14F-4D97-AF65-F5344CB8AC3E}">
+        <p14:creationId xmlns:p14="http://schemas.microsoft.com/office/powerpoint/2010/main" val="2597700373"/>
+      </p:ext>
+    </p:extLst>
+  </p:cSld>
+  <p:clrMapOvr>
+    <a:masterClrMapping/>
+  </p:clrMapOvr>
+</p:sld>
+</file>
+
+<file path=ppt/slides/slide21.xml><?xml version="1.0" encoding="utf-8"?>
+<p:sld xmlns:a="http://schemas.openxmlformats.org/drawingml/2006/main" xmlns:r="http://schemas.openxmlformats.org/officeDocument/2006/relationships" xmlns:p="http://schemas.openxmlformats.org/presentationml/2006/main">
+  <p:cSld>
+    <p:spTree>
+      <p:nvGrpSpPr>
+        <p:cNvPr id="1" name=""/>
+        <p:cNvGrpSpPr/>
+        <p:nvPr/>
+      </p:nvGrpSpPr>
+      <p:grpSpPr>
+        <a:xfrm>
+          <a:off x="0" y="0"/>
+          <a:ext cx="0" cy="0"/>
+          <a:chOff x="0" y="0"/>
+          <a:chExt cx="0" cy="0"/>
+        </a:xfrm>
+      </p:grpSpPr>
+      <p:sp>
+        <p:nvSpPr>
+          <p:cNvPr id="2" name="Title 1">
+            <a:extLst>
+              <a:ext uri="{FF2B5EF4-FFF2-40B4-BE49-F238E27FC236}">
+                <a16:creationId xmlns:a16="http://schemas.microsoft.com/office/drawing/2014/main" id="{5CF574DF-3DF9-825F-3566-44C4556923AC}"/>
+              </a:ext>
+            </a:extLst>
+          </p:cNvPr>
+          <p:cNvSpPr>
+            <a:spLocks noGrp="1"/>
+          </p:cNvSpPr>
+          <p:nvPr>
+            <p:ph type="title"/>
+          </p:nvPr>
+        </p:nvSpPr>
+        <p:spPr/>
+        <p:txBody>
+          <a:bodyPr/>
+          <a:lstStyle/>
+          <a:p>
+            <a:r>
+              <a:rPr lang="en-US" dirty="0"/>
+              <a:t>Part 3</a:t>
+            </a:r>
+          </a:p>
+        </p:txBody>
+      </p:sp>
+      <p:sp>
+        <p:nvSpPr>
+          <p:cNvPr id="3" name="Content Placeholder 2">
+            <a:extLst>
+              <a:ext uri="{FF2B5EF4-FFF2-40B4-BE49-F238E27FC236}">
+                <a16:creationId xmlns:a16="http://schemas.microsoft.com/office/drawing/2014/main" id="{A66A946F-F501-4652-7C2C-3E24F27B2E06}"/>
+              </a:ext>
+            </a:extLst>
+          </p:cNvPr>
+          <p:cNvSpPr>
+            <a:spLocks noGrp="1"/>
+          </p:cNvSpPr>
+          <p:nvPr>
+            <p:ph idx="1"/>
+          </p:nvPr>
+        </p:nvSpPr>
+        <p:spPr/>
+        <p:txBody>
+          <a:bodyPr/>
+          <a:lstStyle/>
+          <a:p>
+            <a:endParaRPr lang="en-US"/>
+          </a:p>
+        </p:txBody>
+      </p:sp>
+    </p:spTree>
+    <p:extLst>
+      <p:ext uri="{BB962C8B-B14F-4D97-AF65-F5344CB8AC3E}">
+        <p14:creationId xmlns:p14="http://schemas.microsoft.com/office/powerpoint/2010/main" val="103419915"/>
+      </p:ext>
+    </p:extLst>
+  </p:cSld>
+  <p:clrMapOvr>
+    <a:masterClrMapping/>
+  </p:clrMapOvr>
+</p:sld>
+</file>
+
+<file path=ppt/slides/slide22.xml><?xml version="1.0" encoding="utf-8"?>
+<p:sld xmlns:a="http://schemas.openxmlformats.org/drawingml/2006/main" xmlns:r="http://schemas.openxmlformats.org/officeDocument/2006/relationships" xmlns:p="http://schemas.openxmlformats.org/presentationml/2006/main">
+  <p:cSld>
+    <p:spTree>
+      <p:nvGrpSpPr>
+        <p:cNvPr id="1" name=""/>
+        <p:cNvGrpSpPr/>
+        <p:nvPr/>
+      </p:nvGrpSpPr>
+      <p:grpSpPr>
+        <a:xfrm>
+          <a:off x="0" y="0"/>
+          <a:ext cx="0" cy="0"/>
+          <a:chOff x="0" y="0"/>
+          <a:chExt cx="0" cy="0"/>
+        </a:xfrm>
+      </p:grpSpPr>
+      <p:sp>
+        <p:nvSpPr>
+          <p:cNvPr id="2" name="Title 1">
+            <a:extLst>
+              <a:ext uri="{FF2B5EF4-FFF2-40B4-BE49-F238E27FC236}">
+                <a16:creationId xmlns:a16="http://schemas.microsoft.com/office/drawing/2014/main" id="{E91A0E6B-6219-1764-73F9-F5C151208015}"/>
+              </a:ext>
+            </a:extLst>
+          </p:cNvPr>
+          <p:cNvSpPr>
+            <a:spLocks noGrp="1"/>
+          </p:cNvSpPr>
+          <p:nvPr>
+            <p:ph type="title"/>
+          </p:nvPr>
+        </p:nvSpPr>
+        <p:spPr/>
+        <p:txBody>
+          <a:bodyPr/>
+          <a:lstStyle/>
+          <a:p>
+            <a:endParaRPr lang="en-US"/>
+          </a:p>
+        </p:txBody>
+      </p:sp>
+      <mc:AlternateContent xmlns:mc="http://schemas.openxmlformats.org/markup-compatibility/2006">
+        <mc:Choice xmlns:a14="http://schemas.microsoft.com/office/drawing/2010/main" Requires="a14">
+          <p:sp>
+            <p:nvSpPr>
+              <p:cNvPr id="4" name="TextBox 3">
+                <a:extLst>
+                  <a:ext uri="{FF2B5EF4-FFF2-40B4-BE49-F238E27FC236}">
+                    <a16:creationId xmlns:a16="http://schemas.microsoft.com/office/drawing/2014/main" id="{3493A300-390A-7EEA-5CAA-029F7556C0C0}"/>
+                  </a:ext>
+                </a:extLst>
+              </p:cNvPr>
+              <p:cNvSpPr txBox="1"/>
+              <p:nvPr/>
+            </p:nvSpPr>
+            <p:spPr>
+              <a:xfrm>
+                <a:off x="838200" y="2103310"/>
+                <a:ext cx="2238690" cy="280077"/>
+              </a:xfrm>
+              <a:prstGeom prst="rect">
+                <a:avLst/>
+              </a:prstGeom>
+              <a:noFill/>
+            </p:spPr>
+            <p:txBody>
+              <a:bodyPr wrap="none" lIns="0" tIns="0" rIns="0" bIns="0" rtlCol="0">
+                <a:spAutoFit/>
+              </a:bodyPr>
+              <a:lstStyle/>
+              <a:p>
+                <a14:m>
+                  <m:oMathPara xmlns:m="http://schemas.openxmlformats.org/officeDocument/2006/math">
+                    <m:oMathParaPr>
+                      <m:jc m:val="centerGroup"/>
+                    </m:oMathParaPr>
+                    <m:oMath xmlns:m="http://schemas.openxmlformats.org/officeDocument/2006/math">
+                      <m:r>
+                        <a:rPr lang="en-US" b="0" i="1" smtClean="0">
+                          <a:latin typeface="Cambria Math" panose="02040503050406030204" pitchFamily="18" charset="0"/>
+                        </a:rPr>
+                        <m:t>𝐴</m:t>
+                      </m:r>
+                      <m:r>
+                        <a:rPr lang="en-US" b="0" i="1" smtClean="0">
+                          <a:latin typeface="Cambria Math" panose="02040503050406030204" pitchFamily="18" charset="0"/>
+                        </a:rPr>
+                        <m:t>=0.0164 ∗</m:t>
+                      </m:r>
+                      <m:sSup>
+                        <m:sSupPr>
+                          <m:ctrlPr>
+                            <a:rPr lang="en-US" b="0" i="1" smtClean="0">
+                              <a:latin typeface="Cambria Math" panose="02040503050406030204" pitchFamily="18" charset="0"/>
+                            </a:rPr>
+                          </m:ctrlPr>
+                        </m:sSupPr>
+                        <m:e>
+                          <m:r>
+                            <a:rPr lang="en-US" b="0" i="1" smtClean="0">
+                              <a:latin typeface="Cambria Math" panose="02040503050406030204" pitchFamily="18" charset="0"/>
+                            </a:rPr>
+                            <m:t>𝐿𝐴𝐷</m:t>
+                          </m:r>
+                        </m:e>
+                        <m:sup>
+                          <m:r>
+                            <a:rPr lang="en-US" b="0" i="1" smtClean="0">
+                              <a:latin typeface="Cambria Math" panose="02040503050406030204" pitchFamily="18" charset="0"/>
+                            </a:rPr>
+                            <m:t>−0.5</m:t>
+                          </m:r>
+                        </m:sup>
+                      </m:sSup>
+                    </m:oMath>
+                  </m:oMathPara>
+                </a14:m>
+                <a:endParaRPr lang="en-US" baseline="30000" dirty="0"/>
+              </a:p>
+            </p:txBody>
+          </p:sp>
+        </mc:Choice>
+        <mc:Fallback>
+          <p:sp>
+            <p:nvSpPr>
+              <p:cNvPr id="4" name="TextBox 3">
+                <a:extLst>
+                  <a:ext uri="{FF2B5EF4-FFF2-40B4-BE49-F238E27FC236}">
+                    <a16:creationId xmlns:a16="http://schemas.microsoft.com/office/drawing/2014/main" id="{3493A300-390A-7EEA-5CAA-029F7556C0C0}"/>
+                  </a:ext>
+                </a:extLst>
+              </p:cNvPr>
+              <p:cNvSpPr txBox="1">
+                <a:spLocks noRot="1" noChangeAspect="1" noMove="1" noResize="1" noEditPoints="1" noAdjustHandles="1" noChangeArrowheads="1" noChangeShapeType="1" noTextEdit="1"/>
+              </p:cNvSpPr>
+              <p:nvPr/>
+            </p:nvSpPr>
+            <p:spPr>
+              <a:xfrm>
+                <a:off x="838200" y="2103310"/>
+                <a:ext cx="2238690" cy="280077"/>
+              </a:xfrm>
+              <a:prstGeom prst="rect">
+                <a:avLst/>
+              </a:prstGeom>
+              <a:blipFill>
+                <a:blip r:embed="rId2"/>
+                <a:stretch>
+                  <a:fillRect l="-2452" t="-2174" r="-1090" b="-10870"/>
+                </a:stretch>
+              </a:blipFill>
+            </p:spPr>
+            <p:txBody>
+              <a:bodyPr/>
+              <a:lstStyle/>
+              <a:p>
+                <a:r>
+                  <a:rPr lang="en-US">
+                    <a:noFill/>
+                  </a:rPr>
+                  <a:t> </a:t>
+                </a:r>
+              </a:p>
+            </p:txBody>
+          </p:sp>
+        </mc:Fallback>
+      </mc:AlternateContent>
+      <mc:AlternateContent xmlns:mc="http://schemas.openxmlformats.org/markup-compatibility/2006">
+        <mc:Choice xmlns:a14="http://schemas.microsoft.com/office/drawing/2010/main" Requires="a14">
+          <p:sp>
+            <p:nvSpPr>
+              <p:cNvPr id="5" name="TextBox 4">
+                <a:extLst>
+                  <a:ext uri="{FF2B5EF4-FFF2-40B4-BE49-F238E27FC236}">
+                    <a16:creationId xmlns:a16="http://schemas.microsoft.com/office/drawing/2014/main" id="{7ADF60D2-917A-B835-46A2-DE6613B19A84}"/>
+                  </a:ext>
+                </a:extLst>
+              </p:cNvPr>
+              <p:cNvSpPr txBox="1"/>
+              <p:nvPr/>
+            </p:nvSpPr>
+            <p:spPr>
+              <a:xfrm>
+                <a:off x="3764913" y="1847005"/>
+                <a:ext cx="2331087" cy="569002"/>
+              </a:xfrm>
+              <a:prstGeom prst="rect">
+                <a:avLst/>
+              </a:prstGeom>
+              <a:noFill/>
+            </p:spPr>
+            <p:txBody>
+              <a:bodyPr wrap="none" lIns="0" tIns="0" rIns="0" bIns="0" rtlCol="0">
+                <a:spAutoFit/>
+              </a:bodyPr>
+              <a:lstStyle/>
+              <a:p>
+                <a14:m>
+                  <m:oMathPara xmlns:m="http://schemas.openxmlformats.org/officeDocument/2006/math">
+                    <m:oMathParaPr>
+                      <m:jc m:val="centerGroup"/>
+                    </m:oMathParaPr>
+                    <m:oMath xmlns:m="http://schemas.openxmlformats.org/officeDocument/2006/math">
+                      <m:r>
+                        <a:rPr lang="en-US" b="0" i="1" smtClean="0">
+                          <a:latin typeface="Cambria Math" panose="02040503050406030204" pitchFamily="18" charset="0"/>
+                        </a:rPr>
+                        <m:t>𝐿𝐴𝐷</m:t>
+                      </m:r>
+                      <m:r>
+                        <a:rPr lang="en-US" b="0" i="1" smtClean="0">
+                          <a:latin typeface="Cambria Math" panose="02040503050406030204" pitchFamily="18" charset="0"/>
+                        </a:rPr>
+                        <m:t>=</m:t>
+                      </m:r>
+                      <m:f>
+                        <m:fPr>
+                          <m:ctrlPr>
+                            <a:rPr lang="en-US" b="0" i="1" smtClean="0">
+                              <a:latin typeface="Cambria Math" panose="02040503050406030204" pitchFamily="18" charset="0"/>
+                            </a:rPr>
+                          </m:ctrlPr>
+                        </m:fPr>
+                        <m:num>
+                          <m:r>
+                            <a:rPr lang="en-US" b="0" i="1" smtClean="0">
+                              <a:latin typeface="Cambria Math" panose="02040503050406030204" pitchFamily="18" charset="0"/>
+                            </a:rPr>
+                            <m:t>𝐿𝐴𝐼</m:t>
+                          </m:r>
+                        </m:num>
+                        <m:den>
+                          <m:r>
+                            <a:rPr lang="en-US" b="0" i="1" smtClean="0">
+                              <a:latin typeface="Cambria Math" panose="02040503050406030204" pitchFamily="18" charset="0"/>
+                            </a:rPr>
+                            <m:t>𝐶𝑎𝑛𝑜𝑝𝑦</m:t>
+                          </m:r>
+                          <m:r>
+                            <a:rPr lang="en-US" b="0" i="1" smtClean="0">
+                              <a:latin typeface="Cambria Math" panose="02040503050406030204" pitchFamily="18" charset="0"/>
+                            </a:rPr>
+                            <m:t> </m:t>
+                          </m:r>
+                          <m:r>
+                            <a:rPr lang="en-US" b="0" i="1" smtClean="0">
+                              <a:latin typeface="Cambria Math" panose="02040503050406030204" pitchFamily="18" charset="0"/>
+                            </a:rPr>
+                            <m:t>𝐻𝑒𝑖𝑔h𝑡</m:t>
+                          </m:r>
+                        </m:den>
+                      </m:f>
+                    </m:oMath>
+                  </m:oMathPara>
+                </a14:m>
+                <a:endParaRPr lang="en-US" baseline="30000" dirty="0"/>
+              </a:p>
+            </p:txBody>
+          </p:sp>
+        </mc:Choice>
+        <mc:Fallback>
+          <p:sp>
+            <p:nvSpPr>
+              <p:cNvPr id="5" name="TextBox 4">
+                <a:extLst>
+                  <a:ext uri="{FF2B5EF4-FFF2-40B4-BE49-F238E27FC236}">
+                    <a16:creationId xmlns:a16="http://schemas.microsoft.com/office/drawing/2014/main" id="{7ADF60D2-917A-B835-46A2-DE6613B19A84}"/>
+                  </a:ext>
+                </a:extLst>
+              </p:cNvPr>
+              <p:cNvSpPr txBox="1">
+                <a:spLocks noRot="1" noChangeAspect="1" noMove="1" noResize="1" noEditPoints="1" noAdjustHandles="1" noChangeArrowheads="1" noChangeShapeType="1" noTextEdit="1"/>
+              </p:cNvSpPr>
+              <p:nvPr/>
+            </p:nvSpPr>
+            <p:spPr>
+              <a:xfrm>
+                <a:off x="3764913" y="1847005"/>
+                <a:ext cx="2331087" cy="569002"/>
+              </a:xfrm>
+              <a:prstGeom prst="rect">
+                <a:avLst/>
+              </a:prstGeom>
+              <a:blipFill>
+                <a:blip r:embed="rId3"/>
+                <a:stretch>
+                  <a:fillRect/>
+                </a:stretch>
+              </a:blipFill>
+            </p:spPr>
+            <p:txBody>
+              <a:bodyPr/>
+              <a:lstStyle/>
+              <a:p>
+                <a:r>
+                  <a:rPr lang="en-US">
+                    <a:noFill/>
+                  </a:rPr>
+                  <a:t> </a:t>
+                </a:r>
+              </a:p>
+            </p:txBody>
+          </p:sp>
+        </mc:Fallback>
+      </mc:AlternateContent>
+      <mc:AlternateContent xmlns:mc="http://schemas.openxmlformats.org/markup-compatibility/2006">
+        <mc:Choice xmlns:a14="http://schemas.microsoft.com/office/drawing/2010/main" Requires="a14">
+          <p:sp>
+            <p:nvSpPr>
+              <p:cNvPr id="6" name="TextBox 5">
+                <a:extLst>
+                  <a:ext uri="{FF2B5EF4-FFF2-40B4-BE49-F238E27FC236}">
+                    <a16:creationId xmlns:a16="http://schemas.microsoft.com/office/drawing/2014/main" id="{E317BFA8-5B55-14DE-211F-D7FD73AA20DD}"/>
+                  </a:ext>
+                </a:extLst>
+              </p:cNvPr>
+              <p:cNvSpPr txBox="1"/>
+              <p:nvPr/>
+            </p:nvSpPr>
+            <p:spPr>
+              <a:xfrm>
+                <a:off x="3764913" y="2675162"/>
+                <a:ext cx="1718740" cy="526041"/>
+              </a:xfrm>
+              <a:prstGeom prst="rect">
+                <a:avLst/>
+              </a:prstGeom>
+              <a:noFill/>
+            </p:spPr>
+            <p:txBody>
+              <a:bodyPr wrap="none" lIns="0" tIns="0" rIns="0" bIns="0" rtlCol="0">
+                <a:spAutoFit/>
+              </a:bodyPr>
+              <a:lstStyle/>
+              <a:p>
+                <a14:m>
+                  <m:oMathPara xmlns:m="http://schemas.openxmlformats.org/officeDocument/2006/math">
+                    <m:oMathParaPr>
+                      <m:jc m:val="centerGroup"/>
+                    </m:oMathParaPr>
+                    <m:oMath xmlns:m="http://schemas.openxmlformats.org/officeDocument/2006/math">
+                      <m:r>
+                        <a:rPr lang="en-US" b="0" i="1" smtClean="0">
+                          <a:latin typeface="Cambria Math" panose="02040503050406030204" pitchFamily="18" charset="0"/>
+                        </a:rPr>
+                        <m:t>𝐿𝐴𝐷</m:t>
+                      </m:r>
+                      <m:r>
+                        <a:rPr lang="en-US" b="0" i="1" smtClean="0">
+                          <a:latin typeface="Cambria Math" panose="02040503050406030204" pitchFamily="18" charset="0"/>
+                        </a:rPr>
+                        <m:t>=</m:t>
+                      </m:r>
+                      <m:f>
+                        <m:fPr>
+                          <m:ctrlPr>
+                            <a:rPr lang="en-US" b="0" i="1" smtClean="0">
+                              <a:latin typeface="Cambria Math" panose="02040503050406030204" pitchFamily="18" charset="0"/>
+                            </a:rPr>
+                          </m:ctrlPr>
+                        </m:fPr>
+                        <m:num>
+                          <m:r>
+                            <a:rPr lang="en-US" b="0" i="1" smtClean="0">
+                              <a:latin typeface="Cambria Math" panose="02040503050406030204" pitchFamily="18" charset="0"/>
+                            </a:rPr>
+                            <m:t>5.919342</m:t>
+                          </m:r>
+                        </m:num>
+                        <m:den>
+                          <m:r>
+                            <a:rPr lang="en-US" b="0" i="1" smtClean="0">
+                              <a:latin typeface="Cambria Math" panose="02040503050406030204" pitchFamily="18" charset="0"/>
+                            </a:rPr>
+                            <m:t>1</m:t>
+                          </m:r>
+                        </m:den>
+                      </m:f>
+                    </m:oMath>
+                  </m:oMathPara>
+                </a14:m>
+                <a:endParaRPr lang="en-US" baseline="30000" dirty="0"/>
+              </a:p>
+            </p:txBody>
+          </p:sp>
+        </mc:Choice>
+        <mc:Fallback>
+          <p:sp>
+            <p:nvSpPr>
+              <p:cNvPr id="6" name="TextBox 5">
+                <a:extLst>
+                  <a:ext uri="{FF2B5EF4-FFF2-40B4-BE49-F238E27FC236}">
+                    <a16:creationId xmlns:a16="http://schemas.microsoft.com/office/drawing/2014/main" id="{E317BFA8-5B55-14DE-211F-D7FD73AA20DD}"/>
+                  </a:ext>
+                </a:extLst>
+              </p:cNvPr>
+              <p:cNvSpPr txBox="1">
+                <a:spLocks noRot="1" noChangeAspect="1" noMove="1" noResize="1" noEditPoints="1" noAdjustHandles="1" noChangeArrowheads="1" noChangeShapeType="1" noTextEdit="1"/>
+              </p:cNvSpPr>
+              <p:nvPr/>
+            </p:nvSpPr>
+            <p:spPr>
+              <a:xfrm>
+                <a:off x="3764913" y="2675162"/>
+                <a:ext cx="1718740" cy="526041"/>
+              </a:xfrm>
+              <a:prstGeom prst="rect">
+                <a:avLst/>
+              </a:prstGeom>
+              <a:blipFill>
+                <a:blip r:embed="rId4"/>
+                <a:stretch>
+                  <a:fillRect/>
+                </a:stretch>
+              </a:blipFill>
+            </p:spPr>
+            <p:txBody>
+              <a:bodyPr/>
+              <a:lstStyle/>
+              <a:p>
+                <a:r>
+                  <a:rPr lang="en-US">
+                    <a:noFill/>
+                  </a:rPr>
+                  <a:t> </a:t>
+                </a:r>
+              </a:p>
+            </p:txBody>
+          </p:sp>
+        </mc:Fallback>
+      </mc:AlternateContent>
+      <mc:AlternateContent xmlns:mc="http://schemas.openxmlformats.org/markup-compatibility/2006">
+        <mc:Choice xmlns:a14="http://schemas.microsoft.com/office/drawing/2010/main" Requires="a14">
+          <p:sp>
+            <p:nvSpPr>
+              <p:cNvPr id="7" name="TextBox 6">
+                <a:extLst>
+                  <a:ext uri="{FF2B5EF4-FFF2-40B4-BE49-F238E27FC236}">
+                    <a16:creationId xmlns:a16="http://schemas.microsoft.com/office/drawing/2014/main" id="{2691B78B-F374-BFF1-A4B2-9AF9C12B44FB}"/>
+                  </a:ext>
+                </a:extLst>
+              </p:cNvPr>
+              <p:cNvSpPr txBox="1"/>
+              <p:nvPr/>
+            </p:nvSpPr>
+            <p:spPr>
+              <a:xfrm>
+                <a:off x="838200" y="2798143"/>
+                <a:ext cx="2748125" cy="280077"/>
+              </a:xfrm>
+              <a:prstGeom prst="rect">
+                <a:avLst/>
+              </a:prstGeom>
+              <a:noFill/>
+            </p:spPr>
+            <p:txBody>
+              <a:bodyPr wrap="none" lIns="0" tIns="0" rIns="0" bIns="0" rtlCol="0">
+                <a:spAutoFit/>
+              </a:bodyPr>
+              <a:lstStyle/>
+              <a:p>
+                <a14:m>
+                  <m:oMathPara xmlns:m="http://schemas.openxmlformats.org/officeDocument/2006/math">
+                    <m:oMathParaPr>
+                      <m:jc m:val="centerGroup"/>
+                    </m:oMathParaPr>
+                    <m:oMath xmlns:m="http://schemas.openxmlformats.org/officeDocument/2006/math">
+                      <m:r>
+                        <a:rPr lang="en-US" b="0" i="1" smtClean="0">
+                          <a:latin typeface="Cambria Math" panose="02040503050406030204" pitchFamily="18" charset="0"/>
+                        </a:rPr>
+                        <m:t>𝐴</m:t>
+                      </m:r>
+                      <m:r>
+                        <a:rPr lang="en-US" b="0" i="1" smtClean="0">
+                          <a:latin typeface="Cambria Math" panose="02040503050406030204" pitchFamily="18" charset="0"/>
+                        </a:rPr>
+                        <m:t>=0.0164 ∗</m:t>
+                      </m:r>
+                      <m:sSup>
+                        <m:sSupPr>
+                          <m:ctrlPr>
+                            <a:rPr lang="en-US" b="0" i="1" smtClean="0">
+                              <a:latin typeface="Cambria Math" panose="02040503050406030204" pitchFamily="18" charset="0"/>
+                            </a:rPr>
+                          </m:ctrlPr>
+                        </m:sSupPr>
+                        <m:e>
+                          <m:r>
+                            <a:rPr lang="en-US" b="0" i="1" smtClean="0">
+                              <a:latin typeface="Cambria Math" panose="02040503050406030204" pitchFamily="18" charset="0"/>
+                            </a:rPr>
+                            <m:t>5.919342</m:t>
+                          </m:r>
+                        </m:e>
+                        <m:sup>
+                          <m:r>
+                            <a:rPr lang="en-US" b="0" i="1" smtClean="0">
+                              <a:latin typeface="Cambria Math" panose="02040503050406030204" pitchFamily="18" charset="0"/>
+                            </a:rPr>
+                            <m:t>−0.5</m:t>
+                          </m:r>
+                        </m:sup>
+                      </m:sSup>
+                    </m:oMath>
+                  </m:oMathPara>
+                </a14:m>
+                <a:endParaRPr lang="en-US" baseline="30000" dirty="0"/>
+              </a:p>
+            </p:txBody>
+          </p:sp>
+        </mc:Choice>
+        <mc:Fallback>
+          <p:sp>
+            <p:nvSpPr>
+              <p:cNvPr id="7" name="TextBox 6">
+                <a:extLst>
+                  <a:ext uri="{FF2B5EF4-FFF2-40B4-BE49-F238E27FC236}">
+                    <a16:creationId xmlns:a16="http://schemas.microsoft.com/office/drawing/2014/main" id="{2691B78B-F374-BFF1-A4B2-9AF9C12B44FB}"/>
+                  </a:ext>
+                </a:extLst>
+              </p:cNvPr>
+              <p:cNvSpPr txBox="1">
+                <a:spLocks noRot="1" noChangeAspect="1" noMove="1" noResize="1" noEditPoints="1" noAdjustHandles="1" noChangeArrowheads="1" noChangeShapeType="1" noTextEdit="1"/>
+              </p:cNvSpPr>
+              <p:nvPr/>
+            </p:nvSpPr>
+            <p:spPr>
+              <a:xfrm>
+                <a:off x="838200" y="2798143"/>
+                <a:ext cx="2748125" cy="280077"/>
+              </a:xfrm>
+              <a:prstGeom prst="rect">
+                <a:avLst/>
+              </a:prstGeom>
+              <a:blipFill>
+                <a:blip r:embed="rId5"/>
+                <a:stretch>
+                  <a:fillRect l="-2000" t="-2174" r="-889" b="-10870"/>
+                </a:stretch>
+              </a:blipFill>
+            </p:spPr>
+            <p:txBody>
+              <a:bodyPr/>
+              <a:lstStyle/>
+              <a:p>
+                <a:r>
+                  <a:rPr lang="en-US">
+                    <a:noFill/>
+                  </a:rPr>
+                  <a:t> </a:t>
+                </a:r>
+              </a:p>
+            </p:txBody>
+          </p:sp>
+        </mc:Fallback>
+      </mc:AlternateContent>
+      <mc:AlternateContent xmlns:mc="http://schemas.openxmlformats.org/markup-compatibility/2006">
+        <mc:Choice xmlns:a14="http://schemas.microsoft.com/office/drawing/2010/main" Requires="a14">
+          <p:sp>
+            <p:nvSpPr>
+              <p:cNvPr id="8" name="TextBox 7">
+                <a:extLst>
+                  <a:ext uri="{FF2B5EF4-FFF2-40B4-BE49-F238E27FC236}">
+                    <a16:creationId xmlns:a16="http://schemas.microsoft.com/office/drawing/2014/main" id="{DCA28F3E-B7D7-9829-A9C2-D3CA701A6CE1}"/>
+                  </a:ext>
+                </a:extLst>
+              </p:cNvPr>
+              <p:cNvSpPr txBox="1"/>
+              <p:nvPr/>
+            </p:nvSpPr>
+            <p:spPr>
+              <a:xfrm>
+                <a:off x="827991" y="3421490"/>
+                <a:ext cx="1815241" cy="270652"/>
+              </a:xfrm>
+              <a:prstGeom prst="rect">
+                <a:avLst/>
+              </a:prstGeom>
+              <a:noFill/>
+            </p:spPr>
+            <p:txBody>
+              <a:bodyPr wrap="none" lIns="0" tIns="0" rIns="0" bIns="0" rtlCol="0">
+                <a:spAutoFit/>
+              </a:bodyPr>
+              <a:lstStyle/>
+              <a:p>
+                <a14:m>
+                  <m:oMathPara xmlns:m="http://schemas.openxmlformats.org/officeDocument/2006/math">
+                    <m:oMathParaPr>
+                      <m:jc m:val="centerGroup"/>
+                    </m:oMathParaPr>
+                    <m:oMath xmlns:m="http://schemas.openxmlformats.org/officeDocument/2006/math">
+                      <m:r>
+                        <a:rPr lang="en-US" b="0" i="1" smtClean="0">
+                          <a:latin typeface="Cambria Math" panose="02040503050406030204" pitchFamily="18" charset="0"/>
+                        </a:rPr>
+                        <m:t>𝐴</m:t>
+                      </m:r>
+                      <m:r>
+                        <a:rPr lang="en-US" b="0" i="1" smtClean="0">
+                          <a:latin typeface="Cambria Math" panose="02040503050406030204" pitchFamily="18" charset="0"/>
+                        </a:rPr>
+                        <m:t>=0.006740733</m:t>
+                      </m:r>
+                    </m:oMath>
+                  </m:oMathPara>
+                </a14:m>
+                <a:endParaRPr lang="en-US" baseline="30000" dirty="0"/>
+              </a:p>
+            </p:txBody>
+          </p:sp>
+        </mc:Choice>
+        <mc:Fallback>
+          <p:sp>
+            <p:nvSpPr>
+              <p:cNvPr id="8" name="TextBox 7">
+                <a:extLst>
+                  <a:ext uri="{FF2B5EF4-FFF2-40B4-BE49-F238E27FC236}">
+                    <a16:creationId xmlns:a16="http://schemas.microsoft.com/office/drawing/2014/main" id="{DCA28F3E-B7D7-9829-A9C2-D3CA701A6CE1}"/>
+                  </a:ext>
+                </a:extLst>
+              </p:cNvPr>
+              <p:cNvSpPr txBox="1">
+                <a:spLocks noRot="1" noChangeAspect="1" noMove="1" noResize="1" noEditPoints="1" noAdjustHandles="1" noChangeArrowheads="1" noChangeShapeType="1" noTextEdit="1"/>
+              </p:cNvSpPr>
+              <p:nvPr/>
+            </p:nvSpPr>
+            <p:spPr>
+              <a:xfrm>
+                <a:off x="827991" y="3421490"/>
+                <a:ext cx="1815241" cy="270652"/>
+              </a:xfrm>
+              <a:prstGeom prst="rect">
+                <a:avLst/>
+              </a:prstGeom>
+              <a:blipFill>
+                <a:blip r:embed="rId6"/>
+                <a:stretch>
+                  <a:fillRect l="-3356" r="-3020" b="-11111"/>
+                </a:stretch>
+              </a:blipFill>
+            </p:spPr>
+            <p:txBody>
+              <a:bodyPr/>
+              <a:lstStyle/>
+              <a:p>
+                <a:r>
+                  <a:rPr lang="en-US">
+                    <a:noFill/>
+                  </a:rPr>
+                  <a:t> </a:t>
+                </a:r>
+              </a:p>
+            </p:txBody>
+          </p:sp>
+        </mc:Fallback>
+      </mc:AlternateContent>
+      <mc:AlternateContent xmlns:mc="http://schemas.openxmlformats.org/markup-compatibility/2006">
+        <mc:Choice xmlns:a14="http://schemas.microsoft.com/office/drawing/2010/main" Requires="a14">
+          <p:sp>
+            <p:nvSpPr>
+              <p:cNvPr id="9" name="TextBox 8">
+                <a:extLst>
+                  <a:ext uri="{FF2B5EF4-FFF2-40B4-BE49-F238E27FC236}">
+                    <a16:creationId xmlns:a16="http://schemas.microsoft.com/office/drawing/2014/main" id="{0A60814F-BEFE-BBD8-5819-B3AC854B476A}"/>
+                  </a:ext>
+                </a:extLst>
+              </p:cNvPr>
+              <p:cNvSpPr txBox="1"/>
+              <p:nvPr/>
+            </p:nvSpPr>
+            <p:spPr>
+              <a:xfrm>
+                <a:off x="827990" y="4114189"/>
+                <a:ext cx="3014030" cy="270652"/>
+              </a:xfrm>
+              <a:prstGeom prst="rect">
+                <a:avLst/>
+              </a:prstGeom>
+              <a:noFill/>
+            </p:spPr>
+            <p:txBody>
+              <a:bodyPr wrap="none" lIns="0" tIns="0" rIns="0" bIns="0" rtlCol="0">
+                <a:spAutoFit/>
+              </a:bodyPr>
+              <a:lstStyle/>
+              <a:p>
+                <a14:m>
+                  <m:oMathPara xmlns:m="http://schemas.openxmlformats.org/officeDocument/2006/math">
+                    <m:oMathParaPr>
+                      <m:jc m:val="centerGroup"/>
+                    </m:oMathParaPr>
+                    <m:oMath xmlns:m="http://schemas.openxmlformats.org/officeDocument/2006/math">
+                      <m:r>
+                        <a:rPr lang="en-US" b="0" i="1" smtClean="0">
+                          <a:latin typeface="Cambria Math" panose="02040503050406030204" pitchFamily="18" charset="0"/>
+                        </a:rPr>
+                        <m:t>𝐶𝑊𝐼</m:t>
+                      </m:r>
+                      <m:r>
+                        <a:rPr lang="en-US" b="0" i="1" smtClean="0">
+                          <a:latin typeface="Cambria Math" panose="02040503050406030204" pitchFamily="18" charset="0"/>
+                        </a:rPr>
+                        <m:t>=</m:t>
+                      </m:r>
+                      <m:r>
+                        <a:rPr lang="en-US" b="0" i="1" smtClean="0">
+                          <a:latin typeface="Cambria Math" panose="02040503050406030204" pitchFamily="18" charset="0"/>
+                        </a:rPr>
+                        <m:t>𝐴</m:t>
+                      </m:r>
+                      <m:r>
+                        <a:rPr lang="en-US" b="0" i="1" smtClean="0">
+                          <a:latin typeface="Cambria Math" panose="02040503050406030204" pitchFamily="18" charset="0"/>
+                        </a:rPr>
+                        <m:t> ∗</m:t>
+                      </m:r>
+                      <m:r>
+                        <a:rPr lang="en-US" b="0" i="1" smtClean="0">
+                          <a:latin typeface="Cambria Math" panose="02040503050406030204" pitchFamily="18" charset="0"/>
+                        </a:rPr>
+                        <m:t>𝑐𝑙𝑜𝑢𝑑</m:t>
+                      </m:r>
+                      <m:r>
+                        <a:rPr lang="en-US" b="0" i="1" smtClean="0">
+                          <a:latin typeface="Cambria Math" panose="02040503050406030204" pitchFamily="18" charset="0"/>
+                        </a:rPr>
+                        <m:t>.</m:t>
+                      </m:r>
+                      <m:r>
+                        <a:rPr lang="en-US" b="0" i="1" smtClean="0">
+                          <a:latin typeface="Cambria Math" panose="02040503050406030204" pitchFamily="18" charset="0"/>
+                        </a:rPr>
+                        <m:t>𝑤𝑎𝑡𝑒𝑟</m:t>
+                      </m:r>
+                      <m:r>
+                        <a:rPr lang="en-US" b="0" i="1" smtClean="0">
+                          <a:latin typeface="Cambria Math" panose="02040503050406030204" pitchFamily="18" charset="0"/>
+                        </a:rPr>
+                        <m:t>.</m:t>
+                      </m:r>
+                      <m:r>
+                        <a:rPr lang="en-US" b="0" i="1" smtClean="0">
+                          <a:latin typeface="Cambria Math" panose="02040503050406030204" pitchFamily="18" charset="0"/>
+                        </a:rPr>
+                        <m:t>𝑓𝑙𝑢𝑥</m:t>
+                      </m:r>
+                    </m:oMath>
+                  </m:oMathPara>
+                </a14:m>
+                <a:endParaRPr lang="en-US" baseline="30000" dirty="0"/>
+              </a:p>
+            </p:txBody>
+          </p:sp>
+        </mc:Choice>
+        <mc:Fallback>
+          <p:sp>
+            <p:nvSpPr>
+              <p:cNvPr id="9" name="TextBox 8">
+                <a:extLst>
+                  <a:ext uri="{FF2B5EF4-FFF2-40B4-BE49-F238E27FC236}">
+                    <a16:creationId xmlns:a16="http://schemas.microsoft.com/office/drawing/2014/main" id="{0A60814F-BEFE-BBD8-5819-B3AC854B476A}"/>
+                  </a:ext>
+                </a:extLst>
+              </p:cNvPr>
+              <p:cNvSpPr txBox="1">
+                <a:spLocks noRot="1" noChangeAspect="1" noMove="1" noResize="1" noEditPoints="1" noAdjustHandles="1" noChangeArrowheads="1" noChangeShapeType="1" noTextEdit="1"/>
+              </p:cNvSpPr>
+              <p:nvPr/>
+            </p:nvSpPr>
+            <p:spPr>
+              <a:xfrm>
+                <a:off x="827990" y="4114189"/>
+                <a:ext cx="3014030" cy="270652"/>
+              </a:xfrm>
+              <a:prstGeom prst="rect">
+                <a:avLst/>
+              </a:prstGeom>
+              <a:blipFill>
+                <a:blip r:embed="rId7"/>
+                <a:stretch>
+                  <a:fillRect l="-2024" r="-2834" b="-40909"/>
+                </a:stretch>
+              </a:blipFill>
+            </p:spPr>
+            <p:txBody>
+              <a:bodyPr/>
+              <a:lstStyle/>
+              <a:p>
+                <a:r>
+                  <a:rPr lang="en-US">
+                    <a:noFill/>
+                  </a:rPr>
+                  <a:t> </a:t>
+                </a:r>
+              </a:p>
+            </p:txBody>
+          </p:sp>
+        </mc:Fallback>
+      </mc:AlternateContent>
+      <mc:AlternateContent xmlns:mc="http://schemas.openxmlformats.org/markup-compatibility/2006">
+        <mc:Choice xmlns:a14="http://schemas.microsoft.com/office/drawing/2010/main" Requires="a14">
+          <p:sp>
+            <p:nvSpPr>
+              <p:cNvPr id="10" name="TextBox 9">
+                <a:extLst>
+                  <a:ext uri="{FF2B5EF4-FFF2-40B4-BE49-F238E27FC236}">
+                    <a16:creationId xmlns:a16="http://schemas.microsoft.com/office/drawing/2014/main" id="{60E573E3-A7E6-075D-863A-81A2F76D0FC7}"/>
+                  </a:ext>
+                </a:extLst>
+              </p:cNvPr>
+              <p:cNvSpPr txBox="1"/>
+              <p:nvPr/>
+            </p:nvSpPr>
+            <p:spPr>
+              <a:xfrm>
+                <a:off x="838200" y="4592785"/>
+                <a:ext cx="2947217" cy="270652"/>
+              </a:xfrm>
+              <a:prstGeom prst="rect">
+                <a:avLst/>
+              </a:prstGeom>
+              <a:noFill/>
+            </p:spPr>
+            <p:txBody>
+              <a:bodyPr wrap="none" lIns="0" tIns="0" rIns="0" bIns="0" rtlCol="0">
+                <a:spAutoFit/>
+              </a:bodyPr>
+              <a:lstStyle/>
+              <a:p>
+                <a14:m>
+                  <m:oMathPara xmlns:m="http://schemas.openxmlformats.org/officeDocument/2006/math">
+                    <m:oMathParaPr>
+                      <m:jc m:val="centerGroup"/>
+                    </m:oMathParaPr>
+                    <m:oMath xmlns:m="http://schemas.openxmlformats.org/officeDocument/2006/math">
+                      <m:r>
+                        <a:rPr lang="en-US" b="0" i="1" smtClean="0">
+                          <a:latin typeface="Cambria Math" panose="02040503050406030204" pitchFamily="18" charset="0"/>
+                        </a:rPr>
+                        <m:t>𝐶𝑊𝐼</m:t>
+                      </m:r>
+                      <m:r>
+                        <a:rPr lang="en-US" b="0" i="1" smtClean="0">
+                          <a:latin typeface="Cambria Math" panose="02040503050406030204" pitchFamily="18" charset="0"/>
+                        </a:rPr>
+                        <m:t>=0.006740733 ∗4.755</m:t>
+                      </m:r>
+                    </m:oMath>
+                  </m:oMathPara>
+                </a14:m>
+                <a:endParaRPr lang="en-US" baseline="30000" dirty="0"/>
+              </a:p>
+            </p:txBody>
+          </p:sp>
+        </mc:Choice>
+        <mc:Fallback>
+          <p:sp>
+            <p:nvSpPr>
+              <p:cNvPr id="10" name="TextBox 9">
+                <a:extLst>
+                  <a:ext uri="{FF2B5EF4-FFF2-40B4-BE49-F238E27FC236}">
+                    <a16:creationId xmlns:a16="http://schemas.microsoft.com/office/drawing/2014/main" id="{60E573E3-A7E6-075D-863A-81A2F76D0FC7}"/>
+                  </a:ext>
+                </a:extLst>
+              </p:cNvPr>
+              <p:cNvSpPr txBox="1">
+                <a:spLocks noRot="1" noChangeAspect="1" noMove="1" noResize="1" noEditPoints="1" noAdjustHandles="1" noChangeArrowheads="1" noChangeShapeType="1" noTextEdit="1"/>
+              </p:cNvSpPr>
+              <p:nvPr/>
+            </p:nvSpPr>
+            <p:spPr>
+              <a:xfrm>
+                <a:off x="838200" y="4592785"/>
+                <a:ext cx="2947217" cy="270652"/>
+              </a:xfrm>
+              <a:prstGeom prst="rect">
+                <a:avLst/>
+              </a:prstGeom>
+              <a:blipFill>
+                <a:blip r:embed="rId8"/>
+                <a:stretch>
+                  <a:fillRect l="-1863" r="-1863" b="-11111"/>
+                </a:stretch>
+              </a:blipFill>
+            </p:spPr>
+            <p:txBody>
+              <a:bodyPr/>
+              <a:lstStyle/>
+              <a:p>
+                <a:r>
+                  <a:rPr lang="en-US">
+                    <a:noFill/>
+                  </a:rPr>
+                  <a:t> </a:t>
+                </a:r>
+              </a:p>
+            </p:txBody>
+          </p:sp>
+        </mc:Fallback>
+      </mc:AlternateContent>
+      <mc:AlternateContent xmlns:mc="http://schemas.openxmlformats.org/markup-compatibility/2006">
+        <mc:Choice xmlns:a14="http://schemas.microsoft.com/office/drawing/2010/main" Requires="a14">
+          <p:sp>
+            <p:nvSpPr>
+              <p:cNvPr id="11" name="TextBox 10">
+                <a:extLst>
+                  <a:ext uri="{FF2B5EF4-FFF2-40B4-BE49-F238E27FC236}">
+                    <a16:creationId xmlns:a16="http://schemas.microsoft.com/office/drawing/2014/main" id="{2DC11596-05EB-EB0B-DDC7-92147C97834B}"/>
+                  </a:ext>
+                </a:extLst>
+              </p:cNvPr>
+              <p:cNvSpPr txBox="1"/>
+              <p:nvPr/>
+            </p:nvSpPr>
+            <p:spPr>
+              <a:xfrm>
+                <a:off x="861396" y="5027175"/>
+                <a:ext cx="1735347" cy="270652"/>
+              </a:xfrm>
+              <a:prstGeom prst="rect">
+                <a:avLst/>
+              </a:prstGeom>
+              <a:noFill/>
+            </p:spPr>
+            <p:txBody>
+              <a:bodyPr wrap="none" lIns="0" tIns="0" rIns="0" bIns="0" rtlCol="0">
+                <a:spAutoFit/>
+              </a:bodyPr>
+              <a:lstStyle/>
+              <a:p>
+                <a14:m>
+                  <m:oMathPara xmlns:m="http://schemas.openxmlformats.org/officeDocument/2006/math">
+                    <m:oMathParaPr>
+                      <m:jc m:val="centerGroup"/>
+                    </m:oMathParaPr>
+                    <m:oMath xmlns:m="http://schemas.openxmlformats.org/officeDocument/2006/math">
+                      <m:r>
+                        <a:rPr lang="en-US" b="0" i="1" smtClean="0">
+                          <a:latin typeface="Cambria Math" panose="02040503050406030204" pitchFamily="18" charset="0"/>
+                        </a:rPr>
+                        <m:t>𝐶𝑊𝐼</m:t>
+                      </m:r>
+                      <m:r>
+                        <a:rPr lang="en-US" b="0" i="1" smtClean="0">
+                          <a:latin typeface="Cambria Math" panose="02040503050406030204" pitchFamily="18" charset="0"/>
+                        </a:rPr>
+                        <m:t>=0.032055</m:t>
+                      </m:r>
+                    </m:oMath>
+                  </m:oMathPara>
+                </a14:m>
+                <a:endParaRPr lang="en-US" baseline="30000" dirty="0"/>
+              </a:p>
+            </p:txBody>
+          </p:sp>
+        </mc:Choice>
+        <mc:Fallback>
+          <p:sp>
+            <p:nvSpPr>
+              <p:cNvPr id="11" name="TextBox 10">
+                <a:extLst>
+                  <a:ext uri="{FF2B5EF4-FFF2-40B4-BE49-F238E27FC236}">
+                    <a16:creationId xmlns:a16="http://schemas.microsoft.com/office/drawing/2014/main" id="{2DC11596-05EB-EB0B-DDC7-92147C97834B}"/>
+                  </a:ext>
+                </a:extLst>
+              </p:cNvPr>
+              <p:cNvSpPr txBox="1">
+                <a:spLocks noRot="1" noChangeAspect="1" noMove="1" noResize="1" noEditPoints="1" noAdjustHandles="1" noChangeArrowheads="1" noChangeShapeType="1" noTextEdit="1"/>
+              </p:cNvSpPr>
+              <p:nvPr/>
+            </p:nvSpPr>
+            <p:spPr>
+              <a:xfrm>
+                <a:off x="861396" y="5027175"/>
+                <a:ext cx="1735347" cy="270652"/>
+              </a:xfrm>
+              <a:prstGeom prst="rect">
+                <a:avLst/>
+              </a:prstGeom>
+              <a:blipFill>
+                <a:blip r:embed="rId9"/>
+                <a:stretch>
+                  <a:fillRect l="-3158" r="-3509" b="-13636"/>
+                </a:stretch>
+              </a:blipFill>
+            </p:spPr>
+            <p:txBody>
+              <a:bodyPr/>
+              <a:lstStyle/>
+              <a:p>
+                <a:r>
+                  <a:rPr lang="en-US">
+                    <a:noFill/>
+                  </a:rPr>
+                  <a:t> </a:t>
+                </a:r>
+              </a:p>
+            </p:txBody>
+          </p:sp>
+        </mc:Fallback>
+      </mc:AlternateContent>
+    </p:spTree>
+    <p:extLst>
+      <p:ext uri="{BB962C8B-B14F-4D97-AF65-F5344CB8AC3E}">
+        <p14:creationId xmlns:p14="http://schemas.microsoft.com/office/powerpoint/2010/main" val="3129093143"/>
+      </p:ext>
+    </p:extLst>
+  </p:cSld>
+  <p:clrMapOvr>
+    <a:masterClrMapping/>
+  </p:clrMapOvr>
+</p:sld>
+</file>
+
+<file path=ppt/slides/slide3.xml><?xml version="1.0" encoding="utf-8"?>
+<p:sld xmlns:a="http://schemas.openxmlformats.org/drawingml/2006/main" xmlns:r="http://schemas.openxmlformats.org/officeDocument/2006/relationships" xmlns:p="http://schemas.openxmlformats.org/presentationml/2006/main">
+  <p:cSld>
+    <p:spTree>
+      <p:nvGrpSpPr>
+        <p:cNvPr id="1" name=""/>
+        <p:cNvGrpSpPr/>
+        <p:nvPr/>
+      </p:nvGrpSpPr>
+      <p:grpSpPr>
+        <a:xfrm>
+          <a:off x="0" y="0"/>
+          <a:ext cx="0" cy="0"/>
+          <a:chOff x="0" y="0"/>
+          <a:chExt cx="0" cy="0"/>
+        </a:xfrm>
+      </p:grpSpPr>
+      <p:sp>
+        <p:nvSpPr>
+          <p:cNvPr id="2" name="Title 1">
+            <a:extLst>
+              <a:ext uri="{FF2B5EF4-FFF2-40B4-BE49-F238E27FC236}">
+                <a16:creationId xmlns:a16="http://schemas.microsoft.com/office/drawing/2014/main" id="{BE646D13-6162-0B05-B0C4-715CA22695F6}"/>
+              </a:ext>
+            </a:extLst>
+          </p:cNvPr>
+          <p:cNvSpPr>
+            <a:spLocks noGrp="1"/>
+          </p:cNvSpPr>
+          <p:nvPr>
+            <p:ph type="title"/>
+          </p:nvPr>
+        </p:nvSpPr>
+        <p:spPr/>
+        <p:txBody>
+          <a:bodyPr/>
+          <a:lstStyle/>
+          <a:p>
+            <a:r>
+              <a:rPr lang="en-US" dirty="0"/>
+              <a:t>Part 1: Calculate Liquid Cloud Water (LCW)</a:t>
+            </a:r>
+          </a:p>
+        </p:txBody>
+      </p:sp>
+      <p:sp>
+        <p:nvSpPr>
+          <p:cNvPr id="3" name="Content Placeholder 2">
+            <a:extLst>
+              <a:ext uri="{FF2B5EF4-FFF2-40B4-BE49-F238E27FC236}">
+                <a16:creationId xmlns:a16="http://schemas.microsoft.com/office/drawing/2014/main" id="{E3CAA375-11DB-718D-6699-FCDB7842B23C}"/>
+              </a:ext>
+            </a:extLst>
+          </p:cNvPr>
+          <p:cNvSpPr>
+            <a:spLocks noGrp="1"/>
+          </p:cNvSpPr>
+          <p:nvPr>
+            <p:ph idx="1"/>
+          </p:nvPr>
+        </p:nvSpPr>
+        <p:spPr/>
+        <p:txBody>
+          <a:bodyPr/>
+          <a:lstStyle/>
+          <a:p>
+            <a:endParaRPr lang="en-US"/>
+          </a:p>
+        </p:txBody>
+      </p:sp>
+    </p:spTree>
+    <p:extLst>
+      <p:ext uri="{BB962C8B-B14F-4D97-AF65-F5344CB8AC3E}">
+        <p14:creationId xmlns:p14="http://schemas.microsoft.com/office/powerpoint/2010/main" val="3532288974"/>
+      </p:ext>
+    </p:extLst>
+  </p:cSld>
+  <p:clrMapOvr>
+    <a:masterClrMapping/>
+  </p:clrMapOvr>
+</p:sld>
+</file>
+
+<file path=ppt/slides/slide4.xml><?xml version="1.0" encoding="utf-8"?>
+<p:sld xmlns:a="http://schemas.openxmlformats.org/drawingml/2006/main" xmlns:r="http://schemas.openxmlformats.org/officeDocument/2006/relationships" xmlns:p="http://schemas.openxmlformats.org/presentationml/2006/main">
+  <p:cSld>
+    <p:spTree>
+      <p:nvGrpSpPr>
+        <p:cNvPr id="1" name=""/>
+        <p:cNvGrpSpPr/>
+        <p:nvPr/>
+      </p:nvGrpSpPr>
+      <p:grpSpPr>
+        <a:xfrm>
+          <a:off x="0" y="0"/>
+          <a:ext cx="0" cy="0"/>
+          <a:chOff x="0" y="0"/>
+          <a:chExt cx="0" cy="0"/>
+        </a:xfrm>
+      </p:grpSpPr>
+      <p:sp>
+        <p:nvSpPr>
           <p:cNvPr id="7" name="Freeform: Shape 6">
             <a:extLst>
               <a:ext uri="{FF2B5EF4-FFF2-40B4-BE49-F238E27FC236}">
@@ -6059,7 +12387,7 @@
 </p:sld>
 </file>
 
-<file path=ppt/slides/slide2.xml><?xml version="1.0" encoding="utf-8"?>
+<file path=ppt/slides/slide5.xml><?xml version="1.0" encoding="utf-8"?>
 <p:sld xmlns:a="http://schemas.openxmlformats.org/drawingml/2006/main" xmlns:r="http://schemas.openxmlformats.org/officeDocument/2006/relationships" xmlns:p="http://schemas.openxmlformats.org/presentationml/2006/main">
   <p:cSld>
     <p:spTree>
@@ -8850,7 +15178,7 @@
 </p:sld>
 </file>
 
-<file path=ppt/slides/slide3.xml><?xml version="1.0" encoding="utf-8"?>
+<file path=ppt/slides/slide6.xml><?xml version="1.0" encoding="utf-8"?>
 <p:sld xmlns:a="http://schemas.openxmlformats.org/drawingml/2006/main" xmlns:r="http://schemas.openxmlformats.org/officeDocument/2006/relationships" xmlns:p="http://schemas.openxmlformats.org/presentationml/2006/main">
   <p:cSld>
     <p:spTree>
@@ -11684,7 +18012,7 @@
 </p:sld>
 </file>
 
-<file path=ppt/slides/slide4.xml><?xml version="1.0" encoding="utf-8"?>
+<file path=ppt/slides/slide7.xml><?xml version="1.0" encoding="utf-8"?>
 <p:sld xmlns:a="http://schemas.openxmlformats.org/drawingml/2006/main" xmlns:r="http://schemas.openxmlformats.org/officeDocument/2006/relationships" xmlns:p="http://schemas.openxmlformats.org/presentationml/2006/main">
   <p:cSld>
     <p:spTree>
@@ -14169,1197 +20497,6 @@
 </p:sld>
 </file>
 
-<file path=ppt/slides/slide5.xml><?xml version="1.0" encoding="utf-8"?>
-<p:sld xmlns:a="http://schemas.openxmlformats.org/drawingml/2006/main" xmlns:r="http://schemas.openxmlformats.org/officeDocument/2006/relationships" xmlns:p="http://schemas.openxmlformats.org/presentationml/2006/main">
-  <p:cSld>
-    <p:spTree>
-      <p:nvGrpSpPr>
-        <p:cNvPr id="1" name=""/>
-        <p:cNvGrpSpPr/>
-        <p:nvPr/>
-      </p:nvGrpSpPr>
-      <p:grpSpPr>
-        <a:xfrm>
-          <a:off x="0" y="0"/>
-          <a:ext cx="0" cy="0"/>
-          <a:chOff x="0" y="0"/>
-          <a:chExt cx="0" cy="0"/>
-        </a:xfrm>
-      </p:grpSpPr>
-      <p:sp>
-        <p:nvSpPr>
-          <p:cNvPr id="2" name="Title 1">
-            <a:extLst>
-              <a:ext uri="{FF2B5EF4-FFF2-40B4-BE49-F238E27FC236}">
-                <a16:creationId xmlns:a16="http://schemas.microsoft.com/office/drawing/2014/main" id="{EDC83223-6C67-B4E1-2758-F6A32669853A}"/>
-              </a:ext>
-            </a:extLst>
-          </p:cNvPr>
-          <p:cNvSpPr>
-            <a:spLocks noGrp="1"/>
-          </p:cNvSpPr>
-          <p:nvPr>
-            <p:ph type="title"/>
-          </p:nvPr>
-        </p:nvSpPr>
-        <p:spPr>
-          <a:xfrm>
-            <a:off x="838200" y="0"/>
-            <a:ext cx="10515600" cy="1325563"/>
-          </a:xfrm>
-        </p:spPr>
-        <p:txBody>
-          <a:bodyPr/>
-          <a:lstStyle/>
-          <a:p>
-            <a:r>
-              <a:rPr lang="en-US" dirty="0"/>
-              <a:t>Han’s locations*</a:t>
-            </a:r>
-          </a:p>
-        </p:txBody>
-      </p:sp>
-      <p:sp>
-        <p:nvSpPr>
-          <p:cNvPr id="3" name="Content Placeholder 2">
-            <a:extLst>
-              <a:ext uri="{FF2B5EF4-FFF2-40B4-BE49-F238E27FC236}">
-                <a16:creationId xmlns:a16="http://schemas.microsoft.com/office/drawing/2014/main" id="{6C0E0DED-1F78-6E39-A3DA-C635D28EFE3A}"/>
-              </a:ext>
-            </a:extLst>
-          </p:cNvPr>
-          <p:cNvSpPr>
-            <a:spLocks noGrp="1"/>
-          </p:cNvSpPr>
-          <p:nvPr>
-            <p:ph idx="1"/>
-          </p:nvPr>
-        </p:nvSpPr>
-        <p:spPr/>
-        <p:txBody>
-          <a:bodyPr/>
-          <a:lstStyle/>
-          <a:p>
-            <a:endParaRPr lang="en-US"/>
-          </a:p>
-        </p:txBody>
-      </p:sp>
-      <p:pic>
-        <p:nvPicPr>
-          <p:cNvPr id="5" name="Picture 4">
-            <a:extLst>
-              <a:ext uri="{FF2B5EF4-FFF2-40B4-BE49-F238E27FC236}">
-                <a16:creationId xmlns:a16="http://schemas.microsoft.com/office/drawing/2014/main" id="{62110EBB-90E9-C8EF-794B-53CB43825018}"/>
-              </a:ext>
-            </a:extLst>
-          </p:cNvPr>
-          <p:cNvPicPr>
-            <a:picLocks noChangeAspect="1"/>
-          </p:cNvPicPr>
-          <p:nvPr/>
-        </p:nvPicPr>
-        <p:blipFill>
-          <a:blip r:embed="rId2"/>
-          <a:stretch>
-            <a:fillRect/>
-          </a:stretch>
-        </p:blipFill>
-        <p:spPr>
-          <a:xfrm>
-            <a:off x="1949870" y="1096760"/>
-            <a:ext cx="8579869" cy="5395156"/>
-          </a:xfrm>
-          <a:prstGeom prst="rect">
-            <a:avLst/>
-          </a:prstGeom>
-        </p:spPr>
-      </p:pic>
-      <p:sp>
-        <p:nvSpPr>
-          <p:cNvPr id="6" name="Oval 5">
-            <a:extLst>
-              <a:ext uri="{FF2B5EF4-FFF2-40B4-BE49-F238E27FC236}">
-                <a16:creationId xmlns:a16="http://schemas.microsoft.com/office/drawing/2014/main" id="{CF94F43E-C716-1EF5-E599-2BD9254E7EC5}"/>
-              </a:ext>
-            </a:extLst>
-          </p:cNvPr>
-          <p:cNvSpPr/>
-          <p:nvPr/>
-        </p:nvSpPr>
-        <p:spPr>
-          <a:xfrm>
-            <a:off x="7799295" y="3783933"/>
-            <a:ext cx="182880" cy="182880"/>
-          </a:xfrm>
-          <a:prstGeom prst="ellipse">
-            <a:avLst/>
-          </a:prstGeom>
-        </p:spPr>
-        <p:style>
-          <a:lnRef idx="2">
-            <a:schemeClr val="accent1">
-              <a:shade val="15000"/>
-            </a:schemeClr>
-          </a:lnRef>
-          <a:fillRef idx="1">
-            <a:schemeClr val="accent1"/>
-          </a:fillRef>
-          <a:effectRef idx="0">
-            <a:schemeClr val="accent1"/>
-          </a:effectRef>
-          <a:fontRef idx="minor">
-            <a:schemeClr val="lt1"/>
-          </a:fontRef>
-        </p:style>
-        <p:txBody>
-          <a:bodyPr rtlCol="0" anchor="ctr"/>
-          <a:lstStyle/>
-          <a:p>
-            <a:pPr algn="ctr"/>
-            <a:endParaRPr lang="en-US"/>
-          </a:p>
-        </p:txBody>
-      </p:sp>
-      <p:sp>
-        <p:nvSpPr>
-          <p:cNvPr id="7" name="Oval 6">
-            <a:extLst>
-              <a:ext uri="{FF2B5EF4-FFF2-40B4-BE49-F238E27FC236}">
-                <a16:creationId xmlns:a16="http://schemas.microsoft.com/office/drawing/2014/main" id="{C075D173-53EF-2B2D-4ED1-3452C25AADA0}"/>
-              </a:ext>
-            </a:extLst>
-          </p:cNvPr>
-          <p:cNvSpPr/>
-          <p:nvPr/>
-        </p:nvSpPr>
-        <p:spPr>
-          <a:xfrm>
-            <a:off x="7908665" y="4553490"/>
-            <a:ext cx="182880" cy="182880"/>
-          </a:xfrm>
-          <a:prstGeom prst="ellipse">
-            <a:avLst/>
-          </a:prstGeom>
-        </p:spPr>
-        <p:style>
-          <a:lnRef idx="2">
-            <a:schemeClr val="accent1">
-              <a:shade val="15000"/>
-            </a:schemeClr>
-          </a:lnRef>
-          <a:fillRef idx="1">
-            <a:schemeClr val="accent1"/>
-          </a:fillRef>
-          <a:effectRef idx="0">
-            <a:schemeClr val="accent1"/>
-          </a:effectRef>
-          <a:fontRef idx="minor">
-            <a:schemeClr val="lt1"/>
-          </a:fontRef>
-        </p:style>
-        <p:txBody>
-          <a:bodyPr rtlCol="0" anchor="ctr"/>
-          <a:lstStyle/>
-          <a:p>
-            <a:pPr algn="ctr"/>
-            <a:endParaRPr lang="en-US"/>
-          </a:p>
-        </p:txBody>
-      </p:sp>
-      <p:sp>
-        <p:nvSpPr>
-          <p:cNvPr id="8" name="Oval 7">
-            <a:extLst>
-              <a:ext uri="{FF2B5EF4-FFF2-40B4-BE49-F238E27FC236}">
-                <a16:creationId xmlns:a16="http://schemas.microsoft.com/office/drawing/2014/main" id="{C40ED7DB-25CF-1F23-534B-D97CA15233DE}"/>
-              </a:ext>
-            </a:extLst>
-          </p:cNvPr>
-          <p:cNvSpPr/>
-          <p:nvPr/>
-        </p:nvSpPr>
-        <p:spPr>
-          <a:xfrm>
-            <a:off x="5515089" y="2500572"/>
-            <a:ext cx="182880" cy="182880"/>
-          </a:xfrm>
-          <a:prstGeom prst="ellipse">
-            <a:avLst/>
-          </a:prstGeom>
-        </p:spPr>
-        <p:style>
-          <a:lnRef idx="2">
-            <a:schemeClr val="accent1">
-              <a:shade val="15000"/>
-            </a:schemeClr>
-          </a:lnRef>
-          <a:fillRef idx="1">
-            <a:schemeClr val="accent1"/>
-          </a:fillRef>
-          <a:effectRef idx="0">
-            <a:schemeClr val="accent1"/>
-          </a:effectRef>
-          <a:fontRef idx="minor">
-            <a:schemeClr val="lt1"/>
-          </a:fontRef>
-        </p:style>
-        <p:txBody>
-          <a:bodyPr rtlCol="0" anchor="ctr"/>
-          <a:lstStyle/>
-          <a:p>
-            <a:pPr algn="ctr"/>
-            <a:endParaRPr lang="en-US"/>
-          </a:p>
-        </p:txBody>
-      </p:sp>
-      <p:sp>
-        <p:nvSpPr>
-          <p:cNvPr id="9" name="Oval 8">
-            <a:extLst>
-              <a:ext uri="{FF2B5EF4-FFF2-40B4-BE49-F238E27FC236}">
-                <a16:creationId xmlns:a16="http://schemas.microsoft.com/office/drawing/2014/main" id="{A78F545D-C93B-F7CF-6701-A30595708014}"/>
-              </a:ext>
-            </a:extLst>
-          </p:cNvPr>
-          <p:cNvSpPr/>
-          <p:nvPr/>
-        </p:nvSpPr>
-        <p:spPr>
-          <a:xfrm>
-            <a:off x="1647964" y="1357663"/>
-            <a:ext cx="182880" cy="182880"/>
-          </a:xfrm>
-          <a:prstGeom prst="ellipse">
-            <a:avLst/>
-          </a:prstGeom>
-        </p:spPr>
-        <p:style>
-          <a:lnRef idx="2">
-            <a:schemeClr val="accent1">
-              <a:shade val="15000"/>
-            </a:schemeClr>
-          </a:lnRef>
-          <a:fillRef idx="1">
-            <a:schemeClr val="accent1"/>
-          </a:fillRef>
-          <a:effectRef idx="0">
-            <a:schemeClr val="accent1"/>
-          </a:effectRef>
-          <a:fontRef idx="minor">
-            <a:schemeClr val="lt1"/>
-          </a:fontRef>
-        </p:style>
-        <p:txBody>
-          <a:bodyPr rtlCol="0" anchor="ctr"/>
-          <a:lstStyle/>
-          <a:p>
-            <a:pPr algn="ctr"/>
-            <a:endParaRPr lang="en-US"/>
-          </a:p>
-        </p:txBody>
-      </p:sp>
-      <p:cxnSp>
-        <p:nvCxnSpPr>
-          <p:cNvPr id="11" name="Straight Arrow Connector 10">
-            <a:extLst>
-              <a:ext uri="{FF2B5EF4-FFF2-40B4-BE49-F238E27FC236}">
-                <a16:creationId xmlns:a16="http://schemas.microsoft.com/office/drawing/2014/main" id="{A6991362-885A-028C-7F3C-1BFD667321A1}"/>
-              </a:ext>
-            </a:extLst>
-          </p:cNvPr>
-          <p:cNvCxnSpPr/>
-          <p:nvPr/>
-        </p:nvCxnSpPr>
-        <p:spPr>
-          <a:xfrm flipH="1">
-            <a:off x="1958835" y="1449103"/>
-            <a:ext cx="380954" cy="0"/>
-          </a:xfrm>
-          <a:prstGeom prst="straightConnector1">
-            <a:avLst/>
-          </a:prstGeom>
-          <a:ln w="57150">
-            <a:tailEnd type="triangle"/>
-          </a:ln>
-        </p:spPr>
-        <p:style>
-          <a:lnRef idx="1">
-            <a:schemeClr val="accent1"/>
-          </a:lnRef>
-          <a:fillRef idx="0">
-            <a:schemeClr val="accent1"/>
-          </a:fillRef>
-          <a:effectRef idx="0">
-            <a:schemeClr val="accent1"/>
-          </a:effectRef>
-          <a:fontRef idx="minor">
-            <a:schemeClr val="tx1"/>
-          </a:fontRef>
-        </p:style>
-      </p:cxnSp>
-      <p:sp>
-        <p:nvSpPr>
-          <p:cNvPr id="12" name="Oval 11">
-            <a:extLst>
-              <a:ext uri="{FF2B5EF4-FFF2-40B4-BE49-F238E27FC236}">
-                <a16:creationId xmlns:a16="http://schemas.microsoft.com/office/drawing/2014/main" id="{57EFD39D-F087-0F3E-5A24-C40814EEAA54}"/>
-              </a:ext>
-            </a:extLst>
-          </p:cNvPr>
-          <p:cNvSpPr/>
-          <p:nvPr/>
-        </p:nvSpPr>
-        <p:spPr>
-          <a:xfrm>
-            <a:off x="5536854" y="2627872"/>
-            <a:ext cx="182880" cy="182880"/>
-          </a:xfrm>
-          <a:prstGeom prst="ellipse">
-            <a:avLst/>
-          </a:prstGeom>
-          <a:solidFill>
-            <a:srgbClr val="FFFF00"/>
-          </a:solidFill>
-        </p:spPr>
-        <p:style>
-          <a:lnRef idx="2">
-            <a:schemeClr val="accent1">
-              <a:shade val="15000"/>
-            </a:schemeClr>
-          </a:lnRef>
-          <a:fillRef idx="1">
-            <a:schemeClr val="accent1"/>
-          </a:fillRef>
-          <a:effectRef idx="0">
-            <a:schemeClr val="accent1"/>
-          </a:effectRef>
-          <a:fontRef idx="minor">
-            <a:schemeClr val="lt1"/>
-          </a:fontRef>
-        </p:style>
-        <p:txBody>
-          <a:bodyPr rtlCol="0" anchor="ctr"/>
-          <a:lstStyle/>
-          <a:p>
-            <a:pPr algn="ctr"/>
-            <a:endParaRPr lang="en-US"/>
-          </a:p>
-        </p:txBody>
-      </p:sp>
-      <p:cxnSp>
-        <p:nvCxnSpPr>
-          <p:cNvPr id="13" name="Straight Arrow Connector 12">
-            <a:extLst>
-              <a:ext uri="{FF2B5EF4-FFF2-40B4-BE49-F238E27FC236}">
-                <a16:creationId xmlns:a16="http://schemas.microsoft.com/office/drawing/2014/main" id="{846A6702-481C-8CB3-77C0-6AD166D70C11}"/>
-              </a:ext>
-            </a:extLst>
-          </p:cNvPr>
-          <p:cNvCxnSpPr>
-            <a:cxnSpLocks/>
-          </p:cNvCxnSpPr>
-          <p:nvPr/>
-        </p:nvCxnSpPr>
-        <p:spPr>
-          <a:xfrm flipH="1" flipV="1">
-            <a:off x="5719734" y="2810752"/>
-            <a:ext cx="376266" cy="286551"/>
-          </a:xfrm>
-          <a:prstGeom prst="straightConnector1">
-            <a:avLst/>
-          </a:prstGeom>
-          <a:ln w="57150">
-            <a:solidFill>
-              <a:srgbClr val="FFFF00"/>
-            </a:solidFill>
-            <a:tailEnd type="triangle"/>
-          </a:ln>
-        </p:spPr>
-        <p:style>
-          <a:lnRef idx="1">
-            <a:schemeClr val="accent1"/>
-          </a:lnRef>
-          <a:fillRef idx="0">
-            <a:schemeClr val="accent1"/>
-          </a:fillRef>
-          <a:effectRef idx="0">
-            <a:schemeClr val="accent1"/>
-          </a:effectRef>
-          <a:fontRef idx="minor">
-            <a:schemeClr val="tx1"/>
-          </a:fontRef>
-        </p:style>
-      </p:cxnSp>
-      <p:sp>
-        <p:nvSpPr>
-          <p:cNvPr id="15" name="TextBox 14">
-            <a:extLst>
-              <a:ext uri="{FF2B5EF4-FFF2-40B4-BE49-F238E27FC236}">
-                <a16:creationId xmlns:a16="http://schemas.microsoft.com/office/drawing/2014/main" id="{494AD2F7-8E5D-C879-C1C4-7DDAE92AC5B3}"/>
-              </a:ext>
-            </a:extLst>
-          </p:cNvPr>
-          <p:cNvSpPr txBox="1"/>
-          <p:nvPr/>
-        </p:nvSpPr>
-        <p:spPr>
-          <a:xfrm>
-            <a:off x="165847" y="6389302"/>
-            <a:ext cx="10474855" cy="369332"/>
-          </a:xfrm>
-          <a:prstGeom prst="rect">
-            <a:avLst/>
-          </a:prstGeom>
-          <a:noFill/>
-        </p:spPr>
-        <p:txBody>
-          <a:bodyPr wrap="none" rtlCol="0">
-            <a:spAutoFit/>
-          </a:bodyPr>
-          <a:lstStyle/>
-          <a:p>
-            <a:r>
-              <a:rPr lang="en-US" dirty="0"/>
-              <a:t>* Please check for accuracy. One is not in this domain. Yellow is the one used in the following worked example</a:t>
-            </a:r>
-          </a:p>
-        </p:txBody>
-      </p:sp>
-      <p:sp>
-        <p:nvSpPr>
-          <p:cNvPr id="4" name="TextBox 3">
-            <a:extLst>
-              <a:ext uri="{FF2B5EF4-FFF2-40B4-BE49-F238E27FC236}">
-                <a16:creationId xmlns:a16="http://schemas.microsoft.com/office/drawing/2014/main" id="{D709A2A5-39FF-DAC7-F8B5-0DE554A1C7CF}"/>
-              </a:ext>
-            </a:extLst>
-          </p:cNvPr>
-          <p:cNvSpPr txBox="1"/>
-          <p:nvPr/>
-        </p:nvSpPr>
-        <p:spPr>
-          <a:xfrm>
-            <a:off x="2411507" y="5471590"/>
-            <a:ext cx="4196662" cy="369332"/>
-          </a:xfrm>
-          <a:prstGeom prst="rect">
-            <a:avLst/>
-          </a:prstGeom>
-          <a:noFill/>
-        </p:spPr>
-        <p:txBody>
-          <a:bodyPr wrap="none" rtlCol="0">
-            <a:spAutoFit/>
-          </a:bodyPr>
-          <a:lstStyle/>
-          <a:p>
-            <a:r>
-              <a:rPr lang="en-US" dirty="0"/>
-              <a:t>T2 temperature to show location of islands</a:t>
-            </a:r>
-          </a:p>
-        </p:txBody>
-      </p:sp>
-    </p:spTree>
-    <p:extLst>
-      <p:ext uri="{BB962C8B-B14F-4D97-AF65-F5344CB8AC3E}">
-        <p14:creationId xmlns:p14="http://schemas.microsoft.com/office/powerpoint/2010/main" val="3860618082"/>
-      </p:ext>
-    </p:extLst>
-  </p:cSld>
-  <p:clrMapOvr>
-    <a:masterClrMapping/>
-  </p:clrMapOvr>
-</p:sld>
-</file>
-
-<file path=ppt/slides/slide6.xml><?xml version="1.0" encoding="utf-8"?>
-<p:sld xmlns:a="http://schemas.openxmlformats.org/drawingml/2006/main" xmlns:r="http://schemas.openxmlformats.org/officeDocument/2006/relationships" xmlns:p="http://schemas.openxmlformats.org/presentationml/2006/main">
-  <p:cSld>
-    <p:spTree>
-      <p:nvGrpSpPr>
-        <p:cNvPr id="1" name=""/>
-        <p:cNvGrpSpPr/>
-        <p:nvPr/>
-      </p:nvGrpSpPr>
-      <p:grpSpPr>
-        <a:xfrm>
-          <a:off x="0" y="0"/>
-          <a:ext cx="0" cy="0"/>
-          <a:chOff x="0" y="0"/>
-          <a:chExt cx="0" cy="0"/>
-        </a:xfrm>
-      </p:grpSpPr>
-      <p:sp>
-        <p:nvSpPr>
-          <p:cNvPr id="2" name="Title 1">
-            <a:extLst>
-              <a:ext uri="{FF2B5EF4-FFF2-40B4-BE49-F238E27FC236}">
-                <a16:creationId xmlns:a16="http://schemas.microsoft.com/office/drawing/2014/main" id="{230979B2-EEF3-D582-55D2-4BB2763B202E}"/>
-              </a:ext>
-            </a:extLst>
-          </p:cNvPr>
-          <p:cNvSpPr>
-            <a:spLocks noGrp="1"/>
-          </p:cNvSpPr>
-          <p:nvPr>
-            <p:ph type="title"/>
-          </p:nvPr>
-        </p:nvSpPr>
-        <p:spPr/>
-        <p:txBody>
-          <a:bodyPr/>
-          <a:lstStyle/>
-          <a:p>
-            <a:r>
-              <a:rPr lang="en-US" dirty="0"/>
-              <a:t>Worked Example </a:t>
-            </a:r>
-          </a:p>
-        </p:txBody>
-      </p:sp>
-      <p:sp>
-        <p:nvSpPr>
-          <p:cNvPr id="3" name="Content Placeholder 2">
-            <a:extLst>
-              <a:ext uri="{FF2B5EF4-FFF2-40B4-BE49-F238E27FC236}">
-                <a16:creationId xmlns:a16="http://schemas.microsoft.com/office/drawing/2014/main" id="{C043D00D-D2D1-B3F5-C4EF-8BE9EA35DF22}"/>
-              </a:ext>
-            </a:extLst>
-          </p:cNvPr>
-          <p:cNvSpPr>
-            <a:spLocks noGrp="1"/>
-          </p:cNvSpPr>
-          <p:nvPr>
-            <p:ph idx="1"/>
-          </p:nvPr>
-        </p:nvSpPr>
-        <p:spPr/>
-        <p:txBody>
-          <a:bodyPr/>
-          <a:lstStyle/>
-          <a:p>
-            <a:r>
-              <a:rPr lang="en-US" dirty="0"/>
-              <a:t>3D data file: "wrfout_d01_2006-01-03_000000“</a:t>
-            </a:r>
-          </a:p>
-          <a:p>
-            <a:r>
-              <a:rPr lang="en-US" dirty="0"/>
-              <a:t>Location: </a:t>
-            </a:r>
-            <a:r>
-              <a:rPr lang="en-US" dirty="0" err="1"/>
-              <a:t>Nakula</a:t>
-            </a:r>
-            <a:r>
-              <a:rPr lang="en-US" dirty="0"/>
-              <a:t> (20.664650 °N, 156.233308 W)</a:t>
-            </a:r>
-          </a:p>
-          <a:p>
-            <a:r>
-              <a:rPr lang="en-US" dirty="0"/>
-              <a:t>Data grid indices*: 189, 303, 1, 1</a:t>
-            </a:r>
-          </a:p>
-          <a:p>
-            <a:pPr lvl="1"/>
-            <a:r>
-              <a:rPr lang="en-US" dirty="0"/>
-              <a:t>(longitude index, latitude index, layer, hour)</a:t>
-            </a:r>
-          </a:p>
-          <a:p>
-            <a:endParaRPr lang="en-US" dirty="0"/>
-          </a:p>
-        </p:txBody>
-      </p:sp>
-      <p:sp>
-        <p:nvSpPr>
-          <p:cNvPr id="6" name="TextBox 5">
-            <a:extLst>
-              <a:ext uri="{FF2B5EF4-FFF2-40B4-BE49-F238E27FC236}">
-                <a16:creationId xmlns:a16="http://schemas.microsoft.com/office/drawing/2014/main" id="{C9AEF1F3-979E-F83C-F7D9-F637938E2911}"/>
-              </a:ext>
-            </a:extLst>
-          </p:cNvPr>
-          <p:cNvSpPr txBox="1"/>
-          <p:nvPr/>
-        </p:nvSpPr>
-        <p:spPr>
-          <a:xfrm>
-            <a:off x="0" y="6102169"/>
-            <a:ext cx="9709608" cy="646331"/>
-          </a:xfrm>
-          <a:prstGeom prst="rect">
-            <a:avLst/>
-          </a:prstGeom>
-          <a:noFill/>
-        </p:spPr>
-        <p:txBody>
-          <a:bodyPr wrap="square">
-            <a:spAutoFit/>
-          </a:bodyPr>
-          <a:lstStyle/>
-          <a:p>
-            <a:r>
-              <a:rPr lang="en-US" dirty="0"/>
-              <a:t>* I think I’ve got the indexing correct, but still need to confirm this more carefully. Does not matter for testing calculations, but does matter for comparison to field measurements.</a:t>
-            </a:r>
-          </a:p>
-        </p:txBody>
-      </p:sp>
-    </p:spTree>
-    <p:extLst>
-      <p:ext uri="{BB962C8B-B14F-4D97-AF65-F5344CB8AC3E}">
-        <p14:creationId xmlns:p14="http://schemas.microsoft.com/office/powerpoint/2010/main" val="363463614"/>
-      </p:ext>
-    </p:extLst>
-  </p:cSld>
-  <p:clrMapOvr>
-    <a:masterClrMapping/>
-  </p:clrMapOvr>
-</p:sld>
-</file>
-
-<file path=ppt/slides/slide7.xml><?xml version="1.0" encoding="utf-8"?>
-<p:sld xmlns:a="http://schemas.openxmlformats.org/drawingml/2006/main" xmlns:r="http://schemas.openxmlformats.org/officeDocument/2006/relationships" xmlns:p="http://schemas.openxmlformats.org/presentationml/2006/main">
-  <p:cSld>
-    <p:spTree>
-      <p:nvGrpSpPr>
-        <p:cNvPr id="1" name=""/>
-        <p:cNvGrpSpPr/>
-        <p:nvPr/>
-      </p:nvGrpSpPr>
-      <p:grpSpPr>
-        <a:xfrm>
-          <a:off x="0" y="0"/>
-          <a:ext cx="0" cy="0"/>
-          <a:chOff x="0" y="0"/>
-          <a:chExt cx="0" cy="0"/>
-        </a:xfrm>
-      </p:grpSpPr>
-      <p:sp>
-        <p:nvSpPr>
-          <p:cNvPr id="2" name="Title 1">
-            <a:extLst>
-              <a:ext uri="{FF2B5EF4-FFF2-40B4-BE49-F238E27FC236}">
-                <a16:creationId xmlns:a16="http://schemas.microsoft.com/office/drawing/2014/main" id="{52C45DCF-829A-A304-971C-C54AD16CABE1}"/>
-              </a:ext>
-            </a:extLst>
-          </p:cNvPr>
-          <p:cNvSpPr>
-            <a:spLocks noGrp="1"/>
-          </p:cNvSpPr>
-          <p:nvPr>
-            <p:ph type="title"/>
-          </p:nvPr>
-        </p:nvSpPr>
-        <p:spPr/>
-        <p:txBody>
-          <a:bodyPr/>
-          <a:lstStyle/>
-          <a:p>
-            <a:r>
-              <a:rPr lang="en-US" dirty="0"/>
-              <a:t>Worked Example</a:t>
-            </a:r>
-          </a:p>
-        </p:txBody>
-      </p:sp>
-      <mc:AlternateContent xmlns:mc="http://schemas.openxmlformats.org/markup-compatibility/2006" xmlns:a14="http://schemas.microsoft.com/office/drawing/2010/main">
-        <mc:Choice Requires="a14">
-          <p:sp>
-            <p:nvSpPr>
-              <p:cNvPr id="3" name="Content Placeholder 2">
-                <a:extLst>
-                  <a:ext uri="{FF2B5EF4-FFF2-40B4-BE49-F238E27FC236}">
-                    <a16:creationId xmlns:a16="http://schemas.microsoft.com/office/drawing/2014/main" id="{3AF31AA9-3FFF-9F4D-E500-C190A43B3925}"/>
-                  </a:ext>
-                </a:extLst>
-              </p:cNvPr>
-              <p:cNvSpPr>
-                <a:spLocks noGrp="1"/>
-              </p:cNvSpPr>
-              <p:nvPr>
-                <p:ph idx="1"/>
-              </p:nvPr>
-            </p:nvSpPr>
-            <p:spPr/>
-            <p:txBody>
-              <a:bodyPr>
-                <a:normAutofit fontScale="92500" lnSpcReduction="20000"/>
-              </a:bodyPr>
-              <a:lstStyle/>
-              <a:p>
-                <a:r>
-                  <a:rPr lang="en-US" dirty="0"/>
-                  <a:t>Qcloud = 0.0003359161 </a:t>
-                </a:r>
-                <a14:m>
-                  <m:oMath xmlns:m="http://schemas.openxmlformats.org/officeDocument/2006/math">
-                    <m:f>
-                      <m:fPr>
-                        <m:ctrlPr>
-                          <a:rPr lang="en-US" i="1" smtClean="0">
-                            <a:latin typeface="Cambria Math" panose="02040503050406030204" pitchFamily="18" charset="0"/>
-                          </a:rPr>
-                        </m:ctrlPr>
-                      </m:fPr>
-                      <m:num>
-                        <m:r>
-                          <a:rPr lang="en-US" b="0" i="1" smtClean="0">
-                            <a:latin typeface="Cambria Math" panose="02040503050406030204" pitchFamily="18" charset="0"/>
-                          </a:rPr>
-                          <m:t>𝑘𝑔</m:t>
-                        </m:r>
-                      </m:num>
-                      <m:den>
-                        <m:r>
-                          <a:rPr lang="en-US" b="0" i="1" smtClean="0">
-                            <a:latin typeface="Cambria Math" panose="02040503050406030204" pitchFamily="18" charset="0"/>
-                          </a:rPr>
-                          <m:t>𝑘𝑔</m:t>
-                        </m:r>
-                      </m:den>
-                    </m:f>
-                  </m:oMath>
-                </a14:m>
-                <a:endParaRPr lang="en-US" dirty="0"/>
-              </a:p>
-              <a:p>
-                <a:r>
-                  <a:rPr lang="en-US" dirty="0"/>
-                  <a:t>PSFC = 84566.53 </a:t>
-                </a:r>
-                <a14:m>
-                  <m:oMath xmlns:m="http://schemas.openxmlformats.org/officeDocument/2006/math">
-                    <m:r>
-                      <a:rPr lang="en-US" b="0" i="1" smtClean="0">
-                        <a:latin typeface="Cambria Math" panose="02040503050406030204" pitchFamily="18" charset="0"/>
-                      </a:rPr>
-                      <m:t>𝑃𝑎</m:t>
-                    </m:r>
-                  </m:oMath>
-                </a14:m>
-                <a:endParaRPr lang="en-US" dirty="0"/>
-              </a:p>
-              <a:p>
-                <a:r>
-                  <a:rPr lang="en-US" dirty="0"/>
-                  <a:t>T2 = 287.6883 </a:t>
-                </a:r>
-                <a:r>
-                  <a:rPr lang="en-US" i="1" dirty="0"/>
-                  <a:t>K</a:t>
-                </a:r>
-              </a:p>
-              <a:p>
-                <a:r>
-                  <a:rPr lang="en-US" dirty="0"/>
-                  <a:t>R</a:t>
-                </a:r>
-                <a:r>
-                  <a:rPr lang="en-US" i="1" dirty="0"/>
-                  <a:t> = </a:t>
-                </a:r>
-                <a14:m>
-                  <m:oMath xmlns:m="http://schemas.openxmlformats.org/officeDocument/2006/math">
-                    <m:r>
-                      <a:rPr lang="en-US" b="0" i="1" smtClean="0">
-                        <a:latin typeface="Cambria Math" panose="02040503050406030204" pitchFamily="18" charset="0"/>
-                      </a:rPr>
-                      <m:t>287 </m:t>
-                    </m:r>
-                    <m:f>
-                      <m:fPr>
-                        <m:ctrlPr>
-                          <a:rPr lang="en-US" b="0" i="1" smtClean="0">
-                            <a:latin typeface="Cambria Math" panose="02040503050406030204" pitchFamily="18" charset="0"/>
-                          </a:rPr>
-                        </m:ctrlPr>
-                      </m:fPr>
-                      <m:num>
-                        <m:sSup>
-                          <m:sSupPr>
-                            <m:ctrlPr>
-                              <a:rPr lang="en-US" b="0" i="1" smtClean="0">
-                                <a:latin typeface="Cambria Math" panose="02040503050406030204" pitchFamily="18" charset="0"/>
-                              </a:rPr>
-                            </m:ctrlPr>
-                          </m:sSupPr>
-                          <m:e>
-                            <m:r>
-                              <a:rPr lang="en-US" b="0" i="1" smtClean="0">
-                                <a:latin typeface="Cambria Math" panose="02040503050406030204" pitchFamily="18" charset="0"/>
-                              </a:rPr>
-                              <m:t>𝑚</m:t>
-                            </m:r>
-                          </m:e>
-                          <m:sup>
-                            <m:r>
-                              <a:rPr lang="en-US" b="0" i="1" smtClean="0">
-                                <a:latin typeface="Cambria Math" panose="02040503050406030204" pitchFamily="18" charset="0"/>
-                              </a:rPr>
-                              <m:t>2</m:t>
-                            </m:r>
-                          </m:sup>
-                        </m:sSup>
-                      </m:num>
-                      <m:den>
-                        <m:r>
-                          <a:rPr lang="en-US" b="0" i="1" smtClean="0">
-                            <a:latin typeface="Cambria Math" panose="02040503050406030204" pitchFamily="18" charset="0"/>
-                          </a:rPr>
-                          <m:t>𝐾</m:t>
-                        </m:r>
-                        <m:r>
-                          <a:rPr lang="en-US" b="0" i="1" smtClean="0">
-                            <a:latin typeface="Cambria Math" panose="02040503050406030204" pitchFamily="18" charset="0"/>
-                          </a:rPr>
-                          <m:t> ∗</m:t>
-                        </m:r>
-                        <m:sSup>
-                          <m:sSupPr>
-                            <m:ctrlPr>
-                              <a:rPr lang="en-US" b="0" i="1" smtClean="0">
-                                <a:latin typeface="Cambria Math" panose="02040503050406030204" pitchFamily="18" charset="0"/>
-                              </a:rPr>
-                            </m:ctrlPr>
-                          </m:sSupPr>
-                          <m:e>
-                            <m:r>
-                              <a:rPr lang="en-US" b="0" i="1" smtClean="0">
-                                <a:latin typeface="Cambria Math" panose="02040503050406030204" pitchFamily="18" charset="0"/>
-                              </a:rPr>
-                              <m:t>𝑠</m:t>
-                            </m:r>
-                          </m:e>
-                          <m:sup>
-                            <m:r>
-                              <a:rPr lang="en-US" b="0" i="1" smtClean="0">
-                                <a:latin typeface="Cambria Math" panose="02040503050406030204" pitchFamily="18" charset="0"/>
-                              </a:rPr>
-                              <m:t>2</m:t>
-                            </m:r>
-                          </m:sup>
-                        </m:sSup>
-                      </m:den>
-                    </m:f>
-                  </m:oMath>
-                </a14:m>
-                <a:endParaRPr lang="en-US" i="1" dirty="0"/>
-              </a:p>
-              <a:p>
-                <a14:m>
-                  <m:oMath xmlns:m="http://schemas.openxmlformats.org/officeDocument/2006/math">
-                    <m:sSub>
-                      <m:sSubPr>
-                        <m:ctrlPr>
-                          <a:rPr lang="en-US" b="0" i="1" smtClean="0">
-                            <a:latin typeface="Cambria Math" panose="02040503050406030204" pitchFamily="18" charset="0"/>
-                            <a:ea typeface="Cambria Math" panose="02040503050406030204" pitchFamily="18" charset="0"/>
-                          </a:rPr>
-                        </m:ctrlPr>
-                      </m:sSubPr>
-                      <m:e>
-                        <m:r>
-                          <a:rPr lang="en-US" b="0" i="1" smtClean="0">
-                            <a:latin typeface="Cambria Math" panose="02040503050406030204" pitchFamily="18" charset="0"/>
-                            <a:ea typeface="Cambria Math" panose="02040503050406030204" pitchFamily="18" charset="0"/>
-                          </a:rPr>
-                          <m:t>𝜌</m:t>
-                        </m:r>
-                      </m:e>
-                      <m:sub>
-                        <m:r>
-                          <a:rPr lang="en-US" b="0" i="1" smtClean="0">
-                            <a:latin typeface="Cambria Math" panose="02040503050406030204" pitchFamily="18" charset="0"/>
-                            <a:ea typeface="Cambria Math" panose="02040503050406030204" pitchFamily="18" charset="0"/>
-                          </a:rPr>
-                          <m:t>𝑎𝑖𝑟</m:t>
-                        </m:r>
-                      </m:sub>
-                    </m:sSub>
-                    <m:r>
-                      <a:rPr lang="en-US" b="0" i="1" smtClean="0">
-                        <a:latin typeface="Cambria Math" panose="02040503050406030204" pitchFamily="18" charset="0"/>
-                        <a:ea typeface="Cambria Math" panose="02040503050406030204" pitchFamily="18" charset="0"/>
-                      </a:rPr>
-                      <m:t>= </m:t>
-                    </m:r>
-                    <m:f>
-                      <m:fPr>
-                        <m:ctrlPr>
-                          <a:rPr lang="en-US" b="0" i="1" smtClean="0">
-                            <a:latin typeface="Cambria Math" panose="02040503050406030204" pitchFamily="18" charset="0"/>
-                            <a:ea typeface="Cambria Math" panose="02040503050406030204" pitchFamily="18" charset="0"/>
-                          </a:rPr>
-                        </m:ctrlPr>
-                      </m:fPr>
-                      <m:num>
-                        <m:r>
-                          <a:rPr lang="en-US" b="0" i="1" smtClean="0">
-                            <a:latin typeface="Cambria Math" panose="02040503050406030204" pitchFamily="18" charset="0"/>
-                            <a:ea typeface="Cambria Math" panose="02040503050406030204" pitchFamily="18" charset="0"/>
-                          </a:rPr>
-                          <m:t>𝑃𝑆𝐹𝐶</m:t>
-                        </m:r>
-                      </m:num>
-                      <m:den>
-                        <m:r>
-                          <a:rPr lang="en-US" b="0" i="1" smtClean="0">
-                            <a:latin typeface="Cambria Math" panose="02040503050406030204" pitchFamily="18" charset="0"/>
-                            <a:ea typeface="Cambria Math" panose="02040503050406030204" pitchFamily="18" charset="0"/>
-                          </a:rPr>
-                          <m:t>𝑇</m:t>
-                        </m:r>
-                        <m:r>
-                          <a:rPr lang="en-US" b="0" i="1" smtClean="0">
-                            <a:latin typeface="Cambria Math" panose="02040503050406030204" pitchFamily="18" charset="0"/>
-                            <a:ea typeface="Cambria Math" panose="02040503050406030204" pitchFamily="18" charset="0"/>
-                          </a:rPr>
-                          <m:t>2 ∗</m:t>
-                        </m:r>
-                        <m:r>
-                          <a:rPr lang="en-US" b="0" i="1" smtClean="0">
-                            <a:latin typeface="Cambria Math" panose="02040503050406030204" pitchFamily="18" charset="0"/>
-                            <a:ea typeface="Cambria Math" panose="02040503050406030204" pitchFamily="18" charset="0"/>
-                          </a:rPr>
-                          <m:t>𝑅</m:t>
-                        </m:r>
-                      </m:den>
-                    </m:f>
-                  </m:oMath>
-                </a14:m>
-                <a:endParaRPr lang="en-US" b="0" i="1" dirty="0">
-                  <a:latin typeface="Cambria Math" panose="02040503050406030204" pitchFamily="18" charset="0"/>
-                  <a:ea typeface="Cambria Math" panose="02040503050406030204" pitchFamily="18" charset="0"/>
-                </a:endParaRPr>
-              </a:p>
-              <a:p>
-                <a14:m>
-                  <m:oMath xmlns:m="http://schemas.openxmlformats.org/officeDocument/2006/math">
-                    <m:sSub>
-                      <m:sSubPr>
-                        <m:ctrlPr>
-                          <a:rPr lang="en-US" b="0" i="1" smtClean="0">
-                            <a:latin typeface="Cambria Math" panose="02040503050406030204" pitchFamily="18" charset="0"/>
-                            <a:ea typeface="Cambria Math" panose="02040503050406030204" pitchFamily="18" charset="0"/>
-                          </a:rPr>
-                        </m:ctrlPr>
-                      </m:sSubPr>
-                      <m:e>
-                        <m:r>
-                          <a:rPr lang="en-US" b="0" i="1" smtClean="0">
-                            <a:latin typeface="Cambria Math" panose="02040503050406030204" pitchFamily="18" charset="0"/>
-                            <a:ea typeface="Cambria Math" panose="02040503050406030204" pitchFamily="18" charset="0"/>
-                          </a:rPr>
-                          <m:t>𝜌</m:t>
-                        </m:r>
-                      </m:e>
-                      <m:sub>
-                        <m:r>
-                          <a:rPr lang="en-US" b="0" i="1" smtClean="0">
-                            <a:latin typeface="Cambria Math" panose="02040503050406030204" pitchFamily="18" charset="0"/>
-                            <a:ea typeface="Cambria Math" panose="02040503050406030204" pitchFamily="18" charset="0"/>
-                          </a:rPr>
-                          <m:t>𝑎𝑖𝑟</m:t>
-                        </m:r>
-                      </m:sub>
-                    </m:sSub>
-                  </m:oMath>
-                </a14:m>
-                <a:r>
-                  <a:rPr lang="en-US" i="1" dirty="0"/>
-                  <a:t> = </a:t>
-                </a:r>
-                <a:r>
-                  <a:rPr lang="en-US" dirty="0"/>
-                  <a:t>1.024223</a:t>
-                </a:r>
-              </a:p>
-              <a:p>
-                <a:r>
-                  <a:rPr lang="en-US" dirty="0"/>
-                  <a:t>Liquid cloud water = </a:t>
-                </a:r>
-                <a14:m>
-                  <m:oMath xmlns:m="http://schemas.openxmlformats.org/officeDocument/2006/math">
-                    <m:sSub>
-                      <m:sSubPr>
-                        <m:ctrlPr>
-                          <a:rPr lang="en-US" b="0" i="1" smtClean="0">
-                            <a:latin typeface="Cambria Math" panose="02040503050406030204" pitchFamily="18" charset="0"/>
-                            <a:ea typeface="Cambria Math" panose="02040503050406030204" pitchFamily="18" charset="0"/>
-                          </a:rPr>
-                        </m:ctrlPr>
-                      </m:sSubPr>
-                      <m:e>
-                        <m:r>
-                          <a:rPr lang="en-US" b="0" i="1" smtClean="0">
-                            <a:latin typeface="Cambria Math" panose="02040503050406030204" pitchFamily="18" charset="0"/>
-                            <a:ea typeface="Cambria Math" panose="02040503050406030204" pitchFamily="18" charset="0"/>
-                          </a:rPr>
-                          <m:t>𝜌</m:t>
-                        </m:r>
-                      </m:e>
-                      <m:sub>
-                        <m:r>
-                          <a:rPr lang="en-US" b="0" i="1" smtClean="0">
-                            <a:latin typeface="Cambria Math" panose="02040503050406030204" pitchFamily="18" charset="0"/>
-                            <a:ea typeface="Cambria Math" panose="02040503050406030204" pitchFamily="18" charset="0"/>
-                          </a:rPr>
-                          <m:t>𝑎𝑖𝑟</m:t>
-                        </m:r>
-                      </m:sub>
-                    </m:sSub>
-                    <m:r>
-                      <a:rPr lang="en-US" b="0" i="1" smtClean="0">
-                        <a:latin typeface="Cambria Math" panose="02040503050406030204" pitchFamily="18" charset="0"/>
-                        <a:ea typeface="Cambria Math" panose="02040503050406030204" pitchFamily="18" charset="0"/>
-                      </a:rPr>
-                      <m:t> ∗</m:t>
-                    </m:r>
-                    <m:r>
-                      <a:rPr lang="en-US" b="0" i="1" smtClean="0">
-                        <a:latin typeface="Cambria Math" panose="02040503050406030204" pitchFamily="18" charset="0"/>
-                        <a:ea typeface="Cambria Math" panose="02040503050406030204" pitchFamily="18" charset="0"/>
-                      </a:rPr>
-                      <m:t>𝑄𝑐𝑙𝑜𝑢𝑑</m:t>
-                    </m:r>
-                    <m:r>
-                      <a:rPr lang="en-US" b="0" i="1" smtClean="0">
-                        <a:latin typeface="Cambria Math" panose="02040503050406030204" pitchFamily="18" charset="0"/>
-                        <a:ea typeface="Cambria Math" panose="02040503050406030204" pitchFamily="18" charset="0"/>
-                      </a:rPr>
-                      <m:t> ∗1000</m:t>
-                    </m:r>
-                  </m:oMath>
-                </a14:m>
-                <a:endParaRPr lang="en-US" b="0" dirty="0">
-                  <a:ea typeface="Cambria Math" panose="02040503050406030204" pitchFamily="18" charset="0"/>
-                </a:endParaRPr>
-              </a:p>
-              <a:p>
-                <a:r>
-                  <a:rPr lang="en-US" dirty="0"/>
-                  <a:t>Liquid cloud water = 1.024223 * 0.003359161 * 1000</a:t>
-                </a:r>
-              </a:p>
-              <a:p>
-                <a:r>
-                  <a:rPr lang="en-US" dirty="0"/>
-                  <a:t>Liquid cloud water = 0.3440529 </a:t>
-                </a:r>
-                <a14:m>
-                  <m:oMath xmlns:m="http://schemas.openxmlformats.org/officeDocument/2006/math">
-                    <m:f>
-                      <m:fPr>
-                        <m:ctrlPr>
-                          <a:rPr lang="en-US" i="1" smtClean="0">
-                            <a:latin typeface="Cambria Math" panose="02040503050406030204" pitchFamily="18" charset="0"/>
-                          </a:rPr>
-                        </m:ctrlPr>
-                      </m:fPr>
-                      <m:num>
-                        <m:r>
-                          <a:rPr lang="en-US" b="0" i="1" smtClean="0">
-                            <a:latin typeface="Cambria Math" panose="02040503050406030204" pitchFamily="18" charset="0"/>
-                          </a:rPr>
-                          <m:t>𝑔</m:t>
-                        </m:r>
-                      </m:num>
-                      <m:den>
-                        <m:sSup>
-                          <m:sSupPr>
-                            <m:ctrlPr>
-                              <a:rPr lang="en-US" b="0" i="1" smtClean="0">
-                                <a:latin typeface="Cambria Math" panose="02040503050406030204" pitchFamily="18" charset="0"/>
-                              </a:rPr>
-                            </m:ctrlPr>
-                          </m:sSupPr>
-                          <m:e>
-                            <m:r>
-                              <a:rPr lang="en-US" b="0" i="1" smtClean="0">
-                                <a:latin typeface="Cambria Math" panose="02040503050406030204" pitchFamily="18" charset="0"/>
-                              </a:rPr>
-                              <m:t>𝑚</m:t>
-                            </m:r>
-                          </m:e>
-                          <m:sup>
-                            <m:r>
-                              <a:rPr lang="en-US" b="0" i="1" smtClean="0">
-                                <a:latin typeface="Cambria Math" panose="02040503050406030204" pitchFamily="18" charset="0"/>
-                              </a:rPr>
-                              <m:t>3</m:t>
-                            </m:r>
-                          </m:sup>
-                        </m:sSup>
-                      </m:den>
-                    </m:f>
-                  </m:oMath>
-                </a14:m>
-                <a:endParaRPr lang="en-US" dirty="0"/>
-              </a:p>
-            </p:txBody>
-          </p:sp>
-        </mc:Choice>
-        <mc:Fallback xmlns="">
-          <p:sp>
-            <p:nvSpPr>
-              <p:cNvPr id="3" name="Content Placeholder 2">
-                <a:extLst>
-                  <a:ext uri="{FF2B5EF4-FFF2-40B4-BE49-F238E27FC236}">
-                    <a16:creationId xmlns:a16="http://schemas.microsoft.com/office/drawing/2014/main" id="{3AF31AA9-3FFF-9F4D-E500-C190A43B3925}"/>
-                  </a:ext>
-                </a:extLst>
-              </p:cNvPr>
-              <p:cNvSpPr>
-                <a:spLocks noGrp="1" noRot="1" noChangeAspect="1" noMove="1" noResize="1" noEditPoints="1" noAdjustHandles="1" noChangeArrowheads="1" noChangeShapeType="1" noTextEdit="1"/>
-              </p:cNvSpPr>
-              <p:nvPr>
-                <p:ph idx="1"/>
-              </p:nvPr>
-            </p:nvSpPr>
-            <p:spPr>
-              <a:blipFill>
-                <a:blip r:embed="rId2"/>
-                <a:stretch>
-                  <a:fillRect l="-928" t="-2241" b="-140"/>
-                </a:stretch>
-              </a:blipFill>
-            </p:spPr>
-            <p:txBody>
-              <a:bodyPr/>
-              <a:lstStyle/>
-              <a:p>
-                <a:r>
-                  <a:rPr lang="en-US">
-                    <a:noFill/>
-                  </a:rPr>
-                  <a:t> </a:t>
-                </a:r>
-              </a:p>
-            </p:txBody>
-          </p:sp>
-        </mc:Fallback>
-      </mc:AlternateContent>
-    </p:spTree>
-    <p:extLst>
-      <p:ext uri="{BB962C8B-B14F-4D97-AF65-F5344CB8AC3E}">
-        <p14:creationId xmlns:p14="http://schemas.microsoft.com/office/powerpoint/2010/main" val="2993514802"/>
-      </p:ext>
-    </p:extLst>
-  </p:cSld>
-  <p:clrMapOvr>
-    <a:masterClrMapping/>
-  </p:clrMapOvr>
-</p:sld>
-</file>
-
 <file path=ppt/slides/slide8.xml><?xml version="1.0" encoding="utf-8"?>
 <p:sld xmlns:a="http://schemas.openxmlformats.org/drawingml/2006/main" xmlns:r="http://schemas.openxmlformats.org/officeDocument/2006/relationships" xmlns:p="http://schemas.openxmlformats.org/presentationml/2006/main">
   <p:cSld>
@@ -15382,7 +20519,7 @@
           <p:cNvPr id="2" name="Title 1">
             <a:extLst>
               <a:ext uri="{FF2B5EF4-FFF2-40B4-BE49-F238E27FC236}">
-                <a16:creationId xmlns:a16="http://schemas.microsoft.com/office/drawing/2014/main" id="{959A4DC6-2447-00E5-5323-E48D7B4961B5}"/>
+                <a16:creationId xmlns:a16="http://schemas.microsoft.com/office/drawing/2014/main" id="{EDC83223-6C67-B4E1-2758-F6A32669853A}"/>
               </a:ext>
             </a:extLst>
           </p:cNvPr>
@@ -15393,14 +20530,19 @@
             <p:ph type="title"/>
           </p:nvPr>
         </p:nvSpPr>
-        <p:spPr/>
+        <p:spPr>
+          <a:xfrm>
+            <a:off x="838200" y="0"/>
+            <a:ext cx="10515600" cy="1325563"/>
+          </a:xfrm>
+        </p:spPr>
         <p:txBody>
           <a:bodyPr/>
           <a:lstStyle/>
           <a:p>
             <a:r>
               <a:rPr lang="en-US" dirty="0"/>
-              <a:t>Considerations</a:t>
+              <a:t>Han’s locations*</a:t>
             </a:r>
           </a:p>
         </p:txBody>
@@ -15410,7 +20552,7 @@
           <p:cNvPr id="3" name="Content Placeholder 2">
             <a:extLst>
               <a:ext uri="{FF2B5EF4-FFF2-40B4-BE49-F238E27FC236}">
-                <a16:creationId xmlns:a16="http://schemas.microsoft.com/office/drawing/2014/main" id="{68F96895-B4E0-1AE5-2302-920724CB7532}"/>
+                <a16:creationId xmlns:a16="http://schemas.microsoft.com/office/drawing/2014/main" id="{6C0E0DED-1F78-6E39-A3DA-C635D28EFE3A}"/>
               </a:ext>
             </a:extLst>
           </p:cNvPr>
@@ -15426,9 +20568,422 @@
           <a:bodyPr/>
           <a:lstStyle/>
           <a:p>
+            <a:endParaRPr lang="en-US"/>
+          </a:p>
+        </p:txBody>
+      </p:sp>
+      <p:pic>
+        <p:nvPicPr>
+          <p:cNvPr id="5" name="Picture 4">
+            <a:extLst>
+              <a:ext uri="{FF2B5EF4-FFF2-40B4-BE49-F238E27FC236}">
+                <a16:creationId xmlns:a16="http://schemas.microsoft.com/office/drawing/2014/main" id="{62110EBB-90E9-C8EF-794B-53CB43825018}"/>
+              </a:ext>
+            </a:extLst>
+          </p:cNvPr>
+          <p:cNvPicPr>
+            <a:picLocks noChangeAspect="1"/>
+          </p:cNvPicPr>
+          <p:nvPr/>
+        </p:nvPicPr>
+        <p:blipFill>
+          <a:blip r:embed="rId2"/>
+          <a:stretch>
+            <a:fillRect/>
+          </a:stretch>
+        </p:blipFill>
+        <p:spPr>
+          <a:xfrm>
+            <a:off x="1949870" y="1096760"/>
+            <a:ext cx="8579869" cy="5395156"/>
+          </a:xfrm>
+          <a:prstGeom prst="rect">
+            <a:avLst/>
+          </a:prstGeom>
+        </p:spPr>
+      </p:pic>
+      <p:sp>
+        <p:nvSpPr>
+          <p:cNvPr id="6" name="Oval 5">
+            <a:extLst>
+              <a:ext uri="{FF2B5EF4-FFF2-40B4-BE49-F238E27FC236}">
+                <a16:creationId xmlns:a16="http://schemas.microsoft.com/office/drawing/2014/main" id="{CF94F43E-C716-1EF5-E599-2BD9254E7EC5}"/>
+              </a:ext>
+            </a:extLst>
+          </p:cNvPr>
+          <p:cNvSpPr/>
+          <p:nvPr/>
+        </p:nvSpPr>
+        <p:spPr>
+          <a:xfrm>
+            <a:off x="7799295" y="3783933"/>
+            <a:ext cx="182880" cy="182880"/>
+          </a:xfrm>
+          <a:prstGeom prst="ellipse">
+            <a:avLst/>
+          </a:prstGeom>
+        </p:spPr>
+        <p:style>
+          <a:lnRef idx="2">
+            <a:schemeClr val="accent1">
+              <a:shade val="15000"/>
+            </a:schemeClr>
+          </a:lnRef>
+          <a:fillRef idx="1">
+            <a:schemeClr val="accent1"/>
+          </a:fillRef>
+          <a:effectRef idx="0">
+            <a:schemeClr val="accent1"/>
+          </a:effectRef>
+          <a:fontRef idx="minor">
+            <a:schemeClr val="lt1"/>
+          </a:fontRef>
+        </p:style>
+        <p:txBody>
+          <a:bodyPr rtlCol="0" anchor="ctr"/>
+          <a:lstStyle/>
+          <a:p>
+            <a:pPr algn="ctr"/>
+            <a:endParaRPr lang="en-US"/>
+          </a:p>
+        </p:txBody>
+      </p:sp>
+      <p:sp>
+        <p:nvSpPr>
+          <p:cNvPr id="7" name="Oval 6">
+            <a:extLst>
+              <a:ext uri="{FF2B5EF4-FFF2-40B4-BE49-F238E27FC236}">
+                <a16:creationId xmlns:a16="http://schemas.microsoft.com/office/drawing/2014/main" id="{C075D173-53EF-2B2D-4ED1-3452C25AADA0}"/>
+              </a:ext>
+            </a:extLst>
+          </p:cNvPr>
+          <p:cNvSpPr/>
+          <p:nvPr/>
+        </p:nvSpPr>
+        <p:spPr>
+          <a:xfrm>
+            <a:off x="7908665" y="4553490"/>
+            <a:ext cx="182880" cy="182880"/>
+          </a:xfrm>
+          <a:prstGeom prst="ellipse">
+            <a:avLst/>
+          </a:prstGeom>
+        </p:spPr>
+        <p:style>
+          <a:lnRef idx="2">
+            <a:schemeClr val="accent1">
+              <a:shade val="15000"/>
+            </a:schemeClr>
+          </a:lnRef>
+          <a:fillRef idx="1">
+            <a:schemeClr val="accent1"/>
+          </a:fillRef>
+          <a:effectRef idx="0">
+            <a:schemeClr val="accent1"/>
+          </a:effectRef>
+          <a:fontRef idx="minor">
+            <a:schemeClr val="lt1"/>
+          </a:fontRef>
+        </p:style>
+        <p:txBody>
+          <a:bodyPr rtlCol="0" anchor="ctr"/>
+          <a:lstStyle/>
+          <a:p>
+            <a:pPr algn="ctr"/>
+            <a:endParaRPr lang="en-US"/>
+          </a:p>
+        </p:txBody>
+      </p:sp>
+      <p:sp>
+        <p:nvSpPr>
+          <p:cNvPr id="8" name="Oval 7">
+            <a:extLst>
+              <a:ext uri="{FF2B5EF4-FFF2-40B4-BE49-F238E27FC236}">
+                <a16:creationId xmlns:a16="http://schemas.microsoft.com/office/drawing/2014/main" id="{C40ED7DB-25CF-1F23-534B-D97CA15233DE}"/>
+              </a:ext>
+            </a:extLst>
+          </p:cNvPr>
+          <p:cNvSpPr/>
+          <p:nvPr/>
+        </p:nvSpPr>
+        <p:spPr>
+          <a:xfrm>
+            <a:off x="5515089" y="2500572"/>
+            <a:ext cx="182880" cy="182880"/>
+          </a:xfrm>
+          <a:prstGeom prst="ellipse">
+            <a:avLst/>
+          </a:prstGeom>
+        </p:spPr>
+        <p:style>
+          <a:lnRef idx="2">
+            <a:schemeClr val="accent1">
+              <a:shade val="15000"/>
+            </a:schemeClr>
+          </a:lnRef>
+          <a:fillRef idx="1">
+            <a:schemeClr val="accent1"/>
+          </a:fillRef>
+          <a:effectRef idx="0">
+            <a:schemeClr val="accent1"/>
+          </a:effectRef>
+          <a:fontRef idx="minor">
+            <a:schemeClr val="lt1"/>
+          </a:fontRef>
+        </p:style>
+        <p:txBody>
+          <a:bodyPr rtlCol="0" anchor="ctr"/>
+          <a:lstStyle/>
+          <a:p>
+            <a:pPr algn="ctr"/>
+            <a:endParaRPr lang="en-US"/>
+          </a:p>
+        </p:txBody>
+      </p:sp>
+      <p:sp>
+        <p:nvSpPr>
+          <p:cNvPr id="9" name="Oval 8">
+            <a:extLst>
+              <a:ext uri="{FF2B5EF4-FFF2-40B4-BE49-F238E27FC236}">
+                <a16:creationId xmlns:a16="http://schemas.microsoft.com/office/drawing/2014/main" id="{A78F545D-C93B-F7CF-6701-A30595708014}"/>
+              </a:ext>
+            </a:extLst>
+          </p:cNvPr>
+          <p:cNvSpPr/>
+          <p:nvPr/>
+        </p:nvSpPr>
+        <p:spPr>
+          <a:xfrm>
+            <a:off x="1647964" y="1357663"/>
+            <a:ext cx="182880" cy="182880"/>
+          </a:xfrm>
+          <a:prstGeom prst="ellipse">
+            <a:avLst/>
+          </a:prstGeom>
+        </p:spPr>
+        <p:style>
+          <a:lnRef idx="2">
+            <a:schemeClr val="accent1">
+              <a:shade val="15000"/>
+            </a:schemeClr>
+          </a:lnRef>
+          <a:fillRef idx="1">
+            <a:schemeClr val="accent1"/>
+          </a:fillRef>
+          <a:effectRef idx="0">
+            <a:schemeClr val="accent1"/>
+          </a:effectRef>
+          <a:fontRef idx="minor">
+            <a:schemeClr val="lt1"/>
+          </a:fontRef>
+        </p:style>
+        <p:txBody>
+          <a:bodyPr rtlCol="0" anchor="ctr"/>
+          <a:lstStyle/>
+          <a:p>
+            <a:pPr algn="ctr"/>
+            <a:endParaRPr lang="en-US"/>
+          </a:p>
+        </p:txBody>
+      </p:sp>
+      <p:cxnSp>
+        <p:nvCxnSpPr>
+          <p:cNvPr id="11" name="Straight Arrow Connector 10">
+            <a:extLst>
+              <a:ext uri="{FF2B5EF4-FFF2-40B4-BE49-F238E27FC236}">
+                <a16:creationId xmlns:a16="http://schemas.microsoft.com/office/drawing/2014/main" id="{A6991362-885A-028C-7F3C-1BFD667321A1}"/>
+              </a:ext>
+            </a:extLst>
+          </p:cNvPr>
+          <p:cNvCxnSpPr/>
+          <p:nvPr/>
+        </p:nvCxnSpPr>
+        <p:spPr>
+          <a:xfrm flipH="1">
+            <a:off x="1958835" y="1449103"/>
+            <a:ext cx="380954" cy="0"/>
+          </a:xfrm>
+          <a:prstGeom prst="straightConnector1">
+            <a:avLst/>
+          </a:prstGeom>
+          <a:ln w="57150">
+            <a:tailEnd type="triangle"/>
+          </a:ln>
+        </p:spPr>
+        <p:style>
+          <a:lnRef idx="1">
+            <a:schemeClr val="accent1"/>
+          </a:lnRef>
+          <a:fillRef idx="0">
+            <a:schemeClr val="accent1"/>
+          </a:fillRef>
+          <a:effectRef idx="0">
+            <a:schemeClr val="accent1"/>
+          </a:effectRef>
+          <a:fontRef idx="minor">
+            <a:schemeClr val="tx1"/>
+          </a:fontRef>
+        </p:style>
+      </p:cxnSp>
+      <p:sp>
+        <p:nvSpPr>
+          <p:cNvPr id="12" name="Oval 11">
+            <a:extLst>
+              <a:ext uri="{FF2B5EF4-FFF2-40B4-BE49-F238E27FC236}">
+                <a16:creationId xmlns:a16="http://schemas.microsoft.com/office/drawing/2014/main" id="{57EFD39D-F087-0F3E-5A24-C40814EEAA54}"/>
+              </a:ext>
+            </a:extLst>
+          </p:cNvPr>
+          <p:cNvSpPr/>
+          <p:nvPr/>
+        </p:nvSpPr>
+        <p:spPr>
+          <a:xfrm>
+            <a:off x="5536854" y="2627872"/>
+            <a:ext cx="182880" cy="182880"/>
+          </a:xfrm>
+          <a:prstGeom prst="ellipse">
+            <a:avLst/>
+          </a:prstGeom>
+          <a:solidFill>
+            <a:srgbClr val="FFFF00"/>
+          </a:solidFill>
+        </p:spPr>
+        <p:style>
+          <a:lnRef idx="2">
+            <a:schemeClr val="accent1">
+              <a:shade val="15000"/>
+            </a:schemeClr>
+          </a:lnRef>
+          <a:fillRef idx="1">
+            <a:schemeClr val="accent1"/>
+          </a:fillRef>
+          <a:effectRef idx="0">
+            <a:schemeClr val="accent1"/>
+          </a:effectRef>
+          <a:fontRef idx="minor">
+            <a:schemeClr val="lt1"/>
+          </a:fontRef>
+        </p:style>
+        <p:txBody>
+          <a:bodyPr rtlCol="0" anchor="ctr"/>
+          <a:lstStyle/>
+          <a:p>
+            <a:pPr algn="ctr"/>
+            <a:endParaRPr lang="en-US"/>
+          </a:p>
+        </p:txBody>
+      </p:sp>
+      <p:cxnSp>
+        <p:nvCxnSpPr>
+          <p:cNvPr id="13" name="Straight Arrow Connector 12">
+            <a:extLst>
+              <a:ext uri="{FF2B5EF4-FFF2-40B4-BE49-F238E27FC236}">
+                <a16:creationId xmlns:a16="http://schemas.microsoft.com/office/drawing/2014/main" id="{846A6702-481C-8CB3-77C0-6AD166D70C11}"/>
+              </a:ext>
+            </a:extLst>
+          </p:cNvPr>
+          <p:cNvCxnSpPr>
+            <a:cxnSpLocks/>
+          </p:cNvCxnSpPr>
+          <p:nvPr/>
+        </p:nvCxnSpPr>
+        <p:spPr>
+          <a:xfrm flipH="1" flipV="1">
+            <a:off x="5719734" y="2810752"/>
+            <a:ext cx="376266" cy="286551"/>
+          </a:xfrm>
+          <a:prstGeom prst="straightConnector1">
+            <a:avLst/>
+          </a:prstGeom>
+          <a:ln w="57150">
+            <a:solidFill>
+              <a:srgbClr val="FFFF00"/>
+            </a:solidFill>
+            <a:tailEnd type="triangle"/>
+          </a:ln>
+        </p:spPr>
+        <p:style>
+          <a:lnRef idx="1">
+            <a:schemeClr val="accent1"/>
+          </a:lnRef>
+          <a:fillRef idx="0">
+            <a:schemeClr val="accent1"/>
+          </a:fillRef>
+          <a:effectRef idx="0">
+            <a:schemeClr val="accent1"/>
+          </a:effectRef>
+          <a:fontRef idx="minor">
+            <a:schemeClr val="tx1"/>
+          </a:fontRef>
+        </p:style>
+      </p:cxnSp>
+      <p:sp>
+        <p:nvSpPr>
+          <p:cNvPr id="15" name="TextBox 14">
+            <a:extLst>
+              <a:ext uri="{FF2B5EF4-FFF2-40B4-BE49-F238E27FC236}">
+                <a16:creationId xmlns:a16="http://schemas.microsoft.com/office/drawing/2014/main" id="{494AD2F7-8E5D-C879-C1C4-7DDAE92AC5B3}"/>
+              </a:ext>
+            </a:extLst>
+          </p:cNvPr>
+          <p:cNvSpPr txBox="1"/>
+          <p:nvPr/>
+        </p:nvSpPr>
+        <p:spPr>
+          <a:xfrm>
+            <a:off x="165847" y="6389302"/>
+            <a:ext cx="10474855" cy="369332"/>
+          </a:xfrm>
+          <a:prstGeom prst="rect">
+            <a:avLst/>
+          </a:prstGeom>
+          <a:noFill/>
+        </p:spPr>
+        <p:txBody>
+          <a:bodyPr wrap="none" rtlCol="0">
+            <a:spAutoFit/>
+          </a:bodyPr>
+          <a:lstStyle/>
+          <a:p>
             <a:r>
               <a:rPr lang="en-US" dirty="0"/>
-              <a:t>This calculation does not include an integral over the thickness of the layer</a:t>
+              <a:t>* Please check for accuracy. One is not in this domain. Yellow is the one used in the following worked example</a:t>
+            </a:r>
+          </a:p>
+        </p:txBody>
+      </p:sp>
+      <p:sp>
+        <p:nvSpPr>
+          <p:cNvPr id="4" name="TextBox 3">
+            <a:extLst>
+              <a:ext uri="{FF2B5EF4-FFF2-40B4-BE49-F238E27FC236}">
+                <a16:creationId xmlns:a16="http://schemas.microsoft.com/office/drawing/2014/main" id="{D709A2A5-39FF-DAC7-F8B5-0DE554A1C7CF}"/>
+              </a:ext>
+            </a:extLst>
+          </p:cNvPr>
+          <p:cNvSpPr txBox="1"/>
+          <p:nvPr/>
+        </p:nvSpPr>
+        <p:spPr>
+          <a:xfrm>
+            <a:off x="2411507" y="5471590"/>
+            <a:ext cx="4196662" cy="369332"/>
+          </a:xfrm>
+          <a:prstGeom prst="rect">
+            <a:avLst/>
+          </a:prstGeom>
+          <a:noFill/>
+        </p:spPr>
+        <p:txBody>
+          <a:bodyPr wrap="none" rtlCol="0">
+            <a:spAutoFit/>
+          </a:bodyPr>
+          <a:lstStyle/>
+          <a:p>
+            <a:r>
+              <a:rPr lang="en-US" dirty="0"/>
+              <a:t>T2 temperature to show location of islands</a:t>
             </a:r>
           </a:p>
         </p:txBody>
@@ -15436,7 +20991,7 @@
     </p:spTree>
     <p:extLst>
       <p:ext uri="{BB962C8B-B14F-4D97-AF65-F5344CB8AC3E}">
-        <p14:creationId xmlns:p14="http://schemas.microsoft.com/office/powerpoint/2010/main" val="2621776082"/>
+        <p14:creationId xmlns:p14="http://schemas.microsoft.com/office/powerpoint/2010/main" val="3860618082"/>
       </p:ext>
     </p:extLst>
   </p:cSld>
@@ -15463,46 +21018,131 @@
           <a:chExt cx="0" cy="0"/>
         </a:xfrm>
       </p:grpSpPr>
-      <p:pic>
-        <p:nvPicPr>
-          <p:cNvPr id="9" name="Picture 8" descr="A person writing on a whiteboard&#10;&#10;Description automatically generated">
-            <a:extLst>
-              <a:ext uri="{FF2B5EF4-FFF2-40B4-BE49-F238E27FC236}">
-                <a16:creationId xmlns:a16="http://schemas.microsoft.com/office/drawing/2014/main" id="{EDF9175F-2832-1623-ACA4-26B78FDEBC0A}"/>
-              </a:ext>
-            </a:extLst>
-          </p:cNvPr>
-          <p:cNvPicPr>
-            <a:picLocks noChangeAspect="1"/>
-          </p:cNvPicPr>
+      <p:sp>
+        <p:nvSpPr>
+          <p:cNvPr id="2" name="Title 1">
+            <a:extLst>
+              <a:ext uri="{FF2B5EF4-FFF2-40B4-BE49-F238E27FC236}">
+                <a16:creationId xmlns:a16="http://schemas.microsoft.com/office/drawing/2014/main" id="{230979B2-EEF3-D582-55D2-4BB2763B202E}"/>
+              </a:ext>
+            </a:extLst>
+          </p:cNvPr>
+          <p:cNvSpPr>
+            <a:spLocks noGrp="1"/>
+          </p:cNvSpPr>
+          <p:nvPr>
+            <p:ph type="title"/>
+          </p:nvPr>
+        </p:nvSpPr>
+        <p:spPr/>
+        <p:txBody>
+          <a:bodyPr/>
+          <a:lstStyle/>
+          <a:p>
+            <a:r>
+              <a:rPr lang="en-US" dirty="0"/>
+              <a:t>Worked Example </a:t>
+            </a:r>
+          </a:p>
+        </p:txBody>
+      </p:sp>
+      <p:sp>
+        <p:nvSpPr>
+          <p:cNvPr id="3" name="Content Placeholder 2">
+            <a:extLst>
+              <a:ext uri="{FF2B5EF4-FFF2-40B4-BE49-F238E27FC236}">
+                <a16:creationId xmlns:a16="http://schemas.microsoft.com/office/drawing/2014/main" id="{C043D00D-D2D1-B3F5-C4EF-8BE9EA35DF22}"/>
+              </a:ext>
+            </a:extLst>
+          </p:cNvPr>
+          <p:cNvSpPr>
+            <a:spLocks noGrp="1"/>
+          </p:cNvSpPr>
+          <p:nvPr>
+            <p:ph idx="1"/>
+          </p:nvPr>
+        </p:nvSpPr>
+        <p:spPr/>
+        <p:txBody>
+          <a:bodyPr/>
+          <a:lstStyle/>
+          <a:p>
+            <a:r>
+              <a:rPr lang="en-US" dirty="0"/>
+              <a:t>3D data file: "wrfout_d01_2006-01-03_000000“</a:t>
+            </a:r>
+          </a:p>
+          <a:p>
+            <a:r>
+              <a:rPr lang="en-US" dirty="0"/>
+              <a:t>Location: </a:t>
+            </a:r>
+            <a:r>
+              <a:rPr lang="en-US" dirty="0" err="1"/>
+              <a:t>Nakula</a:t>
+            </a:r>
+            <a:r>
+              <a:rPr lang="en-US" dirty="0"/>
+              <a:t> (20.664650 °N, 156.233308 W)</a:t>
+            </a:r>
+          </a:p>
+          <a:p>
+            <a:r>
+              <a:rPr lang="en-US" dirty="0"/>
+              <a:t>Data grid indices*: 189, 303, 1, 1</a:t>
+            </a:r>
+          </a:p>
+          <a:p>
+            <a:pPr lvl="1"/>
+            <a:r>
+              <a:rPr lang="en-US" dirty="0"/>
+              <a:t>(longitude index, latitude index, layer, hour)</a:t>
+            </a:r>
+          </a:p>
+          <a:p>
+            <a:endParaRPr lang="en-US" dirty="0"/>
+          </a:p>
+        </p:txBody>
+      </p:sp>
+      <p:sp>
+        <p:nvSpPr>
+          <p:cNvPr id="6" name="TextBox 5">
+            <a:extLst>
+              <a:ext uri="{FF2B5EF4-FFF2-40B4-BE49-F238E27FC236}">
+                <a16:creationId xmlns:a16="http://schemas.microsoft.com/office/drawing/2014/main" id="{C9AEF1F3-979E-F83C-F7D9-F637938E2911}"/>
+              </a:ext>
+            </a:extLst>
+          </p:cNvPr>
+          <p:cNvSpPr txBox="1"/>
           <p:nvPr/>
-        </p:nvPicPr>
-        <p:blipFill>
-          <a:blip r:embed="rId2">
-            <a:extLst>
-              <a:ext uri="{28A0092B-C50C-407E-A947-70E740481C1C}">
-                <a14:useLocalDpi xmlns:a14="http://schemas.microsoft.com/office/drawing/2010/main" val="0"/>
-              </a:ext>
-            </a:extLst>
-          </a:blip>
-          <a:stretch>
-            <a:fillRect/>
-          </a:stretch>
-        </p:blipFill>
-        <p:spPr>
-          <a:xfrm>
-            <a:off x="0" y="0"/>
-            <a:ext cx="12192000" cy="6858000"/>
+        </p:nvSpPr>
+        <p:spPr>
+          <a:xfrm>
+            <a:off x="0" y="6102169"/>
+            <a:ext cx="9709608" cy="646331"/>
           </a:xfrm>
           <a:prstGeom prst="rect">
             <a:avLst/>
           </a:prstGeom>
-        </p:spPr>
-      </p:pic>
+          <a:noFill/>
+        </p:spPr>
+        <p:txBody>
+          <a:bodyPr wrap="square">
+            <a:spAutoFit/>
+          </a:bodyPr>
+          <a:lstStyle/>
+          <a:p>
+            <a:r>
+              <a:rPr lang="en-US" dirty="0"/>
+              <a:t>* I think I’ve got the indexing correct, but still need to confirm this more carefully. Does not matter for testing calculations, but does matter for comparison to field measurements.</a:t>
+            </a:r>
+          </a:p>
+        </p:txBody>
+      </p:sp>
     </p:spTree>
     <p:extLst>
       <p:ext uri="{BB962C8B-B14F-4D97-AF65-F5344CB8AC3E}">
-        <p14:creationId xmlns:p14="http://schemas.microsoft.com/office/powerpoint/2010/main" val="1919006133"/>
+        <p14:creationId xmlns:p14="http://schemas.microsoft.com/office/powerpoint/2010/main" val="363463614"/>
       </p:ext>
     </p:extLst>
   </p:cSld>

--- a/Progress/3D_Calcs.pptx
+++ b/Progress/3D_Calcs.pptx
@@ -18,15 +18,14 @@
     <p:sldId id="263" r:id="rId12"/>
     <p:sldId id="256" r:id="rId13"/>
     <p:sldId id="268" r:id="rId14"/>
-    <p:sldId id="269" r:id="rId15"/>
-    <p:sldId id="270" r:id="rId16"/>
-    <p:sldId id="271" r:id="rId17"/>
-    <p:sldId id="272" r:id="rId18"/>
-    <p:sldId id="275" r:id="rId19"/>
-    <p:sldId id="276" r:id="rId20"/>
-    <p:sldId id="274" r:id="rId21"/>
-    <p:sldId id="273" r:id="rId22"/>
-    <p:sldId id="277" r:id="rId23"/>
+    <p:sldId id="270" r:id="rId15"/>
+    <p:sldId id="271" r:id="rId16"/>
+    <p:sldId id="272" r:id="rId17"/>
+    <p:sldId id="275" r:id="rId18"/>
+    <p:sldId id="276" r:id="rId19"/>
+    <p:sldId id="273" r:id="rId20"/>
+    <p:sldId id="277" r:id="rId21"/>
+    <p:sldId id="278" r:id="rId22"/>
   </p:sldIdLst>
   <p:sldSz cx="12192000" cy="6858000"/>
   <p:notesSz cx="6858000" cy="9144000"/>
@@ -280,7 +279,7 @@
           <a:p>
             <a:fld id="{6BD5D3B6-5CA1-4C9B-8367-FA96701F1B34}" type="datetimeFigureOut">
               <a:rPr lang="en-US" smtClean="0"/>
-              <a:t>10/25/2023</a:t>
+              <a:t>11/5/2023</a:t>
             </a:fld>
             <a:endParaRPr lang="en-US"/>
           </a:p>
@@ -478,7 +477,7 @@
           <a:p>
             <a:fld id="{6BD5D3B6-5CA1-4C9B-8367-FA96701F1B34}" type="datetimeFigureOut">
               <a:rPr lang="en-US" smtClean="0"/>
-              <a:t>10/25/2023</a:t>
+              <a:t>11/5/2023</a:t>
             </a:fld>
             <a:endParaRPr lang="en-US"/>
           </a:p>
@@ -686,7 +685,7 @@
           <a:p>
             <a:fld id="{6BD5D3B6-5CA1-4C9B-8367-FA96701F1B34}" type="datetimeFigureOut">
               <a:rPr lang="en-US" smtClean="0"/>
-              <a:t>10/25/2023</a:t>
+              <a:t>11/5/2023</a:t>
             </a:fld>
             <a:endParaRPr lang="en-US"/>
           </a:p>
@@ -884,7 +883,7 @@
           <a:p>
             <a:fld id="{6BD5D3B6-5CA1-4C9B-8367-FA96701F1B34}" type="datetimeFigureOut">
               <a:rPr lang="en-US" smtClean="0"/>
-              <a:t>10/25/2023</a:t>
+              <a:t>11/5/2023</a:t>
             </a:fld>
             <a:endParaRPr lang="en-US"/>
           </a:p>
@@ -1159,7 +1158,7 @@
           <a:p>
             <a:fld id="{6BD5D3B6-5CA1-4C9B-8367-FA96701F1B34}" type="datetimeFigureOut">
               <a:rPr lang="en-US" smtClean="0"/>
-              <a:t>10/25/2023</a:t>
+              <a:t>11/5/2023</a:t>
             </a:fld>
             <a:endParaRPr lang="en-US"/>
           </a:p>
@@ -1424,7 +1423,7 @@
           <a:p>
             <a:fld id="{6BD5D3B6-5CA1-4C9B-8367-FA96701F1B34}" type="datetimeFigureOut">
               <a:rPr lang="en-US" smtClean="0"/>
-              <a:t>10/25/2023</a:t>
+              <a:t>11/5/2023</a:t>
             </a:fld>
             <a:endParaRPr lang="en-US"/>
           </a:p>
@@ -1836,7 +1835,7 @@
           <a:p>
             <a:fld id="{6BD5D3B6-5CA1-4C9B-8367-FA96701F1B34}" type="datetimeFigureOut">
               <a:rPr lang="en-US" smtClean="0"/>
-              <a:t>10/25/2023</a:t>
+              <a:t>11/5/2023</a:t>
             </a:fld>
             <a:endParaRPr lang="en-US"/>
           </a:p>
@@ -1977,7 +1976,7 @@
           <a:p>
             <a:fld id="{6BD5D3B6-5CA1-4C9B-8367-FA96701F1B34}" type="datetimeFigureOut">
               <a:rPr lang="en-US" smtClean="0"/>
-              <a:t>10/25/2023</a:t>
+              <a:t>11/5/2023</a:t>
             </a:fld>
             <a:endParaRPr lang="en-US"/>
           </a:p>
@@ -2090,7 +2089,7 @@
           <a:p>
             <a:fld id="{6BD5D3B6-5CA1-4C9B-8367-FA96701F1B34}" type="datetimeFigureOut">
               <a:rPr lang="en-US" smtClean="0"/>
-              <a:t>10/25/2023</a:t>
+              <a:t>11/5/2023</a:t>
             </a:fld>
             <a:endParaRPr lang="en-US"/>
           </a:p>
@@ -2401,7 +2400,7 @@
           <a:p>
             <a:fld id="{6BD5D3B6-5CA1-4C9B-8367-FA96701F1B34}" type="datetimeFigureOut">
               <a:rPr lang="en-US" smtClean="0"/>
-              <a:t>10/25/2023</a:t>
+              <a:t>11/5/2023</a:t>
             </a:fld>
             <a:endParaRPr lang="en-US"/>
           </a:p>
@@ -2689,7 +2688,7 @@
           <a:p>
             <a:fld id="{6BD5D3B6-5CA1-4C9B-8367-FA96701F1B34}" type="datetimeFigureOut">
               <a:rPr lang="en-US" smtClean="0"/>
-              <a:t>10/25/2023</a:t>
+              <a:t>11/5/2023</a:t>
             </a:fld>
             <a:endParaRPr lang="en-US"/>
           </a:p>
@@ -2930,7 +2929,7 @@
           <a:p>
             <a:fld id="{6BD5D3B6-5CA1-4C9B-8367-FA96701F1B34}" type="datetimeFigureOut">
               <a:rPr lang="en-US" smtClean="0"/>
-              <a:t>10/25/2023</a:t>
+              <a:t>11/5/2023</a:t>
             </a:fld>
             <a:endParaRPr lang="en-US"/>
           </a:p>
@@ -4206,115 +4205,6 @@
           <p:cNvPr id="2" name="Title 1">
             <a:extLst>
               <a:ext uri="{FF2B5EF4-FFF2-40B4-BE49-F238E27FC236}">
-                <a16:creationId xmlns:a16="http://schemas.microsoft.com/office/drawing/2014/main" id="{B26A034C-7A53-86F7-D250-A157836FF6DA}"/>
-              </a:ext>
-            </a:extLst>
-          </p:cNvPr>
-          <p:cNvSpPr>
-            <a:spLocks noGrp="1"/>
-          </p:cNvSpPr>
-          <p:nvPr>
-            <p:ph type="title"/>
-          </p:nvPr>
-        </p:nvSpPr>
-        <p:spPr/>
-        <p:txBody>
-          <a:bodyPr/>
-          <a:lstStyle/>
-          <a:p>
-            <a:r>
-              <a:rPr lang="en-US" dirty="0">
-                <a:solidFill>
-                  <a:srgbClr val="FF0000"/>
-                </a:solidFill>
-              </a:rPr>
-              <a:t>CURRENT PROBLEMS!!!</a:t>
-            </a:r>
-          </a:p>
-        </p:txBody>
-      </p:sp>
-      <p:sp>
-        <p:nvSpPr>
-          <p:cNvPr id="3" name="Content Placeholder 2">
-            <a:extLst>
-              <a:ext uri="{FF2B5EF4-FFF2-40B4-BE49-F238E27FC236}">
-                <a16:creationId xmlns:a16="http://schemas.microsoft.com/office/drawing/2014/main" id="{D144C6DB-D6CB-CF04-CA8B-B349B12F369C}"/>
-              </a:ext>
-            </a:extLst>
-          </p:cNvPr>
-          <p:cNvSpPr>
-            <a:spLocks noGrp="1"/>
-          </p:cNvSpPr>
-          <p:nvPr>
-            <p:ph idx="1"/>
-          </p:nvPr>
-        </p:nvSpPr>
-        <p:spPr/>
-        <p:txBody>
-          <a:bodyPr/>
-          <a:lstStyle/>
-          <a:p>
-            <a:r>
-              <a:rPr lang="en-US" dirty="0"/>
-              <a:t>The current version of the calculations require surface roughness and canopy height.</a:t>
-            </a:r>
-          </a:p>
-          <a:p>
-            <a:pPr lvl="1"/>
-            <a:r>
-              <a:rPr lang="en-US" dirty="0"/>
-              <a:t>BUT the current version is not giving the right relationship, so there is a bug somewhere.</a:t>
-            </a:r>
-          </a:p>
-          <a:p>
-            <a:r>
-              <a:rPr lang="en-US" dirty="0"/>
-              <a:t>These should be inputs to the WRF model, and therefore should already be defined, but I can’t find them.</a:t>
-            </a:r>
-          </a:p>
-          <a:p>
-            <a:r>
-              <a:rPr lang="en-US" dirty="0"/>
-              <a:t>For the worked example, I used placeholder values</a:t>
-            </a:r>
-          </a:p>
-        </p:txBody>
-      </p:sp>
-    </p:spTree>
-    <p:extLst>
-      <p:ext uri="{BB962C8B-B14F-4D97-AF65-F5344CB8AC3E}">
-        <p14:creationId xmlns:p14="http://schemas.microsoft.com/office/powerpoint/2010/main" val="949815788"/>
-      </p:ext>
-    </p:extLst>
-  </p:cSld>
-  <p:clrMapOvr>
-    <a:masterClrMapping/>
-  </p:clrMapOvr>
-</p:sld>
-</file>
-
-<file path=ppt/slides/slide15.xml><?xml version="1.0" encoding="utf-8"?>
-<p:sld xmlns:a="http://schemas.openxmlformats.org/drawingml/2006/main" xmlns:r="http://schemas.openxmlformats.org/officeDocument/2006/relationships" xmlns:p="http://schemas.openxmlformats.org/presentationml/2006/main">
-  <p:cSld>
-    <p:spTree>
-      <p:nvGrpSpPr>
-        <p:cNvPr id="1" name=""/>
-        <p:cNvGrpSpPr/>
-        <p:nvPr/>
-      </p:nvGrpSpPr>
-      <p:grpSpPr>
-        <a:xfrm>
-          <a:off x="0" y="0"/>
-          <a:ext cx="0" cy="0"/>
-          <a:chOff x="0" y="0"/>
-          <a:chExt cx="0" cy="0"/>
-        </a:xfrm>
-      </p:grpSpPr>
-      <p:sp>
-        <p:nvSpPr>
-          <p:cNvPr id="2" name="Title 1">
-            <a:extLst>
-              <a:ext uri="{FF2B5EF4-FFF2-40B4-BE49-F238E27FC236}">
                 <a16:creationId xmlns:a16="http://schemas.microsoft.com/office/drawing/2014/main" id="{FD1909C7-8842-B57D-EB76-48C4A030747E}"/>
               </a:ext>
             </a:extLst>
@@ -4335,8 +4225,8 @@
           </a:p>
         </p:txBody>
       </p:sp>
-      <mc:AlternateContent xmlns:mc="http://schemas.openxmlformats.org/markup-compatibility/2006">
-        <mc:Choice xmlns:a14="http://schemas.microsoft.com/office/drawing/2010/main" Requires="a14">
+      <mc:AlternateContent xmlns:mc="http://schemas.openxmlformats.org/markup-compatibility/2006" xmlns:a14="http://schemas.microsoft.com/office/drawing/2010/main">
+        <mc:Choice Requires="a14">
           <p:sp>
             <p:nvSpPr>
               <p:cNvPr id="5" name="TextBox 4">
@@ -4365,6 +4255,7 @@
               </a:bodyPr>
               <a:lstStyle/>
               <a:p>
+                <a:pPr/>
                 <a14:m>
                   <m:oMathPara xmlns:m="http://schemas.openxmlformats.org/officeDocument/2006/math">
                     <m:oMathParaPr>
@@ -4763,7 +4654,7 @@
             </p:txBody>
           </p:sp>
         </mc:Choice>
-        <mc:Fallback>
+        <mc:Fallback xmlns="">
           <p:sp>
             <p:nvSpPr>
               <p:cNvPr id="5" name="TextBox 4">
@@ -4808,8 +4699,8 @@
           </p:sp>
         </mc:Fallback>
       </mc:AlternateContent>
-      <mc:AlternateContent xmlns:mc="http://schemas.openxmlformats.org/markup-compatibility/2006">
-        <mc:Choice xmlns:a14="http://schemas.microsoft.com/office/drawing/2010/main" Requires="a14">
+      <mc:AlternateContent xmlns:mc="http://schemas.openxmlformats.org/markup-compatibility/2006" xmlns:a14="http://schemas.microsoft.com/office/drawing/2010/main">
+        <mc:Choice Requires="a14">
           <p:sp>
             <p:nvSpPr>
               <p:cNvPr id="6" name="TextBox 5">
@@ -4838,6 +4729,7 @@
               </a:bodyPr>
               <a:lstStyle/>
               <a:p>
+                <a:pPr/>
                 <a14:m>
                   <m:oMathPara xmlns:m="http://schemas.openxmlformats.org/officeDocument/2006/math">
                     <m:oMathParaPr>
@@ -5066,7 +4958,7 @@
             </p:txBody>
           </p:sp>
         </mc:Choice>
-        <mc:Fallback>
+        <mc:Fallback xmlns="">
           <p:sp>
             <p:nvSpPr>
               <p:cNvPr id="6" name="TextBox 5">
@@ -5285,7 +5177,7 @@
 </p:sld>
 </file>
 
-<file path=ppt/slides/slide16.xml><?xml version="1.0" encoding="utf-8"?>
+<file path=ppt/slides/slide15.xml><?xml version="1.0" encoding="utf-8"?>
 <p:sld xmlns:a="http://schemas.openxmlformats.org/drawingml/2006/main" xmlns:r="http://schemas.openxmlformats.org/officeDocument/2006/relationships" xmlns:p="http://schemas.openxmlformats.org/presentationml/2006/main">
   <p:cSld>
     <p:spTree>
@@ -5348,8 +5240,8 @@
         </p:nvSpPr>
         <p:spPr>
           <a:xfrm>
-            <a:off x="838200" y="1825625"/>
-            <a:ext cx="10515600" cy="1195481"/>
+            <a:off x="838200" y="1825626"/>
+            <a:ext cx="10515600" cy="675528"/>
           </a:xfrm>
         </p:spPr>
         <p:txBody>
@@ -5357,23 +5249,8 @@
           <a:lstStyle/>
           <a:p>
             <a:r>
-              <a:rPr lang="en-US" dirty="0">
-                <a:solidFill>
-                  <a:srgbClr val="FF0000"/>
-                </a:solidFill>
-              </a:rPr>
-              <a:t>Is this the downscaling equation we want to use???</a:t>
-            </a:r>
-          </a:p>
-          <a:p>
-            <a:pPr lvl="1"/>
-            <a:r>
-              <a:rPr lang="en-US" dirty="0">
-                <a:solidFill>
-                  <a:srgbClr val="FF0000"/>
-                </a:solidFill>
-              </a:rPr>
-              <a:t>Source: Wikipedia!!! (via a ResearchGate answer)</a:t>
+              <a:rPr lang="en-US" dirty="0"/>
+              <a:t>Adjust wind speed to canopy height</a:t>
             </a:r>
           </a:p>
         </p:txBody>
@@ -5394,7 +5271,7 @@
             </p:nvSpPr>
             <p:spPr>
               <a:xfrm>
-                <a:off x="3182471" y="2809626"/>
+                <a:off x="3137647" y="2465296"/>
                 <a:ext cx="2739211" cy="1027269"/>
               </a:xfrm>
               <a:prstGeom prst="rect">
@@ -5408,6 +5285,7 @@
               </a:bodyPr>
               <a:lstStyle/>
               <a:p>
+                <a:pPr/>
                 <a14:m>
                   <m:oMathPara xmlns:m="http://schemas.openxmlformats.org/officeDocument/2006/math">
                     <m:oMathParaPr>
@@ -5474,7 +5352,7 @@
                         <a:rPr lang="pl-PL" i="1">
                           <a:latin typeface="Cambria Math" panose="02040503050406030204" pitchFamily="18" charset="0"/>
                         </a:rPr>
-                        <m:t> * </m:t>
+                        <m:t> ∗ </m:t>
                       </m:r>
                       <m:f>
                         <m:fPr>
@@ -5648,7 +5526,7 @@
             </p:nvSpPr>
             <p:spPr>
               <a:xfrm>
-                <a:off x="3182471" y="2809626"/>
+                <a:off x="3137647" y="2465296"/>
                 <a:ext cx="2739211" cy="1027269"/>
               </a:xfrm>
               <a:prstGeom prst="rect">
@@ -5690,8 +5568,8 @@
         </p:nvSpPr>
         <p:spPr>
           <a:xfrm>
-            <a:off x="2716305" y="4078940"/>
-            <a:ext cx="7225553" cy="1754326"/>
+            <a:off x="3003176" y="3693458"/>
+            <a:ext cx="7225553" cy="1477328"/>
           </a:xfrm>
           <a:prstGeom prst="rect">
             <a:avLst/>
@@ -5754,7 +5632,7 @@
             </a:r>
             <a:r>
               <a:rPr lang="en-US" dirty="0"/>
-              <a:t> = zero plane displacement (height in meters above the ground at which zero mean speed is achieved, Wikipedia says it can be approximated as 2/3 to ¾ of the average height of the obstacles)</a:t>
+              <a:t> = zero plane displacement (height in meters above the ground at which zero mean speed is achieved, approximated as 0.65 * canopy height)</a:t>
             </a:r>
           </a:p>
           <a:p>
@@ -5772,16 +5650,13 @@
             </a:r>
             <a:r>
               <a:rPr lang="en-US" dirty="0"/>
-              <a:t>= surface roughness </a:t>
+              <a:t>= surface roughness (either 0.1 * canopy height or from WRF model)</a:t>
             </a:r>
-            <a:r>
-              <a:rPr lang="en-US" dirty="0">
-                <a:highlight>
-                  <a:srgbClr val="FFFF00"/>
-                </a:highlight>
-              </a:rPr>
-              <a:t>#**# ADD DETAILS</a:t>
-            </a:r>
+            <a:endParaRPr lang="en-US" dirty="0">
+              <a:highlight>
+                <a:srgbClr val="FFFF00"/>
+              </a:highlight>
+            </a:endParaRPr>
           </a:p>
         </p:txBody>
       </p:sp>
@@ -5798,7 +5673,7 @@
 </p:sld>
 </file>
 
-<file path=ppt/slides/slide17.xml><?xml version="1.0" encoding="utf-8"?>
+<file path=ppt/slides/slide16.xml><?xml version="1.0" encoding="utf-8"?>
 <p:sld xmlns:a="http://schemas.openxmlformats.org/drawingml/2006/main" xmlns:r="http://schemas.openxmlformats.org/officeDocument/2006/relationships" xmlns:p="http://schemas.openxmlformats.org/presentationml/2006/main">
   <p:cSld>
     <p:spTree>
@@ -5892,7 +5767,7 @@
             </a:r>
             <a:r>
               <a:rPr lang="en-US" dirty="0"/>
-              <a:t> = 2 m</a:t>
+              <a:t> = 35 m</a:t>
             </a:r>
           </a:p>
           <a:p>
@@ -5910,7 +5785,7 @@
             </a:r>
             <a:r>
               <a:rPr lang="en-US" dirty="0"/>
-              <a:t>= mean(sqrt(U</a:t>
+              <a:t>= sqrt(U</a:t>
             </a:r>
             <a:r>
               <a:rPr lang="en-US" baseline="-25000" dirty="0"/>
@@ -5934,7 +5809,7 @@
             </a:r>
             <a:r>
               <a:rPr lang="en-US" dirty="0"/>
-              <a:t>)) # Convert to a daily mean wind speed</a:t>
+              <a:t>) # Convert to wind speed</a:t>
             </a:r>
           </a:p>
           <a:p>
@@ -5948,7 +5823,7 @@
             </a:r>
             <a:r>
               <a:rPr lang="en-US" dirty="0"/>
-              <a:t>= </a:t>
+              <a:t>= 3.850759</a:t>
             </a:r>
             <a:endParaRPr lang="en-US" baseline="-25000" dirty="0"/>
           </a:p>
@@ -5961,130 +5836,25 @@
           <a:p>
             <a:r>
               <a:rPr lang="en-US" dirty="0"/>
-              <a:t>Vegetation category: 13 # not currently linked to anything</a:t>
+              <a:t>Vegetation category: 13 (evergreen broadleaf forest)</a:t>
             </a:r>
           </a:p>
           <a:p>
             <a:r>
               <a:rPr lang="en-US" dirty="0"/>
-              <a:t>d = 2/3 * 1    # </a:t>
-            </a:r>
-            <a:r>
-              <a:rPr lang="en-US" dirty="0">
-                <a:solidFill>
-                  <a:srgbClr val="FF0000"/>
-                </a:solidFill>
-              </a:rPr>
-              <a:t>Placeholder – assume 2/3 and 1 m height.</a:t>
+              <a:t>d = 0.65 * 35 = 22.75</a:t>
             </a:r>
           </a:p>
           <a:p>
             <a:r>
               <a:rPr lang="en-US" dirty="0"/>
-              <a:t>roughness = 0.75</a:t>
+              <a:t>roughness = 0.5 (from WRF, 3.5 if using 0.1 * canopy height)</a:t>
             </a:r>
-            <a:r>
-              <a:rPr lang="en-US" dirty="0">
-                <a:solidFill>
-                  <a:srgbClr val="FF0000"/>
-                </a:solidFill>
-              </a:rPr>
-              <a:t> # Placeholder.</a:t>
-            </a:r>
-          </a:p>
-        </p:txBody>
-      </p:sp>
-      <p:sp>
-        <p:nvSpPr>
-          <p:cNvPr id="5" name="TextBox 4">
-            <a:extLst>
-              <a:ext uri="{FF2B5EF4-FFF2-40B4-BE49-F238E27FC236}">
-                <a16:creationId xmlns:a16="http://schemas.microsoft.com/office/drawing/2014/main" id="{596C5886-CC73-0E10-4AA1-AA524ABDC44A}"/>
-              </a:ext>
-            </a:extLst>
-          </p:cNvPr>
-          <p:cNvSpPr txBox="1"/>
-          <p:nvPr/>
-        </p:nvSpPr>
-        <p:spPr>
-          <a:xfrm>
-            <a:off x="5475284" y="3334465"/>
-            <a:ext cx="5534092" cy="646331"/>
-          </a:xfrm>
-          <a:prstGeom prst="rect">
-            <a:avLst/>
-          </a:prstGeom>
-          <a:noFill/>
-        </p:spPr>
-        <p:txBody>
-          <a:bodyPr wrap="square" rtlCol="0">
-            <a:spAutoFit/>
-          </a:bodyPr>
-          <a:lstStyle/>
-          <a:p>
-            <a:r>
-              <a:rPr lang="en-US" dirty="0">
-                <a:highlight>
-                  <a:srgbClr val="FFFF00"/>
-                </a:highlight>
-              </a:rPr>
-              <a:t>Why daily here??? </a:t>
-            </a:r>
-            <a:r>
-              <a:rPr lang="en-US" dirty="0"/>
-              <a:t>(Artifact – calculated daily </a:t>
-            </a:r>
-            <a:r>
-              <a:rPr lang="en-US" dirty="0" err="1"/>
-              <a:t>lcw</a:t>
-            </a:r>
-            <a:r>
-              <a:rPr lang="en-US" dirty="0"/>
-              <a:t> earlier, but that was the last step at that point.</a:t>
-            </a:r>
-          </a:p>
-        </p:txBody>
-      </p:sp>
-      <p:sp>
-        <p:nvSpPr>
-          <p:cNvPr id="7" name="TextBox 6">
-            <a:extLst>
-              <a:ext uri="{FF2B5EF4-FFF2-40B4-BE49-F238E27FC236}">
-                <a16:creationId xmlns:a16="http://schemas.microsoft.com/office/drawing/2014/main" id="{DAB30B77-CB4D-CC7B-95FC-DA0AB9356FA9}"/>
-              </a:ext>
-            </a:extLst>
-          </p:cNvPr>
-          <p:cNvSpPr txBox="1"/>
-          <p:nvPr/>
-        </p:nvSpPr>
-        <p:spPr>
-          <a:xfrm>
-            <a:off x="8242330" y="3964109"/>
-            <a:ext cx="4567518" cy="646331"/>
-          </a:xfrm>
-          <a:prstGeom prst="rect">
-            <a:avLst/>
-          </a:prstGeom>
-          <a:noFill/>
-        </p:spPr>
-        <p:txBody>
-          <a:bodyPr wrap="square" rtlCol="0">
-            <a:spAutoFit/>
-          </a:bodyPr>
-          <a:lstStyle/>
-          <a:p>
-            <a:pPr marL="285750" indent="-285750">
-              <a:buFont typeface="Arial" panose="020B0604020202020204" pitchFamily="34" charset="0"/>
-              <a:buChar char="•"/>
-            </a:pPr>
-            <a:r>
-              <a:rPr lang="en-US" dirty="0">
-                <a:solidFill>
-                  <a:srgbClr val="FF0000"/>
-                </a:solidFill>
-              </a:rPr>
-              <a:t>There is a vegetation category for every hour – does this parameter change?</a:t>
-            </a:r>
+            <a:endParaRPr lang="en-US" dirty="0">
+              <a:solidFill>
+                <a:srgbClr val="FF0000"/>
+              </a:solidFill>
+            </a:endParaRPr>
           </a:p>
         </p:txBody>
       </p:sp>
@@ -6102,8 +5872,8 @@
         </p:nvSpPr>
         <p:spPr>
           <a:xfrm>
-            <a:off x="7185696" y="5607886"/>
-            <a:ext cx="5052024" cy="646331"/>
+            <a:off x="3984812" y="4479052"/>
+            <a:ext cx="6056979" cy="369332"/>
           </a:xfrm>
           <a:prstGeom prst="rect">
             <a:avLst/>
@@ -6125,20 +5895,7 @@
                   <a:srgbClr val="FFFF00"/>
                 </a:highlight>
               </a:rPr>
-              <a:t>10 m canopy height for 0 wind speed does not work</a:t>
-            </a:r>
-          </a:p>
-          <a:p>
-            <a:r>
-              <a:rPr lang="en-US" dirty="0">
-                <a:solidFill>
-                  <a:srgbClr val="FF0000"/>
-                </a:solidFill>
-                <a:highlight>
-                  <a:srgbClr val="FFFF00"/>
-                </a:highlight>
-              </a:rPr>
-              <a:t>2 m wind speed would be below the 0 wind height!</a:t>
+              <a:t>Problem: 10 m height is BELOW assumed 0 wind speed height!</a:t>
             </a:r>
           </a:p>
         </p:txBody>
@@ -6156,7 +5913,7 @@
 </p:sld>
 </file>
 
-<file path=ppt/slides/slide18.xml><?xml version="1.0" encoding="utf-8"?>
+<file path=ppt/slides/slide17.xml><?xml version="1.0" encoding="utf-8"?>
 <p:sld xmlns:a="http://schemas.openxmlformats.org/drawingml/2006/main" xmlns:r="http://schemas.openxmlformats.org/officeDocument/2006/relationships" xmlns:p="http://schemas.openxmlformats.org/presentationml/2006/main">
   <p:cSld>
     <p:spTree>
@@ -6198,8 +5955,8 @@
           </a:p>
         </p:txBody>
       </p:sp>
-      <mc:AlternateContent xmlns:mc="http://schemas.openxmlformats.org/markup-compatibility/2006">
-        <mc:Choice xmlns:a14="http://schemas.microsoft.com/office/drawing/2010/main" Requires="a14">
+      <mc:AlternateContent xmlns:mc="http://schemas.openxmlformats.org/markup-compatibility/2006" xmlns:a14="http://schemas.microsoft.com/office/drawing/2010/main">
+        <mc:Choice Requires="a14">
           <p:sp>
             <p:nvSpPr>
               <p:cNvPr id="4" name="TextBox 3">
@@ -6228,6 +5985,7 @@
               </a:bodyPr>
               <a:lstStyle/>
               <a:p>
+                <a:pPr/>
                 <a14:m>
                   <m:oMathPara xmlns:m="http://schemas.openxmlformats.org/officeDocument/2006/math">
                     <m:oMathParaPr>
@@ -6294,7 +6052,7 @@
                         <a:rPr lang="pl-PL" i="1">
                           <a:latin typeface="Cambria Math" panose="02040503050406030204" pitchFamily="18" charset="0"/>
                         </a:rPr>
-                        <m:t> * </m:t>
+                        <m:t> ∗ </m:t>
                       </m:r>
                       <m:f>
                         <m:fPr>
@@ -6451,7 +6209,7 @@
             </p:txBody>
           </p:sp>
         </mc:Choice>
-        <mc:Fallback>
+        <mc:Fallback xmlns="">
           <p:sp>
             <p:nvSpPr>
               <p:cNvPr id="4" name="TextBox 3">
@@ -6513,7 +6271,7 @@
             <p:spPr>
               <a:xfrm>
                 <a:off x="1386327" y="3303515"/>
-                <a:ext cx="3156505" cy="1016240"/>
+                <a:ext cx="3233449" cy="1032142"/>
               </a:xfrm>
               <a:prstGeom prst="rect">
                 <a:avLst/>
@@ -6526,6 +6284,7 @@
               </a:bodyPr>
               <a:lstStyle/>
               <a:p>
+                <a:pPr/>
                 <a14:m>
                   <m:oMathPara xmlns:m="http://schemas.openxmlformats.org/officeDocument/2006/math">
                     <m:oMathParaPr>
@@ -6567,13 +6326,13 @@
                         <a:rPr lang="en-US" b="0" i="1" smtClean="0">
                           <a:latin typeface="Cambria Math" panose="02040503050406030204" pitchFamily="18" charset="0"/>
                         </a:rPr>
-                        <m:t>1.755</m:t>
+                        <m:t>3.85</m:t>
                       </m:r>
                       <m:r>
                         <a:rPr lang="pl-PL" i="1">
                           <a:latin typeface="Cambria Math" panose="02040503050406030204" pitchFamily="18" charset="0"/>
                         </a:rPr>
-                        <m:t>* </m:t>
+                        <m:t>∗ </m:t>
                       </m:r>
                       <m:f>
                         <m:fPr>
@@ -6609,7 +6368,7 @@
                                 <a:rPr lang="en-US" b="0" i="1" smtClean="0">
                                   <a:latin typeface="Cambria Math" panose="02040503050406030204" pitchFamily="18" charset="0"/>
                                 </a:rPr>
-                                <m:t>2</m:t>
+                                <m:t>35</m:t>
                               </m:r>
                               <m:r>
                                 <a:rPr lang="pl-PL" i="1">
@@ -6621,7 +6380,7 @@
                                 <a:rPr lang="en-US" b="0" i="1" smtClean="0">
                                   <a:latin typeface="Cambria Math" panose="02040503050406030204" pitchFamily="18" charset="0"/>
                                 </a:rPr>
-                                <m:t>0.67</m:t>
+                                <m:t>22.75</m:t>
                               </m:r>
                             </m:num>
                             <m:den>
@@ -6629,7 +6388,13 @@
                                 <a:rPr lang="en-US" b="0" i="1" smtClean="0">
                                   <a:latin typeface="Cambria Math" panose="02040503050406030204" pitchFamily="18" charset="0"/>
                                 </a:rPr>
-                                <m:t>0.75</m:t>
+                                <m:t>0.</m:t>
+                              </m:r>
+                              <m:r>
+                                <a:rPr lang="en-US" b="0" i="1" smtClean="0">
+                                  <a:latin typeface="Cambria Math" panose="02040503050406030204" pitchFamily="18" charset="0"/>
+                                </a:rPr>
+                                <m:t>50</m:t>
                               </m:r>
                             </m:den>
                           </m:f>
@@ -6678,7 +6443,7 @@
                                 <a:rPr lang="en-US" b="0" i="1" smtClean="0">
                                   <a:latin typeface="Cambria Math" panose="02040503050406030204" pitchFamily="18" charset="0"/>
                                 </a:rPr>
-                                <m:t>0.67</m:t>
+                                <m:t>22.75</m:t>
                               </m:r>
                             </m:num>
                             <m:den>
@@ -6686,7 +6451,13 @@
                                 <a:rPr lang="en-US" b="0" i="1" smtClean="0">
                                   <a:latin typeface="Cambria Math" panose="02040503050406030204" pitchFamily="18" charset="0"/>
                                 </a:rPr>
-                                <m:t>0.75</m:t>
+                                <m:t>0.</m:t>
+                              </m:r>
+                              <m:r>
+                                <a:rPr lang="en-US" b="0" i="1" smtClean="0">
+                                  <a:latin typeface="Cambria Math" panose="02040503050406030204" pitchFamily="18" charset="0"/>
+                                </a:rPr>
+                                <m:t>50</m:t>
                               </m:r>
                             </m:den>
                           </m:f>
@@ -6724,7 +6495,7 @@
             <p:spPr>
               <a:xfrm>
                 <a:off x="1386327" y="3303515"/>
-                <a:ext cx="3156505" cy="1016240"/>
+                <a:ext cx="3233449" cy="1032142"/>
               </a:xfrm>
               <a:prstGeom prst="rect">
                 <a:avLst/>
@@ -6768,7 +6539,7 @@
             <p:spPr>
               <a:xfrm>
                 <a:off x="1386327" y="4524256"/>
-                <a:ext cx="1369990" cy="369332"/>
+                <a:ext cx="1253613" cy="369332"/>
               </a:xfrm>
               <a:prstGeom prst="rect">
                 <a:avLst/>
@@ -6781,6 +6552,7 @@
               </a:bodyPr>
               <a:lstStyle/>
               <a:p>
+                <a:pPr/>
                 <a14:m>
                   <m:oMathPara xmlns:m="http://schemas.openxmlformats.org/officeDocument/2006/math">
                     <m:oMathParaPr>
@@ -6822,7 +6594,7 @@
                         <a:rPr lang="en-US" b="0" i="1" smtClean="0">
                           <a:latin typeface="Cambria Math" panose="02040503050406030204" pitchFamily="18" charset="0"/>
                         </a:rPr>
-                        <m:t>7.69</m:t>
+                        <m:t>𝑁𝐴</m:t>
                       </m:r>
                     </m:oMath>
                   </m:oMathPara>
@@ -6850,7 +6622,7 @@
             <p:spPr>
               <a:xfrm>
                 <a:off x="1386327" y="4524256"/>
-                <a:ext cx="1369990" cy="369332"/>
+                <a:ext cx="1253613" cy="369332"/>
               </a:xfrm>
               <a:prstGeom prst="rect">
                 <a:avLst/>
@@ -6879,10 +6651,10 @@
       </mc:AlternateContent>
       <p:sp>
         <p:nvSpPr>
-          <p:cNvPr id="8" name="TextBox 7">
-            <a:extLst>
-              <a:ext uri="{FF2B5EF4-FFF2-40B4-BE49-F238E27FC236}">
-                <a16:creationId xmlns:a16="http://schemas.microsoft.com/office/drawing/2014/main" id="{B42B2CA4-C3F0-99E7-B4C3-DE7718E3DA81}"/>
+          <p:cNvPr id="3" name="TextBox 2">
+            <a:extLst>
+              <a:ext uri="{FF2B5EF4-FFF2-40B4-BE49-F238E27FC236}">
+                <a16:creationId xmlns:a16="http://schemas.microsoft.com/office/drawing/2014/main" id="{B4AC0C6F-A724-EDCD-178C-D33CAC1AF8AC}"/>
               </a:ext>
             </a:extLst>
           </p:cNvPr>
@@ -6891,8 +6663,8 @@
         </p:nvSpPr>
         <p:spPr>
           <a:xfrm>
-            <a:off x="3070098" y="4537353"/>
-            <a:ext cx="3180743" cy="369332"/>
+            <a:off x="2729753" y="4524256"/>
+            <a:ext cx="6056979" cy="369332"/>
           </a:xfrm>
           <a:prstGeom prst="rect">
             <a:avLst/>
@@ -6907,124 +6679,361 @@
           <a:p>
             <a:r>
               <a:rPr lang="en-US" dirty="0">
+                <a:solidFill>
+                  <a:srgbClr val="FF0000"/>
+                </a:solidFill>
                 <a:highlight>
                   <a:srgbClr val="FFFF00"/>
                 </a:highlight>
               </a:rPr>
-              <a:t>* Well, that’s most likely wrong!</a:t>
+              <a:t>Problem: 10 m height is BELOW assumed 0 wind speed height!</a:t>
             </a:r>
           </a:p>
         </p:txBody>
       </p:sp>
-      <p:sp>
-        <p:nvSpPr>
-          <p:cNvPr id="9" name="TextBox 8">
-            <a:extLst>
-              <a:ext uri="{FF2B5EF4-FFF2-40B4-BE49-F238E27FC236}">
-                <a16:creationId xmlns:a16="http://schemas.microsoft.com/office/drawing/2014/main" id="{95E8B5AB-162C-FAC7-7A2A-EF2B591D2E09}"/>
-              </a:ext>
-            </a:extLst>
-          </p:cNvPr>
-          <p:cNvSpPr txBox="1"/>
-          <p:nvPr/>
-        </p:nvSpPr>
-        <p:spPr>
-          <a:xfrm>
-            <a:off x="6405123" y="4524256"/>
-            <a:ext cx="4857750" cy="646331"/>
-          </a:xfrm>
-          <a:prstGeom prst="rect">
-            <a:avLst/>
-          </a:prstGeom>
-          <a:noFill/>
-        </p:spPr>
-        <p:txBody>
-          <a:bodyPr wrap="square" rtlCol="0">
-            <a:spAutoFit/>
-          </a:bodyPr>
-          <a:lstStyle/>
-          <a:p>
-            <a:r>
-              <a:rPr lang="en-US" dirty="0">
-                <a:highlight>
-                  <a:srgbClr val="FFFF00"/>
-                </a:highlight>
-              </a:rPr>
-              <a:t>0.40 if Wikipedia transposed the numerator and denominator</a:t>
-            </a:r>
-          </a:p>
-        </p:txBody>
-      </p:sp>
-      <p:sp>
-        <p:nvSpPr>
-          <p:cNvPr id="10" name="TextBox 9">
-            <a:extLst>
-              <a:ext uri="{FF2B5EF4-FFF2-40B4-BE49-F238E27FC236}">
-                <a16:creationId xmlns:a16="http://schemas.microsoft.com/office/drawing/2014/main" id="{A82C56C2-15FC-6775-DC2F-9E7D43C8AF1E}"/>
-              </a:ext>
-            </a:extLst>
-          </p:cNvPr>
-          <p:cNvSpPr txBox="1"/>
-          <p:nvPr/>
-        </p:nvSpPr>
-        <p:spPr>
-          <a:xfrm>
-            <a:off x="1386327" y="5563250"/>
-            <a:ext cx="5764591" cy="369332"/>
-          </a:xfrm>
-          <a:prstGeom prst="rect">
-            <a:avLst/>
-          </a:prstGeom>
-          <a:noFill/>
-        </p:spPr>
-        <p:txBody>
-          <a:bodyPr wrap="none" rtlCol="0">
-            <a:spAutoFit/>
-          </a:bodyPr>
-          <a:lstStyle/>
-          <a:p>
-            <a:r>
-              <a:rPr lang="en-US" dirty="0"/>
-              <a:t>Changing roughness to 0.001 gives 2.23 (1.38 if transposed)</a:t>
-            </a:r>
-          </a:p>
-        </p:txBody>
-      </p:sp>
-      <p:sp>
-        <p:nvSpPr>
-          <p:cNvPr id="11" name="TextBox 10">
-            <a:extLst>
-              <a:ext uri="{FF2B5EF4-FFF2-40B4-BE49-F238E27FC236}">
-                <a16:creationId xmlns:a16="http://schemas.microsoft.com/office/drawing/2014/main" id="{B9467FA9-84F7-0A78-0C78-C22681C8EFBA}"/>
-              </a:ext>
-            </a:extLst>
-          </p:cNvPr>
-          <p:cNvSpPr txBox="1"/>
-          <p:nvPr/>
-        </p:nvSpPr>
-        <p:spPr>
-          <a:xfrm>
-            <a:off x="1261856" y="6408053"/>
-            <a:ext cx="9668288" cy="369332"/>
-          </a:xfrm>
-          <a:prstGeom prst="rect">
-            <a:avLst/>
-          </a:prstGeom>
-          <a:noFill/>
-        </p:spPr>
-        <p:txBody>
-          <a:bodyPr wrap="none" rtlCol="0">
-            <a:spAutoFit/>
-          </a:bodyPr>
-          <a:lstStyle/>
-          <a:p>
-            <a:r>
-              <a:rPr lang="en-US" dirty="0"/>
-              <a:t>Wikipedia cites: Holmes JD. Wind Loading of Structures. 3rd ed. Boca Raton, Florida: CRC Press; 2015.</a:t>
-            </a:r>
-          </a:p>
-        </p:txBody>
-      </p:sp>
+      <mc:AlternateContent xmlns:mc="http://schemas.openxmlformats.org/markup-compatibility/2006">
+        <mc:Choice xmlns:a14="http://schemas.microsoft.com/office/drawing/2010/main" Requires="a14">
+          <p:sp>
+            <p:nvSpPr>
+              <p:cNvPr id="7" name="TextBox 6">
+                <a:extLst>
+                  <a:ext uri="{FF2B5EF4-FFF2-40B4-BE49-F238E27FC236}">
+                    <a16:creationId xmlns:a16="http://schemas.microsoft.com/office/drawing/2014/main" id="{F36B6B47-55AD-B5E9-A7A2-7F9AD5FCAE08}"/>
+                  </a:ext>
+                </a:extLst>
+              </p:cNvPr>
+              <p:cNvSpPr txBox="1"/>
+              <p:nvPr/>
+            </p:nvSpPr>
+            <p:spPr>
+              <a:xfrm>
+                <a:off x="1386327" y="5008350"/>
+                <a:ext cx="10282687" cy="369332"/>
+              </a:xfrm>
+              <a:prstGeom prst="rect">
+                <a:avLst/>
+              </a:prstGeom>
+              <a:noFill/>
+            </p:spPr>
+            <p:txBody>
+              <a:bodyPr wrap="none" rtlCol="0">
+                <a:spAutoFit/>
+              </a:bodyPr>
+              <a:lstStyle/>
+              <a:p>
+                <a:pPr/>
+                <a14:m>
+                  <m:oMathPara xmlns:m="http://schemas.openxmlformats.org/officeDocument/2006/math">
+                    <m:oMathParaPr>
+                      <m:jc m:val="centerGroup"/>
+                    </m:oMathParaPr>
+                    <m:oMath xmlns:m="http://schemas.openxmlformats.org/officeDocument/2006/math">
+                      <m:sSub>
+                        <m:sSubPr>
+                          <m:ctrlPr>
+                            <a:rPr lang="pl-PL" i="1" smtClean="0">
+                              <a:latin typeface="Cambria Math" panose="02040503050406030204" pitchFamily="18" charset="0"/>
+                            </a:rPr>
+                          </m:ctrlPr>
+                        </m:sSubPr>
+                        <m:e>
+                          <m:r>
+                            <a:rPr lang="pl-PL" i="1">
+                              <a:latin typeface="Cambria Math" panose="02040503050406030204" pitchFamily="18" charset="0"/>
+                            </a:rPr>
+                            <m:t>𝑢𝑧</m:t>
+                          </m:r>
+                        </m:e>
+                        <m:sub>
+                          <m:r>
+                            <a:rPr lang="pl-PL" i="1">
+                              <a:latin typeface="Cambria Math" panose="02040503050406030204" pitchFamily="18" charset="0"/>
+                            </a:rPr>
+                            <m:t>2</m:t>
+                          </m:r>
+                        </m:sub>
+                      </m:sSub>
+                      <m:r>
+                        <a:rPr lang="pl-PL" i="1">
+                          <a:latin typeface="Cambria Math" panose="02040503050406030204" pitchFamily="18" charset="0"/>
+                        </a:rPr>
+                        <m:t> =</m:t>
+                      </m:r>
+                      <m:r>
+                        <a:rPr lang="en-US" b="0" i="1" smtClean="0">
+                          <a:latin typeface="Cambria Math" panose="02040503050406030204" pitchFamily="18" charset="0"/>
+                        </a:rPr>
+                        <m:t>3.85 </m:t>
+                      </m:r>
+                      <m:r>
+                        <a:rPr lang="en-US" b="0" i="1" smtClean="0">
+                          <a:solidFill>
+                            <a:srgbClr val="FF0000"/>
+                          </a:solidFill>
+                          <a:latin typeface="Cambria Math" panose="02040503050406030204" pitchFamily="18" charset="0"/>
+                        </a:rPr>
+                        <m:t># </m:t>
+                      </m:r>
+                      <m:r>
+                        <a:rPr lang="en-US" b="0" i="1" smtClean="0">
+                          <a:solidFill>
+                            <a:srgbClr val="FF0000"/>
+                          </a:solidFill>
+                          <a:latin typeface="Cambria Math" panose="02040503050406030204" pitchFamily="18" charset="0"/>
+                        </a:rPr>
+                        <m:t>𝑃𝑙𝑎𝑐𝑒h𝑜𝑙𝑑𝑒𝑟</m:t>
+                      </m:r>
+                      <m:r>
+                        <a:rPr lang="en-US" b="0" i="1" smtClean="0">
+                          <a:solidFill>
+                            <a:srgbClr val="FF0000"/>
+                          </a:solidFill>
+                          <a:latin typeface="Cambria Math" panose="02040503050406030204" pitchFamily="18" charset="0"/>
+                        </a:rPr>
+                        <m:t>, </m:t>
+                      </m:r>
+                      <m:r>
+                        <a:rPr lang="en-US" b="0" i="1" smtClean="0">
+                          <a:solidFill>
+                            <a:srgbClr val="FF0000"/>
+                          </a:solidFill>
+                          <a:latin typeface="Cambria Math" panose="02040503050406030204" pitchFamily="18" charset="0"/>
+                        </a:rPr>
+                        <m:t>𝑢𝑠𝑒</m:t>
+                      </m:r>
+                      <m:r>
+                        <a:rPr lang="en-US" b="0" i="1" smtClean="0">
+                          <a:solidFill>
+                            <a:srgbClr val="FF0000"/>
+                          </a:solidFill>
+                          <a:latin typeface="Cambria Math" panose="02040503050406030204" pitchFamily="18" charset="0"/>
+                        </a:rPr>
+                        <m:t> 10 </m:t>
+                      </m:r>
+                      <m:r>
+                        <a:rPr lang="en-US" b="0" i="1" smtClean="0">
+                          <a:solidFill>
+                            <a:srgbClr val="FF0000"/>
+                          </a:solidFill>
+                          <a:latin typeface="Cambria Math" panose="02040503050406030204" pitchFamily="18" charset="0"/>
+                        </a:rPr>
+                        <m:t>𝑚</m:t>
+                      </m:r>
+                      <m:r>
+                        <a:rPr lang="en-US" b="0" i="1" smtClean="0">
+                          <a:solidFill>
+                            <a:srgbClr val="FF0000"/>
+                          </a:solidFill>
+                          <a:latin typeface="Cambria Math" panose="02040503050406030204" pitchFamily="18" charset="0"/>
+                        </a:rPr>
+                        <m:t> </m:t>
+                      </m:r>
+                      <m:r>
+                        <a:rPr lang="en-US" b="0" i="1" smtClean="0">
+                          <a:solidFill>
+                            <a:srgbClr val="FF0000"/>
+                          </a:solidFill>
+                          <a:latin typeface="Cambria Math" panose="02040503050406030204" pitchFamily="18" charset="0"/>
+                        </a:rPr>
+                        <m:t>𝑤𝑖𝑛𝑑</m:t>
+                      </m:r>
+                      <m:r>
+                        <a:rPr lang="en-US" b="0" i="1" smtClean="0">
+                          <a:solidFill>
+                            <a:srgbClr val="FF0000"/>
+                          </a:solidFill>
+                          <a:latin typeface="Cambria Math" panose="02040503050406030204" pitchFamily="18" charset="0"/>
+                        </a:rPr>
+                        <m:t> </m:t>
+                      </m:r>
+                      <m:r>
+                        <a:rPr lang="en-US" b="0" i="1" smtClean="0">
+                          <a:solidFill>
+                            <a:srgbClr val="FF0000"/>
+                          </a:solidFill>
+                          <a:latin typeface="Cambria Math" panose="02040503050406030204" pitchFamily="18" charset="0"/>
+                        </a:rPr>
+                        <m:t>h𝑒𝑖𝑔h𝑡</m:t>
+                      </m:r>
+                      <m:r>
+                        <a:rPr lang="en-US" b="0" i="1" smtClean="0">
+                          <a:solidFill>
+                            <a:srgbClr val="FF0000"/>
+                          </a:solidFill>
+                          <a:latin typeface="Cambria Math" panose="02040503050406030204" pitchFamily="18" charset="0"/>
+                        </a:rPr>
+                        <m:t> </m:t>
+                      </m:r>
+                      <m:r>
+                        <a:rPr lang="en-US" b="0" i="1" smtClean="0">
+                          <a:solidFill>
+                            <a:srgbClr val="FF0000"/>
+                          </a:solidFill>
+                          <a:latin typeface="Cambria Math" panose="02040503050406030204" pitchFamily="18" charset="0"/>
+                        </a:rPr>
+                        <m:t>𝑓𝑜𝑟</m:t>
+                      </m:r>
+                      <m:r>
+                        <a:rPr lang="en-US" b="0" i="1" smtClean="0">
+                          <a:solidFill>
+                            <a:srgbClr val="FF0000"/>
+                          </a:solidFill>
+                          <a:latin typeface="Cambria Math" panose="02040503050406030204" pitchFamily="18" charset="0"/>
+                        </a:rPr>
+                        <m:t> </m:t>
+                      </m:r>
+                      <m:r>
+                        <a:rPr lang="en-US" b="0" i="1" smtClean="0">
+                          <a:solidFill>
+                            <a:srgbClr val="FF0000"/>
+                          </a:solidFill>
+                          <a:latin typeface="Cambria Math" panose="02040503050406030204" pitchFamily="18" charset="0"/>
+                        </a:rPr>
+                        <m:t>𝑝𝑢𝑟𝑝𝑜𝑠𝑒𝑠</m:t>
+                      </m:r>
+                      <m:r>
+                        <a:rPr lang="en-US" b="0" i="1" smtClean="0">
+                          <a:solidFill>
+                            <a:srgbClr val="FF0000"/>
+                          </a:solidFill>
+                          <a:latin typeface="Cambria Math" panose="02040503050406030204" pitchFamily="18" charset="0"/>
+                        </a:rPr>
+                        <m:t> </m:t>
+                      </m:r>
+                      <m:r>
+                        <a:rPr lang="en-US" b="0" i="1" smtClean="0">
+                          <a:solidFill>
+                            <a:srgbClr val="FF0000"/>
+                          </a:solidFill>
+                          <a:latin typeface="Cambria Math" panose="02040503050406030204" pitchFamily="18" charset="0"/>
+                        </a:rPr>
+                        <m:t>𝑜𝑓</m:t>
+                      </m:r>
+                      <m:r>
+                        <a:rPr lang="en-US" b="0" i="1" smtClean="0">
+                          <a:solidFill>
+                            <a:srgbClr val="FF0000"/>
+                          </a:solidFill>
+                          <a:latin typeface="Cambria Math" panose="02040503050406030204" pitchFamily="18" charset="0"/>
+                        </a:rPr>
+                        <m:t> </m:t>
+                      </m:r>
+                      <m:r>
+                        <a:rPr lang="en-US" b="0" i="1" smtClean="0">
+                          <a:solidFill>
+                            <a:srgbClr val="FF0000"/>
+                          </a:solidFill>
+                          <a:latin typeface="Cambria Math" panose="02040503050406030204" pitchFamily="18" charset="0"/>
+                        </a:rPr>
+                        <m:t>𝑟𝑒𝑚𝑎𝑖𝑛𝑖𝑛𝑔</m:t>
+                      </m:r>
+                      <m:r>
+                        <a:rPr lang="en-US" b="0" i="1" smtClean="0">
+                          <a:solidFill>
+                            <a:srgbClr val="FF0000"/>
+                          </a:solidFill>
+                          <a:latin typeface="Cambria Math" panose="02040503050406030204" pitchFamily="18" charset="0"/>
+                        </a:rPr>
+                        <m:t> </m:t>
+                      </m:r>
+                      <m:r>
+                        <a:rPr lang="en-US" b="0" i="1" smtClean="0">
+                          <a:solidFill>
+                            <a:srgbClr val="FF0000"/>
+                          </a:solidFill>
+                          <a:latin typeface="Cambria Math" panose="02040503050406030204" pitchFamily="18" charset="0"/>
+                        </a:rPr>
+                        <m:t>𝑐𝑎𝑙𝑐𝑢𝑙𝑎𝑡𝑖𝑜𝑛𝑠</m:t>
+                      </m:r>
+                      <m:r>
+                        <a:rPr lang="en-US" b="0" i="1" smtClean="0">
+                          <a:solidFill>
+                            <a:srgbClr val="FF0000"/>
+                          </a:solidFill>
+                          <a:latin typeface="Cambria Math" panose="02040503050406030204" pitchFamily="18" charset="0"/>
+                        </a:rPr>
+                        <m:t> </m:t>
+                      </m:r>
+                      <m:r>
+                        <a:rPr lang="en-US" b="0" i="1" smtClean="0">
+                          <a:solidFill>
+                            <a:srgbClr val="FF0000"/>
+                          </a:solidFill>
+                          <a:latin typeface="Cambria Math" panose="02040503050406030204" pitchFamily="18" charset="0"/>
+                        </a:rPr>
+                        <m:t>𝑓𝑜𝑟</m:t>
+                      </m:r>
+                      <m:r>
+                        <a:rPr lang="en-US" b="0" i="1" smtClean="0">
+                          <a:solidFill>
+                            <a:srgbClr val="FF0000"/>
+                          </a:solidFill>
+                          <a:latin typeface="Cambria Math" panose="02040503050406030204" pitchFamily="18" charset="0"/>
+                        </a:rPr>
+                        <m:t> </m:t>
+                      </m:r>
+                      <m:r>
+                        <a:rPr lang="en-US" b="0" i="1" smtClean="0">
+                          <a:solidFill>
+                            <a:srgbClr val="FF0000"/>
+                          </a:solidFill>
+                          <a:latin typeface="Cambria Math" panose="02040503050406030204" pitchFamily="18" charset="0"/>
+                        </a:rPr>
+                        <m:t>𝑛𝑜𝑤</m:t>
+                      </m:r>
+                    </m:oMath>
+                  </m:oMathPara>
+                </a14:m>
+                <a:endParaRPr lang="en-US" dirty="0"/>
+              </a:p>
+            </p:txBody>
+          </p:sp>
+        </mc:Choice>
+        <mc:Fallback>
+          <p:sp>
+            <p:nvSpPr>
+              <p:cNvPr id="7" name="TextBox 6">
+                <a:extLst>
+                  <a:ext uri="{FF2B5EF4-FFF2-40B4-BE49-F238E27FC236}">
+                    <a16:creationId xmlns:a16="http://schemas.microsoft.com/office/drawing/2014/main" id="{F36B6B47-55AD-B5E9-A7A2-7F9AD5FCAE08}"/>
+                  </a:ext>
+                </a:extLst>
+              </p:cNvPr>
+              <p:cNvSpPr txBox="1">
+                <a:spLocks noRot="1" noChangeAspect="1" noMove="1" noResize="1" noEditPoints="1" noAdjustHandles="1" noChangeArrowheads="1" noChangeShapeType="1" noTextEdit="1"/>
+              </p:cNvSpPr>
+              <p:nvPr/>
+            </p:nvSpPr>
+            <p:spPr>
+              <a:xfrm>
+                <a:off x="1386327" y="5008350"/>
+                <a:ext cx="10282687" cy="369332"/>
+              </a:xfrm>
+              <a:prstGeom prst="rect">
+                <a:avLst/>
+              </a:prstGeom>
+              <a:blipFill>
+                <a:blip r:embed="rId5"/>
+                <a:stretch>
+                  <a:fillRect b="-13333"/>
+                </a:stretch>
+              </a:blipFill>
+            </p:spPr>
+            <p:txBody>
+              <a:bodyPr/>
+              <a:lstStyle/>
+              <a:p>
+                <a:r>
+                  <a:rPr lang="en-US">
+                    <a:noFill/>
+                  </a:rPr>
+                  <a:t> </a:t>
+                </a:r>
+              </a:p>
+            </p:txBody>
+          </p:sp>
+        </mc:Fallback>
+      </mc:AlternateContent>
     </p:spTree>
     <p:extLst>
       <p:ext uri="{BB962C8B-B14F-4D97-AF65-F5344CB8AC3E}">
@@ -7038,7 +7047,7 @@
 </p:sld>
 </file>
 
-<file path=ppt/slides/slide19.xml><?xml version="1.0" encoding="utf-8"?>
+<file path=ppt/slides/slide18.xml><?xml version="1.0" encoding="utf-8"?>
 <p:sld xmlns:a="http://schemas.openxmlformats.org/drawingml/2006/main" xmlns:r="http://schemas.openxmlformats.org/officeDocument/2006/relationships" xmlns:p="http://schemas.openxmlformats.org/presentationml/2006/main">
   <p:cSld>
     <p:spTree>
@@ -7055,8 +7064,8 @@
           <a:chExt cx="0" cy="0"/>
         </a:xfrm>
       </p:grpSpPr>
-      <mc:AlternateContent xmlns:mc="http://schemas.openxmlformats.org/markup-compatibility/2006">
-        <mc:Choice xmlns:a14="http://schemas.microsoft.com/office/drawing/2010/main" Requires="a14">
+      <mc:AlternateContent xmlns:mc="http://schemas.openxmlformats.org/markup-compatibility/2006" xmlns:a14="http://schemas.microsoft.com/office/drawing/2010/main">
+        <mc:Choice Requires="a14">
           <p:sp>
             <p:nvSpPr>
               <p:cNvPr id="4" name="TextBox 3">
@@ -7085,6 +7094,7 @@
               </a:bodyPr>
               <a:lstStyle/>
               <a:p>
+                <a:pPr/>
                 <a14:m>
                   <m:oMathPara xmlns:m="http://schemas.openxmlformats.org/officeDocument/2006/math">
                     <m:oMathParaPr>
@@ -7313,7 +7323,7 @@
             </p:txBody>
           </p:sp>
         </mc:Choice>
-        <mc:Fallback>
+        <mc:Fallback xmlns="">
           <p:sp>
             <p:nvSpPr>
               <p:cNvPr id="4" name="TextBox 3">
@@ -7358,8 +7368,8 @@
           </p:sp>
         </mc:Fallback>
       </mc:AlternateContent>
-      <mc:AlternateContent xmlns:mc="http://schemas.openxmlformats.org/markup-compatibility/2006">
-        <mc:Choice xmlns:a14="http://schemas.microsoft.com/office/drawing/2010/main" Requires="a14">
+      <mc:AlternateContent xmlns:mc="http://schemas.openxmlformats.org/markup-compatibility/2006" xmlns:a14="http://schemas.microsoft.com/office/drawing/2010/main">
+        <mc:Choice Requires="a14">
           <p:sp>
             <p:nvSpPr>
               <p:cNvPr id="5" name="TextBox 4">
@@ -7388,6 +7398,7 @@
               </a:bodyPr>
               <a:lstStyle/>
               <a:p>
+                <a:pPr/>
                 <a14:m>
                   <m:oMathPara xmlns:m="http://schemas.openxmlformats.org/officeDocument/2006/math">
                     <m:oMathParaPr>
@@ -7616,7 +7627,7 @@
             </p:txBody>
           </p:sp>
         </mc:Choice>
-        <mc:Fallback>
+        <mc:Fallback xmlns="">
           <p:sp>
             <p:nvSpPr>
               <p:cNvPr id="5" name="TextBox 4">
@@ -7661,8 +7672,8 @@
           </p:sp>
         </mc:Fallback>
       </mc:AlternateContent>
-      <mc:AlternateContent xmlns:mc="http://schemas.openxmlformats.org/markup-compatibility/2006">
-        <mc:Choice xmlns:a14="http://schemas.microsoft.com/office/drawing/2010/main" Requires="a14">
+      <mc:AlternateContent xmlns:mc="http://schemas.openxmlformats.org/markup-compatibility/2006" xmlns:a14="http://schemas.microsoft.com/office/drawing/2010/main">
+        <mc:Choice Requires="a14">
           <p:sp>
             <p:nvSpPr>
               <p:cNvPr id="6" name="TextBox 5">
@@ -7691,6 +7702,7 @@
               </a:bodyPr>
               <a:lstStyle/>
               <a:p>
+                <a:pPr/>
                 <a14:m>
                   <m:oMathPara xmlns:m="http://schemas.openxmlformats.org/officeDocument/2006/math">
                     <m:oMathParaPr>
@@ -7747,13 +7759,7 @@
                             <a:rPr lang="en-US" b="0" i="1" smtClean="0">
                               <a:latin typeface="Cambria Math" panose="02040503050406030204" pitchFamily="18" charset="0"/>
                             </a:rPr>
-                            <m:t>0.</m:t>
-                          </m:r>
-                          <m:r>
-                            <a:rPr lang="en-US" b="0" i="1" smtClean="0">
-                              <a:latin typeface="Cambria Math" panose="02040503050406030204" pitchFamily="18" charset="0"/>
-                            </a:rPr>
-                            <m:t>34405</m:t>
+                            <m:t>0.34405</m:t>
                           </m:r>
                         </m:num>
                         <m:den>
@@ -7885,7 +7891,7 @@
             </p:txBody>
           </p:sp>
         </mc:Choice>
-        <mc:Fallback>
+        <mc:Fallback xmlns="">
           <p:sp>
             <p:nvSpPr>
               <p:cNvPr id="6" name="TextBox 5">
@@ -7930,8 +7936,8 @@
           </p:sp>
         </mc:Fallback>
       </mc:AlternateContent>
-      <mc:AlternateContent xmlns:mc="http://schemas.openxmlformats.org/markup-compatibility/2006">
-        <mc:Choice xmlns:a14="http://schemas.microsoft.com/office/drawing/2010/main" Requires="a14">
+      <mc:AlternateContent xmlns:mc="http://schemas.openxmlformats.org/markup-compatibility/2006" xmlns:a14="http://schemas.microsoft.com/office/drawing/2010/main">
+        <mc:Choice Requires="a14">
           <p:sp>
             <p:nvSpPr>
               <p:cNvPr id="8" name="TextBox 7">
@@ -7960,6 +7966,7 @@
               </a:bodyPr>
               <a:lstStyle/>
               <a:p>
+                <a:pPr/>
                 <a14:m>
                   <m:oMathPara xmlns:m="http://schemas.openxmlformats.org/officeDocument/2006/math">
                     <m:oMathParaPr>
@@ -8117,7 +8124,7 @@
             </p:txBody>
           </p:sp>
         </mc:Choice>
-        <mc:Fallback>
+        <mc:Fallback xmlns="">
           <p:sp>
             <p:nvSpPr>
               <p:cNvPr id="8" name="TextBox 7">
@@ -8231,6 +8238,89 @@
     <p:extLst>
       <p:ext uri="{BB962C8B-B14F-4D97-AF65-F5344CB8AC3E}">
         <p14:creationId xmlns:p14="http://schemas.microsoft.com/office/powerpoint/2010/main" val="3698457217"/>
+      </p:ext>
+    </p:extLst>
+  </p:cSld>
+  <p:clrMapOvr>
+    <a:masterClrMapping/>
+  </p:clrMapOvr>
+</p:sld>
+</file>
+
+<file path=ppt/slides/slide19.xml><?xml version="1.0" encoding="utf-8"?>
+<p:sld xmlns:a="http://schemas.openxmlformats.org/drawingml/2006/main" xmlns:r="http://schemas.openxmlformats.org/officeDocument/2006/relationships" xmlns:p="http://schemas.openxmlformats.org/presentationml/2006/main">
+  <p:cSld>
+    <p:spTree>
+      <p:nvGrpSpPr>
+        <p:cNvPr id="1" name=""/>
+        <p:cNvGrpSpPr/>
+        <p:nvPr/>
+      </p:nvGrpSpPr>
+      <p:grpSpPr>
+        <a:xfrm>
+          <a:off x="0" y="0"/>
+          <a:ext cx="0" cy="0"/>
+          <a:chOff x="0" y="0"/>
+          <a:chExt cx="0" cy="0"/>
+        </a:xfrm>
+      </p:grpSpPr>
+      <p:sp>
+        <p:nvSpPr>
+          <p:cNvPr id="2" name="Title 1">
+            <a:extLst>
+              <a:ext uri="{FF2B5EF4-FFF2-40B4-BE49-F238E27FC236}">
+                <a16:creationId xmlns:a16="http://schemas.microsoft.com/office/drawing/2014/main" id="{5CF574DF-3DF9-825F-3566-44C4556923AC}"/>
+              </a:ext>
+            </a:extLst>
+          </p:cNvPr>
+          <p:cNvSpPr>
+            <a:spLocks noGrp="1"/>
+          </p:cNvSpPr>
+          <p:nvPr>
+            <p:ph type="title"/>
+          </p:nvPr>
+        </p:nvSpPr>
+        <p:spPr/>
+        <p:txBody>
+          <a:bodyPr/>
+          <a:lstStyle/>
+          <a:p>
+            <a:r>
+              <a:rPr lang="en-US" dirty="0"/>
+              <a:t>Part 3</a:t>
+            </a:r>
+          </a:p>
+        </p:txBody>
+      </p:sp>
+      <p:sp>
+        <p:nvSpPr>
+          <p:cNvPr id="3" name="Content Placeholder 2">
+            <a:extLst>
+              <a:ext uri="{FF2B5EF4-FFF2-40B4-BE49-F238E27FC236}">
+                <a16:creationId xmlns:a16="http://schemas.microsoft.com/office/drawing/2014/main" id="{A66A946F-F501-4652-7C2C-3E24F27B2E06}"/>
+              </a:ext>
+            </a:extLst>
+          </p:cNvPr>
+          <p:cNvSpPr>
+            <a:spLocks noGrp="1"/>
+          </p:cNvSpPr>
+          <p:nvPr>
+            <p:ph idx="1"/>
+          </p:nvPr>
+        </p:nvSpPr>
+        <p:spPr/>
+        <p:txBody>
+          <a:bodyPr/>
+          <a:lstStyle/>
+          <a:p>
+            <a:endParaRPr lang="en-US"/>
+          </a:p>
+        </p:txBody>
+      </p:sp>
+    </p:spTree>
+    <p:extLst>
+      <p:ext uri="{BB962C8B-B14F-4D97-AF65-F5344CB8AC3E}">
+        <p14:creationId xmlns:p14="http://schemas.microsoft.com/office/powerpoint/2010/main" val="103419915"/>
       </p:ext>
     </p:extLst>
   </p:cSld>
@@ -8360,7 +8450,7 @@
           <p:cNvPr id="2" name="Title 1">
             <a:extLst>
               <a:ext uri="{FF2B5EF4-FFF2-40B4-BE49-F238E27FC236}">
-                <a16:creationId xmlns:a16="http://schemas.microsoft.com/office/drawing/2014/main" id="{7C9CFCF0-2887-EB8C-1B98-52D1716993A2}"/>
+                <a16:creationId xmlns:a16="http://schemas.microsoft.com/office/drawing/2014/main" id="{E91A0E6B-6219-1764-73F9-F5C151208015}"/>
               </a:ext>
             </a:extLst>
           </p:cNvPr>
@@ -8380,215 +8470,8 @@
           </a:p>
         </p:txBody>
       </p:sp>
-      <p:sp>
-        <p:nvSpPr>
-          <p:cNvPr id="3" name="Content Placeholder 2">
-            <a:extLst>
-              <a:ext uri="{FF2B5EF4-FFF2-40B4-BE49-F238E27FC236}">
-                <a16:creationId xmlns:a16="http://schemas.microsoft.com/office/drawing/2014/main" id="{217145F7-01F9-4B7E-ED8B-738FAC5585F0}"/>
-              </a:ext>
-            </a:extLst>
-          </p:cNvPr>
-          <p:cNvSpPr>
-            <a:spLocks noGrp="1"/>
-          </p:cNvSpPr>
-          <p:nvPr>
-            <p:ph idx="1"/>
-          </p:nvPr>
-        </p:nvSpPr>
-        <p:spPr/>
-        <p:txBody>
-          <a:bodyPr/>
-          <a:lstStyle/>
-          <a:p>
-            <a:r>
-              <a:rPr lang="en-US" dirty="0"/>
-              <a:t>Is 2 m height correct? Does the height for cloud water interception need to be adjusted based on vegetation canopy height?</a:t>
-            </a:r>
-          </a:p>
-          <a:p>
-            <a:r>
-              <a:rPr lang="en-US" dirty="0"/>
-              <a:t>Tree height can be 30 m in Hawaii</a:t>
-            </a:r>
-          </a:p>
-        </p:txBody>
-      </p:sp>
-      <p:sp>
-        <p:nvSpPr>
-          <p:cNvPr id="4" name="TextBox 3">
-            <a:extLst>
-              <a:ext uri="{FF2B5EF4-FFF2-40B4-BE49-F238E27FC236}">
-                <a16:creationId xmlns:a16="http://schemas.microsoft.com/office/drawing/2014/main" id="{91C165BF-AD89-2B51-B54C-EEB9740E2886}"/>
-              </a:ext>
-            </a:extLst>
-          </p:cNvPr>
-          <p:cNvSpPr txBox="1"/>
-          <p:nvPr/>
-        </p:nvSpPr>
-        <p:spPr>
-          <a:xfrm>
-            <a:off x="914400" y="3063785"/>
-            <a:ext cx="10213848" cy="1200329"/>
-          </a:xfrm>
-          <a:prstGeom prst="rect">
-            <a:avLst/>
-          </a:prstGeom>
-          <a:noFill/>
-        </p:spPr>
-        <p:txBody>
-          <a:bodyPr wrap="square" rtlCol="0">
-            <a:spAutoFit/>
-          </a:bodyPr>
-          <a:lstStyle/>
-          <a:p>
-            <a:r>
-              <a:rPr lang="en-US" dirty="0"/>
-              <a:t>https://www.google.com/url?sa=t&amp;rct=j&amp;q=&amp;esrc=s&amp;source=web&amp;cd=&amp;ved=2ahUKEwjm-sbRyJKCAxUtFzQIHaDNBEcQFnoECBEQAw&amp;url=https%3A%2F%2Fwww.ctahr.hawaii.edu%2Fgsp%2Fdoc%2FForestry%2FLittle_Skolmen_CFT%2FCFT_Acacia_koa.pdf&amp;usg=AOvVaw2Td9d_est5q_LfzyyAB6XO&amp;opi=89978449</a:t>
-            </a:r>
-          </a:p>
-        </p:txBody>
-      </p:sp>
-    </p:spTree>
-    <p:extLst>
-      <p:ext uri="{BB962C8B-B14F-4D97-AF65-F5344CB8AC3E}">
-        <p14:creationId xmlns:p14="http://schemas.microsoft.com/office/powerpoint/2010/main" val="2597700373"/>
-      </p:ext>
-    </p:extLst>
-  </p:cSld>
-  <p:clrMapOvr>
-    <a:masterClrMapping/>
-  </p:clrMapOvr>
-</p:sld>
-</file>
-
-<file path=ppt/slides/slide21.xml><?xml version="1.0" encoding="utf-8"?>
-<p:sld xmlns:a="http://schemas.openxmlformats.org/drawingml/2006/main" xmlns:r="http://schemas.openxmlformats.org/officeDocument/2006/relationships" xmlns:p="http://schemas.openxmlformats.org/presentationml/2006/main">
-  <p:cSld>
-    <p:spTree>
-      <p:nvGrpSpPr>
-        <p:cNvPr id="1" name=""/>
-        <p:cNvGrpSpPr/>
-        <p:nvPr/>
-      </p:nvGrpSpPr>
-      <p:grpSpPr>
-        <a:xfrm>
-          <a:off x="0" y="0"/>
-          <a:ext cx="0" cy="0"/>
-          <a:chOff x="0" y="0"/>
-          <a:chExt cx="0" cy="0"/>
-        </a:xfrm>
-      </p:grpSpPr>
-      <p:sp>
-        <p:nvSpPr>
-          <p:cNvPr id="2" name="Title 1">
-            <a:extLst>
-              <a:ext uri="{FF2B5EF4-FFF2-40B4-BE49-F238E27FC236}">
-                <a16:creationId xmlns:a16="http://schemas.microsoft.com/office/drawing/2014/main" id="{5CF574DF-3DF9-825F-3566-44C4556923AC}"/>
-              </a:ext>
-            </a:extLst>
-          </p:cNvPr>
-          <p:cNvSpPr>
-            <a:spLocks noGrp="1"/>
-          </p:cNvSpPr>
-          <p:nvPr>
-            <p:ph type="title"/>
-          </p:nvPr>
-        </p:nvSpPr>
-        <p:spPr/>
-        <p:txBody>
-          <a:bodyPr/>
-          <a:lstStyle/>
-          <a:p>
-            <a:r>
-              <a:rPr lang="en-US" dirty="0"/>
-              <a:t>Part 3</a:t>
-            </a:r>
-          </a:p>
-        </p:txBody>
-      </p:sp>
-      <p:sp>
-        <p:nvSpPr>
-          <p:cNvPr id="3" name="Content Placeholder 2">
-            <a:extLst>
-              <a:ext uri="{FF2B5EF4-FFF2-40B4-BE49-F238E27FC236}">
-                <a16:creationId xmlns:a16="http://schemas.microsoft.com/office/drawing/2014/main" id="{A66A946F-F501-4652-7C2C-3E24F27B2E06}"/>
-              </a:ext>
-            </a:extLst>
-          </p:cNvPr>
-          <p:cNvSpPr>
-            <a:spLocks noGrp="1"/>
-          </p:cNvSpPr>
-          <p:nvPr>
-            <p:ph idx="1"/>
-          </p:nvPr>
-        </p:nvSpPr>
-        <p:spPr/>
-        <p:txBody>
-          <a:bodyPr/>
-          <a:lstStyle/>
-          <a:p>
-            <a:endParaRPr lang="en-US"/>
-          </a:p>
-        </p:txBody>
-      </p:sp>
-    </p:spTree>
-    <p:extLst>
-      <p:ext uri="{BB962C8B-B14F-4D97-AF65-F5344CB8AC3E}">
-        <p14:creationId xmlns:p14="http://schemas.microsoft.com/office/powerpoint/2010/main" val="103419915"/>
-      </p:ext>
-    </p:extLst>
-  </p:cSld>
-  <p:clrMapOvr>
-    <a:masterClrMapping/>
-  </p:clrMapOvr>
-</p:sld>
-</file>
-
-<file path=ppt/slides/slide22.xml><?xml version="1.0" encoding="utf-8"?>
-<p:sld xmlns:a="http://schemas.openxmlformats.org/drawingml/2006/main" xmlns:r="http://schemas.openxmlformats.org/officeDocument/2006/relationships" xmlns:p="http://schemas.openxmlformats.org/presentationml/2006/main">
-  <p:cSld>
-    <p:spTree>
-      <p:nvGrpSpPr>
-        <p:cNvPr id="1" name=""/>
-        <p:cNvGrpSpPr/>
-        <p:nvPr/>
-      </p:nvGrpSpPr>
-      <p:grpSpPr>
-        <a:xfrm>
-          <a:off x="0" y="0"/>
-          <a:ext cx="0" cy="0"/>
-          <a:chOff x="0" y="0"/>
-          <a:chExt cx="0" cy="0"/>
-        </a:xfrm>
-      </p:grpSpPr>
-      <p:sp>
-        <p:nvSpPr>
-          <p:cNvPr id="2" name="Title 1">
-            <a:extLst>
-              <a:ext uri="{FF2B5EF4-FFF2-40B4-BE49-F238E27FC236}">
-                <a16:creationId xmlns:a16="http://schemas.microsoft.com/office/drawing/2014/main" id="{E91A0E6B-6219-1764-73F9-F5C151208015}"/>
-              </a:ext>
-            </a:extLst>
-          </p:cNvPr>
-          <p:cNvSpPr>
-            <a:spLocks noGrp="1"/>
-          </p:cNvSpPr>
-          <p:nvPr>
-            <p:ph type="title"/>
-          </p:nvPr>
-        </p:nvSpPr>
-        <p:spPr/>
-        <p:txBody>
-          <a:bodyPr/>
-          <a:lstStyle/>
-          <a:p>
-            <a:endParaRPr lang="en-US"/>
-          </a:p>
-        </p:txBody>
-      </p:sp>
-      <mc:AlternateContent xmlns:mc="http://schemas.openxmlformats.org/markup-compatibility/2006">
-        <mc:Choice xmlns:a14="http://schemas.microsoft.com/office/drawing/2010/main" Requires="a14">
+      <mc:AlternateContent xmlns:mc="http://schemas.openxmlformats.org/markup-compatibility/2006" xmlns:a14="http://schemas.microsoft.com/office/drawing/2010/main">
+        <mc:Choice Requires="a14">
           <p:sp>
             <p:nvSpPr>
               <p:cNvPr id="4" name="TextBox 3">
@@ -8617,6 +8500,7 @@
               </a:bodyPr>
               <a:lstStyle/>
               <a:p>
+                <a:pPr/>
                 <a14:m>
                   <m:oMathPara xmlns:m="http://schemas.openxmlformats.org/officeDocument/2006/math">
                     <m:oMathParaPr>
@@ -8668,7 +8552,7 @@
             </p:txBody>
           </p:sp>
         </mc:Choice>
-        <mc:Fallback>
+        <mc:Fallback xmlns="">
           <p:sp>
             <p:nvSpPr>
               <p:cNvPr id="4" name="TextBox 3">
@@ -8713,8 +8597,8 @@
           </p:sp>
         </mc:Fallback>
       </mc:AlternateContent>
-      <mc:AlternateContent xmlns:mc="http://schemas.openxmlformats.org/markup-compatibility/2006">
-        <mc:Choice xmlns:a14="http://schemas.microsoft.com/office/drawing/2010/main" Requires="a14">
+      <mc:AlternateContent xmlns:mc="http://schemas.openxmlformats.org/markup-compatibility/2006" xmlns:a14="http://schemas.microsoft.com/office/drawing/2010/main">
+        <mc:Choice Requires="a14">
           <p:sp>
             <p:nvSpPr>
               <p:cNvPr id="5" name="TextBox 4">
@@ -8743,6 +8627,7 @@
               </a:bodyPr>
               <a:lstStyle/>
               <a:p>
+                <a:pPr/>
                 <a14:m>
                   <m:oMathPara xmlns:m="http://schemas.openxmlformats.org/officeDocument/2006/math">
                     <m:oMathParaPr>
@@ -8806,7 +8691,7 @@
             </p:txBody>
           </p:sp>
         </mc:Choice>
-        <mc:Fallback>
+        <mc:Fallback xmlns="">
           <p:sp>
             <p:nvSpPr>
               <p:cNvPr id="5" name="TextBox 4">
@@ -8881,6 +8766,7 @@
               </a:bodyPr>
               <a:lstStyle/>
               <a:p>
+                <a:pPr/>
                 <a14:m>
                   <m:oMathPara xmlns:m="http://schemas.openxmlformats.org/officeDocument/2006/math">
                     <m:oMathParaPr>
@@ -8920,7 +8806,7 @@
                             <a:rPr lang="en-US" b="0" i="1" smtClean="0">
                               <a:latin typeface="Cambria Math" panose="02040503050406030204" pitchFamily="18" charset="0"/>
                             </a:rPr>
-                            <m:t>1</m:t>
+                            <m:t>35</m:t>
                           </m:r>
                         </m:den>
                       </m:f>
@@ -8994,7 +8880,7 @@
             <p:spPr>
               <a:xfrm>
                 <a:off x="838200" y="2798143"/>
-                <a:ext cx="2748125" cy="280077"/>
+                <a:ext cx="2876365" cy="280077"/>
               </a:xfrm>
               <a:prstGeom prst="rect">
                 <a:avLst/>
@@ -9007,6 +8893,7 @@
               </a:bodyPr>
               <a:lstStyle/>
               <a:p>
+                <a:pPr/>
                 <a14:m>
                   <m:oMathPara xmlns:m="http://schemas.openxmlformats.org/officeDocument/2006/math">
                     <m:oMathParaPr>
@@ -9038,7 +8925,7 @@
                             <a:rPr lang="en-US" b="0" i="1" smtClean="0">
                               <a:latin typeface="Cambria Math" panose="02040503050406030204" pitchFamily="18" charset="0"/>
                             </a:rPr>
-                            <m:t>5.919342</m:t>
+                            <m:t>0.1691240</m:t>
                           </m:r>
                         </m:e>
                         <m:sup>
@@ -9076,7 +8963,7 @@
             <p:spPr>
               <a:xfrm>
                 <a:off x="838200" y="2798143"/>
-                <a:ext cx="2748125" cy="280077"/>
+                <a:ext cx="2876365" cy="280077"/>
               </a:xfrm>
               <a:prstGeom prst="rect">
                 <a:avLst/>
@@ -9084,7 +8971,7 @@
               <a:blipFill>
                 <a:blip r:embed="rId5"/>
                 <a:stretch>
-                  <a:fillRect l="-2000" t="-2174" r="-889" b="-10870"/>
+                  <a:fillRect l="-1911" t="-2174" r="-849" b="-10870"/>
                 </a:stretch>
               </a:blipFill>
             </p:spPr>
@@ -9120,7 +9007,7 @@
             <p:spPr>
               <a:xfrm>
                 <a:off x="827991" y="3421490"/>
-                <a:ext cx="1815241" cy="270652"/>
+                <a:ext cx="1687000" cy="270652"/>
               </a:xfrm>
               <a:prstGeom prst="rect">
                 <a:avLst/>
@@ -9133,6 +9020,7 @@
               </a:bodyPr>
               <a:lstStyle/>
               <a:p>
+                <a:pPr/>
                 <a14:m>
                   <m:oMathPara xmlns:m="http://schemas.openxmlformats.org/officeDocument/2006/math">
                     <m:oMathParaPr>
@@ -9149,7 +9037,7 @@
                         <a:rPr lang="en-US" b="0" i="1" smtClean="0">
                           <a:latin typeface="Cambria Math" panose="02040503050406030204" pitchFamily="18" charset="0"/>
                         </a:rPr>
-                        <m:t>=0.006740733</m:t>
+                        <m:t>=0.03987872</m:t>
                       </m:r>
                     </m:oMath>
                   </m:oMathPara>
@@ -9177,7 +9065,7 @@
             <p:spPr>
               <a:xfrm>
                 <a:off x="827991" y="3421490"/>
-                <a:ext cx="1815241" cy="270652"/>
+                <a:ext cx="1687000" cy="270652"/>
               </a:xfrm>
               <a:prstGeom prst="rect">
                 <a:avLst/>
@@ -9185,7 +9073,7 @@
               <a:blipFill>
                 <a:blip r:embed="rId6"/>
                 <a:stretch>
-                  <a:fillRect l="-3356" r="-3020" b="-11111"/>
+                  <a:fillRect l="-3610" r="-3249" b="-11111"/>
                 </a:stretch>
               </a:blipFill>
             </p:spPr>
@@ -9204,8 +9092,8 @@
           </p:sp>
         </mc:Fallback>
       </mc:AlternateContent>
-      <mc:AlternateContent xmlns:mc="http://schemas.openxmlformats.org/markup-compatibility/2006">
-        <mc:Choice xmlns:a14="http://schemas.microsoft.com/office/drawing/2010/main" Requires="a14">
+      <mc:AlternateContent xmlns:mc="http://schemas.openxmlformats.org/markup-compatibility/2006" xmlns:a14="http://schemas.microsoft.com/office/drawing/2010/main">
+        <mc:Choice Requires="a14">
           <p:sp>
             <p:nvSpPr>
               <p:cNvPr id="9" name="TextBox 8">
@@ -9234,6 +9122,7 @@
               </a:bodyPr>
               <a:lstStyle/>
               <a:p>
+                <a:pPr/>
                 <a14:m>
                   <m:oMathPara xmlns:m="http://schemas.openxmlformats.org/officeDocument/2006/math">
                     <m:oMathParaPr>
@@ -9302,7 +9191,7 @@
             </p:txBody>
           </p:sp>
         </mc:Choice>
-        <mc:Fallback>
+        <mc:Fallback xmlns="">
           <p:sp>
             <p:nvSpPr>
               <p:cNvPr id="9" name="TextBox 8">
@@ -9364,7 +9253,7 @@
             <p:spPr>
               <a:xfrm>
                 <a:off x="838200" y="4592785"/>
-                <a:ext cx="2947217" cy="270652"/>
+                <a:ext cx="2818977" cy="270652"/>
               </a:xfrm>
               <a:prstGeom prst="rect">
                 <a:avLst/>
@@ -9377,6 +9266,7 @@
               </a:bodyPr>
               <a:lstStyle/>
               <a:p>
+                <a:pPr/>
                 <a14:m>
                   <m:oMathPara xmlns:m="http://schemas.openxmlformats.org/officeDocument/2006/math">
                     <m:oMathParaPr>
@@ -9393,7 +9283,7 @@
                         <a:rPr lang="en-US" b="0" i="1" smtClean="0">
                           <a:latin typeface="Cambria Math" panose="02040503050406030204" pitchFamily="18" charset="0"/>
                         </a:rPr>
-                        <m:t>=0.006740733 ∗4.755</m:t>
+                        <m:t>=0.03987872 ∗4.755</m:t>
                       </m:r>
                     </m:oMath>
                   </m:oMathPara>
@@ -9421,7 +9311,7 @@
             <p:spPr>
               <a:xfrm>
                 <a:off x="838200" y="4592785"/>
-                <a:ext cx="2947217" cy="270652"/>
+                <a:ext cx="2818977" cy="270652"/>
               </a:xfrm>
               <a:prstGeom prst="rect">
                 <a:avLst/>
@@ -9429,7 +9319,7 @@
               <a:blipFill>
                 <a:blip r:embed="rId8"/>
                 <a:stretch>
-                  <a:fillRect l="-1863" r="-1863" b="-11111"/>
+                  <a:fillRect l="-1948" r="-1948" b="-11111"/>
                 </a:stretch>
               </a:blipFill>
             </p:spPr>
@@ -9465,7 +9355,7 @@
             <p:spPr>
               <a:xfrm>
                 <a:off x="861396" y="5027175"/>
-                <a:ext cx="1735347" cy="270652"/>
+                <a:ext cx="1991827" cy="270652"/>
               </a:xfrm>
               <a:prstGeom prst="rect">
                 <a:avLst/>
@@ -9478,6 +9368,7 @@
               </a:bodyPr>
               <a:lstStyle/>
               <a:p>
+                <a:pPr/>
                 <a14:m>
                   <m:oMathPara xmlns:m="http://schemas.openxmlformats.org/officeDocument/2006/math">
                     <m:oMathParaPr>
@@ -9494,7 +9385,7 @@
                         <a:rPr lang="en-US" b="0" i="1" smtClean="0">
                           <a:latin typeface="Cambria Math" panose="02040503050406030204" pitchFamily="18" charset="0"/>
                         </a:rPr>
-                        <m:t>=0.032055</m:t>
+                        <m:t>=0.18964002</m:t>
                       </m:r>
                     </m:oMath>
                   </m:oMathPara>
@@ -9522,7 +9413,7 @@
             <p:spPr>
               <a:xfrm>
                 <a:off x="861396" y="5027175"/>
-                <a:ext cx="1735347" cy="270652"/>
+                <a:ext cx="1991827" cy="270652"/>
               </a:xfrm>
               <a:prstGeom prst="rect">
                 <a:avLst/>
@@ -9530,7 +9421,7 @@
               <a:blipFill>
                 <a:blip r:embed="rId9"/>
                 <a:stretch>
-                  <a:fillRect l="-3158" r="-3509" b="-13636"/>
+                  <a:fillRect l="-2752" r="-3058" b="-11364"/>
                 </a:stretch>
               </a:blipFill>
             </p:spPr>
@@ -9553,6 +9444,125 @@
     <p:extLst>
       <p:ext uri="{BB962C8B-B14F-4D97-AF65-F5344CB8AC3E}">
         <p14:creationId xmlns:p14="http://schemas.microsoft.com/office/powerpoint/2010/main" val="3129093143"/>
+      </p:ext>
+    </p:extLst>
+  </p:cSld>
+  <p:clrMapOvr>
+    <a:masterClrMapping/>
+  </p:clrMapOvr>
+</p:sld>
+</file>
+
+<file path=ppt/slides/slide21.xml><?xml version="1.0" encoding="utf-8"?>
+<p:sld xmlns:a="http://schemas.openxmlformats.org/drawingml/2006/main" xmlns:r="http://schemas.openxmlformats.org/officeDocument/2006/relationships" xmlns:p="http://schemas.openxmlformats.org/presentationml/2006/main">
+  <p:cSld>
+    <p:spTree>
+      <p:nvGrpSpPr>
+        <p:cNvPr id="1" name=""/>
+        <p:cNvGrpSpPr/>
+        <p:nvPr/>
+      </p:nvGrpSpPr>
+      <p:grpSpPr>
+        <a:xfrm>
+          <a:off x="0" y="0"/>
+          <a:ext cx="0" cy="0"/>
+          <a:chOff x="0" y="0"/>
+          <a:chExt cx="0" cy="0"/>
+        </a:xfrm>
+      </p:grpSpPr>
+      <p:sp>
+        <p:nvSpPr>
+          <p:cNvPr id="2" name="Title 1">
+            <a:extLst>
+              <a:ext uri="{FF2B5EF4-FFF2-40B4-BE49-F238E27FC236}">
+                <a16:creationId xmlns:a16="http://schemas.microsoft.com/office/drawing/2014/main" id="{383BA06A-4B7C-43A5-CEBA-FF4457028B40}"/>
+              </a:ext>
+            </a:extLst>
+          </p:cNvPr>
+          <p:cNvSpPr>
+            <a:spLocks noGrp="1"/>
+          </p:cNvSpPr>
+          <p:nvPr>
+            <p:ph type="title"/>
+          </p:nvPr>
+        </p:nvSpPr>
+        <p:spPr/>
+        <p:txBody>
+          <a:bodyPr/>
+          <a:lstStyle/>
+          <a:p>
+            <a:r>
+              <a:rPr lang="en-US" dirty="0"/>
+              <a:t>Discussion</a:t>
+            </a:r>
+          </a:p>
+        </p:txBody>
+      </p:sp>
+      <p:sp>
+        <p:nvSpPr>
+          <p:cNvPr id="3" name="Content Placeholder 2">
+            <a:extLst>
+              <a:ext uri="{FF2B5EF4-FFF2-40B4-BE49-F238E27FC236}">
+                <a16:creationId xmlns:a16="http://schemas.microsoft.com/office/drawing/2014/main" id="{71834931-5118-D891-7E41-0E779EF2B685}"/>
+              </a:ext>
+            </a:extLst>
+          </p:cNvPr>
+          <p:cNvSpPr>
+            <a:spLocks noGrp="1"/>
+          </p:cNvSpPr>
+          <p:nvPr>
+            <p:ph idx="1"/>
+          </p:nvPr>
+        </p:nvSpPr>
+        <p:spPr/>
+        <p:txBody>
+          <a:bodyPr>
+            <a:normAutofit/>
+          </a:bodyPr>
+          <a:lstStyle/>
+          <a:p>
+            <a:r>
+              <a:rPr lang="en-US" dirty="0"/>
+              <a:t>WRF model has a minimum and a maximum roughness – would you like me to use those?</a:t>
+            </a:r>
+          </a:p>
+          <a:p>
+            <a:pPr lvl="1"/>
+            <a:r>
+              <a:rPr lang="en-US" dirty="0" err="1"/>
+              <a:t>Chunxi</a:t>
+            </a:r>
+            <a:r>
+              <a:rPr lang="en-US" dirty="0"/>
+              <a:t> said it changes by season (but for forest, min and max are the same).</a:t>
+            </a:r>
+          </a:p>
+          <a:p>
+            <a:r>
+              <a:rPr lang="en-US" dirty="0"/>
+              <a:t>Still need to look into getting higher wind layers</a:t>
+            </a:r>
+          </a:p>
+          <a:p>
+            <a:pPr lvl="1"/>
+            <a:r>
+              <a:rPr lang="en-US" dirty="0"/>
+              <a:t>Downscaling calculation does not work if d is greater than 10 m!</a:t>
+            </a:r>
+          </a:p>
+          <a:p>
+            <a:pPr lvl="1"/>
+            <a:r>
+              <a:rPr lang="en-US" dirty="0"/>
+              <a:t>I had assumed the problem was downscaling</a:t>
+            </a:r>
+          </a:p>
+        </p:txBody>
+      </p:sp>
+    </p:spTree>
+    <p:extLst>
+      <p:ext uri="{BB962C8B-B14F-4D97-AF65-F5344CB8AC3E}">
+        <p14:creationId xmlns:p14="http://schemas.microsoft.com/office/powerpoint/2010/main" val="1244806186"/>
       </p:ext>
     </p:extLst>
   </p:cSld>
@@ -21083,7 +21093,7 @@
             </a:r>
             <a:r>
               <a:rPr lang="en-US" dirty="0"/>
-              <a:t> (20.664650 °N, 156.233308 W)</a:t>
+              <a:t> (20.674650 °N, 156.233308 W)</a:t>
             </a:r>
           </a:p>
           <a:p>
